--- a/presentation.pptx
+++ b/presentation.pptx
@@ -24999,6 +24999,345 @@
   <p:clrMapOvr>
     <a:masterClrMapping/>
   </p:clrMapOvr>
+  <p:timing>
+    <p:tnLst>
+      <p:par>
+        <p:cTn id="1" dur="indefinite" restart="never" nodeType="tmRoot">
+          <p:childTnLst>
+            <p:seq concurrent="1" nextAc="seek">
+              <p:cTn id="2" dur="indefinite" nodeType="mainSeq">
+                <p:childTnLst>
+                  <p:par>
+                    <p:cTn id="3" fill="hold">
+                      <p:stCondLst>
+                        <p:cond delay="indefinite"/>
+                      </p:stCondLst>
+                      <p:childTnLst>
+                        <p:par>
+                          <p:cTn id="4" fill="hold">
+                            <p:stCondLst>
+                              <p:cond delay="0"/>
+                            </p:stCondLst>
+                            <p:childTnLst>
+                              <p:par>
+                                <p:cTn id="5" presetID="10" presetClass="entr" presetSubtype="0" fill="hold" grpId="0" nodeType="clickEffect">
+                                  <p:stCondLst>
+                                    <p:cond delay="0"/>
+                                  </p:stCondLst>
+                                  <p:childTnLst>
+                                    <p:set>
+                                      <p:cBhvr>
+                                        <p:cTn id="6" dur="1" fill="hold">
+                                          <p:stCondLst>
+                                            <p:cond delay="0"/>
+                                          </p:stCondLst>
+                                        </p:cTn>
+                                        <p:tgtEl>
+                                          <p:spTgt spid="5">
+                                            <p:txEl>
+                                              <p:pRg st="0" end="0"/>
+                                            </p:txEl>
+                                          </p:spTgt>
+                                        </p:tgtEl>
+                                        <p:attrNameLst>
+                                          <p:attrName>style.visibility</p:attrName>
+                                        </p:attrNameLst>
+                                      </p:cBhvr>
+                                      <p:to>
+                                        <p:strVal val="visible"/>
+                                      </p:to>
+                                    </p:set>
+                                    <p:animEffect transition="in" filter="fade">
+                                      <p:cBhvr>
+                                        <p:cTn id="7" dur="500"/>
+                                        <p:tgtEl>
+                                          <p:spTgt spid="5">
+                                            <p:txEl>
+                                              <p:pRg st="0" end="0"/>
+                                            </p:txEl>
+                                          </p:spTgt>
+                                        </p:tgtEl>
+                                      </p:cBhvr>
+                                    </p:animEffect>
+                                  </p:childTnLst>
+                                </p:cTn>
+                              </p:par>
+                            </p:childTnLst>
+                          </p:cTn>
+                        </p:par>
+                      </p:childTnLst>
+                    </p:cTn>
+                  </p:par>
+                  <p:par>
+                    <p:cTn id="8" fill="hold">
+                      <p:stCondLst>
+                        <p:cond delay="indefinite"/>
+                      </p:stCondLst>
+                      <p:childTnLst>
+                        <p:par>
+                          <p:cTn id="9" fill="hold">
+                            <p:stCondLst>
+                              <p:cond delay="0"/>
+                            </p:stCondLst>
+                            <p:childTnLst>
+                              <p:par>
+                                <p:cTn id="10" presetID="10" presetClass="entr" presetSubtype="0" fill="hold" grpId="0" nodeType="clickEffect">
+                                  <p:stCondLst>
+                                    <p:cond delay="0"/>
+                                  </p:stCondLst>
+                                  <p:childTnLst>
+                                    <p:set>
+                                      <p:cBhvr>
+                                        <p:cTn id="11" dur="1" fill="hold">
+                                          <p:stCondLst>
+                                            <p:cond delay="0"/>
+                                          </p:stCondLst>
+                                        </p:cTn>
+                                        <p:tgtEl>
+                                          <p:spTgt spid="5">
+                                            <p:txEl>
+                                              <p:pRg st="1" end="1"/>
+                                            </p:txEl>
+                                          </p:spTgt>
+                                        </p:tgtEl>
+                                        <p:attrNameLst>
+                                          <p:attrName>style.visibility</p:attrName>
+                                        </p:attrNameLst>
+                                      </p:cBhvr>
+                                      <p:to>
+                                        <p:strVal val="visible"/>
+                                      </p:to>
+                                    </p:set>
+                                    <p:animEffect transition="in" filter="fade">
+                                      <p:cBhvr>
+                                        <p:cTn id="12" dur="500"/>
+                                        <p:tgtEl>
+                                          <p:spTgt spid="5">
+                                            <p:txEl>
+                                              <p:pRg st="1" end="1"/>
+                                            </p:txEl>
+                                          </p:spTgt>
+                                        </p:tgtEl>
+                                      </p:cBhvr>
+                                    </p:animEffect>
+                                  </p:childTnLst>
+                                </p:cTn>
+                              </p:par>
+                            </p:childTnLst>
+                          </p:cTn>
+                        </p:par>
+                      </p:childTnLst>
+                    </p:cTn>
+                  </p:par>
+                  <p:par>
+                    <p:cTn id="13" fill="hold">
+                      <p:stCondLst>
+                        <p:cond delay="indefinite"/>
+                      </p:stCondLst>
+                      <p:childTnLst>
+                        <p:par>
+                          <p:cTn id="14" fill="hold">
+                            <p:stCondLst>
+                              <p:cond delay="0"/>
+                            </p:stCondLst>
+                            <p:childTnLst>
+                              <p:par>
+                                <p:cTn id="15" presetID="10" presetClass="entr" presetSubtype="0" fill="hold" grpId="0" nodeType="clickEffect">
+                                  <p:stCondLst>
+                                    <p:cond delay="0"/>
+                                  </p:stCondLst>
+                                  <p:childTnLst>
+                                    <p:set>
+                                      <p:cBhvr>
+                                        <p:cTn id="16" dur="1" fill="hold">
+                                          <p:stCondLst>
+                                            <p:cond delay="0"/>
+                                          </p:stCondLst>
+                                        </p:cTn>
+                                        <p:tgtEl>
+                                          <p:spTgt spid="5">
+                                            <p:txEl>
+                                              <p:pRg st="2" end="2"/>
+                                            </p:txEl>
+                                          </p:spTgt>
+                                        </p:tgtEl>
+                                        <p:attrNameLst>
+                                          <p:attrName>style.visibility</p:attrName>
+                                        </p:attrNameLst>
+                                      </p:cBhvr>
+                                      <p:to>
+                                        <p:strVal val="visible"/>
+                                      </p:to>
+                                    </p:set>
+                                    <p:animEffect transition="in" filter="fade">
+                                      <p:cBhvr>
+                                        <p:cTn id="17" dur="500"/>
+                                        <p:tgtEl>
+                                          <p:spTgt spid="5">
+                                            <p:txEl>
+                                              <p:pRg st="2" end="2"/>
+                                            </p:txEl>
+                                          </p:spTgt>
+                                        </p:tgtEl>
+                                      </p:cBhvr>
+                                    </p:animEffect>
+                                  </p:childTnLst>
+                                </p:cTn>
+                              </p:par>
+                            </p:childTnLst>
+                          </p:cTn>
+                        </p:par>
+                      </p:childTnLst>
+                    </p:cTn>
+                  </p:par>
+                  <p:par>
+                    <p:cTn id="18" fill="hold">
+                      <p:stCondLst>
+                        <p:cond delay="indefinite"/>
+                      </p:stCondLst>
+                      <p:childTnLst>
+                        <p:par>
+                          <p:cTn id="19" fill="hold">
+                            <p:stCondLst>
+                              <p:cond delay="0"/>
+                            </p:stCondLst>
+                            <p:childTnLst>
+                              <p:par>
+                                <p:cTn id="20" presetID="10" presetClass="entr" presetSubtype="0" fill="hold" grpId="0" nodeType="clickEffect">
+                                  <p:stCondLst>
+                                    <p:cond delay="0"/>
+                                  </p:stCondLst>
+                                  <p:childTnLst>
+                                    <p:set>
+                                      <p:cBhvr>
+                                        <p:cTn id="21" dur="1" fill="hold">
+                                          <p:stCondLst>
+                                            <p:cond delay="0"/>
+                                          </p:stCondLst>
+                                        </p:cTn>
+                                        <p:tgtEl>
+                                          <p:spTgt spid="9">
+                                            <p:txEl>
+                                              <p:pRg st="0" end="0"/>
+                                            </p:txEl>
+                                          </p:spTgt>
+                                        </p:tgtEl>
+                                        <p:attrNameLst>
+                                          <p:attrName>style.visibility</p:attrName>
+                                        </p:attrNameLst>
+                                      </p:cBhvr>
+                                      <p:to>
+                                        <p:strVal val="visible"/>
+                                      </p:to>
+                                    </p:set>
+                                    <p:animEffect transition="in" filter="fade">
+                                      <p:cBhvr>
+                                        <p:cTn id="22" dur="500"/>
+                                        <p:tgtEl>
+                                          <p:spTgt spid="9">
+                                            <p:txEl>
+                                              <p:pRg st="0" end="0"/>
+                                            </p:txEl>
+                                          </p:spTgt>
+                                        </p:tgtEl>
+                                      </p:cBhvr>
+                                    </p:animEffect>
+                                  </p:childTnLst>
+                                </p:cTn>
+                              </p:par>
+                            </p:childTnLst>
+                          </p:cTn>
+                        </p:par>
+                      </p:childTnLst>
+                    </p:cTn>
+                  </p:par>
+                  <p:par>
+                    <p:cTn id="23" fill="hold">
+                      <p:stCondLst>
+                        <p:cond delay="indefinite"/>
+                      </p:stCondLst>
+                      <p:childTnLst>
+                        <p:par>
+                          <p:cTn id="24" fill="hold">
+                            <p:stCondLst>
+                              <p:cond delay="0"/>
+                            </p:stCondLst>
+                            <p:childTnLst>
+                              <p:par>
+                                <p:cTn id="25" presetID="10" presetClass="entr" presetSubtype="0" fill="hold" grpId="0" nodeType="clickEffect">
+                                  <p:stCondLst>
+                                    <p:cond delay="0"/>
+                                  </p:stCondLst>
+                                  <p:childTnLst>
+                                    <p:set>
+                                      <p:cBhvr>
+                                        <p:cTn id="26" dur="1" fill="hold">
+                                          <p:stCondLst>
+                                            <p:cond delay="0"/>
+                                          </p:stCondLst>
+                                        </p:cTn>
+                                        <p:tgtEl>
+                                          <p:spTgt spid="9">
+                                            <p:txEl>
+                                              <p:pRg st="1" end="1"/>
+                                            </p:txEl>
+                                          </p:spTgt>
+                                        </p:tgtEl>
+                                        <p:attrNameLst>
+                                          <p:attrName>style.visibility</p:attrName>
+                                        </p:attrNameLst>
+                                      </p:cBhvr>
+                                      <p:to>
+                                        <p:strVal val="visible"/>
+                                      </p:to>
+                                    </p:set>
+                                    <p:animEffect transition="in" filter="fade">
+                                      <p:cBhvr>
+                                        <p:cTn id="27" dur="500"/>
+                                        <p:tgtEl>
+                                          <p:spTgt spid="9">
+                                            <p:txEl>
+                                              <p:pRg st="1" end="1"/>
+                                            </p:txEl>
+                                          </p:spTgt>
+                                        </p:tgtEl>
+                                      </p:cBhvr>
+                                    </p:animEffect>
+                                  </p:childTnLst>
+                                </p:cTn>
+                              </p:par>
+                            </p:childTnLst>
+                          </p:cTn>
+                        </p:par>
+                      </p:childTnLst>
+                    </p:cTn>
+                  </p:par>
+                </p:childTnLst>
+              </p:cTn>
+              <p:prevCondLst>
+                <p:cond evt="onPrev" delay="0">
+                  <p:tgtEl>
+                    <p:sldTgt/>
+                  </p:tgtEl>
+                </p:cond>
+              </p:prevCondLst>
+              <p:nextCondLst>
+                <p:cond evt="onNext" delay="0">
+                  <p:tgtEl>
+                    <p:sldTgt/>
+                  </p:tgtEl>
+                </p:cond>
+              </p:nextCondLst>
+            </p:seq>
+          </p:childTnLst>
+        </p:cTn>
+      </p:par>
+    </p:tnLst>
+    <p:bldLst>
+      <p:bldP spid="5" grpId="0" build="p"/>
+      <p:bldP spid="9" grpId="0" build="p"/>
+    </p:bldLst>
+  </p:timing>
 </p:sld>
 </file>
 
@@ -25347,6 +25686,223 @@
   <p:clrMapOvr>
     <a:masterClrMapping/>
   </p:clrMapOvr>
+  <p:timing>
+    <p:tnLst>
+      <p:par>
+        <p:cTn id="1" dur="indefinite" restart="never" nodeType="tmRoot">
+          <p:childTnLst>
+            <p:seq concurrent="1" nextAc="seek">
+              <p:cTn id="2" dur="indefinite" nodeType="mainSeq">
+                <p:childTnLst>
+                  <p:par>
+                    <p:cTn id="3" fill="hold">
+                      <p:stCondLst>
+                        <p:cond delay="indefinite"/>
+                      </p:stCondLst>
+                      <p:childTnLst>
+                        <p:par>
+                          <p:cTn id="4" fill="hold">
+                            <p:stCondLst>
+                              <p:cond delay="0"/>
+                            </p:stCondLst>
+                            <p:childTnLst>
+                              <p:par>
+                                <p:cTn id="5" presetID="10" presetClass="entr" presetSubtype="0" fill="hold" grpId="0" nodeType="clickEffect">
+                                  <p:stCondLst>
+                                    <p:cond delay="0"/>
+                                  </p:stCondLst>
+                                  <p:childTnLst>
+                                    <p:set>
+                                      <p:cBhvr>
+                                        <p:cTn id="6" dur="1" fill="hold">
+                                          <p:stCondLst>
+                                            <p:cond delay="0"/>
+                                          </p:stCondLst>
+                                        </p:cTn>
+                                        <p:tgtEl>
+                                          <p:spTgt spid="5">
+                                            <p:txEl>
+                                              <p:pRg st="0" end="0"/>
+                                            </p:txEl>
+                                          </p:spTgt>
+                                        </p:tgtEl>
+                                        <p:attrNameLst>
+                                          <p:attrName>style.visibility</p:attrName>
+                                        </p:attrNameLst>
+                                      </p:cBhvr>
+                                      <p:to>
+                                        <p:strVal val="visible"/>
+                                      </p:to>
+                                    </p:set>
+                                    <p:animEffect transition="in" filter="fade">
+                                      <p:cBhvr>
+                                        <p:cTn id="7" dur="500"/>
+                                        <p:tgtEl>
+                                          <p:spTgt spid="5">
+                                            <p:txEl>
+                                              <p:pRg st="0" end="0"/>
+                                            </p:txEl>
+                                          </p:spTgt>
+                                        </p:tgtEl>
+                                      </p:cBhvr>
+                                    </p:animEffect>
+                                  </p:childTnLst>
+                                </p:cTn>
+                              </p:par>
+                            </p:childTnLst>
+                          </p:cTn>
+                        </p:par>
+                      </p:childTnLst>
+                    </p:cTn>
+                  </p:par>
+                  <p:par>
+                    <p:cTn id="8" fill="hold">
+                      <p:stCondLst>
+                        <p:cond delay="indefinite"/>
+                      </p:stCondLst>
+                      <p:childTnLst>
+                        <p:par>
+                          <p:cTn id="9" fill="hold">
+                            <p:stCondLst>
+                              <p:cond delay="0"/>
+                            </p:stCondLst>
+                            <p:childTnLst>
+                              <p:par>
+                                <p:cTn id="10" presetID="10" presetClass="entr" presetSubtype="0" fill="hold" grpId="0" nodeType="clickEffect">
+                                  <p:stCondLst>
+                                    <p:cond delay="0"/>
+                                  </p:stCondLst>
+                                  <p:childTnLst>
+                                    <p:set>
+                                      <p:cBhvr>
+                                        <p:cTn id="11" dur="1" fill="hold">
+                                          <p:stCondLst>
+                                            <p:cond delay="0"/>
+                                          </p:stCondLst>
+                                        </p:cTn>
+                                        <p:tgtEl>
+                                          <p:spTgt spid="5">
+                                            <p:txEl>
+                                              <p:pRg st="1" end="1"/>
+                                            </p:txEl>
+                                          </p:spTgt>
+                                        </p:tgtEl>
+                                        <p:attrNameLst>
+                                          <p:attrName>style.visibility</p:attrName>
+                                        </p:attrNameLst>
+                                      </p:cBhvr>
+                                      <p:to>
+                                        <p:strVal val="visible"/>
+                                      </p:to>
+                                    </p:set>
+                                    <p:animEffect transition="in" filter="fade">
+                                      <p:cBhvr>
+                                        <p:cTn id="12" dur="500"/>
+                                        <p:tgtEl>
+                                          <p:spTgt spid="5">
+                                            <p:txEl>
+                                              <p:pRg st="1" end="1"/>
+                                            </p:txEl>
+                                          </p:spTgt>
+                                        </p:tgtEl>
+                                      </p:cBhvr>
+                                    </p:animEffect>
+                                  </p:childTnLst>
+                                </p:cTn>
+                              </p:par>
+                            </p:childTnLst>
+                          </p:cTn>
+                        </p:par>
+                      </p:childTnLst>
+                    </p:cTn>
+                  </p:par>
+                  <p:par>
+                    <p:cTn id="13" fill="hold">
+                      <p:stCondLst>
+                        <p:cond delay="indefinite"/>
+                      </p:stCondLst>
+                      <p:childTnLst>
+                        <p:par>
+                          <p:cTn id="14" fill="hold">
+                            <p:stCondLst>
+                              <p:cond delay="0"/>
+                            </p:stCondLst>
+                            <p:childTnLst>
+                              <p:par>
+                                <p:cTn id="15" presetID="10" presetClass="entr" presetSubtype="0" fill="hold" grpId="0" nodeType="clickEffect">
+                                  <p:stCondLst>
+                                    <p:cond delay="0"/>
+                                  </p:stCondLst>
+                                  <p:childTnLst>
+                                    <p:set>
+                                      <p:cBhvr>
+                                        <p:cTn id="16" dur="1" fill="hold">
+                                          <p:stCondLst>
+                                            <p:cond delay="0"/>
+                                          </p:stCondLst>
+                                        </p:cTn>
+                                        <p:tgtEl>
+                                          <p:spTgt spid="9">
+                                            <p:txEl>
+                                              <p:pRg st="0" end="0"/>
+                                            </p:txEl>
+                                          </p:spTgt>
+                                        </p:tgtEl>
+                                        <p:attrNameLst>
+                                          <p:attrName>style.visibility</p:attrName>
+                                        </p:attrNameLst>
+                                      </p:cBhvr>
+                                      <p:to>
+                                        <p:strVal val="visible"/>
+                                      </p:to>
+                                    </p:set>
+                                    <p:animEffect transition="in" filter="fade">
+                                      <p:cBhvr>
+                                        <p:cTn id="17" dur="500"/>
+                                        <p:tgtEl>
+                                          <p:spTgt spid="9">
+                                            <p:txEl>
+                                              <p:pRg st="0" end="0"/>
+                                            </p:txEl>
+                                          </p:spTgt>
+                                        </p:tgtEl>
+                                      </p:cBhvr>
+                                    </p:animEffect>
+                                  </p:childTnLst>
+                                </p:cTn>
+                              </p:par>
+                            </p:childTnLst>
+                          </p:cTn>
+                        </p:par>
+                      </p:childTnLst>
+                    </p:cTn>
+                  </p:par>
+                </p:childTnLst>
+              </p:cTn>
+              <p:prevCondLst>
+                <p:cond evt="onPrev" delay="0">
+                  <p:tgtEl>
+                    <p:sldTgt/>
+                  </p:tgtEl>
+                </p:cond>
+              </p:prevCondLst>
+              <p:nextCondLst>
+                <p:cond evt="onNext" delay="0">
+                  <p:tgtEl>
+                    <p:sldTgt/>
+                  </p:tgtEl>
+                </p:cond>
+              </p:nextCondLst>
+            </p:seq>
+          </p:childTnLst>
+        </p:cTn>
+      </p:par>
+    </p:tnLst>
+    <p:bldLst>
+      <p:bldP spid="5" grpId="0" build="p"/>
+      <p:bldP spid="9" grpId="0" build="p"/>
+    </p:bldLst>
+  </p:timing>
 </p:sld>
 </file>
 
@@ -25527,6 +26083,223 @@
   <p:clrMapOvr>
     <a:masterClrMapping/>
   </p:clrMapOvr>
+  <p:timing>
+    <p:tnLst>
+      <p:par>
+        <p:cTn id="1" dur="indefinite" restart="never" nodeType="tmRoot">
+          <p:childTnLst>
+            <p:seq concurrent="1" nextAc="seek">
+              <p:cTn id="2" dur="indefinite" nodeType="mainSeq">
+                <p:childTnLst>
+                  <p:par>
+                    <p:cTn id="3" fill="hold">
+                      <p:stCondLst>
+                        <p:cond delay="indefinite"/>
+                      </p:stCondLst>
+                      <p:childTnLst>
+                        <p:par>
+                          <p:cTn id="4" fill="hold">
+                            <p:stCondLst>
+                              <p:cond delay="0"/>
+                            </p:stCondLst>
+                            <p:childTnLst>
+                              <p:par>
+                                <p:cTn id="5" presetID="10" presetClass="entr" presetSubtype="0" fill="hold" grpId="0" nodeType="clickEffect">
+                                  <p:stCondLst>
+                                    <p:cond delay="0"/>
+                                  </p:stCondLst>
+                                  <p:childTnLst>
+                                    <p:set>
+                                      <p:cBhvr>
+                                        <p:cTn id="6" dur="1" fill="hold">
+                                          <p:stCondLst>
+                                            <p:cond delay="0"/>
+                                          </p:stCondLst>
+                                        </p:cTn>
+                                        <p:tgtEl>
+                                          <p:spTgt spid="5">
+                                            <p:txEl>
+                                              <p:pRg st="0" end="0"/>
+                                            </p:txEl>
+                                          </p:spTgt>
+                                        </p:tgtEl>
+                                        <p:attrNameLst>
+                                          <p:attrName>style.visibility</p:attrName>
+                                        </p:attrNameLst>
+                                      </p:cBhvr>
+                                      <p:to>
+                                        <p:strVal val="visible"/>
+                                      </p:to>
+                                    </p:set>
+                                    <p:animEffect transition="in" filter="fade">
+                                      <p:cBhvr>
+                                        <p:cTn id="7" dur="500"/>
+                                        <p:tgtEl>
+                                          <p:spTgt spid="5">
+                                            <p:txEl>
+                                              <p:pRg st="0" end="0"/>
+                                            </p:txEl>
+                                          </p:spTgt>
+                                        </p:tgtEl>
+                                      </p:cBhvr>
+                                    </p:animEffect>
+                                  </p:childTnLst>
+                                </p:cTn>
+                              </p:par>
+                            </p:childTnLst>
+                          </p:cTn>
+                        </p:par>
+                      </p:childTnLst>
+                    </p:cTn>
+                  </p:par>
+                  <p:par>
+                    <p:cTn id="8" fill="hold">
+                      <p:stCondLst>
+                        <p:cond delay="indefinite"/>
+                      </p:stCondLst>
+                      <p:childTnLst>
+                        <p:par>
+                          <p:cTn id="9" fill="hold">
+                            <p:stCondLst>
+                              <p:cond delay="0"/>
+                            </p:stCondLst>
+                            <p:childTnLst>
+                              <p:par>
+                                <p:cTn id="10" presetID="10" presetClass="entr" presetSubtype="0" fill="hold" grpId="0" nodeType="clickEffect">
+                                  <p:stCondLst>
+                                    <p:cond delay="0"/>
+                                  </p:stCondLst>
+                                  <p:childTnLst>
+                                    <p:set>
+                                      <p:cBhvr>
+                                        <p:cTn id="11" dur="1" fill="hold">
+                                          <p:stCondLst>
+                                            <p:cond delay="0"/>
+                                          </p:stCondLst>
+                                        </p:cTn>
+                                        <p:tgtEl>
+                                          <p:spTgt spid="9">
+                                            <p:txEl>
+                                              <p:pRg st="0" end="0"/>
+                                            </p:txEl>
+                                          </p:spTgt>
+                                        </p:tgtEl>
+                                        <p:attrNameLst>
+                                          <p:attrName>style.visibility</p:attrName>
+                                        </p:attrNameLst>
+                                      </p:cBhvr>
+                                      <p:to>
+                                        <p:strVal val="visible"/>
+                                      </p:to>
+                                    </p:set>
+                                    <p:animEffect transition="in" filter="fade">
+                                      <p:cBhvr>
+                                        <p:cTn id="12" dur="500"/>
+                                        <p:tgtEl>
+                                          <p:spTgt spid="9">
+                                            <p:txEl>
+                                              <p:pRg st="0" end="0"/>
+                                            </p:txEl>
+                                          </p:spTgt>
+                                        </p:tgtEl>
+                                      </p:cBhvr>
+                                    </p:animEffect>
+                                  </p:childTnLst>
+                                </p:cTn>
+                              </p:par>
+                            </p:childTnLst>
+                          </p:cTn>
+                        </p:par>
+                      </p:childTnLst>
+                    </p:cTn>
+                  </p:par>
+                  <p:par>
+                    <p:cTn id="13" fill="hold">
+                      <p:stCondLst>
+                        <p:cond delay="indefinite"/>
+                      </p:stCondLst>
+                      <p:childTnLst>
+                        <p:par>
+                          <p:cTn id="14" fill="hold">
+                            <p:stCondLst>
+                              <p:cond delay="0"/>
+                            </p:stCondLst>
+                            <p:childTnLst>
+                              <p:par>
+                                <p:cTn id="15" presetID="10" presetClass="entr" presetSubtype="0" fill="hold" grpId="0" nodeType="clickEffect">
+                                  <p:stCondLst>
+                                    <p:cond delay="0"/>
+                                  </p:stCondLst>
+                                  <p:childTnLst>
+                                    <p:set>
+                                      <p:cBhvr>
+                                        <p:cTn id="16" dur="1" fill="hold">
+                                          <p:stCondLst>
+                                            <p:cond delay="0"/>
+                                          </p:stCondLst>
+                                        </p:cTn>
+                                        <p:tgtEl>
+                                          <p:spTgt spid="9">
+                                            <p:txEl>
+                                              <p:pRg st="1" end="1"/>
+                                            </p:txEl>
+                                          </p:spTgt>
+                                        </p:tgtEl>
+                                        <p:attrNameLst>
+                                          <p:attrName>style.visibility</p:attrName>
+                                        </p:attrNameLst>
+                                      </p:cBhvr>
+                                      <p:to>
+                                        <p:strVal val="visible"/>
+                                      </p:to>
+                                    </p:set>
+                                    <p:animEffect transition="in" filter="fade">
+                                      <p:cBhvr>
+                                        <p:cTn id="17" dur="500"/>
+                                        <p:tgtEl>
+                                          <p:spTgt spid="9">
+                                            <p:txEl>
+                                              <p:pRg st="1" end="1"/>
+                                            </p:txEl>
+                                          </p:spTgt>
+                                        </p:tgtEl>
+                                      </p:cBhvr>
+                                    </p:animEffect>
+                                  </p:childTnLst>
+                                </p:cTn>
+                              </p:par>
+                            </p:childTnLst>
+                          </p:cTn>
+                        </p:par>
+                      </p:childTnLst>
+                    </p:cTn>
+                  </p:par>
+                </p:childTnLst>
+              </p:cTn>
+              <p:prevCondLst>
+                <p:cond evt="onPrev" delay="0">
+                  <p:tgtEl>
+                    <p:sldTgt/>
+                  </p:tgtEl>
+                </p:cond>
+              </p:prevCondLst>
+              <p:nextCondLst>
+                <p:cond evt="onNext" delay="0">
+                  <p:tgtEl>
+                    <p:sldTgt/>
+                  </p:tgtEl>
+                </p:cond>
+              </p:nextCondLst>
+            </p:seq>
+          </p:childTnLst>
+        </p:cTn>
+      </p:par>
+    </p:tnLst>
+    <p:bldLst>
+      <p:bldP spid="5" grpId="0" build="p"/>
+      <p:bldP spid="9" grpId="0" build="p"/>
+    </p:bldLst>
+  </p:timing>
 </p:sld>
 </file>
 
@@ -25703,6 +26476,223 @@
   <p:clrMapOvr>
     <a:masterClrMapping/>
   </p:clrMapOvr>
+  <p:timing>
+    <p:tnLst>
+      <p:par>
+        <p:cTn id="1" dur="indefinite" restart="never" nodeType="tmRoot">
+          <p:childTnLst>
+            <p:seq concurrent="1" nextAc="seek">
+              <p:cTn id="2" dur="indefinite" nodeType="mainSeq">
+                <p:childTnLst>
+                  <p:par>
+                    <p:cTn id="3" fill="hold">
+                      <p:stCondLst>
+                        <p:cond delay="indefinite"/>
+                      </p:stCondLst>
+                      <p:childTnLst>
+                        <p:par>
+                          <p:cTn id="4" fill="hold">
+                            <p:stCondLst>
+                              <p:cond delay="0"/>
+                            </p:stCondLst>
+                            <p:childTnLst>
+                              <p:par>
+                                <p:cTn id="5" presetID="10" presetClass="entr" presetSubtype="0" fill="hold" grpId="0" nodeType="clickEffect">
+                                  <p:stCondLst>
+                                    <p:cond delay="0"/>
+                                  </p:stCondLst>
+                                  <p:childTnLst>
+                                    <p:set>
+                                      <p:cBhvr>
+                                        <p:cTn id="6" dur="1" fill="hold">
+                                          <p:stCondLst>
+                                            <p:cond delay="0"/>
+                                          </p:stCondLst>
+                                        </p:cTn>
+                                        <p:tgtEl>
+                                          <p:spTgt spid="5">
+                                            <p:txEl>
+                                              <p:pRg st="0" end="0"/>
+                                            </p:txEl>
+                                          </p:spTgt>
+                                        </p:tgtEl>
+                                        <p:attrNameLst>
+                                          <p:attrName>style.visibility</p:attrName>
+                                        </p:attrNameLst>
+                                      </p:cBhvr>
+                                      <p:to>
+                                        <p:strVal val="visible"/>
+                                      </p:to>
+                                    </p:set>
+                                    <p:animEffect transition="in" filter="fade">
+                                      <p:cBhvr>
+                                        <p:cTn id="7" dur="500"/>
+                                        <p:tgtEl>
+                                          <p:spTgt spid="5">
+                                            <p:txEl>
+                                              <p:pRg st="0" end="0"/>
+                                            </p:txEl>
+                                          </p:spTgt>
+                                        </p:tgtEl>
+                                      </p:cBhvr>
+                                    </p:animEffect>
+                                  </p:childTnLst>
+                                </p:cTn>
+                              </p:par>
+                            </p:childTnLst>
+                          </p:cTn>
+                        </p:par>
+                      </p:childTnLst>
+                    </p:cTn>
+                  </p:par>
+                  <p:par>
+                    <p:cTn id="8" fill="hold">
+                      <p:stCondLst>
+                        <p:cond delay="indefinite"/>
+                      </p:stCondLst>
+                      <p:childTnLst>
+                        <p:par>
+                          <p:cTn id="9" fill="hold">
+                            <p:stCondLst>
+                              <p:cond delay="0"/>
+                            </p:stCondLst>
+                            <p:childTnLst>
+                              <p:par>
+                                <p:cTn id="10" presetID="10" presetClass="entr" presetSubtype="0" fill="hold" grpId="0" nodeType="clickEffect">
+                                  <p:stCondLst>
+                                    <p:cond delay="0"/>
+                                  </p:stCondLst>
+                                  <p:childTnLst>
+                                    <p:set>
+                                      <p:cBhvr>
+                                        <p:cTn id="11" dur="1" fill="hold">
+                                          <p:stCondLst>
+                                            <p:cond delay="0"/>
+                                          </p:stCondLst>
+                                        </p:cTn>
+                                        <p:tgtEl>
+                                          <p:spTgt spid="9">
+                                            <p:txEl>
+                                              <p:pRg st="0" end="0"/>
+                                            </p:txEl>
+                                          </p:spTgt>
+                                        </p:tgtEl>
+                                        <p:attrNameLst>
+                                          <p:attrName>style.visibility</p:attrName>
+                                        </p:attrNameLst>
+                                      </p:cBhvr>
+                                      <p:to>
+                                        <p:strVal val="visible"/>
+                                      </p:to>
+                                    </p:set>
+                                    <p:animEffect transition="in" filter="fade">
+                                      <p:cBhvr>
+                                        <p:cTn id="12" dur="500"/>
+                                        <p:tgtEl>
+                                          <p:spTgt spid="9">
+                                            <p:txEl>
+                                              <p:pRg st="0" end="0"/>
+                                            </p:txEl>
+                                          </p:spTgt>
+                                        </p:tgtEl>
+                                      </p:cBhvr>
+                                    </p:animEffect>
+                                  </p:childTnLst>
+                                </p:cTn>
+                              </p:par>
+                            </p:childTnLst>
+                          </p:cTn>
+                        </p:par>
+                      </p:childTnLst>
+                    </p:cTn>
+                  </p:par>
+                  <p:par>
+                    <p:cTn id="13" fill="hold">
+                      <p:stCondLst>
+                        <p:cond delay="indefinite"/>
+                      </p:stCondLst>
+                      <p:childTnLst>
+                        <p:par>
+                          <p:cTn id="14" fill="hold">
+                            <p:stCondLst>
+                              <p:cond delay="0"/>
+                            </p:stCondLst>
+                            <p:childTnLst>
+                              <p:par>
+                                <p:cTn id="15" presetID="10" presetClass="entr" presetSubtype="0" fill="hold" grpId="0" nodeType="clickEffect">
+                                  <p:stCondLst>
+                                    <p:cond delay="0"/>
+                                  </p:stCondLst>
+                                  <p:childTnLst>
+                                    <p:set>
+                                      <p:cBhvr>
+                                        <p:cTn id="16" dur="1" fill="hold">
+                                          <p:stCondLst>
+                                            <p:cond delay="0"/>
+                                          </p:stCondLst>
+                                        </p:cTn>
+                                        <p:tgtEl>
+                                          <p:spTgt spid="9">
+                                            <p:txEl>
+                                              <p:pRg st="1" end="1"/>
+                                            </p:txEl>
+                                          </p:spTgt>
+                                        </p:tgtEl>
+                                        <p:attrNameLst>
+                                          <p:attrName>style.visibility</p:attrName>
+                                        </p:attrNameLst>
+                                      </p:cBhvr>
+                                      <p:to>
+                                        <p:strVal val="visible"/>
+                                      </p:to>
+                                    </p:set>
+                                    <p:animEffect transition="in" filter="fade">
+                                      <p:cBhvr>
+                                        <p:cTn id="17" dur="500"/>
+                                        <p:tgtEl>
+                                          <p:spTgt spid="9">
+                                            <p:txEl>
+                                              <p:pRg st="1" end="1"/>
+                                            </p:txEl>
+                                          </p:spTgt>
+                                        </p:tgtEl>
+                                      </p:cBhvr>
+                                    </p:animEffect>
+                                  </p:childTnLst>
+                                </p:cTn>
+                              </p:par>
+                            </p:childTnLst>
+                          </p:cTn>
+                        </p:par>
+                      </p:childTnLst>
+                    </p:cTn>
+                  </p:par>
+                </p:childTnLst>
+              </p:cTn>
+              <p:prevCondLst>
+                <p:cond evt="onPrev" delay="0">
+                  <p:tgtEl>
+                    <p:sldTgt/>
+                  </p:tgtEl>
+                </p:cond>
+              </p:prevCondLst>
+              <p:nextCondLst>
+                <p:cond evt="onNext" delay="0">
+                  <p:tgtEl>
+                    <p:sldTgt/>
+                  </p:tgtEl>
+                </p:cond>
+              </p:nextCondLst>
+            </p:seq>
+          </p:childTnLst>
+        </p:cTn>
+      </p:par>
+    </p:tnLst>
+    <p:bldLst>
+      <p:bldP spid="5" grpId="0" build="p"/>
+      <p:bldP spid="9" grpId="0" build="p"/>
+    </p:bldLst>
+  </p:timing>
 </p:sld>
 </file>
 
@@ -25879,6 +26869,223 @@
   <p:clrMapOvr>
     <a:masterClrMapping/>
   </p:clrMapOvr>
+  <p:timing>
+    <p:tnLst>
+      <p:par>
+        <p:cTn id="1" dur="indefinite" restart="never" nodeType="tmRoot">
+          <p:childTnLst>
+            <p:seq concurrent="1" nextAc="seek">
+              <p:cTn id="2" dur="indefinite" nodeType="mainSeq">
+                <p:childTnLst>
+                  <p:par>
+                    <p:cTn id="3" fill="hold">
+                      <p:stCondLst>
+                        <p:cond delay="indefinite"/>
+                      </p:stCondLst>
+                      <p:childTnLst>
+                        <p:par>
+                          <p:cTn id="4" fill="hold">
+                            <p:stCondLst>
+                              <p:cond delay="0"/>
+                            </p:stCondLst>
+                            <p:childTnLst>
+                              <p:par>
+                                <p:cTn id="5" presetID="10" presetClass="entr" presetSubtype="0" fill="hold" grpId="0" nodeType="clickEffect">
+                                  <p:stCondLst>
+                                    <p:cond delay="0"/>
+                                  </p:stCondLst>
+                                  <p:childTnLst>
+                                    <p:set>
+                                      <p:cBhvr>
+                                        <p:cTn id="6" dur="1" fill="hold">
+                                          <p:stCondLst>
+                                            <p:cond delay="0"/>
+                                          </p:stCondLst>
+                                        </p:cTn>
+                                        <p:tgtEl>
+                                          <p:spTgt spid="5">
+                                            <p:txEl>
+                                              <p:pRg st="0" end="0"/>
+                                            </p:txEl>
+                                          </p:spTgt>
+                                        </p:tgtEl>
+                                        <p:attrNameLst>
+                                          <p:attrName>style.visibility</p:attrName>
+                                        </p:attrNameLst>
+                                      </p:cBhvr>
+                                      <p:to>
+                                        <p:strVal val="visible"/>
+                                      </p:to>
+                                    </p:set>
+                                    <p:animEffect transition="in" filter="fade">
+                                      <p:cBhvr>
+                                        <p:cTn id="7" dur="500"/>
+                                        <p:tgtEl>
+                                          <p:spTgt spid="5">
+                                            <p:txEl>
+                                              <p:pRg st="0" end="0"/>
+                                            </p:txEl>
+                                          </p:spTgt>
+                                        </p:tgtEl>
+                                      </p:cBhvr>
+                                    </p:animEffect>
+                                  </p:childTnLst>
+                                </p:cTn>
+                              </p:par>
+                            </p:childTnLst>
+                          </p:cTn>
+                        </p:par>
+                      </p:childTnLst>
+                    </p:cTn>
+                  </p:par>
+                  <p:par>
+                    <p:cTn id="8" fill="hold">
+                      <p:stCondLst>
+                        <p:cond delay="indefinite"/>
+                      </p:stCondLst>
+                      <p:childTnLst>
+                        <p:par>
+                          <p:cTn id="9" fill="hold">
+                            <p:stCondLst>
+                              <p:cond delay="0"/>
+                            </p:stCondLst>
+                            <p:childTnLst>
+                              <p:par>
+                                <p:cTn id="10" presetID="10" presetClass="entr" presetSubtype="0" fill="hold" grpId="0" nodeType="clickEffect">
+                                  <p:stCondLst>
+                                    <p:cond delay="0"/>
+                                  </p:stCondLst>
+                                  <p:childTnLst>
+                                    <p:set>
+                                      <p:cBhvr>
+                                        <p:cTn id="11" dur="1" fill="hold">
+                                          <p:stCondLst>
+                                            <p:cond delay="0"/>
+                                          </p:stCondLst>
+                                        </p:cTn>
+                                        <p:tgtEl>
+                                          <p:spTgt spid="9">
+                                            <p:txEl>
+                                              <p:pRg st="0" end="0"/>
+                                            </p:txEl>
+                                          </p:spTgt>
+                                        </p:tgtEl>
+                                        <p:attrNameLst>
+                                          <p:attrName>style.visibility</p:attrName>
+                                        </p:attrNameLst>
+                                      </p:cBhvr>
+                                      <p:to>
+                                        <p:strVal val="visible"/>
+                                      </p:to>
+                                    </p:set>
+                                    <p:animEffect transition="in" filter="fade">
+                                      <p:cBhvr>
+                                        <p:cTn id="12" dur="500"/>
+                                        <p:tgtEl>
+                                          <p:spTgt spid="9">
+                                            <p:txEl>
+                                              <p:pRg st="0" end="0"/>
+                                            </p:txEl>
+                                          </p:spTgt>
+                                        </p:tgtEl>
+                                      </p:cBhvr>
+                                    </p:animEffect>
+                                  </p:childTnLst>
+                                </p:cTn>
+                              </p:par>
+                            </p:childTnLst>
+                          </p:cTn>
+                        </p:par>
+                      </p:childTnLst>
+                    </p:cTn>
+                  </p:par>
+                  <p:par>
+                    <p:cTn id="13" fill="hold">
+                      <p:stCondLst>
+                        <p:cond delay="indefinite"/>
+                      </p:stCondLst>
+                      <p:childTnLst>
+                        <p:par>
+                          <p:cTn id="14" fill="hold">
+                            <p:stCondLst>
+                              <p:cond delay="0"/>
+                            </p:stCondLst>
+                            <p:childTnLst>
+                              <p:par>
+                                <p:cTn id="15" presetID="10" presetClass="entr" presetSubtype="0" fill="hold" grpId="0" nodeType="clickEffect">
+                                  <p:stCondLst>
+                                    <p:cond delay="0"/>
+                                  </p:stCondLst>
+                                  <p:childTnLst>
+                                    <p:set>
+                                      <p:cBhvr>
+                                        <p:cTn id="16" dur="1" fill="hold">
+                                          <p:stCondLst>
+                                            <p:cond delay="0"/>
+                                          </p:stCondLst>
+                                        </p:cTn>
+                                        <p:tgtEl>
+                                          <p:spTgt spid="9">
+                                            <p:txEl>
+                                              <p:pRg st="1" end="1"/>
+                                            </p:txEl>
+                                          </p:spTgt>
+                                        </p:tgtEl>
+                                        <p:attrNameLst>
+                                          <p:attrName>style.visibility</p:attrName>
+                                        </p:attrNameLst>
+                                      </p:cBhvr>
+                                      <p:to>
+                                        <p:strVal val="visible"/>
+                                      </p:to>
+                                    </p:set>
+                                    <p:animEffect transition="in" filter="fade">
+                                      <p:cBhvr>
+                                        <p:cTn id="17" dur="500"/>
+                                        <p:tgtEl>
+                                          <p:spTgt spid="9">
+                                            <p:txEl>
+                                              <p:pRg st="1" end="1"/>
+                                            </p:txEl>
+                                          </p:spTgt>
+                                        </p:tgtEl>
+                                      </p:cBhvr>
+                                    </p:animEffect>
+                                  </p:childTnLst>
+                                </p:cTn>
+                              </p:par>
+                            </p:childTnLst>
+                          </p:cTn>
+                        </p:par>
+                      </p:childTnLst>
+                    </p:cTn>
+                  </p:par>
+                </p:childTnLst>
+              </p:cTn>
+              <p:prevCondLst>
+                <p:cond evt="onPrev" delay="0">
+                  <p:tgtEl>
+                    <p:sldTgt/>
+                  </p:tgtEl>
+                </p:cond>
+              </p:prevCondLst>
+              <p:nextCondLst>
+                <p:cond evt="onNext" delay="0">
+                  <p:tgtEl>
+                    <p:sldTgt/>
+                  </p:tgtEl>
+                </p:cond>
+              </p:nextCondLst>
+            </p:seq>
+          </p:childTnLst>
+        </p:cTn>
+      </p:par>
+    </p:tnLst>
+    <p:bldLst>
+      <p:bldP spid="5" grpId="0" build="p"/>
+      <p:bldP spid="9" grpId="0" build="p"/>
+    </p:bldLst>
+  </p:timing>
 </p:sld>
 </file>
 
@@ -26141,6 +27348,223 @@
   <p:clrMapOvr>
     <a:masterClrMapping/>
   </p:clrMapOvr>
+  <p:timing>
+    <p:tnLst>
+      <p:par>
+        <p:cTn id="1" dur="indefinite" restart="never" nodeType="tmRoot">
+          <p:childTnLst>
+            <p:seq concurrent="1" nextAc="seek">
+              <p:cTn id="2" dur="indefinite" nodeType="mainSeq">
+                <p:childTnLst>
+                  <p:par>
+                    <p:cTn id="3" fill="hold">
+                      <p:stCondLst>
+                        <p:cond delay="indefinite"/>
+                      </p:stCondLst>
+                      <p:childTnLst>
+                        <p:par>
+                          <p:cTn id="4" fill="hold">
+                            <p:stCondLst>
+                              <p:cond delay="0"/>
+                            </p:stCondLst>
+                            <p:childTnLst>
+                              <p:par>
+                                <p:cTn id="5" presetID="10" presetClass="entr" presetSubtype="0" fill="hold" grpId="0" nodeType="clickEffect">
+                                  <p:stCondLst>
+                                    <p:cond delay="0"/>
+                                  </p:stCondLst>
+                                  <p:childTnLst>
+                                    <p:set>
+                                      <p:cBhvr>
+                                        <p:cTn id="6" dur="1" fill="hold">
+                                          <p:stCondLst>
+                                            <p:cond delay="0"/>
+                                          </p:stCondLst>
+                                        </p:cTn>
+                                        <p:tgtEl>
+                                          <p:spTgt spid="5">
+                                            <p:txEl>
+                                              <p:pRg st="0" end="0"/>
+                                            </p:txEl>
+                                          </p:spTgt>
+                                        </p:tgtEl>
+                                        <p:attrNameLst>
+                                          <p:attrName>style.visibility</p:attrName>
+                                        </p:attrNameLst>
+                                      </p:cBhvr>
+                                      <p:to>
+                                        <p:strVal val="visible"/>
+                                      </p:to>
+                                    </p:set>
+                                    <p:animEffect transition="in" filter="fade">
+                                      <p:cBhvr>
+                                        <p:cTn id="7" dur="500"/>
+                                        <p:tgtEl>
+                                          <p:spTgt spid="5">
+                                            <p:txEl>
+                                              <p:pRg st="0" end="0"/>
+                                            </p:txEl>
+                                          </p:spTgt>
+                                        </p:tgtEl>
+                                      </p:cBhvr>
+                                    </p:animEffect>
+                                  </p:childTnLst>
+                                </p:cTn>
+                              </p:par>
+                            </p:childTnLst>
+                          </p:cTn>
+                        </p:par>
+                      </p:childTnLst>
+                    </p:cTn>
+                  </p:par>
+                  <p:par>
+                    <p:cTn id="8" fill="hold">
+                      <p:stCondLst>
+                        <p:cond delay="indefinite"/>
+                      </p:stCondLst>
+                      <p:childTnLst>
+                        <p:par>
+                          <p:cTn id="9" fill="hold">
+                            <p:stCondLst>
+                              <p:cond delay="0"/>
+                            </p:stCondLst>
+                            <p:childTnLst>
+                              <p:par>
+                                <p:cTn id="10" presetID="10" presetClass="entr" presetSubtype="0" fill="hold" grpId="0" nodeType="clickEffect">
+                                  <p:stCondLst>
+                                    <p:cond delay="0"/>
+                                  </p:stCondLst>
+                                  <p:childTnLst>
+                                    <p:set>
+                                      <p:cBhvr>
+                                        <p:cTn id="11" dur="1" fill="hold">
+                                          <p:stCondLst>
+                                            <p:cond delay="0"/>
+                                          </p:stCondLst>
+                                        </p:cTn>
+                                        <p:tgtEl>
+                                          <p:spTgt spid="9">
+                                            <p:txEl>
+                                              <p:pRg st="0" end="0"/>
+                                            </p:txEl>
+                                          </p:spTgt>
+                                        </p:tgtEl>
+                                        <p:attrNameLst>
+                                          <p:attrName>style.visibility</p:attrName>
+                                        </p:attrNameLst>
+                                      </p:cBhvr>
+                                      <p:to>
+                                        <p:strVal val="visible"/>
+                                      </p:to>
+                                    </p:set>
+                                    <p:animEffect transition="in" filter="fade">
+                                      <p:cBhvr>
+                                        <p:cTn id="12" dur="500"/>
+                                        <p:tgtEl>
+                                          <p:spTgt spid="9">
+                                            <p:txEl>
+                                              <p:pRg st="0" end="0"/>
+                                            </p:txEl>
+                                          </p:spTgt>
+                                        </p:tgtEl>
+                                      </p:cBhvr>
+                                    </p:animEffect>
+                                  </p:childTnLst>
+                                </p:cTn>
+                              </p:par>
+                            </p:childTnLst>
+                          </p:cTn>
+                        </p:par>
+                      </p:childTnLst>
+                    </p:cTn>
+                  </p:par>
+                  <p:par>
+                    <p:cTn id="13" fill="hold">
+                      <p:stCondLst>
+                        <p:cond delay="indefinite"/>
+                      </p:stCondLst>
+                      <p:childTnLst>
+                        <p:par>
+                          <p:cTn id="14" fill="hold">
+                            <p:stCondLst>
+                              <p:cond delay="0"/>
+                            </p:stCondLst>
+                            <p:childTnLst>
+                              <p:par>
+                                <p:cTn id="15" presetID="10" presetClass="entr" presetSubtype="0" fill="hold" grpId="0" nodeType="clickEffect">
+                                  <p:stCondLst>
+                                    <p:cond delay="0"/>
+                                  </p:stCondLst>
+                                  <p:childTnLst>
+                                    <p:set>
+                                      <p:cBhvr>
+                                        <p:cTn id="16" dur="1" fill="hold">
+                                          <p:stCondLst>
+                                            <p:cond delay="0"/>
+                                          </p:stCondLst>
+                                        </p:cTn>
+                                        <p:tgtEl>
+                                          <p:spTgt spid="9">
+                                            <p:txEl>
+                                              <p:pRg st="1" end="1"/>
+                                            </p:txEl>
+                                          </p:spTgt>
+                                        </p:tgtEl>
+                                        <p:attrNameLst>
+                                          <p:attrName>style.visibility</p:attrName>
+                                        </p:attrNameLst>
+                                      </p:cBhvr>
+                                      <p:to>
+                                        <p:strVal val="visible"/>
+                                      </p:to>
+                                    </p:set>
+                                    <p:animEffect transition="in" filter="fade">
+                                      <p:cBhvr>
+                                        <p:cTn id="17" dur="500"/>
+                                        <p:tgtEl>
+                                          <p:spTgt spid="9">
+                                            <p:txEl>
+                                              <p:pRg st="1" end="1"/>
+                                            </p:txEl>
+                                          </p:spTgt>
+                                        </p:tgtEl>
+                                      </p:cBhvr>
+                                    </p:animEffect>
+                                  </p:childTnLst>
+                                </p:cTn>
+                              </p:par>
+                            </p:childTnLst>
+                          </p:cTn>
+                        </p:par>
+                      </p:childTnLst>
+                    </p:cTn>
+                  </p:par>
+                </p:childTnLst>
+              </p:cTn>
+              <p:prevCondLst>
+                <p:cond evt="onPrev" delay="0">
+                  <p:tgtEl>
+                    <p:sldTgt/>
+                  </p:tgtEl>
+                </p:cond>
+              </p:prevCondLst>
+              <p:nextCondLst>
+                <p:cond evt="onNext" delay="0">
+                  <p:tgtEl>
+                    <p:sldTgt/>
+                  </p:tgtEl>
+                </p:cond>
+              </p:nextCondLst>
+            </p:seq>
+          </p:childTnLst>
+        </p:cTn>
+      </p:par>
+    </p:tnLst>
+    <p:bldLst>
+      <p:bldP spid="5" grpId="0" build="p"/>
+      <p:bldP spid="9" grpId="0" build="p"/>
+    </p:bldLst>
+  </p:timing>
 </p:sld>
 </file>
 
@@ -26317,6 +27741,223 @@
   <p:clrMapOvr>
     <a:masterClrMapping/>
   </p:clrMapOvr>
+  <p:timing>
+    <p:tnLst>
+      <p:par>
+        <p:cTn id="1" dur="indefinite" restart="never" nodeType="tmRoot">
+          <p:childTnLst>
+            <p:seq concurrent="1" nextAc="seek">
+              <p:cTn id="2" dur="indefinite" nodeType="mainSeq">
+                <p:childTnLst>
+                  <p:par>
+                    <p:cTn id="3" fill="hold">
+                      <p:stCondLst>
+                        <p:cond delay="indefinite"/>
+                      </p:stCondLst>
+                      <p:childTnLst>
+                        <p:par>
+                          <p:cTn id="4" fill="hold">
+                            <p:stCondLst>
+                              <p:cond delay="0"/>
+                            </p:stCondLst>
+                            <p:childTnLst>
+                              <p:par>
+                                <p:cTn id="5" presetID="10" presetClass="entr" presetSubtype="0" fill="hold" grpId="0" nodeType="clickEffect">
+                                  <p:stCondLst>
+                                    <p:cond delay="0"/>
+                                  </p:stCondLst>
+                                  <p:childTnLst>
+                                    <p:set>
+                                      <p:cBhvr>
+                                        <p:cTn id="6" dur="1" fill="hold">
+                                          <p:stCondLst>
+                                            <p:cond delay="0"/>
+                                          </p:stCondLst>
+                                        </p:cTn>
+                                        <p:tgtEl>
+                                          <p:spTgt spid="5">
+                                            <p:txEl>
+                                              <p:pRg st="0" end="0"/>
+                                            </p:txEl>
+                                          </p:spTgt>
+                                        </p:tgtEl>
+                                        <p:attrNameLst>
+                                          <p:attrName>style.visibility</p:attrName>
+                                        </p:attrNameLst>
+                                      </p:cBhvr>
+                                      <p:to>
+                                        <p:strVal val="visible"/>
+                                      </p:to>
+                                    </p:set>
+                                    <p:animEffect transition="in" filter="fade">
+                                      <p:cBhvr>
+                                        <p:cTn id="7" dur="500"/>
+                                        <p:tgtEl>
+                                          <p:spTgt spid="5">
+                                            <p:txEl>
+                                              <p:pRg st="0" end="0"/>
+                                            </p:txEl>
+                                          </p:spTgt>
+                                        </p:tgtEl>
+                                      </p:cBhvr>
+                                    </p:animEffect>
+                                  </p:childTnLst>
+                                </p:cTn>
+                              </p:par>
+                            </p:childTnLst>
+                          </p:cTn>
+                        </p:par>
+                      </p:childTnLst>
+                    </p:cTn>
+                  </p:par>
+                  <p:par>
+                    <p:cTn id="8" fill="hold">
+                      <p:stCondLst>
+                        <p:cond delay="indefinite"/>
+                      </p:stCondLst>
+                      <p:childTnLst>
+                        <p:par>
+                          <p:cTn id="9" fill="hold">
+                            <p:stCondLst>
+                              <p:cond delay="0"/>
+                            </p:stCondLst>
+                            <p:childTnLst>
+                              <p:par>
+                                <p:cTn id="10" presetID="10" presetClass="entr" presetSubtype="0" fill="hold" grpId="0" nodeType="clickEffect">
+                                  <p:stCondLst>
+                                    <p:cond delay="0"/>
+                                  </p:stCondLst>
+                                  <p:childTnLst>
+                                    <p:set>
+                                      <p:cBhvr>
+                                        <p:cTn id="11" dur="1" fill="hold">
+                                          <p:stCondLst>
+                                            <p:cond delay="0"/>
+                                          </p:stCondLst>
+                                        </p:cTn>
+                                        <p:tgtEl>
+                                          <p:spTgt spid="9">
+                                            <p:txEl>
+                                              <p:pRg st="0" end="0"/>
+                                            </p:txEl>
+                                          </p:spTgt>
+                                        </p:tgtEl>
+                                        <p:attrNameLst>
+                                          <p:attrName>style.visibility</p:attrName>
+                                        </p:attrNameLst>
+                                      </p:cBhvr>
+                                      <p:to>
+                                        <p:strVal val="visible"/>
+                                      </p:to>
+                                    </p:set>
+                                    <p:animEffect transition="in" filter="fade">
+                                      <p:cBhvr>
+                                        <p:cTn id="12" dur="500"/>
+                                        <p:tgtEl>
+                                          <p:spTgt spid="9">
+                                            <p:txEl>
+                                              <p:pRg st="0" end="0"/>
+                                            </p:txEl>
+                                          </p:spTgt>
+                                        </p:tgtEl>
+                                      </p:cBhvr>
+                                    </p:animEffect>
+                                  </p:childTnLst>
+                                </p:cTn>
+                              </p:par>
+                            </p:childTnLst>
+                          </p:cTn>
+                        </p:par>
+                      </p:childTnLst>
+                    </p:cTn>
+                  </p:par>
+                  <p:par>
+                    <p:cTn id="13" fill="hold">
+                      <p:stCondLst>
+                        <p:cond delay="indefinite"/>
+                      </p:stCondLst>
+                      <p:childTnLst>
+                        <p:par>
+                          <p:cTn id="14" fill="hold">
+                            <p:stCondLst>
+                              <p:cond delay="0"/>
+                            </p:stCondLst>
+                            <p:childTnLst>
+                              <p:par>
+                                <p:cTn id="15" presetID="10" presetClass="entr" presetSubtype="0" fill="hold" grpId="0" nodeType="clickEffect">
+                                  <p:stCondLst>
+                                    <p:cond delay="0"/>
+                                  </p:stCondLst>
+                                  <p:childTnLst>
+                                    <p:set>
+                                      <p:cBhvr>
+                                        <p:cTn id="16" dur="1" fill="hold">
+                                          <p:stCondLst>
+                                            <p:cond delay="0"/>
+                                          </p:stCondLst>
+                                        </p:cTn>
+                                        <p:tgtEl>
+                                          <p:spTgt spid="9">
+                                            <p:txEl>
+                                              <p:pRg st="1" end="1"/>
+                                            </p:txEl>
+                                          </p:spTgt>
+                                        </p:tgtEl>
+                                        <p:attrNameLst>
+                                          <p:attrName>style.visibility</p:attrName>
+                                        </p:attrNameLst>
+                                      </p:cBhvr>
+                                      <p:to>
+                                        <p:strVal val="visible"/>
+                                      </p:to>
+                                    </p:set>
+                                    <p:animEffect transition="in" filter="fade">
+                                      <p:cBhvr>
+                                        <p:cTn id="17" dur="500"/>
+                                        <p:tgtEl>
+                                          <p:spTgt spid="9">
+                                            <p:txEl>
+                                              <p:pRg st="1" end="1"/>
+                                            </p:txEl>
+                                          </p:spTgt>
+                                        </p:tgtEl>
+                                      </p:cBhvr>
+                                    </p:animEffect>
+                                  </p:childTnLst>
+                                </p:cTn>
+                              </p:par>
+                            </p:childTnLst>
+                          </p:cTn>
+                        </p:par>
+                      </p:childTnLst>
+                    </p:cTn>
+                  </p:par>
+                </p:childTnLst>
+              </p:cTn>
+              <p:prevCondLst>
+                <p:cond evt="onPrev" delay="0">
+                  <p:tgtEl>
+                    <p:sldTgt/>
+                  </p:tgtEl>
+                </p:cond>
+              </p:prevCondLst>
+              <p:nextCondLst>
+                <p:cond evt="onNext" delay="0">
+                  <p:tgtEl>
+                    <p:sldTgt/>
+                  </p:tgtEl>
+                </p:cond>
+              </p:nextCondLst>
+            </p:seq>
+          </p:childTnLst>
+        </p:cTn>
+      </p:par>
+    </p:tnLst>
+    <p:bldLst>
+      <p:bldP spid="5" grpId="0" build="p"/>
+      <p:bldP spid="9" grpId="0" build="p"/>
+    </p:bldLst>
+  </p:timing>
 </p:sld>
 </file>
 
@@ -26493,6 +28134,223 @@
   <p:clrMapOvr>
     <a:masterClrMapping/>
   </p:clrMapOvr>
+  <p:timing>
+    <p:tnLst>
+      <p:par>
+        <p:cTn id="1" dur="indefinite" restart="never" nodeType="tmRoot">
+          <p:childTnLst>
+            <p:seq concurrent="1" nextAc="seek">
+              <p:cTn id="2" dur="indefinite" nodeType="mainSeq">
+                <p:childTnLst>
+                  <p:par>
+                    <p:cTn id="3" fill="hold">
+                      <p:stCondLst>
+                        <p:cond delay="indefinite"/>
+                      </p:stCondLst>
+                      <p:childTnLst>
+                        <p:par>
+                          <p:cTn id="4" fill="hold">
+                            <p:stCondLst>
+                              <p:cond delay="0"/>
+                            </p:stCondLst>
+                            <p:childTnLst>
+                              <p:par>
+                                <p:cTn id="5" presetID="10" presetClass="entr" presetSubtype="0" fill="hold" grpId="0" nodeType="clickEffect">
+                                  <p:stCondLst>
+                                    <p:cond delay="0"/>
+                                  </p:stCondLst>
+                                  <p:childTnLst>
+                                    <p:set>
+                                      <p:cBhvr>
+                                        <p:cTn id="6" dur="1" fill="hold">
+                                          <p:stCondLst>
+                                            <p:cond delay="0"/>
+                                          </p:stCondLst>
+                                        </p:cTn>
+                                        <p:tgtEl>
+                                          <p:spTgt spid="5">
+                                            <p:txEl>
+                                              <p:pRg st="0" end="0"/>
+                                            </p:txEl>
+                                          </p:spTgt>
+                                        </p:tgtEl>
+                                        <p:attrNameLst>
+                                          <p:attrName>style.visibility</p:attrName>
+                                        </p:attrNameLst>
+                                      </p:cBhvr>
+                                      <p:to>
+                                        <p:strVal val="visible"/>
+                                      </p:to>
+                                    </p:set>
+                                    <p:animEffect transition="in" filter="fade">
+                                      <p:cBhvr>
+                                        <p:cTn id="7" dur="500"/>
+                                        <p:tgtEl>
+                                          <p:spTgt spid="5">
+                                            <p:txEl>
+                                              <p:pRg st="0" end="0"/>
+                                            </p:txEl>
+                                          </p:spTgt>
+                                        </p:tgtEl>
+                                      </p:cBhvr>
+                                    </p:animEffect>
+                                  </p:childTnLst>
+                                </p:cTn>
+                              </p:par>
+                            </p:childTnLst>
+                          </p:cTn>
+                        </p:par>
+                      </p:childTnLst>
+                    </p:cTn>
+                  </p:par>
+                  <p:par>
+                    <p:cTn id="8" fill="hold">
+                      <p:stCondLst>
+                        <p:cond delay="indefinite"/>
+                      </p:stCondLst>
+                      <p:childTnLst>
+                        <p:par>
+                          <p:cTn id="9" fill="hold">
+                            <p:stCondLst>
+                              <p:cond delay="0"/>
+                            </p:stCondLst>
+                            <p:childTnLst>
+                              <p:par>
+                                <p:cTn id="10" presetID="10" presetClass="entr" presetSubtype="0" fill="hold" grpId="0" nodeType="clickEffect">
+                                  <p:stCondLst>
+                                    <p:cond delay="0"/>
+                                  </p:stCondLst>
+                                  <p:childTnLst>
+                                    <p:set>
+                                      <p:cBhvr>
+                                        <p:cTn id="11" dur="1" fill="hold">
+                                          <p:stCondLst>
+                                            <p:cond delay="0"/>
+                                          </p:stCondLst>
+                                        </p:cTn>
+                                        <p:tgtEl>
+                                          <p:spTgt spid="9">
+                                            <p:txEl>
+                                              <p:pRg st="0" end="0"/>
+                                            </p:txEl>
+                                          </p:spTgt>
+                                        </p:tgtEl>
+                                        <p:attrNameLst>
+                                          <p:attrName>style.visibility</p:attrName>
+                                        </p:attrNameLst>
+                                      </p:cBhvr>
+                                      <p:to>
+                                        <p:strVal val="visible"/>
+                                      </p:to>
+                                    </p:set>
+                                    <p:animEffect transition="in" filter="fade">
+                                      <p:cBhvr>
+                                        <p:cTn id="12" dur="500"/>
+                                        <p:tgtEl>
+                                          <p:spTgt spid="9">
+                                            <p:txEl>
+                                              <p:pRg st="0" end="0"/>
+                                            </p:txEl>
+                                          </p:spTgt>
+                                        </p:tgtEl>
+                                      </p:cBhvr>
+                                    </p:animEffect>
+                                  </p:childTnLst>
+                                </p:cTn>
+                              </p:par>
+                            </p:childTnLst>
+                          </p:cTn>
+                        </p:par>
+                      </p:childTnLst>
+                    </p:cTn>
+                  </p:par>
+                  <p:par>
+                    <p:cTn id="13" fill="hold">
+                      <p:stCondLst>
+                        <p:cond delay="indefinite"/>
+                      </p:stCondLst>
+                      <p:childTnLst>
+                        <p:par>
+                          <p:cTn id="14" fill="hold">
+                            <p:stCondLst>
+                              <p:cond delay="0"/>
+                            </p:stCondLst>
+                            <p:childTnLst>
+                              <p:par>
+                                <p:cTn id="15" presetID="10" presetClass="entr" presetSubtype="0" fill="hold" grpId="0" nodeType="clickEffect">
+                                  <p:stCondLst>
+                                    <p:cond delay="0"/>
+                                  </p:stCondLst>
+                                  <p:childTnLst>
+                                    <p:set>
+                                      <p:cBhvr>
+                                        <p:cTn id="16" dur="1" fill="hold">
+                                          <p:stCondLst>
+                                            <p:cond delay="0"/>
+                                          </p:stCondLst>
+                                        </p:cTn>
+                                        <p:tgtEl>
+                                          <p:spTgt spid="9">
+                                            <p:txEl>
+                                              <p:pRg st="1" end="1"/>
+                                            </p:txEl>
+                                          </p:spTgt>
+                                        </p:tgtEl>
+                                        <p:attrNameLst>
+                                          <p:attrName>style.visibility</p:attrName>
+                                        </p:attrNameLst>
+                                      </p:cBhvr>
+                                      <p:to>
+                                        <p:strVal val="visible"/>
+                                      </p:to>
+                                    </p:set>
+                                    <p:animEffect transition="in" filter="fade">
+                                      <p:cBhvr>
+                                        <p:cTn id="17" dur="500"/>
+                                        <p:tgtEl>
+                                          <p:spTgt spid="9">
+                                            <p:txEl>
+                                              <p:pRg st="1" end="1"/>
+                                            </p:txEl>
+                                          </p:spTgt>
+                                        </p:tgtEl>
+                                      </p:cBhvr>
+                                    </p:animEffect>
+                                  </p:childTnLst>
+                                </p:cTn>
+                              </p:par>
+                            </p:childTnLst>
+                          </p:cTn>
+                        </p:par>
+                      </p:childTnLst>
+                    </p:cTn>
+                  </p:par>
+                </p:childTnLst>
+              </p:cTn>
+              <p:prevCondLst>
+                <p:cond evt="onPrev" delay="0">
+                  <p:tgtEl>
+                    <p:sldTgt/>
+                  </p:tgtEl>
+                </p:cond>
+              </p:prevCondLst>
+              <p:nextCondLst>
+                <p:cond evt="onNext" delay="0">
+                  <p:tgtEl>
+                    <p:sldTgt/>
+                  </p:tgtEl>
+                </p:cond>
+              </p:nextCondLst>
+            </p:seq>
+          </p:childTnLst>
+        </p:cTn>
+      </p:par>
+    </p:tnLst>
+    <p:bldLst>
+      <p:bldP spid="5" grpId="0" build="p"/>
+      <p:bldP spid="9" grpId="0" build="p"/>
+    </p:bldLst>
+  </p:timing>
 </p:sld>
 </file>
 
@@ -26669,6 +28527,223 @@
   <p:clrMapOvr>
     <a:masterClrMapping/>
   </p:clrMapOvr>
+  <p:timing>
+    <p:tnLst>
+      <p:par>
+        <p:cTn id="1" dur="indefinite" restart="never" nodeType="tmRoot">
+          <p:childTnLst>
+            <p:seq concurrent="1" nextAc="seek">
+              <p:cTn id="2" dur="indefinite" nodeType="mainSeq">
+                <p:childTnLst>
+                  <p:par>
+                    <p:cTn id="3" fill="hold">
+                      <p:stCondLst>
+                        <p:cond delay="indefinite"/>
+                      </p:stCondLst>
+                      <p:childTnLst>
+                        <p:par>
+                          <p:cTn id="4" fill="hold">
+                            <p:stCondLst>
+                              <p:cond delay="0"/>
+                            </p:stCondLst>
+                            <p:childTnLst>
+                              <p:par>
+                                <p:cTn id="5" presetID="10" presetClass="entr" presetSubtype="0" fill="hold" grpId="0" nodeType="clickEffect">
+                                  <p:stCondLst>
+                                    <p:cond delay="0"/>
+                                  </p:stCondLst>
+                                  <p:childTnLst>
+                                    <p:set>
+                                      <p:cBhvr>
+                                        <p:cTn id="6" dur="1" fill="hold">
+                                          <p:stCondLst>
+                                            <p:cond delay="0"/>
+                                          </p:stCondLst>
+                                        </p:cTn>
+                                        <p:tgtEl>
+                                          <p:spTgt spid="5">
+                                            <p:txEl>
+                                              <p:pRg st="0" end="0"/>
+                                            </p:txEl>
+                                          </p:spTgt>
+                                        </p:tgtEl>
+                                        <p:attrNameLst>
+                                          <p:attrName>style.visibility</p:attrName>
+                                        </p:attrNameLst>
+                                      </p:cBhvr>
+                                      <p:to>
+                                        <p:strVal val="visible"/>
+                                      </p:to>
+                                    </p:set>
+                                    <p:animEffect transition="in" filter="fade">
+                                      <p:cBhvr>
+                                        <p:cTn id="7" dur="500"/>
+                                        <p:tgtEl>
+                                          <p:spTgt spid="5">
+                                            <p:txEl>
+                                              <p:pRg st="0" end="0"/>
+                                            </p:txEl>
+                                          </p:spTgt>
+                                        </p:tgtEl>
+                                      </p:cBhvr>
+                                    </p:animEffect>
+                                  </p:childTnLst>
+                                </p:cTn>
+                              </p:par>
+                            </p:childTnLst>
+                          </p:cTn>
+                        </p:par>
+                      </p:childTnLst>
+                    </p:cTn>
+                  </p:par>
+                  <p:par>
+                    <p:cTn id="8" fill="hold">
+                      <p:stCondLst>
+                        <p:cond delay="indefinite"/>
+                      </p:stCondLst>
+                      <p:childTnLst>
+                        <p:par>
+                          <p:cTn id="9" fill="hold">
+                            <p:stCondLst>
+                              <p:cond delay="0"/>
+                            </p:stCondLst>
+                            <p:childTnLst>
+                              <p:par>
+                                <p:cTn id="10" presetID="10" presetClass="entr" presetSubtype="0" fill="hold" grpId="0" nodeType="clickEffect">
+                                  <p:stCondLst>
+                                    <p:cond delay="0"/>
+                                  </p:stCondLst>
+                                  <p:childTnLst>
+                                    <p:set>
+                                      <p:cBhvr>
+                                        <p:cTn id="11" dur="1" fill="hold">
+                                          <p:stCondLst>
+                                            <p:cond delay="0"/>
+                                          </p:stCondLst>
+                                        </p:cTn>
+                                        <p:tgtEl>
+                                          <p:spTgt spid="5">
+                                            <p:txEl>
+                                              <p:pRg st="1" end="1"/>
+                                            </p:txEl>
+                                          </p:spTgt>
+                                        </p:tgtEl>
+                                        <p:attrNameLst>
+                                          <p:attrName>style.visibility</p:attrName>
+                                        </p:attrNameLst>
+                                      </p:cBhvr>
+                                      <p:to>
+                                        <p:strVal val="visible"/>
+                                      </p:to>
+                                    </p:set>
+                                    <p:animEffect transition="in" filter="fade">
+                                      <p:cBhvr>
+                                        <p:cTn id="12" dur="500"/>
+                                        <p:tgtEl>
+                                          <p:spTgt spid="5">
+                                            <p:txEl>
+                                              <p:pRg st="1" end="1"/>
+                                            </p:txEl>
+                                          </p:spTgt>
+                                        </p:tgtEl>
+                                      </p:cBhvr>
+                                    </p:animEffect>
+                                  </p:childTnLst>
+                                </p:cTn>
+                              </p:par>
+                            </p:childTnLst>
+                          </p:cTn>
+                        </p:par>
+                      </p:childTnLst>
+                    </p:cTn>
+                  </p:par>
+                  <p:par>
+                    <p:cTn id="13" fill="hold">
+                      <p:stCondLst>
+                        <p:cond delay="indefinite"/>
+                      </p:stCondLst>
+                      <p:childTnLst>
+                        <p:par>
+                          <p:cTn id="14" fill="hold">
+                            <p:stCondLst>
+                              <p:cond delay="0"/>
+                            </p:stCondLst>
+                            <p:childTnLst>
+                              <p:par>
+                                <p:cTn id="15" presetID="10" presetClass="entr" presetSubtype="0" fill="hold" grpId="0" nodeType="clickEffect">
+                                  <p:stCondLst>
+                                    <p:cond delay="0"/>
+                                  </p:stCondLst>
+                                  <p:childTnLst>
+                                    <p:set>
+                                      <p:cBhvr>
+                                        <p:cTn id="16" dur="1" fill="hold">
+                                          <p:stCondLst>
+                                            <p:cond delay="0"/>
+                                          </p:stCondLst>
+                                        </p:cTn>
+                                        <p:tgtEl>
+                                          <p:spTgt spid="9">
+                                            <p:txEl>
+                                              <p:pRg st="0" end="0"/>
+                                            </p:txEl>
+                                          </p:spTgt>
+                                        </p:tgtEl>
+                                        <p:attrNameLst>
+                                          <p:attrName>style.visibility</p:attrName>
+                                        </p:attrNameLst>
+                                      </p:cBhvr>
+                                      <p:to>
+                                        <p:strVal val="visible"/>
+                                      </p:to>
+                                    </p:set>
+                                    <p:animEffect transition="in" filter="fade">
+                                      <p:cBhvr>
+                                        <p:cTn id="17" dur="500"/>
+                                        <p:tgtEl>
+                                          <p:spTgt spid="9">
+                                            <p:txEl>
+                                              <p:pRg st="0" end="0"/>
+                                            </p:txEl>
+                                          </p:spTgt>
+                                        </p:tgtEl>
+                                      </p:cBhvr>
+                                    </p:animEffect>
+                                  </p:childTnLst>
+                                </p:cTn>
+                              </p:par>
+                            </p:childTnLst>
+                          </p:cTn>
+                        </p:par>
+                      </p:childTnLst>
+                    </p:cTn>
+                  </p:par>
+                </p:childTnLst>
+              </p:cTn>
+              <p:prevCondLst>
+                <p:cond evt="onPrev" delay="0">
+                  <p:tgtEl>
+                    <p:sldTgt/>
+                  </p:tgtEl>
+                </p:cond>
+              </p:prevCondLst>
+              <p:nextCondLst>
+                <p:cond evt="onNext" delay="0">
+                  <p:tgtEl>
+                    <p:sldTgt/>
+                  </p:tgtEl>
+                </p:cond>
+              </p:nextCondLst>
+            </p:seq>
+          </p:childTnLst>
+        </p:cTn>
+      </p:par>
+    </p:tnLst>
+    <p:bldLst>
+      <p:bldP spid="5" grpId="0" build="p"/>
+      <p:bldP spid="9" grpId="0" build="p"/>
+    </p:bldLst>
+  </p:timing>
 </p:sld>
 </file>
 
@@ -27316,6 +29391,223 @@
   <p:clrMapOvr>
     <a:masterClrMapping/>
   </p:clrMapOvr>
+  <p:timing>
+    <p:tnLst>
+      <p:par>
+        <p:cTn id="1" dur="indefinite" restart="never" nodeType="tmRoot">
+          <p:childTnLst>
+            <p:seq concurrent="1" nextAc="seek">
+              <p:cTn id="2" dur="indefinite" nodeType="mainSeq">
+                <p:childTnLst>
+                  <p:par>
+                    <p:cTn id="3" fill="hold">
+                      <p:stCondLst>
+                        <p:cond delay="indefinite"/>
+                      </p:stCondLst>
+                      <p:childTnLst>
+                        <p:par>
+                          <p:cTn id="4" fill="hold">
+                            <p:stCondLst>
+                              <p:cond delay="0"/>
+                            </p:stCondLst>
+                            <p:childTnLst>
+                              <p:par>
+                                <p:cTn id="5" presetID="10" presetClass="entr" presetSubtype="0" fill="hold" grpId="0" nodeType="clickEffect">
+                                  <p:stCondLst>
+                                    <p:cond delay="0"/>
+                                  </p:stCondLst>
+                                  <p:childTnLst>
+                                    <p:set>
+                                      <p:cBhvr>
+                                        <p:cTn id="6" dur="1" fill="hold">
+                                          <p:stCondLst>
+                                            <p:cond delay="0"/>
+                                          </p:stCondLst>
+                                        </p:cTn>
+                                        <p:tgtEl>
+                                          <p:spTgt spid="5">
+                                            <p:txEl>
+                                              <p:pRg st="0" end="0"/>
+                                            </p:txEl>
+                                          </p:spTgt>
+                                        </p:tgtEl>
+                                        <p:attrNameLst>
+                                          <p:attrName>style.visibility</p:attrName>
+                                        </p:attrNameLst>
+                                      </p:cBhvr>
+                                      <p:to>
+                                        <p:strVal val="visible"/>
+                                      </p:to>
+                                    </p:set>
+                                    <p:animEffect transition="in" filter="fade">
+                                      <p:cBhvr>
+                                        <p:cTn id="7" dur="500"/>
+                                        <p:tgtEl>
+                                          <p:spTgt spid="5">
+                                            <p:txEl>
+                                              <p:pRg st="0" end="0"/>
+                                            </p:txEl>
+                                          </p:spTgt>
+                                        </p:tgtEl>
+                                      </p:cBhvr>
+                                    </p:animEffect>
+                                  </p:childTnLst>
+                                </p:cTn>
+                              </p:par>
+                            </p:childTnLst>
+                          </p:cTn>
+                        </p:par>
+                      </p:childTnLst>
+                    </p:cTn>
+                  </p:par>
+                  <p:par>
+                    <p:cTn id="8" fill="hold">
+                      <p:stCondLst>
+                        <p:cond delay="indefinite"/>
+                      </p:stCondLst>
+                      <p:childTnLst>
+                        <p:par>
+                          <p:cTn id="9" fill="hold">
+                            <p:stCondLst>
+                              <p:cond delay="0"/>
+                            </p:stCondLst>
+                            <p:childTnLst>
+                              <p:par>
+                                <p:cTn id="10" presetID="10" presetClass="entr" presetSubtype="0" fill="hold" grpId="0" nodeType="clickEffect">
+                                  <p:stCondLst>
+                                    <p:cond delay="0"/>
+                                  </p:stCondLst>
+                                  <p:childTnLst>
+                                    <p:set>
+                                      <p:cBhvr>
+                                        <p:cTn id="11" dur="1" fill="hold">
+                                          <p:stCondLst>
+                                            <p:cond delay="0"/>
+                                          </p:stCondLst>
+                                        </p:cTn>
+                                        <p:tgtEl>
+                                          <p:spTgt spid="9">
+                                            <p:txEl>
+                                              <p:pRg st="0" end="0"/>
+                                            </p:txEl>
+                                          </p:spTgt>
+                                        </p:tgtEl>
+                                        <p:attrNameLst>
+                                          <p:attrName>style.visibility</p:attrName>
+                                        </p:attrNameLst>
+                                      </p:cBhvr>
+                                      <p:to>
+                                        <p:strVal val="visible"/>
+                                      </p:to>
+                                    </p:set>
+                                    <p:animEffect transition="in" filter="fade">
+                                      <p:cBhvr>
+                                        <p:cTn id="12" dur="500"/>
+                                        <p:tgtEl>
+                                          <p:spTgt spid="9">
+                                            <p:txEl>
+                                              <p:pRg st="0" end="0"/>
+                                            </p:txEl>
+                                          </p:spTgt>
+                                        </p:tgtEl>
+                                      </p:cBhvr>
+                                    </p:animEffect>
+                                  </p:childTnLst>
+                                </p:cTn>
+                              </p:par>
+                            </p:childTnLst>
+                          </p:cTn>
+                        </p:par>
+                      </p:childTnLst>
+                    </p:cTn>
+                  </p:par>
+                  <p:par>
+                    <p:cTn id="13" fill="hold">
+                      <p:stCondLst>
+                        <p:cond delay="indefinite"/>
+                      </p:stCondLst>
+                      <p:childTnLst>
+                        <p:par>
+                          <p:cTn id="14" fill="hold">
+                            <p:stCondLst>
+                              <p:cond delay="0"/>
+                            </p:stCondLst>
+                            <p:childTnLst>
+                              <p:par>
+                                <p:cTn id="15" presetID="10" presetClass="entr" presetSubtype="0" fill="hold" grpId="0" nodeType="clickEffect">
+                                  <p:stCondLst>
+                                    <p:cond delay="0"/>
+                                  </p:stCondLst>
+                                  <p:childTnLst>
+                                    <p:set>
+                                      <p:cBhvr>
+                                        <p:cTn id="16" dur="1" fill="hold">
+                                          <p:stCondLst>
+                                            <p:cond delay="0"/>
+                                          </p:stCondLst>
+                                        </p:cTn>
+                                        <p:tgtEl>
+                                          <p:spTgt spid="9">
+                                            <p:txEl>
+                                              <p:pRg st="1" end="1"/>
+                                            </p:txEl>
+                                          </p:spTgt>
+                                        </p:tgtEl>
+                                        <p:attrNameLst>
+                                          <p:attrName>style.visibility</p:attrName>
+                                        </p:attrNameLst>
+                                      </p:cBhvr>
+                                      <p:to>
+                                        <p:strVal val="visible"/>
+                                      </p:to>
+                                    </p:set>
+                                    <p:animEffect transition="in" filter="fade">
+                                      <p:cBhvr>
+                                        <p:cTn id="17" dur="500"/>
+                                        <p:tgtEl>
+                                          <p:spTgt spid="9">
+                                            <p:txEl>
+                                              <p:pRg st="1" end="1"/>
+                                            </p:txEl>
+                                          </p:spTgt>
+                                        </p:tgtEl>
+                                      </p:cBhvr>
+                                    </p:animEffect>
+                                  </p:childTnLst>
+                                </p:cTn>
+                              </p:par>
+                            </p:childTnLst>
+                          </p:cTn>
+                        </p:par>
+                      </p:childTnLst>
+                    </p:cTn>
+                  </p:par>
+                </p:childTnLst>
+              </p:cTn>
+              <p:prevCondLst>
+                <p:cond evt="onPrev" delay="0">
+                  <p:tgtEl>
+                    <p:sldTgt/>
+                  </p:tgtEl>
+                </p:cond>
+              </p:prevCondLst>
+              <p:nextCondLst>
+                <p:cond evt="onNext" delay="0">
+                  <p:tgtEl>
+                    <p:sldTgt/>
+                  </p:tgtEl>
+                </p:cond>
+              </p:nextCondLst>
+            </p:seq>
+          </p:childTnLst>
+        </p:cTn>
+      </p:par>
+    </p:tnLst>
+    <p:bldLst>
+      <p:bldP spid="5" grpId="0" build="p"/>
+      <p:bldP spid="9" grpId="0" build="p"/>
+    </p:bldLst>
+  </p:timing>
 </p:sld>
 </file>
 
@@ -27498,6 +29790,284 @@
   <p:clrMapOvr>
     <a:masterClrMapping/>
   </p:clrMapOvr>
+  <p:timing>
+    <p:tnLst>
+      <p:par>
+        <p:cTn id="1" dur="indefinite" restart="never" nodeType="tmRoot">
+          <p:childTnLst>
+            <p:seq concurrent="1" nextAc="seek">
+              <p:cTn id="2" dur="indefinite" nodeType="mainSeq">
+                <p:childTnLst>
+                  <p:par>
+                    <p:cTn id="3" fill="hold">
+                      <p:stCondLst>
+                        <p:cond delay="indefinite"/>
+                      </p:stCondLst>
+                      <p:childTnLst>
+                        <p:par>
+                          <p:cTn id="4" fill="hold">
+                            <p:stCondLst>
+                              <p:cond delay="0"/>
+                            </p:stCondLst>
+                            <p:childTnLst>
+                              <p:par>
+                                <p:cTn id="5" presetID="10" presetClass="entr" presetSubtype="0" fill="hold" grpId="0" nodeType="clickEffect">
+                                  <p:stCondLst>
+                                    <p:cond delay="0"/>
+                                  </p:stCondLst>
+                                  <p:childTnLst>
+                                    <p:set>
+                                      <p:cBhvr>
+                                        <p:cTn id="6" dur="1" fill="hold">
+                                          <p:stCondLst>
+                                            <p:cond delay="0"/>
+                                          </p:stCondLst>
+                                        </p:cTn>
+                                        <p:tgtEl>
+                                          <p:spTgt spid="5">
+                                            <p:txEl>
+                                              <p:pRg st="0" end="0"/>
+                                            </p:txEl>
+                                          </p:spTgt>
+                                        </p:tgtEl>
+                                        <p:attrNameLst>
+                                          <p:attrName>style.visibility</p:attrName>
+                                        </p:attrNameLst>
+                                      </p:cBhvr>
+                                      <p:to>
+                                        <p:strVal val="visible"/>
+                                      </p:to>
+                                    </p:set>
+                                    <p:animEffect transition="in" filter="fade">
+                                      <p:cBhvr>
+                                        <p:cTn id="7" dur="500"/>
+                                        <p:tgtEl>
+                                          <p:spTgt spid="5">
+                                            <p:txEl>
+                                              <p:pRg st="0" end="0"/>
+                                            </p:txEl>
+                                          </p:spTgt>
+                                        </p:tgtEl>
+                                      </p:cBhvr>
+                                    </p:animEffect>
+                                  </p:childTnLst>
+                                </p:cTn>
+                              </p:par>
+                            </p:childTnLst>
+                          </p:cTn>
+                        </p:par>
+                      </p:childTnLst>
+                    </p:cTn>
+                  </p:par>
+                  <p:par>
+                    <p:cTn id="8" fill="hold">
+                      <p:stCondLst>
+                        <p:cond delay="indefinite"/>
+                      </p:stCondLst>
+                      <p:childTnLst>
+                        <p:par>
+                          <p:cTn id="9" fill="hold">
+                            <p:stCondLst>
+                              <p:cond delay="0"/>
+                            </p:stCondLst>
+                            <p:childTnLst>
+                              <p:par>
+                                <p:cTn id="10" presetID="10" presetClass="entr" presetSubtype="0" fill="hold" grpId="0" nodeType="clickEffect">
+                                  <p:stCondLst>
+                                    <p:cond delay="0"/>
+                                  </p:stCondLst>
+                                  <p:childTnLst>
+                                    <p:set>
+                                      <p:cBhvr>
+                                        <p:cTn id="11" dur="1" fill="hold">
+                                          <p:stCondLst>
+                                            <p:cond delay="0"/>
+                                          </p:stCondLst>
+                                        </p:cTn>
+                                        <p:tgtEl>
+                                          <p:spTgt spid="5">
+                                            <p:txEl>
+                                              <p:pRg st="1" end="1"/>
+                                            </p:txEl>
+                                          </p:spTgt>
+                                        </p:tgtEl>
+                                        <p:attrNameLst>
+                                          <p:attrName>style.visibility</p:attrName>
+                                        </p:attrNameLst>
+                                      </p:cBhvr>
+                                      <p:to>
+                                        <p:strVal val="visible"/>
+                                      </p:to>
+                                    </p:set>
+                                    <p:animEffect transition="in" filter="fade">
+                                      <p:cBhvr>
+                                        <p:cTn id="12" dur="500"/>
+                                        <p:tgtEl>
+                                          <p:spTgt spid="5">
+                                            <p:txEl>
+                                              <p:pRg st="1" end="1"/>
+                                            </p:txEl>
+                                          </p:spTgt>
+                                        </p:tgtEl>
+                                      </p:cBhvr>
+                                    </p:animEffect>
+                                  </p:childTnLst>
+                                </p:cTn>
+                              </p:par>
+                            </p:childTnLst>
+                          </p:cTn>
+                        </p:par>
+                      </p:childTnLst>
+                    </p:cTn>
+                  </p:par>
+                  <p:par>
+                    <p:cTn id="13" fill="hold">
+                      <p:stCondLst>
+                        <p:cond delay="indefinite"/>
+                      </p:stCondLst>
+                      <p:childTnLst>
+                        <p:par>
+                          <p:cTn id="14" fill="hold">
+                            <p:stCondLst>
+                              <p:cond delay="0"/>
+                            </p:stCondLst>
+                            <p:childTnLst>
+                              <p:par>
+                                <p:cTn id="15" presetID="10" presetClass="entr" presetSubtype="0" fill="hold" grpId="0" nodeType="clickEffect">
+                                  <p:stCondLst>
+                                    <p:cond delay="0"/>
+                                  </p:stCondLst>
+                                  <p:childTnLst>
+                                    <p:set>
+                                      <p:cBhvr>
+                                        <p:cTn id="16" dur="1" fill="hold">
+                                          <p:stCondLst>
+                                            <p:cond delay="0"/>
+                                          </p:stCondLst>
+                                        </p:cTn>
+                                        <p:tgtEl>
+                                          <p:spTgt spid="9">
+                                            <p:txEl>
+                                              <p:pRg st="0" end="0"/>
+                                            </p:txEl>
+                                          </p:spTgt>
+                                        </p:tgtEl>
+                                        <p:attrNameLst>
+                                          <p:attrName>style.visibility</p:attrName>
+                                        </p:attrNameLst>
+                                      </p:cBhvr>
+                                      <p:to>
+                                        <p:strVal val="visible"/>
+                                      </p:to>
+                                    </p:set>
+                                    <p:animEffect transition="in" filter="fade">
+                                      <p:cBhvr>
+                                        <p:cTn id="17" dur="500"/>
+                                        <p:tgtEl>
+                                          <p:spTgt spid="9">
+                                            <p:txEl>
+                                              <p:pRg st="0" end="0"/>
+                                            </p:txEl>
+                                          </p:spTgt>
+                                        </p:tgtEl>
+                                      </p:cBhvr>
+                                    </p:animEffect>
+                                  </p:childTnLst>
+                                </p:cTn>
+                              </p:par>
+                            </p:childTnLst>
+                          </p:cTn>
+                        </p:par>
+                      </p:childTnLst>
+                    </p:cTn>
+                  </p:par>
+                  <p:par>
+                    <p:cTn id="18" fill="hold">
+                      <p:stCondLst>
+                        <p:cond delay="indefinite"/>
+                      </p:stCondLst>
+                      <p:childTnLst>
+                        <p:par>
+                          <p:cTn id="19" fill="hold">
+                            <p:stCondLst>
+                              <p:cond delay="0"/>
+                            </p:stCondLst>
+                            <p:childTnLst>
+                              <p:par>
+                                <p:cTn id="20" presetID="10" presetClass="entr" presetSubtype="0" fill="hold" grpId="0" nodeType="clickEffect">
+                                  <p:stCondLst>
+                                    <p:cond delay="0"/>
+                                  </p:stCondLst>
+                                  <p:childTnLst>
+                                    <p:set>
+                                      <p:cBhvr>
+                                        <p:cTn id="21" dur="1" fill="hold">
+                                          <p:stCondLst>
+                                            <p:cond delay="0"/>
+                                          </p:stCondLst>
+                                        </p:cTn>
+                                        <p:tgtEl>
+                                          <p:spTgt spid="9">
+                                            <p:txEl>
+                                              <p:pRg st="1" end="1"/>
+                                            </p:txEl>
+                                          </p:spTgt>
+                                        </p:tgtEl>
+                                        <p:attrNameLst>
+                                          <p:attrName>style.visibility</p:attrName>
+                                        </p:attrNameLst>
+                                      </p:cBhvr>
+                                      <p:to>
+                                        <p:strVal val="visible"/>
+                                      </p:to>
+                                    </p:set>
+                                    <p:animEffect transition="in" filter="fade">
+                                      <p:cBhvr>
+                                        <p:cTn id="22" dur="500"/>
+                                        <p:tgtEl>
+                                          <p:spTgt spid="9">
+                                            <p:txEl>
+                                              <p:pRg st="1" end="1"/>
+                                            </p:txEl>
+                                          </p:spTgt>
+                                        </p:tgtEl>
+                                      </p:cBhvr>
+                                    </p:animEffect>
+                                  </p:childTnLst>
+                                </p:cTn>
+                              </p:par>
+                            </p:childTnLst>
+                          </p:cTn>
+                        </p:par>
+                      </p:childTnLst>
+                    </p:cTn>
+                  </p:par>
+                </p:childTnLst>
+              </p:cTn>
+              <p:prevCondLst>
+                <p:cond evt="onPrev" delay="0">
+                  <p:tgtEl>
+                    <p:sldTgt/>
+                  </p:tgtEl>
+                </p:cond>
+              </p:prevCondLst>
+              <p:nextCondLst>
+                <p:cond evt="onNext" delay="0">
+                  <p:tgtEl>
+                    <p:sldTgt/>
+                  </p:tgtEl>
+                </p:cond>
+              </p:nextCondLst>
+            </p:seq>
+          </p:childTnLst>
+        </p:cTn>
+      </p:par>
+    </p:tnLst>
+    <p:bldLst>
+      <p:bldP spid="5" grpId="0" build="p"/>
+      <p:bldP spid="9" grpId="0" build="p"/>
+    </p:bldLst>
+  </p:timing>
 </p:sld>
 </file>
 
@@ -27674,6 +30244,223 @@
   <p:clrMapOvr>
     <a:masterClrMapping/>
   </p:clrMapOvr>
+  <p:timing>
+    <p:tnLst>
+      <p:par>
+        <p:cTn id="1" dur="indefinite" restart="never" nodeType="tmRoot">
+          <p:childTnLst>
+            <p:seq concurrent="1" nextAc="seek">
+              <p:cTn id="2" dur="indefinite" nodeType="mainSeq">
+                <p:childTnLst>
+                  <p:par>
+                    <p:cTn id="3" fill="hold">
+                      <p:stCondLst>
+                        <p:cond delay="indefinite"/>
+                      </p:stCondLst>
+                      <p:childTnLst>
+                        <p:par>
+                          <p:cTn id="4" fill="hold">
+                            <p:stCondLst>
+                              <p:cond delay="0"/>
+                            </p:stCondLst>
+                            <p:childTnLst>
+                              <p:par>
+                                <p:cTn id="5" presetID="10" presetClass="entr" presetSubtype="0" fill="hold" grpId="0" nodeType="clickEffect">
+                                  <p:stCondLst>
+                                    <p:cond delay="0"/>
+                                  </p:stCondLst>
+                                  <p:childTnLst>
+                                    <p:set>
+                                      <p:cBhvr>
+                                        <p:cTn id="6" dur="1" fill="hold">
+                                          <p:stCondLst>
+                                            <p:cond delay="0"/>
+                                          </p:stCondLst>
+                                        </p:cTn>
+                                        <p:tgtEl>
+                                          <p:spTgt spid="5">
+                                            <p:txEl>
+                                              <p:pRg st="0" end="0"/>
+                                            </p:txEl>
+                                          </p:spTgt>
+                                        </p:tgtEl>
+                                        <p:attrNameLst>
+                                          <p:attrName>style.visibility</p:attrName>
+                                        </p:attrNameLst>
+                                      </p:cBhvr>
+                                      <p:to>
+                                        <p:strVal val="visible"/>
+                                      </p:to>
+                                    </p:set>
+                                    <p:animEffect transition="in" filter="fade">
+                                      <p:cBhvr>
+                                        <p:cTn id="7" dur="500"/>
+                                        <p:tgtEl>
+                                          <p:spTgt spid="5">
+                                            <p:txEl>
+                                              <p:pRg st="0" end="0"/>
+                                            </p:txEl>
+                                          </p:spTgt>
+                                        </p:tgtEl>
+                                      </p:cBhvr>
+                                    </p:animEffect>
+                                  </p:childTnLst>
+                                </p:cTn>
+                              </p:par>
+                            </p:childTnLst>
+                          </p:cTn>
+                        </p:par>
+                      </p:childTnLst>
+                    </p:cTn>
+                  </p:par>
+                  <p:par>
+                    <p:cTn id="8" fill="hold">
+                      <p:stCondLst>
+                        <p:cond delay="indefinite"/>
+                      </p:stCondLst>
+                      <p:childTnLst>
+                        <p:par>
+                          <p:cTn id="9" fill="hold">
+                            <p:stCondLst>
+                              <p:cond delay="0"/>
+                            </p:stCondLst>
+                            <p:childTnLst>
+                              <p:par>
+                                <p:cTn id="10" presetID="10" presetClass="entr" presetSubtype="0" fill="hold" grpId="0" nodeType="clickEffect">
+                                  <p:stCondLst>
+                                    <p:cond delay="0"/>
+                                  </p:stCondLst>
+                                  <p:childTnLst>
+                                    <p:set>
+                                      <p:cBhvr>
+                                        <p:cTn id="11" dur="1" fill="hold">
+                                          <p:stCondLst>
+                                            <p:cond delay="0"/>
+                                          </p:stCondLst>
+                                        </p:cTn>
+                                        <p:tgtEl>
+                                          <p:spTgt spid="9">
+                                            <p:txEl>
+                                              <p:pRg st="0" end="0"/>
+                                            </p:txEl>
+                                          </p:spTgt>
+                                        </p:tgtEl>
+                                        <p:attrNameLst>
+                                          <p:attrName>style.visibility</p:attrName>
+                                        </p:attrNameLst>
+                                      </p:cBhvr>
+                                      <p:to>
+                                        <p:strVal val="visible"/>
+                                      </p:to>
+                                    </p:set>
+                                    <p:animEffect transition="in" filter="fade">
+                                      <p:cBhvr>
+                                        <p:cTn id="12" dur="500"/>
+                                        <p:tgtEl>
+                                          <p:spTgt spid="9">
+                                            <p:txEl>
+                                              <p:pRg st="0" end="0"/>
+                                            </p:txEl>
+                                          </p:spTgt>
+                                        </p:tgtEl>
+                                      </p:cBhvr>
+                                    </p:animEffect>
+                                  </p:childTnLst>
+                                </p:cTn>
+                              </p:par>
+                            </p:childTnLst>
+                          </p:cTn>
+                        </p:par>
+                      </p:childTnLst>
+                    </p:cTn>
+                  </p:par>
+                  <p:par>
+                    <p:cTn id="13" fill="hold">
+                      <p:stCondLst>
+                        <p:cond delay="indefinite"/>
+                      </p:stCondLst>
+                      <p:childTnLst>
+                        <p:par>
+                          <p:cTn id="14" fill="hold">
+                            <p:stCondLst>
+                              <p:cond delay="0"/>
+                            </p:stCondLst>
+                            <p:childTnLst>
+                              <p:par>
+                                <p:cTn id="15" presetID="10" presetClass="entr" presetSubtype="0" fill="hold" grpId="0" nodeType="clickEffect">
+                                  <p:stCondLst>
+                                    <p:cond delay="0"/>
+                                  </p:stCondLst>
+                                  <p:childTnLst>
+                                    <p:set>
+                                      <p:cBhvr>
+                                        <p:cTn id="16" dur="1" fill="hold">
+                                          <p:stCondLst>
+                                            <p:cond delay="0"/>
+                                          </p:stCondLst>
+                                        </p:cTn>
+                                        <p:tgtEl>
+                                          <p:spTgt spid="9">
+                                            <p:txEl>
+                                              <p:pRg st="1" end="1"/>
+                                            </p:txEl>
+                                          </p:spTgt>
+                                        </p:tgtEl>
+                                        <p:attrNameLst>
+                                          <p:attrName>style.visibility</p:attrName>
+                                        </p:attrNameLst>
+                                      </p:cBhvr>
+                                      <p:to>
+                                        <p:strVal val="visible"/>
+                                      </p:to>
+                                    </p:set>
+                                    <p:animEffect transition="in" filter="fade">
+                                      <p:cBhvr>
+                                        <p:cTn id="17" dur="500"/>
+                                        <p:tgtEl>
+                                          <p:spTgt spid="9">
+                                            <p:txEl>
+                                              <p:pRg st="1" end="1"/>
+                                            </p:txEl>
+                                          </p:spTgt>
+                                        </p:tgtEl>
+                                      </p:cBhvr>
+                                    </p:animEffect>
+                                  </p:childTnLst>
+                                </p:cTn>
+                              </p:par>
+                            </p:childTnLst>
+                          </p:cTn>
+                        </p:par>
+                      </p:childTnLst>
+                    </p:cTn>
+                  </p:par>
+                </p:childTnLst>
+              </p:cTn>
+              <p:prevCondLst>
+                <p:cond evt="onPrev" delay="0">
+                  <p:tgtEl>
+                    <p:sldTgt/>
+                  </p:tgtEl>
+                </p:cond>
+              </p:prevCondLst>
+              <p:nextCondLst>
+                <p:cond evt="onNext" delay="0">
+                  <p:tgtEl>
+                    <p:sldTgt/>
+                  </p:tgtEl>
+                </p:cond>
+              </p:nextCondLst>
+            </p:seq>
+          </p:childTnLst>
+        </p:cTn>
+      </p:par>
+    </p:tnLst>
+    <p:bldLst>
+      <p:bldP spid="5" grpId="0" build="p"/>
+      <p:bldP spid="9" grpId="0" build="p"/>
+    </p:bldLst>
+  </p:timing>
 </p:sld>
 </file>
 
@@ -27844,6 +30631,162 @@
   <p:clrMapOvr>
     <a:masterClrMapping/>
   </p:clrMapOvr>
+  <p:timing>
+    <p:tnLst>
+      <p:par>
+        <p:cTn id="1" dur="indefinite" restart="never" nodeType="tmRoot">
+          <p:childTnLst>
+            <p:seq concurrent="1" nextAc="seek">
+              <p:cTn id="2" dur="indefinite" nodeType="mainSeq">
+                <p:childTnLst>
+                  <p:par>
+                    <p:cTn id="3" fill="hold">
+                      <p:stCondLst>
+                        <p:cond delay="indefinite"/>
+                      </p:stCondLst>
+                      <p:childTnLst>
+                        <p:par>
+                          <p:cTn id="4" fill="hold">
+                            <p:stCondLst>
+                              <p:cond delay="0"/>
+                            </p:stCondLst>
+                            <p:childTnLst>
+                              <p:par>
+                                <p:cTn id="5" presetID="10" presetClass="entr" presetSubtype="0" fill="hold" grpId="0" nodeType="clickEffect">
+                                  <p:stCondLst>
+                                    <p:cond delay="0"/>
+                                  </p:stCondLst>
+                                  <p:childTnLst>
+                                    <p:set>
+                                      <p:cBhvr>
+                                        <p:cTn id="6" dur="1" fill="hold">
+                                          <p:stCondLst>
+                                            <p:cond delay="0"/>
+                                          </p:stCondLst>
+                                        </p:cTn>
+                                        <p:tgtEl>
+                                          <p:spTgt spid="5">
+                                            <p:txEl>
+                                              <p:pRg st="0" end="0"/>
+                                            </p:txEl>
+                                          </p:spTgt>
+                                        </p:tgtEl>
+                                        <p:attrNameLst>
+                                          <p:attrName>style.visibility</p:attrName>
+                                        </p:attrNameLst>
+                                      </p:cBhvr>
+                                      <p:to>
+                                        <p:strVal val="visible"/>
+                                      </p:to>
+                                    </p:set>
+                                    <p:animEffect transition="in" filter="fade">
+                                      <p:cBhvr>
+                                        <p:cTn id="7" dur="500"/>
+                                        <p:tgtEl>
+                                          <p:spTgt spid="5">
+                                            <p:txEl>
+                                              <p:pRg st="0" end="0"/>
+                                            </p:txEl>
+                                          </p:spTgt>
+                                        </p:tgtEl>
+                                      </p:cBhvr>
+                                    </p:animEffect>
+                                  </p:childTnLst>
+                                </p:cTn>
+                              </p:par>
+                            </p:childTnLst>
+                          </p:cTn>
+                        </p:par>
+                      </p:childTnLst>
+                    </p:cTn>
+                  </p:par>
+                  <p:par>
+                    <p:cTn id="8" fill="hold">
+                      <p:stCondLst>
+                        <p:cond delay="indefinite"/>
+                      </p:stCondLst>
+                      <p:childTnLst>
+                        <p:par>
+                          <p:cTn id="9" fill="hold">
+                            <p:stCondLst>
+                              <p:cond delay="0"/>
+                            </p:stCondLst>
+                            <p:childTnLst>
+                              <p:par>
+                                <p:cTn id="10" presetID="10" presetClass="entr" presetSubtype="0" fill="hold" grpId="0" nodeType="clickEffect">
+                                  <p:stCondLst>
+                                    <p:cond delay="0"/>
+                                  </p:stCondLst>
+                                  <p:childTnLst>
+                                    <p:set>
+                                      <p:cBhvr>
+                                        <p:cTn id="11" dur="1" fill="hold">
+                                          <p:stCondLst>
+                                            <p:cond delay="0"/>
+                                          </p:stCondLst>
+                                        </p:cTn>
+                                        <p:tgtEl>
+                                          <p:spTgt spid="9">
+                                            <p:txEl>
+                                              <p:pRg st="0" end="0"/>
+                                            </p:txEl>
+                                          </p:spTgt>
+                                        </p:tgtEl>
+                                        <p:attrNameLst>
+                                          <p:attrName>style.visibility</p:attrName>
+                                        </p:attrNameLst>
+                                      </p:cBhvr>
+                                      <p:to>
+                                        <p:strVal val="visible"/>
+                                      </p:to>
+                                    </p:set>
+                                    <p:animEffect transition="in" filter="fade">
+                                      <p:cBhvr>
+                                        <p:cTn id="12" dur="500"/>
+                                        <p:tgtEl>
+                                          <p:spTgt spid="9">
+                                            <p:txEl>
+                                              <p:pRg st="0" end="0"/>
+                                            </p:txEl>
+                                          </p:spTgt>
+                                        </p:tgtEl>
+                                      </p:cBhvr>
+                                    </p:animEffect>
+                                  </p:childTnLst>
+                                </p:cTn>
+                              </p:par>
+                            </p:childTnLst>
+                          </p:cTn>
+                        </p:par>
+                      </p:childTnLst>
+                    </p:cTn>
+                  </p:par>
+                </p:childTnLst>
+              </p:cTn>
+              <p:prevCondLst>
+                <p:cond evt="onPrev" delay="0">
+                  <p:tgtEl>
+                    <p:sldTgt/>
+                  </p:tgtEl>
+                </p:cond>
+              </p:prevCondLst>
+              <p:nextCondLst>
+                <p:cond evt="onNext" delay="0">
+                  <p:tgtEl>
+                    <p:sldTgt/>
+                  </p:tgtEl>
+                </p:cond>
+              </p:nextCondLst>
+            </p:seq>
+          </p:childTnLst>
+        </p:cTn>
+      </p:par>
+    </p:tnLst>
+    <p:bldLst>
+      <p:bldP spid="5" grpId="0" build="p"/>
+      <p:bldP spid="9" grpId="0" build="p"/>
+    </p:bldLst>
+  </p:timing>
 </p:sld>
 </file>
 
@@ -28020,6 +30963,223 @@
   <p:clrMapOvr>
     <a:masterClrMapping/>
   </p:clrMapOvr>
+  <p:timing>
+    <p:tnLst>
+      <p:par>
+        <p:cTn id="1" dur="indefinite" restart="never" nodeType="tmRoot">
+          <p:childTnLst>
+            <p:seq concurrent="1" nextAc="seek">
+              <p:cTn id="2" dur="indefinite" nodeType="mainSeq">
+                <p:childTnLst>
+                  <p:par>
+                    <p:cTn id="3" fill="hold">
+                      <p:stCondLst>
+                        <p:cond delay="indefinite"/>
+                      </p:stCondLst>
+                      <p:childTnLst>
+                        <p:par>
+                          <p:cTn id="4" fill="hold">
+                            <p:stCondLst>
+                              <p:cond delay="0"/>
+                            </p:stCondLst>
+                            <p:childTnLst>
+                              <p:par>
+                                <p:cTn id="5" presetID="10" presetClass="entr" presetSubtype="0" fill="hold" grpId="0" nodeType="clickEffect">
+                                  <p:stCondLst>
+                                    <p:cond delay="0"/>
+                                  </p:stCondLst>
+                                  <p:childTnLst>
+                                    <p:set>
+                                      <p:cBhvr>
+                                        <p:cTn id="6" dur="1" fill="hold">
+                                          <p:stCondLst>
+                                            <p:cond delay="0"/>
+                                          </p:stCondLst>
+                                        </p:cTn>
+                                        <p:tgtEl>
+                                          <p:spTgt spid="5">
+                                            <p:txEl>
+                                              <p:pRg st="0" end="0"/>
+                                            </p:txEl>
+                                          </p:spTgt>
+                                        </p:tgtEl>
+                                        <p:attrNameLst>
+                                          <p:attrName>style.visibility</p:attrName>
+                                        </p:attrNameLst>
+                                      </p:cBhvr>
+                                      <p:to>
+                                        <p:strVal val="visible"/>
+                                      </p:to>
+                                    </p:set>
+                                    <p:animEffect transition="in" filter="fade">
+                                      <p:cBhvr>
+                                        <p:cTn id="7" dur="500"/>
+                                        <p:tgtEl>
+                                          <p:spTgt spid="5">
+                                            <p:txEl>
+                                              <p:pRg st="0" end="0"/>
+                                            </p:txEl>
+                                          </p:spTgt>
+                                        </p:tgtEl>
+                                      </p:cBhvr>
+                                    </p:animEffect>
+                                  </p:childTnLst>
+                                </p:cTn>
+                              </p:par>
+                            </p:childTnLst>
+                          </p:cTn>
+                        </p:par>
+                      </p:childTnLst>
+                    </p:cTn>
+                  </p:par>
+                  <p:par>
+                    <p:cTn id="8" fill="hold">
+                      <p:stCondLst>
+                        <p:cond delay="indefinite"/>
+                      </p:stCondLst>
+                      <p:childTnLst>
+                        <p:par>
+                          <p:cTn id="9" fill="hold">
+                            <p:stCondLst>
+                              <p:cond delay="0"/>
+                            </p:stCondLst>
+                            <p:childTnLst>
+                              <p:par>
+                                <p:cTn id="10" presetID="10" presetClass="entr" presetSubtype="0" fill="hold" grpId="0" nodeType="clickEffect">
+                                  <p:stCondLst>
+                                    <p:cond delay="0"/>
+                                  </p:stCondLst>
+                                  <p:childTnLst>
+                                    <p:set>
+                                      <p:cBhvr>
+                                        <p:cTn id="11" dur="1" fill="hold">
+                                          <p:stCondLst>
+                                            <p:cond delay="0"/>
+                                          </p:stCondLst>
+                                        </p:cTn>
+                                        <p:tgtEl>
+                                          <p:spTgt spid="5">
+                                            <p:txEl>
+                                              <p:pRg st="1" end="1"/>
+                                            </p:txEl>
+                                          </p:spTgt>
+                                        </p:tgtEl>
+                                        <p:attrNameLst>
+                                          <p:attrName>style.visibility</p:attrName>
+                                        </p:attrNameLst>
+                                      </p:cBhvr>
+                                      <p:to>
+                                        <p:strVal val="visible"/>
+                                      </p:to>
+                                    </p:set>
+                                    <p:animEffect transition="in" filter="fade">
+                                      <p:cBhvr>
+                                        <p:cTn id="12" dur="500"/>
+                                        <p:tgtEl>
+                                          <p:spTgt spid="5">
+                                            <p:txEl>
+                                              <p:pRg st="1" end="1"/>
+                                            </p:txEl>
+                                          </p:spTgt>
+                                        </p:tgtEl>
+                                      </p:cBhvr>
+                                    </p:animEffect>
+                                  </p:childTnLst>
+                                </p:cTn>
+                              </p:par>
+                            </p:childTnLst>
+                          </p:cTn>
+                        </p:par>
+                      </p:childTnLst>
+                    </p:cTn>
+                  </p:par>
+                  <p:par>
+                    <p:cTn id="13" fill="hold">
+                      <p:stCondLst>
+                        <p:cond delay="indefinite"/>
+                      </p:stCondLst>
+                      <p:childTnLst>
+                        <p:par>
+                          <p:cTn id="14" fill="hold">
+                            <p:stCondLst>
+                              <p:cond delay="0"/>
+                            </p:stCondLst>
+                            <p:childTnLst>
+                              <p:par>
+                                <p:cTn id="15" presetID="10" presetClass="entr" presetSubtype="0" fill="hold" grpId="0" nodeType="clickEffect">
+                                  <p:stCondLst>
+                                    <p:cond delay="0"/>
+                                  </p:stCondLst>
+                                  <p:childTnLst>
+                                    <p:set>
+                                      <p:cBhvr>
+                                        <p:cTn id="16" dur="1" fill="hold">
+                                          <p:stCondLst>
+                                            <p:cond delay="0"/>
+                                          </p:stCondLst>
+                                        </p:cTn>
+                                        <p:tgtEl>
+                                          <p:spTgt spid="9">
+                                            <p:txEl>
+                                              <p:pRg st="0" end="0"/>
+                                            </p:txEl>
+                                          </p:spTgt>
+                                        </p:tgtEl>
+                                        <p:attrNameLst>
+                                          <p:attrName>style.visibility</p:attrName>
+                                        </p:attrNameLst>
+                                      </p:cBhvr>
+                                      <p:to>
+                                        <p:strVal val="visible"/>
+                                      </p:to>
+                                    </p:set>
+                                    <p:animEffect transition="in" filter="fade">
+                                      <p:cBhvr>
+                                        <p:cTn id="17" dur="500"/>
+                                        <p:tgtEl>
+                                          <p:spTgt spid="9">
+                                            <p:txEl>
+                                              <p:pRg st="0" end="0"/>
+                                            </p:txEl>
+                                          </p:spTgt>
+                                        </p:tgtEl>
+                                      </p:cBhvr>
+                                    </p:animEffect>
+                                  </p:childTnLst>
+                                </p:cTn>
+                              </p:par>
+                            </p:childTnLst>
+                          </p:cTn>
+                        </p:par>
+                      </p:childTnLst>
+                    </p:cTn>
+                  </p:par>
+                </p:childTnLst>
+              </p:cTn>
+              <p:prevCondLst>
+                <p:cond evt="onPrev" delay="0">
+                  <p:tgtEl>
+                    <p:sldTgt/>
+                  </p:tgtEl>
+                </p:cond>
+              </p:prevCondLst>
+              <p:nextCondLst>
+                <p:cond evt="onNext" delay="0">
+                  <p:tgtEl>
+                    <p:sldTgt/>
+                  </p:tgtEl>
+                </p:cond>
+              </p:nextCondLst>
+            </p:seq>
+          </p:childTnLst>
+        </p:cTn>
+      </p:par>
+    </p:tnLst>
+    <p:bldLst>
+      <p:bldP spid="5" grpId="0" build="p"/>
+      <p:bldP spid="9" grpId="0" build="p"/>
+    </p:bldLst>
+  </p:timing>
 </p:sld>
 </file>
 
@@ -28212,6 +31372,222 @@
   <p:clrMapOvr>
     <a:masterClrMapping/>
   </p:clrMapOvr>
+  <p:timing>
+    <p:tnLst>
+      <p:par>
+        <p:cTn id="1" dur="indefinite" restart="never" nodeType="tmRoot">
+          <p:childTnLst>
+            <p:seq concurrent="1" nextAc="seek">
+              <p:cTn id="2" dur="indefinite" nodeType="mainSeq">
+                <p:childTnLst>
+                  <p:par>
+                    <p:cTn id="3" fill="hold">
+                      <p:stCondLst>
+                        <p:cond delay="indefinite"/>
+                      </p:stCondLst>
+                      <p:childTnLst>
+                        <p:par>
+                          <p:cTn id="4" fill="hold">
+                            <p:stCondLst>
+                              <p:cond delay="0"/>
+                            </p:stCondLst>
+                            <p:childTnLst>
+                              <p:par>
+                                <p:cTn id="5" presetID="10" presetClass="entr" presetSubtype="0" fill="hold" grpId="0" nodeType="clickEffect">
+                                  <p:stCondLst>
+                                    <p:cond delay="0"/>
+                                  </p:stCondLst>
+                                  <p:childTnLst>
+                                    <p:set>
+                                      <p:cBhvr>
+                                        <p:cTn id="6" dur="1" fill="hold">
+                                          <p:stCondLst>
+                                            <p:cond delay="0"/>
+                                          </p:stCondLst>
+                                        </p:cTn>
+                                        <p:tgtEl>
+                                          <p:spTgt spid="5">
+                                            <p:txEl>
+                                              <p:pRg st="0" end="0"/>
+                                            </p:txEl>
+                                          </p:spTgt>
+                                        </p:tgtEl>
+                                        <p:attrNameLst>
+                                          <p:attrName>style.visibility</p:attrName>
+                                        </p:attrNameLst>
+                                      </p:cBhvr>
+                                      <p:to>
+                                        <p:strVal val="visible"/>
+                                      </p:to>
+                                    </p:set>
+                                    <p:animEffect transition="in" filter="fade">
+                                      <p:cBhvr>
+                                        <p:cTn id="7" dur="500"/>
+                                        <p:tgtEl>
+                                          <p:spTgt spid="5">
+                                            <p:txEl>
+                                              <p:pRg st="0" end="0"/>
+                                            </p:txEl>
+                                          </p:spTgt>
+                                        </p:tgtEl>
+                                      </p:cBhvr>
+                                    </p:animEffect>
+                                  </p:childTnLst>
+                                </p:cTn>
+                              </p:par>
+                            </p:childTnLst>
+                          </p:cTn>
+                        </p:par>
+                      </p:childTnLst>
+                    </p:cTn>
+                  </p:par>
+                  <p:par>
+                    <p:cTn id="8" fill="hold">
+                      <p:stCondLst>
+                        <p:cond delay="indefinite"/>
+                      </p:stCondLst>
+                      <p:childTnLst>
+                        <p:par>
+                          <p:cTn id="9" fill="hold">
+                            <p:stCondLst>
+                              <p:cond delay="0"/>
+                            </p:stCondLst>
+                            <p:childTnLst>
+                              <p:par>
+                                <p:cTn id="10" presetID="10" presetClass="entr" presetSubtype="0" fill="hold" grpId="0" nodeType="clickEffect">
+                                  <p:stCondLst>
+                                    <p:cond delay="0"/>
+                                  </p:stCondLst>
+                                  <p:childTnLst>
+                                    <p:set>
+                                      <p:cBhvr>
+                                        <p:cTn id="11" dur="1" fill="hold">
+                                          <p:stCondLst>
+                                            <p:cond delay="0"/>
+                                          </p:stCondLst>
+                                        </p:cTn>
+                                        <p:tgtEl>
+                                          <p:spTgt spid="5">
+                                            <p:txEl>
+                                              <p:pRg st="1" end="1"/>
+                                            </p:txEl>
+                                          </p:spTgt>
+                                        </p:tgtEl>
+                                        <p:attrNameLst>
+                                          <p:attrName>style.visibility</p:attrName>
+                                        </p:attrNameLst>
+                                      </p:cBhvr>
+                                      <p:to>
+                                        <p:strVal val="visible"/>
+                                      </p:to>
+                                    </p:set>
+                                    <p:animEffect transition="in" filter="fade">
+                                      <p:cBhvr>
+                                        <p:cTn id="12" dur="500"/>
+                                        <p:tgtEl>
+                                          <p:spTgt spid="5">
+                                            <p:txEl>
+                                              <p:pRg st="1" end="1"/>
+                                            </p:txEl>
+                                          </p:spTgt>
+                                        </p:tgtEl>
+                                      </p:cBhvr>
+                                    </p:animEffect>
+                                  </p:childTnLst>
+                                </p:cTn>
+                              </p:par>
+                            </p:childTnLst>
+                          </p:cTn>
+                        </p:par>
+                      </p:childTnLst>
+                    </p:cTn>
+                  </p:par>
+                  <p:par>
+                    <p:cTn id="13" fill="hold">
+                      <p:stCondLst>
+                        <p:cond delay="indefinite"/>
+                      </p:stCondLst>
+                      <p:childTnLst>
+                        <p:par>
+                          <p:cTn id="14" fill="hold">
+                            <p:stCondLst>
+                              <p:cond delay="0"/>
+                            </p:stCondLst>
+                            <p:childTnLst>
+                              <p:par>
+                                <p:cTn id="15" presetID="10" presetClass="entr" presetSubtype="0" fill="hold" grpId="0" nodeType="clickEffect">
+                                  <p:stCondLst>
+                                    <p:cond delay="0"/>
+                                  </p:stCondLst>
+                                  <p:childTnLst>
+                                    <p:set>
+                                      <p:cBhvr>
+                                        <p:cTn id="16" dur="1" fill="hold">
+                                          <p:stCondLst>
+                                            <p:cond delay="0"/>
+                                          </p:stCondLst>
+                                        </p:cTn>
+                                        <p:tgtEl>
+                                          <p:spTgt spid="5">
+                                            <p:txEl>
+                                              <p:pRg st="2" end="2"/>
+                                            </p:txEl>
+                                          </p:spTgt>
+                                        </p:tgtEl>
+                                        <p:attrNameLst>
+                                          <p:attrName>style.visibility</p:attrName>
+                                        </p:attrNameLst>
+                                      </p:cBhvr>
+                                      <p:to>
+                                        <p:strVal val="visible"/>
+                                      </p:to>
+                                    </p:set>
+                                    <p:animEffect transition="in" filter="fade">
+                                      <p:cBhvr>
+                                        <p:cTn id="17" dur="500"/>
+                                        <p:tgtEl>
+                                          <p:spTgt spid="5">
+                                            <p:txEl>
+                                              <p:pRg st="2" end="2"/>
+                                            </p:txEl>
+                                          </p:spTgt>
+                                        </p:tgtEl>
+                                      </p:cBhvr>
+                                    </p:animEffect>
+                                  </p:childTnLst>
+                                </p:cTn>
+                              </p:par>
+                            </p:childTnLst>
+                          </p:cTn>
+                        </p:par>
+                      </p:childTnLst>
+                    </p:cTn>
+                  </p:par>
+                </p:childTnLst>
+              </p:cTn>
+              <p:prevCondLst>
+                <p:cond evt="onPrev" delay="0">
+                  <p:tgtEl>
+                    <p:sldTgt/>
+                  </p:tgtEl>
+                </p:cond>
+              </p:prevCondLst>
+              <p:nextCondLst>
+                <p:cond evt="onNext" delay="0">
+                  <p:tgtEl>
+                    <p:sldTgt/>
+                  </p:tgtEl>
+                </p:cond>
+              </p:nextCondLst>
+            </p:seq>
+          </p:childTnLst>
+        </p:cTn>
+      </p:par>
+    </p:tnLst>
+    <p:bldLst>
+      <p:bldP spid="5" grpId="0" build="p"/>
+    </p:bldLst>
+  </p:timing>
 </p:sld>
 </file>
 

--- a/presentation.pptx
+++ b/presentation.pptx
@@ -5,7 +5,7 @@
     <p:sldMasterId id="2147483648" r:id="rId1"/>
   </p:sldMasterIdLst>
   <p:notesMasterIdLst>
-    <p:notesMasterId r:id="rId92"/>
+    <p:notesMasterId r:id="rId93"/>
   </p:notesMasterIdLst>
   <p:sldIdLst>
     <p:sldId id="256" r:id="rId2"/>
@@ -82,22 +82,23 @@
     <p:sldId id="356" r:id="rId73"/>
     <p:sldId id="357" r:id="rId74"/>
     <p:sldId id="359" r:id="rId75"/>
-    <p:sldId id="360" r:id="rId76"/>
-    <p:sldId id="361" r:id="rId77"/>
-    <p:sldId id="362" r:id="rId78"/>
-    <p:sldId id="363" r:id="rId79"/>
-    <p:sldId id="364" r:id="rId80"/>
-    <p:sldId id="365" r:id="rId81"/>
-    <p:sldId id="366" r:id="rId82"/>
-    <p:sldId id="367" r:id="rId83"/>
-    <p:sldId id="368" r:id="rId84"/>
-    <p:sldId id="369" r:id="rId85"/>
-    <p:sldId id="370" r:id="rId86"/>
-    <p:sldId id="371" r:id="rId87"/>
-    <p:sldId id="269" r:id="rId88"/>
-    <p:sldId id="274" r:id="rId89"/>
-    <p:sldId id="334" r:id="rId90"/>
-    <p:sldId id="335" r:id="rId91"/>
+    <p:sldId id="373" r:id="rId76"/>
+    <p:sldId id="360" r:id="rId77"/>
+    <p:sldId id="361" r:id="rId78"/>
+    <p:sldId id="362" r:id="rId79"/>
+    <p:sldId id="363" r:id="rId80"/>
+    <p:sldId id="364" r:id="rId81"/>
+    <p:sldId id="365" r:id="rId82"/>
+    <p:sldId id="366" r:id="rId83"/>
+    <p:sldId id="367" r:id="rId84"/>
+    <p:sldId id="368" r:id="rId85"/>
+    <p:sldId id="369" r:id="rId86"/>
+    <p:sldId id="370" r:id="rId87"/>
+    <p:sldId id="371" r:id="rId88"/>
+    <p:sldId id="269" r:id="rId89"/>
+    <p:sldId id="274" r:id="rId90"/>
+    <p:sldId id="334" r:id="rId91"/>
+    <p:sldId id="335" r:id="rId92"/>
   </p:sldIdLst>
   <p:sldSz cx="12192000" cy="6858000"/>
   <p:notesSz cx="6858000" cy="9144000"/>
@@ -319,6 +320,7 @@
         <p14:section name="Maturity Phase 2: Advanced Optimization" id="{0B33B840-1A41-4140-AE9C-6F4BDCE2E740}">
           <p14:sldIdLst>
             <p14:sldId id="359"/>
+            <p14:sldId id="373"/>
             <p14:sldId id="360"/>
             <p14:sldId id="361"/>
             <p14:sldId id="362"/>
@@ -3760,7 +3762,88 @@
           <a:bodyPr/>
           <a:lstStyle/>
           <a:p>
+            <a:r>
+              <a:rPr lang="en-US" b="1" dirty="0"/>
+              <a:t>Golden Signal Monitoring Pattern</a:t>
+            </a:r>
+          </a:p>
+          <a:p>
+            <a:r>
+              <a:rPr lang="en-US" b="1" dirty="0"/>
+              <a:t>Description</a:t>
+            </a:r>
+            <a:r>
+              <a:rPr lang="en-US" dirty="0"/>
+              <a:t>: Focuses on four key metrics: latency, traffic, errors, and saturation rather than monitoring everything.</a:t>
+            </a:r>
+          </a:p>
+          <a:p>
+            <a:r>
+              <a:rPr lang="en-US" b="1" dirty="0"/>
+              <a:t>Why Immediate Adoption</a:t>
+            </a:r>
+            <a:r>
+              <a:rPr lang="en-US" dirty="0"/>
+              <a:t>: Critical for establishing baseline visibility before production deployment. Reduces false alerts by 80% while ensuring critical issues are detected. Essential foundation for all cloud workloads.</a:t>
+            </a:r>
+          </a:p>
+          <a:p>
             <a:endParaRPr lang="en-US" dirty="0"/>
+          </a:p>
+          <a:p>
+            <a:r>
+              <a:rPr lang="en-US" b="1" dirty="0"/>
+              <a:t>Distributed Tracing Correlation Pattern</a:t>
+            </a:r>
+          </a:p>
+          <a:p>
+            <a:r>
+              <a:rPr lang="en-US" b="1" dirty="0"/>
+              <a:t>Description</a:t>
+            </a:r>
+            <a:r>
+              <a:rPr lang="en-US" dirty="0"/>
+              <a:t>: Tracks requests across service boundaries with trace headers and service maps.</a:t>
+            </a:r>
+          </a:p>
+          <a:p>
+            <a:r>
+              <a:rPr lang="en-US" b="1" dirty="0"/>
+              <a:t>Why Immediate Adoption</a:t>
+            </a:r>
+            <a:r>
+              <a:rPr lang="en-US" dirty="0"/>
+              <a:t>: With 600+ workloads, understanding service dependencies and troubleshooting distributed systems is critical from day one. Enables 90% faster problem resolution.</a:t>
+            </a:r>
+          </a:p>
+          <a:p>
+            <a:endParaRPr lang="en-US" dirty="0"/>
+          </a:p>
+          <a:p>
+            <a:r>
+              <a:rPr lang="en-US" b="1" dirty="0"/>
+              <a:t>Centralized Logging Pattern</a:t>
+            </a:r>
+          </a:p>
+          <a:p>
+            <a:r>
+              <a:rPr lang="en-US" b="1" dirty="0"/>
+              <a:t>Description</a:t>
+            </a:r>
+            <a:r>
+              <a:rPr lang="en-US" dirty="0"/>
+              <a:t>: Aggregates logs from all services into centralized location for analysis.</a:t>
+            </a:r>
+          </a:p>
+          <a:p>
+            <a:r>
+              <a:rPr lang="en-US" b="1" dirty="0"/>
+              <a:t>Why Immediate Adoption</a:t>
+            </a:r>
+            <a:r>
+              <a:rPr lang="en-US" dirty="0"/>
+              <a:t>: CloudWatch Logs with minimal configuration. Essential for troubleshooting and can be implemented incrementally.</a:t>
+            </a:r>
           </a:p>
         </p:txBody>
       </p:sp>
@@ -3781,7 +3864,7 @@
           <a:p>
             <a:fld id="{555DAA9F-71E8-4E26-92D2-CD7FC535A9E6}" type="slidenum">
               <a:rPr lang="en-US" smtClean="0"/>
-              <a:t>66</a:t>
+              <a:t>56</a:t>
             </a:fld>
             <a:endParaRPr lang="en-US"/>
           </a:p>
@@ -3790,7 +3873,7 @@
     </p:spTree>
     <p:extLst>
       <p:ext uri="{BB962C8B-B14F-4D97-AF65-F5344CB8AC3E}">
-        <p14:creationId xmlns:p14="http://schemas.microsoft.com/office/powerpoint/2010/main" val="2383352803"/>
+        <p14:creationId xmlns:p14="http://schemas.microsoft.com/office/powerpoint/2010/main" val="3808074963"/>
       </p:ext>
     </p:extLst>
   </p:cSld>
@@ -3846,8 +3929,180 @@
           <a:p>
             <a:r>
               <a:rPr lang="en-US" dirty="0"/>
-              <a:t>On-Call Rotations provide sustainable 24/7 coverage with “you build it, you run it” principles.</a:t>
-            </a:r>
+              <a:t>Secrets Management </a:t>
+            </a:r>
+            <a:r>
+              <a:rPr lang="en-US" b="1" dirty="0"/>
+              <a:t>Description</a:t>
+            </a:r>
+            <a:r>
+              <a:rPr lang="en-US" dirty="0"/>
+              <a:t>: Centralized management of secrets using </a:t>
+            </a:r>
+            <a:r>
+              <a:rPr lang="en-US" dirty="0" err="1"/>
+              <a:t>HashiCorp</a:t>
+            </a:r>
+            <a:r>
+              <a:rPr lang="en-US" dirty="0"/>
+              <a:t> Vault or cloud-native solutions with automated rotation. </a:t>
+            </a:r>
+            <a:r>
+              <a:rPr lang="en-US" b="1" dirty="0"/>
+              <a:t>Why Immediate Adoption</a:t>
+            </a:r>
+            <a:r>
+              <a:rPr lang="en-US" dirty="0"/>
+              <a:t>: Hardcoded secrets are the #1 security vulnerability. Implementing proper secrets management prevents 95% of credential-related breaches.</a:t>
+            </a:r>
+          </a:p>
+          <a:p>
+            <a:endParaRPr lang="en-US" dirty="0"/>
+          </a:p>
+          <a:p>
+            <a:r>
+              <a:rPr lang="en-US" dirty="0"/>
+              <a:t>Zero Trust Architecture Implementation </a:t>
+            </a:r>
+            <a:r>
+              <a:rPr lang="en-US" b="1" dirty="0"/>
+              <a:t>Description</a:t>
+            </a:r>
+            <a:r>
+              <a:rPr lang="en-US" dirty="0"/>
+              <a:t>: Comprehensive zero trust implementation including identity verification, </a:t>
+            </a:r>
+            <a:r>
+              <a:rPr lang="en-US" dirty="0" err="1"/>
+              <a:t>microsegmentation</a:t>
+            </a:r>
+            <a:r>
+              <a:rPr lang="en-US" dirty="0"/>
+              <a:t>, and continuous monitoring. </a:t>
+            </a:r>
+            <a:r>
+              <a:rPr lang="en-US" b="1" dirty="0"/>
+              <a:t>Why Immediate Adoption</a:t>
+            </a:r>
+            <a:r>
+              <a:rPr lang="en-US" dirty="0"/>
+              <a:t>: Cloud environments have no traditional perimeter. Zero trust is mandatory for protecting distributed workloads.</a:t>
+            </a:r>
+          </a:p>
+          <a:p>
+            <a:endParaRPr lang="en-US" dirty="0"/>
+          </a:p>
+          <a:p>
+            <a:r>
+              <a:rPr lang="en-US" dirty="0"/>
+              <a:t>Secrets Rotation Pattern </a:t>
+            </a:r>
+            <a:r>
+              <a:rPr lang="en-US" b="1" dirty="0"/>
+              <a:t>Description</a:t>
+            </a:r>
+            <a:r>
+              <a:rPr lang="en-US" dirty="0"/>
+              <a:t>: Automatically rotates, manages, and distributes secrets throughout their lifecycle. </a:t>
+            </a:r>
+            <a:r>
+              <a:rPr lang="en-US" b="1" dirty="0"/>
+              <a:t>Why Immediate Adoption</a:t>
+            </a:r>
+            <a:r>
+              <a:rPr lang="en-US" dirty="0"/>
+              <a:t>: Static credentials pose immediate security risks. Must be implemented before production to avoid compliance issues and security breaches.</a:t>
+            </a:r>
+          </a:p>
+          <a:p>
+            <a:endParaRPr lang="en-US" dirty="0"/>
+          </a:p>
+          <a:p>
+            <a:r>
+              <a:rPr lang="en-US" b="1" dirty="0"/>
+              <a:t>Pattern</a:t>
+            </a:r>
+            <a:r>
+              <a:rPr lang="en-US" dirty="0"/>
+              <a:t>: Zero Trust Security Pattern </a:t>
+            </a:r>
+            <a:r>
+              <a:rPr lang="en-US" b="1" dirty="0"/>
+              <a:t>Description</a:t>
+            </a:r>
+            <a:r>
+              <a:rPr lang="en-US" dirty="0"/>
+              <a:t>: Requires verification of every access request regardless of location, implementing continuous authentication and least-privilege access. </a:t>
+            </a:r>
+            <a:r>
+              <a:rPr lang="en-US" b="1" dirty="0"/>
+              <a:t>Why Immediate Adoption</a:t>
+            </a:r>
+            <a:r>
+              <a:rPr lang="en-US" dirty="0"/>
+              <a:t>: Traditional perimeter security fails in cloud environments. Essential foundation for secure cloud operations from the start.</a:t>
+            </a:r>
+          </a:p>
+          <a:p>
+            <a:endParaRPr lang="en-US" dirty="0"/>
+          </a:p>
+          <a:p>
+            <a:r>
+              <a:rPr lang="en-US" b="1" dirty="0"/>
+              <a:t>Pattern</a:t>
+            </a:r>
+            <a:r>
+              <a:rPr lang="en-US" dirty="0"/>
+              <a:t>: Vault Key Pattern </a:t>
+            </a:r>
+            <a:r>
+              <a:rPr lang="en-US" b="1" dirty="0"/>
+              <a:t>Description</a:t>
+            </a:r>
+            <a:r>
+              <a:rPr lang="en-US" dirty="0"/>
+              <a:t>: Centralized secure storage and management of cryptographic keys and secrets. </a:t>
+            </a:r>
+            <a:r>
+              <a:rPr lang="en-US" b="1" dirty="0"/>
+              <a:t>Why Immediate Adoption</a:t>
+            </a:r>
+            <a:r>
+              <a:rPr lang="en-US" dirty="0"/>
+              <a:t>: Prevents embedding credentials in code/configs from the beginning, avoiding costly remediation later.</a:t>
+            </a:r>
+          </a:p>
+          <a:p>
+            <a:endParaRPr lang="en-US" b="1" dirty="0"/>
+          </a:p>
+          <a:p>
+            <a:r>
+              <a:rPr lang="en-US" b="1" dirty="0"/>
+              <a:t>Pattern</a:t>
+            </a:r>
+            <a:r>
+              <a:rPr lang="en-US" dirty="0"/>
+              <a:t>: Continuous Security Scanning Pattern </a:t>
+            </a:r>
+            <a:r>
+              <a:rPr lang="en-US" b="1" dirty="0"/>
+              <a:t>Description</a:t>
+            </a:r>
+            <a:r>
+              <a:rPr lang="en-US" dirty="0"/>
+              <a:t>: Automated vulnerability assessment using Amazon Inspector. </a:t>
+            </a:r>
+            <a:r>
+              <a:rPr lang="en-US" b="1" dirty="0"/>
+              <a:t>Why Immediate Adoption</a:t>
+            </a:r>
+            <a:r>
+              <a:rPr lang="en-US" dirty="0"/>
+              <a:t>: Enable Inspector on existing EC2 instances with minimal configuration. Immediate security visibility.</a:t>
+            </a:r>
+          </a:p>
+          <a:p>
+            <a:endParaRPr lang="en-US" dirty="0"/>
           </a:p>
         </p:txBody>
       </p:sp>
@@ -3868,7 +4123,7 @@
           <a:p>
             <a:fld id="{555DAA9F-71E8-4E26-92D2-CD7FC535A9E6}" type="slidenum">
               <a:rPr lang="en-US" smtClean="0"/>
-              <a:t>70</a:t>
+              <a:t>57</a:t>
             </a:fld>
             <a:endParaRPr lang="en-US"/>
           </a:p>
@@ -3877,7 +4132,7 @@
     </p:spTree>
     <p:extLst>
       <p:ext uri="{BB962C8B-B14F-4D97-AF65-F5344CB8AC3E}">
-        <p14:creationId xmlns:p14="http://schemas.microsoft.com/office/powerpoint/2010/main" val="839559185"/>
+        <p14:creationId xmlns:p14="http://schemas.microsoft.com/office/powerpoint/2010/main" val="551649348"/>
       </p:ext>
     </p:extLst>
   </p:cSld>
@@ -3932,9 +4187,148 @@
           <a:lstStyle/>
           <a:p>
             <a:r>
-              <a:rPr lang="en-US" dirty="0"/>
-              <a:t>On-Call Rotations provide sustainable 24/7 coverage with “you build it, you run it” principles.</a:t>
-            </a:r>
+              <a:rPr lang="en-US" b="1" dirty="0"/>
+              <a:t>Practice</a:t>
+            </a:r>
+            <a:r>
+              <a:rPr lang="en-US" dirty="0"/>
+              <a:t>: Blue/Green Deployment Operations </a:t>
+            </a:r>
+            <a:r>
+              <a:rPr lang="en-US" b="1" dirty="0"/>
+              <a:t>Description</a:t>
+            </a:r>
+            <a:r>
+              <a:rPr lang="en-US" dirty="0"/>
+              <a:t>: Operational procedures and automation for managing blue/green deployments at scale. </a:t>
+            </a:r>
+            <a:r>
+              <a:rPr lang="en-US" b="1" dirty="0"/>
+              <a:t>Why Immediate Adoption</a:t>
+            </a:r>
+            <a:r>
+              <a:rPr lang="en-US" dirty="0"/>
+              <a:t>: Without proper deployment practices, migration failures can cause extended outages affecting business operations.</a:t>
+            </a:r>
+          </a:p>
+          <a:p>
+            <a:endParaRPr lang="en-US" dirty="0"/>
+          </a:p>
+          <a:p>
+            <a:r>
+              <a:rPr lang="en-US" b="1" dirty="0"/>
+              <a:t>Practice</a:t>
+            </a:r>
+            <a:r>
+              <a:rPr lang="en-US" dirty="0"/>
+              <a:t>: CI/CD Pipeline Implementation </a:t>
+            </a:r>
+            <a:r>
+              <a:rPr lang="en-US" b="1" dirty="0"/>
+              <a:t>Description</a:t>
+            </a:r>
+            <a:r>
+              <a:rPr lang="en-US" dirty="0"/>
+              <a:t>: Fully automated build, test, and deployment pipelines with integrated security scanning and approval workflows. </a:t>
+            </a:r>
+            <a:r>
+              <a:rPr lang="en-US" b="1" dirty="0"/>
+              <a:t>Why Immediate Adoption</a:t>
+            </a:r>
+            <a:r>
+              <a:rPr lang="en-US" dirty="0"/>
+              <a:t>: Manual deployments don't scale. CI/CD is foundational for managing 600+ workloads efficiently.</a:t>
+            </a:r>
+          </a:p>
+          <a:p>
+            <a:endParaRPr lang="en-US" dirty="0"/>
+          </a:p>
+          <a:p>
+            <a:r>
+              <a:rPr lang="en-US" b="1" dirty="0"/>
+              <a:t>Pattern</a:t>
+            </a:r>
+            <a:r>
+              <a:rPr lang="en-US" dirty="0"/>
+              <a:t>: Blue/Green Deployment Pattern </a:t>
+            </a:r>
+            <a:r>
+              <a:rPr lang="en-US" b="1" dirty="0"/>
+              <a:t>Description</a:t>
+            </a:r>
+            <a:r>
+              <a:rPr lang="en-US" dirty="0"/>
+              <a:t>: Two identical environments with traffic switching for zero-downtime deployments. </a:t>
+            </a:r>
+            <a:r>
+              <a:rPr lang="en-US" b="1" dirty="0"/>
+              <a:t>Why Immediate Adoption</a:t>
+            </a:r>
+            <a:r>
+              <a:rPr lang="en-US" dirty="0"/>
+              <a:t>: Enables safe production deployments with instant rollback capabilities. Critical for maintaining service availability during initial cloud migrations.</a:t>
+            </a:r>
+          </a:p>
+          <a:p>
+            <a:endParaRPr lang="en-US" dirty="0"/>
+          </a:p>
+          <a:p>
+            <a:r>
+              <a:rPr lang="en-US" b="1" dirty="0"/>
+              <a:t>Pattern</a:t>
+            </a:r>
+            <a:r>
+              <a:rPr lang="en-US" dirty="0"/>
+              <a:t>: Automated Rollback Pattern </a:t>
+            </a:r>
+            <a:r>
+              <a:rPr lang="en-US" b="1" dirty="0"/>
+              <a:t>Description</a:t>
+            </a:r>
+            <a:r>
+              <a:rPr lang="en-US" dirty="0"/>
+              <a:t>: Monitors deployment health metrics and automatically reverts to previous versions when failures are detected. </a:t>
+            </a:r>
+            <a:r>
+              <a:rPr lang="en-US" b="1" dirty="0"/>
+              <a:t>Why Immediate Adoption</a:t>
+            </a:r>
+            <a:r>
+              <a:rPr lang="en-US" dirty="0"/>
+              <a:t>: Minimizes downtime and manual intervention during critical migration phase. Essential safety net for early cloud deployments.</a:t>
+            </a:r>
+          </a:p>
+          <a:p>
+            <a:endParaRPr lang="en-US" dirty="0"/>
+          </a:p>
+          <a:p>
+            <a:r>
+              <a:rPr lang="en-US" b="1" dirty="0"/>
+              <a:t>Pattern</a:t>
+            </a:r>
+            <a:r>
+              <a:rPr lang="en-US" dirty="0"/>
+              <a:t>: Pipeline as Code Pattern </a:t>
+            </a:r>
+            <a:r>
+              <a:rPr lang="en-US" b="1" dirty="0"/>
+              <a:t>Description</a:t>
+            </a:r>
+            <a:r>
+              <a:rPr lang="en-US" dirty="0"/>
+              <a:t>: Version-controlled pipeline configurations stored alongside application code. </a:t>
+            </a:r>
+            <a:r>
+              <a:rPr lang="en-US" b="1" dirty="0"/>
+              <a:t>Why Immediate Adoption</a:t>
+            </a:r>
+            <a:r>
+              <a:rPr lang="en-US" dirty="0"/>
+              <a:t>: Establishes consistent, reproducible deployment processes from the start. Prevents configuration drift and enables peer review of deployment logic.</a:t>
+            </a:r>
+          </a:p>
+          <a:p>
+            <a:endParaRPr lang="en-US" dirty="0"/>
           </a:p>
         </p:txBody>
       </p:sp>
@@ -3955,7 +4349,7 @@
           <a:p>
             <a:fld id="{555DAA9F-71E8-4E26-92D2-CD7FC535A9E6}" type="slidenum">
               <a:rPr lang="en-US" smtClean="0"/>
-              <a:t>75</a:t>
+              <a:t>58</a:t>
             </a:fld>
             <a:endParaRPr lang="en-US"/>
           </a:p>
@@ -3964,7 +4358,7 @@
     </p:spTree>
     <p:extLst>
       <p:ext uri="{BB962C8B-B14F-4D97-AF65-F5344CB8AC3E}">
-        <p14:creationId xmlns:p14="http://schemas.microsoft.com/office/powerpoint/2010/main" val="4169364271"/>
+        <p14:creationId xmlns:p14="http://schemas.microsoft.com/office/powerpoint/2010/main" val="3224764079"/>
       </p:ext>
     </p:extLst>
   </p:cSld>
@@ -4103,9 +4497,90 @@
           <a:lstStyle/>
           <a:p>
             <a:r>
-              <a:rPr lang="en-US" dirty="0"/>
-              <a:t>On-Call Rotations provide sustainable 24/7 coverage with “you build it, you run it” principles.</a:t>
-            </a:r>
+              <a:rPr lang="en-US" b="1" dirty="0"/>
+              <a:t>Practice</a:t>
+            </a:r>
+            <a:r>
+              <a:rPr lang="en-US" dirty="0"/>
+              <a:t>: Data Governance in Cloud </a:t>
+            </a:r>
+            <a:r>
+              <a:rPr lang="en-US" b="1" dirty="0"/>
+              <a:t>Description</a:t>
+            </a:r>
+            <a:r>
+              <a:rPr lang="en-US" dirty="0"/>
+              <a:t>: Comprehensive data governance framework including classification, access controls, and compliance monitoring. </a:t>
+            </a:r>
+            <a:r>
+              <a:rPr lang="en-US" b="1" dirty="0"/>
+              <a:t>Why Immediate Adoption</a:t>
+            </a:r>
+            <a:r>
+              <a:rPr lang="en-US" dirty="0"/>
+              <a:t>: Regulatory compliance and data security requirements must be met from day one. Retrofitting governance is extremely difficult.</a:t>
+            </a:r>
+          </a:p>
+          <a:p>
+            <a:endParaRPr lang="en-US" dirty="0"/>
+          </a:p>
+          <a:p>
+            <a:r>
+              <a:rPr lang="en-US" b="1" dirty="0"/>
+              <a:t>Pattern</a:t>
+            </a:r>
+            <a:r>
+              <a:rPr lang="en-US" dirty="0"/>
+              <a:t>: Transaction Pattern </a:t>
+            </a:r>
+            <a:r>
+              <a:rPr lang="en-US" b="1" dirty="0"/>
+              <a:t>Description</a:t>
+            </a:r>
+            <a:r>
+              <a:rPr lang="en-US" dirty="0"/>
+              <a:t>: Ensures ACID properties for critical data operations in distributed systems. </a:t>
+            </a:r>
+            <a:r>
+              <a:rPr lang="en-US" b="1" dirty="0"/>
+              <a:t>Why Immediate Adoption</a:t>
+            </a:r>
+            <a:r>
+              <a:rPr lang="en-US" dirty="0"/>
+              <a:t>: Data integrity is non-negotiable. Must be implemented correctly from the start to avoid data corruption or loss.</a:t>
+            </a:r>
+          </a:p>
+          <a:p>
+            <a:endParaRPr lang="en-US" dirty="0"/>
+          </a:p>
+          <a:p>
+            <a:r>
+              <a:rPr lang="en-US" b="1" dirty="0"/>
+              <a:t>Pattern</a:t>
+            </a:r>
+            <a:r>
+              <a:rPr lang="en-US" dirty="0"/>
+              <a:t>: Event Sourcing Pattern </a:t>
+            </a:r>
+            <a:r>
+              <a:rPr lang="en-US" b="1" dirty="0"/>
+              <a:t>Description</a:t>
+            </a:r>
+            <a:r>
+              <a:rPr lang="en-US" dirty="0"/>
+              <a:t>: Stores all changes as immutable events, enabling audit trails and state recreation. </a:t>
+            </a:r>
+            <a:r>
+              <a:rPr lang="en-US" b="1" dirty="0"/>
+              <a:t>Why Immediate Adoption</a:t>
+            </a:r>
+            <a:r>
+              <a:rPr lang="en-US" dirty="0"/>
+              <a:t>: Provides complete audit trail and disaster recovery capabilities. Much harder to retrofit after systems are in production.</a:t>
+            </a:r>
+          </a:p>
+          <a:p>
+            <a:endParaRPr lang="en-US" dirty="0"/>
           </a:p>
         </p:txBody>
       </p:sp>
@@ -4126,7 +4601,7 @@
           <a:p>
             <a:fld id="{555DAA9F-71E8-4E26-92D2-CD7FC535A9E6}" type="slidenum">
               <a:rPr lang="en-US" smtClean="0"/>
-              <a:t>76</a:t>
+              <a:t>59</a:t>
             </a:fld>
             <a:endParaRPr lang="en-US"/>
           </a:p>
@@ -4135,7 +4610,7 @@
     </p:spTree>
     <p:extLst>
       <p:ext uri="{BB962C8B-B14F-4D97-AF65-F5344CB8AC3E}">
-        <p14:creationId xmlns:p14="http://schemas.microsoft.com/office/powerpoint/2010/main" val="17394034"/>
+        <p14:creationId xmlns:p14="http://schemas.microsoft.com/office/powerpoint/2010/main" val="2733387552"/>
       </p:ext>
     </p:extLst>
   </p:cSld>
@@ -4190,9 +4665,61 @@
           <a:lstStyle/>
           <a:p>
             <a:r>
-              <a:rPr lang="en-US" dirty="0"/>
-              <a:t>On-Call Rotations provide sustainable 24/7 coverage with “you build it, you run it” principles.</a:t>
-            </a:r>
+              <a:rPr lang="en-US" b="1" dirty="0"/>
+              <a:t>Practice</a:t>
+            </a:r>
+            <a:r>
+              <a:rPr lang="en-US" dirty="0"/>
+              <a:t>: FinOps Principles Implementation </a:t>
+            </a:r>
+            <a:r>
+              <a:rPr lang="en-US" b="1" dirty="0"/>
+              <a:t>Description</a:t>
+            </a:r>
+            <a:r>
+              <a:rPr lang="en-US" dirty="0"/>
+              <a:t>: Cross-functional approach to cloud financial management with visibility, optimization, and accountability. </a:t>
+            </a:r>
+            <a:r>
+              <a:rPr lang="en-US" b="1" dirty="0"/>
+              <a:t>Why Early Adoption</a:t>
+            </a:r>
+            <a:r>
+              <a:rPr lang="en-US" dirty="0"/>
+              <a:t>: Organizations waste 28% of cloud spend on average. Early FinOps adoption prevents runaway costs during migration.</a:t>
+            </a:r>
+          </a:p>
+          <a:p>
+            <a:endParaRPr lang="en-US" dirty="0"/>
+          </a:p>
+          <a:p>
+            <a:r>
+              <a:rPr lang="en-US" b="1" dirty="0"/>
+              <a:t>Practice</a:t>
+            </a:r>
+            <a:r>
+              <a:rPr lang="en-US" dirty="0"/>
+              <a:t>: Tagging Strategy </a:t>
+            </a:r>
+            <a:r>
+              <a:rPr lang="en-US" b="1" dirty="0"/>
+              <a:t>Description</a:t>
+            </a:r>
+            <a:r>
+              <a:rPr lang="en-US" dirty="0"/>
+              <a:t>: Comprehensive tagging taxonomy with automated enforcement for cost allocation and management. </a:t>
+            </a:r>
+            <a:r>
+              <a:rPr lang="en-US" b="1" dirty="0"/>
+              <a:t>Why Early Adoption</a:t>
+            </a:r>
+            <a:r>
+              <a:rPr lang="en-US" dirty="0"/>
+              <a:t>: Without tags, 60-80% of costs are unallocated. Essential for chargeback and optimization.</a:t>
+            </a:r>
+          </a:p>
+          <a:p>
+            <a:endParaRPr lang="en-US" dirty="0"/>
           </a:p>
         </p:txBody>
       </p:sp>
@@ -4213,7 +4740,7 @@
           <a:p>
             <a:fld id="{555DAA9F-71E8-4E26-92D2-CD7FC535A9E6}" type="slidenum">
               <a:rPr lang="en-US" smtClean="0"/>
-              <a:t>77</a:t>
+              <a:t>61</a:t>
             </a:fld>
             <a:endParaRPr lang="en-US"/>
           </a:p>
@@ -4222,7 +4749,7 @@
     </p:spTree>
     <p:extLst>
       <p:ext uri="{BB962C8B-B14F-4D97-AF65-F5344CB8AC3E}">
-        <p14:creationId xmlns:p14="http://schemas.microsoft.com/office/powerpoint/2010/main" val="228320370"/>
+        <p14:creationId xmlns:p14="http://schemas.microsoft.com/office/powerpoint/2010/main" val="2383638967"/>
       </p:ext>
     </p:extLst>
   </p:cSld>
@@ -4277,9 +4804,127 @@
           <a:lstStyle/>
           <a:p>
             <a:r>
-              <a:rPr lang="en-US" dirty="0"/>
-              <a:t>On-Call Rotations provide sustainable 24/7 coverage with “you build it, you run it” principles.</a:t>
-            </a:r>
+              <a:rPr lang="en-US" b="1" dirty="0"/>
+              <a:t>Practice</a:t>
+            </a:r>
+            <a:r>
+              <a:rPr lang="en-US" dirty="0"/>
+              <a:t>: Service Mesh Implementation </a:t>
+            </a:r>
+            <a:r>
+              <a:rPr lang="en-US" b="1" dirty="0"/>
+              <a:t>Description</a:t>
+            </a:r>
+            <a:r>
+              <a:rPr lang="en-US" dirty="0"/>
+              <a:t>: Operational procedures for deploying and managing service mesh infrastructure (Istio, </a:t>
+            </a:r>
+            <a:r>
+              <a:rPr lang="en-US" dirty="0" err="1"/>
+              <a:t>Linkerd</a:t>
+            </a:r>
+            <a:r>
+              <a:rPr lang="en-US" dirty="0"/>
+              <a:t>). </a:t>
+            </a:r>
+            <a:r>
+              <a:rPr lang="en-US" b="1" dirty="0"/>
+              <a:t>Why Early Adoption</a:t>
+            </a:r>
+            <a:r>
+              <a:rPr lang="en-US" dirty="0"/>
+              <a:t>: Service mesh simplifies microservices networking, security, and observability. Earlier adoption means less retrofit work.</a:t>
+            </a:r>
+          </a:p>
+          <a:p>
+            <a:endParaRPr lang="en-US" dirty="0"/>
+          </a:p>
+          <a:p>
+            <a:r>
+              <a:rPr lang="en-US" b="1" dirty="0"/>
+              <a:t>Pattern</a:t>
+            </a:r>
+            <a:r>
+              <a:rPr lang="en-US" dirty="0"/>
+              <a:t>: Hub-and-Spoke Network Pattern </a:t>
+            </a:r>
+            <a:r>
+              <a:rPr lang="en-US" b="1" dirty="0"/>
+              <a:t>Description</a:t>
+            </a:r>
+            <a:r>
+              <a:rPr lang="en-US" dirty="0"/>
+              <a:t>: Centralizes connectivity through Transit Gateway, reducing costs by 50% compared to mesh architectures. </a:t>
+            </a:r>
+            <a:r>
+              <a:rPr lang="en-US" b="1" dirty="0"/>
+              <a:t>Why Early Adoption</a:t>
+            </a:r>
+            <a:r>
+              <a:rPr lang="en-US" dirty="0"/>
+              <a:t>: Network architecture is foundational. Early implementation avoids costly network redesigns later.</a:t>
+            </a:r>
+          </a:p>
+          <a:p>
+            <a:endParaRPr lang="en-US" dirty="0"/>
+          </a:p>
+          <a:p>
+            <a:r>
+              <a:rPr lang="en-US" b="1" dirty="0"/>
+              <a:t>Pattern</a:t>
+            </a:r>
+            <a:r>
+              <a:rPr lang="en-US" dirty="0"/>
+              <a:t>: Service Mesh Pattern </a:t>
+            </a:r>
+            <a:r>
+              <a:rPr lang="en-US" b="1" dirty="0"/>
+              <a:t>Description</a:t>
+            </a:r>
+            <a:r>
+              <a:rPr lang="en-US" dirty="0"/>
+              <a:t>: Provides interservice communication infrastructure with built-in reliability, security, and observability. </a:t>
+            </a:r>
+            <a:r>
+              <a:rPr lang="en-US" b="1" dirty="0"/>
+              <a:t>Why Early Adoption</a:t>
+            </a:r>
+            <a:r>
+              <a:rPr lang="en-US" dirty="0"/>
+              <a:t>: Complex to implement but provides critical capabilities. Best adopted early for new microservices architectures.</a:t>
+            </a:r>
+          </a:p>
+          <a:p>
+            <a:endParaRPr lang="en-US" dirty="0"/>
+          </a:p>
+          <a:p>
+            <a:r>
+              <a:rPr lang="en-US" b="1" dirty="0"/>
+              <a:t>Pattern</a:t>
+            </a:r>
+            <a:r>
+              <a:rPr lang="en-US" dirty="0"/>
+              <a:t>: Multi-Tier VPC Segmentation Pattern </a:t>
+            </a:r>
+            <a:r>
+              <a:rPr lang="en-US" b="1" dirty="0"/>
+              <a:t>Description</a:t>
+            </a:r>
+            <a:r>
+              <a:rPr lang="en-US" dirty="0"/>
+              <a:t>: Organizes resources into functional subnet tiers for defense in depth. </a:t>
+            </a:r>
+            <a:r>
+              <a:rPr lang="en-US" b="1" dirty="0"/>
+              <a:t>Why Early Adoption</a:t>
+            </a:r>
+            <a:r>
+              <a:rPr lang="en-US" dirty="0"/>
+              <a:t>: Fundamental security architecture that's difficult to change later. Required for compliance and security best practices.</a:t>
+            </a:r>
+          </a:p>
+          <a:p>
+            <a:endParaRPr lang="en-US" dirty="0"/>
           </a:p>
         </p:txBody>
       </p:sp>
@@ -4300,7 +4945,7 @@
           <a:p>
             <a:fld id="{555DAA9F-71E8-4E26-92D2-CD7FC535A9E6}" type="slidenum">
               <a:rPr lang="en-US" smtClean="0"/>
-              <a:t>78</a:t>
+              <a:t>62</a:t>
             </a:fld>
             <a:endParaRPr lang="en-US"/>
           </a:p>
@@ -4309,7 +4954,7 @@
     </p:spTree>
     <p:extLst>
       <p:ext uri="{BB962C8B-B14F-4D97-AF65-F5344CB8AC3E}">
-        <p14:creationId xmlns:p14="http://schemas.microsoft.com/office/powerpoint/2010/main" val="3243512355"/>
+        <p14:creationId xmlns:p14="http://schemas.microsoft.com/office/powerpoint/2010/main" val="3583354612"/>
       </p:ext>
     </p:extLst>
   </p:cSld>
@@ -4364,9 +5009,90 @@
           <a:lstStyle/>
           <a:p>
             <a:r>
-              <a:rPr lang="en-US" dirty="0"/>
-              <a:t>On-Call Rotations provide sustainable 24/7 coverage with “you build it, you run it” principles.</a:t>
-            </a:r>
+              <a:rPr lang="en-US" b="1" dirty="0"/>
+              <a:t>Practice</a:t>
+            </a:r>
+            <a:r>
+              <a:rPr lang="en-US" dirty="0"/>
+              <a:t>: Data Quality Management </a:t>
+            </a:r>
+            <a:r>
+              <a:rPr lang="en-US" b="1" dirty="0"/>
+              <a:t>Description</a:t>
+            </a:r>
+            <a:r>
+              <a:rPr lang="en-US" dirty="0"/>
+              <a:t>: Automated data quality monitoring, validation, and remediation processes. </a:t>
+            </a:r>
+            <a:r>
+              <a:rPr lang="en-US" b="1" dirty="0"/>
+              <a:t>Why Early Adoption</a:t>
+            </a:r>
+            <a:r>
+              <a:rPr lang="en-US" dirty="0"/>
+              <a:t>: Poor data quality undermines all analytics initiatives. Early implementation prevents compounding quality issues.</a:t>
+            </a:r>
+          </a:p>
+          <a:p>
+            <a:endParaRPr lang="en-US" dirty="0"/>
+          </a:p>
+          <a:p>
+            <a:r>
+              <a:rPr lang="en-US" b="1" dirty="0"/>
+              <a:t>Pattern</a:t>
+            </a:r>
+            <a:r>
+              <a:rPr lang="en-US" dirty="0"/>
+              <a:t>: Data Lake Pattern </a:t>
+            </a:r>
+            <a:r>
+              <a:rPr lang="en-US" b="1" dirty="0"/>
+              <a:t>Description</a:t>
+            </a:r>
+            <a:r>
+              <a:rPr lang="en-US" dirty="0"/>
+              <a:t>: Centralized repository for structured and unstructured data at any scale. </a:t>
+            </a:r>
+            <a:r>
+              <a:rPr lang="en-US" b="1" dirty="0"/>
+              <a:t>Why Early Adoption</a:t>
+            </a:r>
+            <a:r>
+              <a:rPr lang="en-US" dirty="0"/>
+              <a:t>: Establishes foundation for analytics and breaks down data silos. Architecture decisions impact all future data workloads.</a:t>
+            </a:r>
+          </a:p>
+          <a:p>
+            <a:endParaRPr lang="en-US" dirty="0"/>
+          </a:p>
+          <a:p>
+            <a:r>
+              <a:rPr lang="en-US" b="1" dirty="0"/>
+              <a:t>Pattern</a:t>
+            </a:r>
+            <a:r>
+              <a:rPr lang="en-US" dirty="0"/>
+              <a:t>: Intelligent Data Tiering Pattern </a:t>
+            </a:r>
+            <a:r>
+              <a:rPr lang="en-US" b="1" dirty="0"/>
+              <a:t>Description</a:t>
+            </a:r>
+            <a:r>
+              <a:rPr lang="en-US" dirty="0"/>
+              <a:t>: Automatic data movement between storage tiers based on access patterns. </a:t>
+            </a:r>
+            <a:r>
+              <a:rPr lang="en-US" b="1" dirty="0"/>
+              <a:t>Why Early Adoption</a:t>
+            </a:r>
+            <a:r>
+              <a:rPr lang="en-US" dirty="0"/>
+              <a:t>: Immediate cost savings for existing data. S3 Intelligent-Tiering can reduce storage costs automatically without application changes.</a:t>
+            </a:r>
+          </a:p>
+          <a:p>
+            <a:endParaRPr lang="en-US" dirty="0"/>
           </a:p>
         </p:txBody>
       </p:sp>
@@ -4387,7 +5113,7 @@
           <a:p>
             <a:fld id="{555DAA9F-71E8-4E26-92D2-CD7FC535A9E6}" type="slidenum">
               <a:rPr lang="en-US" smtClean="0"/>
-              <a:t>80</a:t>
+              <a:t>63</a:t>
             </a:fld>
             <a:endParaRPr lang="en-US"/>
           </a:p>
@@ -4396,7 +5122,7 @@
     </p:spTree>
     <p:extLst>
       <p:ext uri="{BB962C8B-B14F-4D97-AF65-F5344CB8AC3E}">
-        <p14:creationId xmlns:p14="http://schemas.microsoft.com/office/powerpoint/2010/main" val="20241001"/>
+        <p14:creationId xmlns:p14="http://schemas.microsoft.com/office/powerpoint/2010/main" val="3628226349"/>
       </p:ext>
     </p:extLst>
   </p:cSld>
@@ -4450,10 +5176,108 @@
           <a:bodyPr/>
           <a:lstStyle/>
           <a:p>
-            <a:r>
-              <a:rPr lang="en-US" dirty="0"/>
-              <a:t>On-Call Rotations provide sustainable 24/7 coverage with “you build it, you run it” principles.</a:t>
-            </a:r>
+            <a:pPr marL="0" marR="0" lvl="0" indent="0" algn="l" defTabSz="914400" rtl="0" eaLnBrk="1" fontAlgn="auto" latinLnBrk="0" hangingPunct="1">
+              <a:lnSpc>
+                <a:spcPct val="100000"/>
+              </a:lnSpc>
+              <a:spcBef>
+                <a:spcPts val="0"/>
+              </a:spcBef>
+              <a:spcAft>
+                <a:spcPts val="0"/>
+              </a:spcAft>
+              <a:buClrTx/>
+              <a:buSzTx/>
+              <a:buFontTx/>
+              <a:buNone/>
+              <a:tabLst/>
+              <a:defRPr/>
+            </a:pPr>
+            <a:r>
+              <a:rPr lang="en-US" b="1" dirty="0"/>
+              <a:t>Practice</a:t>
+            </a:r>
+            <a:r>
+              <a:rPr lang="en-US" dirty="0"/>
+              <a:t>: Disaster Recovery Operations </a:t>
+            </a:r>
+            <a:r>
+              <a:rPr lang="en-US" b="1" dirty="0"/>
+              <a:t>Description</a:t>
+            </a:r>
+            <a:r>
+              <a:rPr lang="en-US" dirty="0"/>
+              <a:t>: Documented procedures, regular drills, and automated failover processes. </a:t>
+            </a:r>
+            <a:r>
+              <a:rPr lang="en-US" b="1" dirty="0"/>
+              <a:t>Why Early Adoption</a:t>
+            </a:r>
+            <a:r>
+              <a:rPr lang="en-US" dirty="0"/>
+              <a:t>: DR capabilities must be proven before production workloads depend on them. Testing takes time to perfect.</a:t>
+            </a:r>
+          </a:p>
+          <a:p>
+            <a:endParaRPr lang="en-US" b="1" dirty="0"/>
+          </a:p>
+          <a:p>
+            <a:r>
+              <a:rPr lang="en-US" b="1" dirty="0"/>
+              <a:t>Pattern</a:t>
+            </a:r>
+            <a:r>
+              <a:rPr lang="en-US" dirty="0"/>
+              <a:t>: Pilot Light Pattern </a:t>
+            </a:r>
+            <a:r>
+              <a:rPr lang="en-US" b="1" dirty="0"/>
+              <a:t>Description</a:t>
+            </a:r>
+            <a:r>
+              <a:rPr lang="en-US" dirty="0"/>
+              <a:t>: Maintains minimal critical infrastructure in DR region for rapid activation. </a:t>
+            </a:r>
+            <a:r>
+              <a:rPr lang="en-US" b="1" dirty="0"/>
+              <a:t>Why Early Adoption</a:t>
+            </a:r>
+            <a:r>
+              <a:rPr lang="en-US" dirty="0"/>
+              <a:t>: Cost-effective DR (60-80% savings) that should be established before production. Provides peace of mind during migration.</a:t>
+            </a:r>
+          </a:p>
+          <a:p>
+            <a:endParaRPr lang="en-US" b="1" dirty="0"/>
+          </a:p>
+          <a:p>
+            <a:r>
+              <a:rPr lang="en-US" b="1" dirty="0"/>
+              <a:t>Pattern</a:t>
+            </a:r>
+            <a:r>
+              <a:rPr lang="en-US" dirty="0"/>
+              <a:t>: Cross-Region Data Replication Pattern </a:t>
+            </a:r>
+            <a:r>
+              <a:rPr lang="en-US" b="1" dirty="0"/>
+              <a:t>Description</a:t>
+            </a:r>
+            <a:r>
+              <a:rPr lang="en-US" dirty="0"/>
+              <a:t>: Automatic data replication across AWS regions for DR and compliance. </a:t>
+            </a:r>
+            <a:r>
+              <a:rPr lang="en-US" b="1" dirty="0"/>
+              <a:t>Why Early Adoption</a:t>
+            </a:r>
+            <a:r>
+              <a:rPr lang="en-US" dirty="0"/>
+              <a:t>: Critical for business continuity. Must be designed into architecture early rather than bolted on later.</a:t>
+            </a:r>
+          </a:p>
+          <a:p>
+            <a:endParaRPr lang="en-US" dirty="0"/>
           </a:p>
         </p:txBody>
       </p:sp>
@@ -4474,7 +5298,7 @@
           <a:p>
             <a:fld id="{555DAA9F-71E8-4E26-92D2-CD7FC535A9E6}" type="slidenum">
               <a:rPr lang="en-US" smtClean="0"/>
-              <a:t>81</a:t>
+              <a:t>64</a:t>
             </a:fld>
             <a:endParaRPr lang="en-US"/>
           </a:p>
@@ -4483,7 +5307,7 @@
     </p:spTree>
     <p:extLst>
       <p:ext uri="{BB962C8B-B14F-4D97-AF65-F5344CB8AC3E}">
-        <p14:creationId xmlns:p14="http://schemas.microsoft.com/office/powerpoint/2010/main" val="3880503069"/>
+        <p14:creationId xmlns:p14="http://schemas.microsoft.com/office/powerpoint/2010/main" val="2469406696"/>
       </p:ext>
     </p:extLst>
   </p:cSld>
@@ -4538,9 +5362,61 @@
           <a:lstStyle/>
           <a:p>
             <a:r>
-              <a:rPr lang="en-US" dirty="0"/>
-              <a:t>On-Call Rotations provide sustainable 24/7 coverage with “you build it, you run it” principles.</a:t>
-            </a:r>
+              <a:rPr lang="en-US" b="1" dirty="0"/>
+              <a:t>Practice</a:t>
+            </a:r>
+            <a:r>
+              <a:rPr lang="en-US" dirty="0"/>
+              <a:t>: Cross-Functional Teams </a:t>
+            </a:r>
+            <a:r>
+              <a:rPr lang="en-US" b="1" dirty="0"/>
+              <a:t>Description</a:t>
+            </a:r>
+            <a:r>
+              <a:rPr lang="en-US" dirty="0"/>
+              <a:t>: Breaking down silos between development, operations, and business teams. </a:t>
+            </a:r>
+            <a:r>
+              <a:rPr lang="en-US" b="1" dirty="0"/>
+              <a:t>Why Low-Hanging Fruit</a:t>
+            </a:r>
+            <a:r>
+              <a:rPr lang="en-US" dirty="0"/>
+              <a:t>: Organizational change that doesn't require technology investment. Immediate collaboration improvements.</a:t>
+            </a:r>
+          </a:p>
+          <a:p>
+            <a:endParaRPr lang="en-US" b="1" dirty="0"/>
+          </a:p>
+          <a:p>
+            <a:r>
+              <a:rPr lang="en-US" b="1" dirty="0"/>
+              <a:t>Practice</a:t>
+            </a:r>
+            <a:r>
+              <a:rPr lang="en-US" dirty="0"/>
+              <a:t>: Agile Development </a:t>
+            </a:r>
+            <a:r>
+              <a:rPr lang="en-US" b="1" dirty="0"/>
+              <a:t>Description</a:t>
+            </a:r>
+            <a:r>
+              <a:rPr lang="en-US" dirty="0"/>
+              <a:t>: Iterative development with regular feedback cycles. </a:t>
+            </a:r>
+            <a:r>
+              <a:rPr lang="en-US" b="1" dirty="0"/>
+              <a:t>Why Low-Hanging Fruit</a:t>
+            </a:r>
+            <a:r>
+              <a:rPr lang="en-US" dirty="0"/>
+              <a:t>: Process improvement that can start immediately. Faster value delivery without infrastructure changes.</a:t>
+            </a:r>
+          </a:p>
+          <a:p>
+            <a:endParaRPr lang="en-US" dirty="0"/>
           </a:p>
         </p:txBody>
       </p:sp>
@@ -4561,7 +5437,7 @@
           <a:p>
             <a:fld id="{555DAA9F-71E8-4E26-92D2-CD7FC535A9E6}" type="slidenum">
               <a:rPr lang="en-US" smtClean="0"/>
-              <a:t>82</a:t>
+              <a:t>66</a:t>
             </a:fld>
             <a:endParaRPr lang="en-US"/>
           </a:p>
@@ -4570,7 +5446,7 @@
     </p:spTree>
     <p:extLst>
       <p:ext uri="{BB962C8B-B14F-4D97-AF65-F5344CB8AC3E}">
-        <p14:creationId xmlns:p14="http://schemas.microsoft.com/office/powerpoint/2010/main" val="3396134190"/>
+        <p14:creationId xmlns:p14="http://schemas.microsoft.com/office/powerpoint/2010/main" val="2383352803"/>
       </p:ext>
     </p:extLst>
   </p:cSld>
@@ -4624,10 +5500,199 @@
           <a:bodyPr/>
           <a:lstStyle/>
           <a:p>
-            <a:r>
-              <a:rPr lang="en-US" dirty="0"/>
-              <a:t>On-Call Rotations provide sustainable 24/7 coverage with “you build it, you run it” principles.</a:t>
-            </a:r>
+            <a:pPr marL="0" marR="0" lvl="0" indent="0" algn="l" defTabSz="914400" rtl="0" eaLnBrk="1" fontAlgn="auto" latinLnBrk="0" hangingPunct="1">
+              <a:lnSpc>
+                <a:spcPct val="100000"/>
+              </a:lnSpc>
+              <a:spcBef>
+                <a:spcPts val="0"/>
+              </a:spcBef>
+              <a:spcAft>
+                <a:spcPts val="0"/>
+              </a:spcAft>
+              <a:buClrTx/>
+              <a:buSzTx/>
+              <a:buFontTx/>
+              <a:buNone/>
+              <a:tabLst/>
+              <a:defRPr/>
+            </a:pPr>
+            <a:r>
+              <a:rPr lang="en-US" b="1" dirty="0"/>
+              <a:t>Practice</a:t>
+            </a:r>
+            <a:r>
+              <a:rPr lang="en-US" dirty="0"/>
+              <a:t>: Canary Release Operations </a:t>
+            </a:r>
+            <a:r>
+              <a:rPr lang="en-US" b="1" dirty="0"/>
+              <a:t>Description</a:t>
+            </a:r>
+            <a:r>
+              <a:rPr lang="en-US" dirty="0"/>
+              <a:t>: Procedures for monitoring canary deployments and making promotion/rollback decisions. </a:t>
+            </a:r>
+            <a:r>
+              <a:rPr lang="en-US" b="1" dirty="0"/>
+              <a:t>Why Low-Hanging Fruit</a:t>
+            </a:r>
+            <a:r>
+              <a:rPr lang="en-US" dirty="0"/>
+              <a:t>: Builds on existing deployment infrastructure. Quick wins in deployment safety.</a:t>
+            </a:r>
+          </a:p>
+          <a:p>
+            <a:endParaRPr lang="en-US" b="1" dirty="0"/>
+          </a:p>
+          <a:p>
+            <a:pPr marL="0" marR="0" lvl="0" indent="0" algn="l" defTabSz="914400" rtl="0" eaLnBrk="1" fontAlgn="auto" latinLnBrk="0" hangingPunct="1">
+              <a:lnSpc>
+                <a:spcPct val="100000"/>
+              </a:lnSpc>
+              <a:spcBef>
+                <a:spcPts val="0"/>
+              </a:spcBef>
+              <a:spcAft>
+                <a:spcPts val="0"/>
+              </a:spcAft>
+              <a:buClrTx/>
+              <a:buSzTx/>
+              <a:buFontTx/>
+              <a:buNone/>
+              <a:tabLst/>
+              <a:defRPr/>
+            </a:pPr>
+            <a:r>
+              <a:rPr lang="en-US" b="1" dirty="0"/>
+              <a:t>Practice</a:t>
+            </a:r>
+            <a:r>
+              <a:rPr lang="en-US" dirty="0"/>
+              <a:t>: Test-Driven Development </a:t>
+            </a:r>
+            <a:r>
+              <a:rPr lang="en-US" b="1" dirty="0"/>
+              <a:t>Description</a:t>
+            </a:r>
+            <a:r>
+              <a:rPr lang="en-US" dirty="0"/>
+              <a:t>: Writing tests before code to ensure quality and maintainability. </a:t>
+            </a:r>
+            <a:r>
+              <a:rPr lang="en-US" b="1" dirty="0"/>
+              <a:t>Why Low-Hanging Fruit</a:t>
+            </a:r>
+            <a:r>
+              <a:rPr lang="en-US" dirty="0"/>
+              <a:t>: Can be adopted team by team without infrastructure changes. Immediate quality improvements.</a:t>
+            </a:r>
+          </a:p>
+          <a:p>
+            <a:endParaRPr lang="en-US" b="1" dirty="0"/>
+          </a:p>
+          <a:p>
+            <a:r>
+              <a:rPr lang="en-US" b="1" dirty="0"/>
+              <a:t>Pattern</a:t>
+            </a:r>
+            <a:r>
+              <a:rPr lang="en-US" dirty="0"/>
+              <a:t>: Canary Deployment Pattern </a:t>
+            </a:r>
+            <a:r>
+              <a:rPr lang="en-US" b="1" dirty="0"/>
+              <a:t>Description</a:t>
+            </a:r>
+            <a:r>
+              <a:rPr lang="en-US" dirty="0"/>
+              <a:t>: Gradual rollout starting with small traffic percentage to minimize risk. </a:t>
+            </a:r>
+            <a:r>
+              <a:rPr lang="en-US" b="1" dirty="0"/>
+              <a:t>Why Low-Hanging Fruit</a:t>
+            </a:r>
+            <a:r>
+              <a:rPr lang="en-US" dirty="0"/>
+              <a:t>: Easy to implement with ALB weighted routing or </a:t>
+            </a:r>
+            <a:r>
+              <a:rPr lang="en-US" dirty="0" err="1"/>
+              <a:t>CodeDeploy</a:t>
+            </a:r>
+            <a:r>
+              <a:rPr lang="en-US" dirty="0"/>
+              <a:t>. Immediate risk reduction with minimal effort.</a:t>
+            </a:r>
+          </a:p>
+          <a:p>
+            <a:endParaRPr lang="en-US" b="1" dirty="0"/>
+          </a:p>
+          <a:p>
+            <a:r>
+              <a:rPr lang="en-US" b="1" dirty="0"/>
+              <a:t>Pattern</a:t>
+            </a:r>
+            <a:r>
+              <a:rPr lang="en-US" dirty="0"/>
+              <a:t>: Feature Flag Pattern </a:t>
+            </a:r>
+            <a:r>
+              <a:rPr lang="en-US" b="1" dirty="0"/>
+              <a:t>Description</a:t>
+            </a:r>
+            <a:r>
+              <a:rPr lang="en-US" dirty="0"/>
+              <a:t>: Runtime toggles to enable/disable features without deployment. </a:t>
+            </a:r>
+            <a:r>
+              <a:rPr lang="en-US" b="1" dirty="0"/>
+              <a:t>Why Low-Hanging Fruit</a:t>
+            </a:r>
+            <a:r>
+              <a:rPr lang="en-US" dirty="0"/>
+              <a:t>: Simple to implement with AWS </a:t>
+            </a:r>
+            <a:r>
+              <a:rPr lang="en-US" dirty="0" err="1"/>
+              <a:t>AppConfig</a:t>
+            </a:r>
+            <a:r>
+              <a:rPr lang="en-US" dirty="0"/>
+              <a:t>. Enables safer deployments and A/B testing immediately.</a:t>
+            </a:r>
+          </a:p>
+          <a:p>
+            <a:endParaRPr lang="en-US" b="1" dirty="0"/>
+          </a:p>
+          <a:p>
+            <a:r>
+              <a:rPr lang="en-US" b="1" dirty="0"/>
+              <a:t>Pattern</a:t>
+            </a:r>
+            <a:r>
+              <a:rPr lang="en-US" dirty="0"/>
+              <a:t>: Static Content Hosting Pattern </a:t>
+            </a:r>
+            <a:r>
+              <a:rPr lang="en-US" b="1" dirty="0"/>
+              <a:t>Description</a:t>
+            </a:r>
+            <a:r>
+              <a:rPr lang="en-US" dirty="0"/>
+              <a:t>: Serves static assets from S3/CloudFront instead of application servers. </a:t>
+            </a:r>
+            <a:r>
+              <a:rPr lang="en-US" b="1" dirty="0"/>
+              <a:t>Why Low-Hanging Fruit</a:t>
+            </a:r>
+            <a:r>
+              <a:rPr lang="en-US" dirty="0"/>
+              <a:t>: Simple to implement, immediate performance improvement and cost reduction. Can be applied to existing workloads easily.</a:t>
+            </a:r>
+          </a:p>
+          <a:p>
+            <a:endParaRPr lang="en-US" dirty="0"/>
           </a:p>
         </p:txBody>
       </p:sp>
@@ -4648,7 +5713,7 @@
           <a:p>
             <a:fld id="{555DAA9F-71E8-4E26-92D2-CD7FC535A9E6}" type="slidenum">
               <a:rPr lang="en-US" smtClean="0"/>
-              <a:t>83</a:t>
+              <a:t>67</a:t>
             </a:fld>
             <a:endParaRPr lang="en-US"/>
           </a:p>
@@ -4657,7 +5722,7 @@
     </p:spTree>
     <p:extLst>
       <p:ext uri="{BB962C8B-B14F-4D97-AF65-F5344CB8AC3E}">
-        <p14:creationId xmlns:p14="http://schemas.microsoft.com/office/powerpoint/2010/main" val="322573854"/>
+        <p14:creationId xmlns:p14="http://schemas.microsoft.com/office/powerpoint/2010/main" val="3286491760"/>
       </p:ext>
     </p:extLst>
   </p:cSld>
@@ -4711,10 +5776,116 @@
           <a:bodyPr/>
           <a:lstStyle/>
           <a:p>
-            <a:r>
-              <a:rPr lang="en-US" dirty="0"/>
-              <a:t>On-Call Rotations provide sustainable 24/7 coverage with “you build it, you run it” principles.</a:t>
-            </a:r>
+            <a:pPr marL="0" marR="0" lvl="0" indent="0" algn="l" defTabSz="914400" rtl="0" eaLnBrk="1" fontAlgn="auto" latinLnBrk="0" hangingPunct="1">
+              <a:lnSpc>
+                <a:spcPct val="100000"/>
+              </a:lnSpc>
+              <a:spcBef>
+                <a:spcPts val="0"/>
+              </a:spcBef>
+              <a:spcAft>
+                <a:spcPts val="0"/>
+              </a:spcAft>
+              <a:buClrTx/>
+              <a:buSzTx/>
+              <a:buFontTx/>
+              <a:buNone/>
+              <a:tabLst/>
+              <a:defRPr/>
+            </a:pPr>
+            <a:r>
+              <a:rPr lang="en-US" b="1" dirty="0"/>
+              <a:t>Practice</a:t>
+            </a:r>
+            <a:r>
+              <a:rPr lang="en-US" dirty="0"/>
+              <a:t>: Performance Testing </a:t>
+            </a:r>
+            <a:r>
+              <a:rPr lang="en-US" b="1" dirty="0"/>
+              <a:t>Description</a:t>
+            </a:r>
+            <a:r>
+              <a:rPr lang="en-US" dirty="0"/>
+              <a:t>: Comprehensive performance testing integrated into CI/CD pipelines. </a:t>
+            </a:r>
+            <a:r>
+              <a:rPr lang="en-US" b="1" dirty="0"/>
+              <a:t>Why Low-Hanging Fruit</a:t>
+            </a:r>
+            <a:r>
+              <a:rPr lang="en-US" dirty="0"/>
+              <a:t>: Can use existing tools and infrastructure. Prevents performance surprises in production.</a:t>
+            </a:r>
+          </a:p>
+          <a:p>
+            <a:endParaRPr lang="en-US" b="1" dirty="0"/>
+          </a:p>
+          <a:p>
+            <a:r>
+              <a:rPr lang="en-US" b="1" dirty="0"/>
+              <a:t>Pattern</a:t>
+            </a:r>
+            <a:r>
+              <a:rPr lang="en-US" dirty="0"/>
+              <a:t>: Caching Pattern </a:t>
+            </a:r>
+            <a:r>
+              <a:rPr lang="en-US" b="1" dirty="0"/>
+              <a:t>Description</a:t>
+            </a:r>
+            <a:r>
+              <a:rPr lang="en-US" dirty="0"/>
+              <a:t>: Stores frequently accessed data in memory for faster retrieval. </a:t>
+            </a:r>
+            <a:r>
+              <a:rPr lang="en-US" b="1" dirty="0"/>
+              <a:t>Why Low-Hanging Fruit</a:t>
+            </a:r>
+            <a:r>
+              <a:rPr lang="en-US" dirty="0"/>
+              <a:t>: Easy to implement with </a:t>
+            </a:r>
+            <a:r>
+              <a:rPr lang="en-US" dirty="0" err="1"/>
+              <a:t>ElastiCache</a:t>
+            </a:r>
+            <a:r>
+              <a:rPr lang="en-US" dirty="0"/>
+              <a:t> or CloudFront. Immediate performance improvements with minimal application changes.</a:t>
+            </a:r>
+          </a:p>
+          <a:p>
+            <a:endParaRPr lang="en-US" b="1" dirty="0"/>
+          </a:p>
+          <a:p>
+            <a:r>
+              <a:rPr lang="en-US" b="1" dirty="0"/>
+              <a:t>Pattern</a:t>
+            </a:r>
+            <a:r>
+              <a:rPr lang="en-US" dirty="0"/>
+              <a:t>: CDN Integration Pattern (Origin Failover) </a:t>
+            </a:r>
+            <a:r>
+              <a:rPr lang="en-US" b="1" dirty="0"/>
+              <a:t>Description</a:t>
+            </a:r>
+            <a:r>
+              <a:rPr lang="en-US" dirty="0"/>
+              <a:t>: CloudFront with automatic failover between primary and secondary origins. </a:t>
+            </a:r>
+            <a:r>
+              <a:rPr lang="en-US" b="1" dirty="0"/>
+              <a:t>Why Low-Hanging Fruit</a:t>
+            </a:r>
+            <a:r>
+              <a:rPr lang="en-US" dirty="0"/>
+              <a:t>: Simple configuration change that provides high availability. No application modifications required.</a:t>
+            </a:r>
+          </a:p>
+          <a:p>
+            <a:endParaRPr lang="en-US" dirty="0"/>
           </a:p>
         </p:txBody>
       </p:sp>
@@ -4735,7 +5906,7 @@
           <a:p>
             <a:fld id="{555DAA9F-71E8-4E26-92D2-CD7FC535A9E6}" type="slidenum">
               <a:rPr lang="en-US" smtClean="0"/>
-              <a:t>84</a:t>
+              <a:t>68</a:t>
             </a:fld>
             <a:endParaRPr lang="en-US"/>
           </a:p>
@@ -4744,7 +5915,293 @@
     </p:spTree>
     <p:extLst>
       <p:ext uri="{BB962C8B-B14F-4D97-AF65-F5344CB8AC3E}">
-        <p14:creationId xmlns:p14="http://schemas.microsoft.com/office/powerpoint/2010/main" val="2612644977"/>
+        <p14:creationId xmlns:p14="http://schemas.microsoft.com/office/powerpoint/2010/main" val="2080945754"/>
+      </p:ext>
+    </p:extLst>
+  </p:cSld>
+  <p:clrMapOvr>
+    <a:masterClrMapping/>
+  </p:clrMapOvr>
+</p:notes>
+</file>
+
+<file path=ppt/notesSlides/notesSlide38.xml><?xml version="1.0" encoding="utf-8"?>
+<p:notes xmlns:a="http://schemas.openxmlformats.org/drawingml/2006/main" xmlns:r="http://schemas.openxmlformats.org/officeDocument/2006/relationships" xmlns:p="http://schemas.openxmlformats.org/presentationml/2006/main">
+  <p:cSld>
+    <p:spTree>
+      <p:nvGrpSpPr>
+        <p:cNvPr id="1" name=""/>
+        <p:cNvGrpSpPr/>
+        <p:nvPr/>
+      </p:nvGrpSpPr>
+      <p:grpSpPr>
+        <a:xfrm>
+          <a:off x="0" y="0"/>
+          <a:ext cx="0" cy="0"/>
+          <a:chOff x="0" y="0"/>
+          <a:chExt cx="0" cy="0"/>
+        </a:xfrm>
+      </p:grpSpPr>
+      <p:sp>
+        <p:nvSpPr>
+          <p:cNvPr id="2" name="Slide Image Placeholder 1"/>
+          <p:cNvSpPr>
+            <a:spLocks noGrp="1" noRot="1" noChangeAspect="1"/>
+          </p:cNvSpPr>
+          <p:nvPr>
+            <p:ph type="sldImg"/>
+          </p:nvPr>
+        </p:nvSpPr>
+        <p:spPr/>
+      </p:sp>
+      <p:sp>
+        <p:nvSpPr>
+          <p:cNvPr id="3" name="Notes Placeholder 2"/>
+          <p:cNvSpPr>
+            <a:spLocks noGrp="1"/>
+          </p:cNvSpPr>
+          <p:nvPr>
+            <p:ph type="body" idx="1"/>
+          </p:nvPr>
+        </p:nvSpPr>
+        <p:spPr/>
+        <p:txBody>
+          <a:bodyPr/>
+          <a:lstStyle/>
+          <a:p>
+            <a:r>
+              <a:rPr lang="en-US" b="1" dirty="0"/>
+              <a:t>Practice</a:t>
+            </a:r>
+            <a:r>
+              <a:rPr lang="en-US" dirty="0"/>
+              <a:t>: Blameless Postmortems </a:t>
+            </a:r>
+            <a:r>
+              <a:rPr lang="en-US" b="1" dirty="0"/>
+              <a:t>Description</a:t>
+            </a:r>
+            <a:r>
+              <a:rPr lang="en-US" dirty="0"/>
+              <a:t>: Learning from incidents without blame to improve systems and processes. </a:t>
+            </a:r>
+            <a:r>
+              <a:rPr lang="en-US" b="1" dirty="0"/>
+              <a:t>Why Maturity Phase 1</a:t>
+            </a:r>
+            <a:r>
+              <a:rPr lang="en-US" dirty="0"/>
+              <a:t>: Requires cultural maturity and psychological safety. Builds on established incident response processes.</a:t>
+            </a:r>
+          </a:p>
+          <a:p>
+            <a:endParaRPr lang="en-US" b="1" dirty="0"/>
+          </a:p>
+          <a:p>
+            <a:r>
+              <a:rPr lang="en-US" b="1" dirty="0"/>
+              <a:t>Practice</a:t>
+            </a:r>
+            <a:r>
+              <a:rPr lang="en-US" dirty="0"/>
+              <a:t>: On-Call Rotations </a:t>
+            </a:r>
+            <a:r>
+              <a:rPr lang="en-US" b="1" dirty="0"/>
+              <a:t>Description</a:t>
+            </a:r>
+            <a:r>
+              <a:rPr lang="en-US" dirty="0"/>
+              <a:t>: Sustainable 24/7 coverage with "you build it, you run it" principles. </a:t>
+            </a:r>
+            <a:r>
+              <a:rPr lang="en-US" b="1" dirty="0"/>
+              <a:t>Why Maturity Phase 1</a:t>
+            </a:r>
+            <a:r>
+              <a:rPr lang="en-US" dirty="0"/>
+              <a:t>: Requires mature operational practices and adequate team size. Implement after stabilizing workloads.</a:t>
+            </a:r>
+          </a:p>
+          <a:p>
+            <a:endParaRPr lang="en-US" dirty="0"/>
+          </a:p>
+        </p:txBody>
+      </p:sp>
+      <p:sp>
+        <p:nvSpPr>
+          <p:cNvPr id="4" name="Slide Number Placeholder 3"/>
+          <p:cNvSpPr>
+            <a:spLocks noGrp="1"/>
+          </p:cNvSpPr>
+          <p:nvPr>
+            <p:ph type="sldNum" sz="quarter" idx="5"/>
+          </p:nvPr>
+        </p:nvSpPr>
+        <p:spPr/>
+        <p:txBody>
+          <a:bodyPr/>
+          <a:lstStyle/>
+          <a:p>
+            <a:fld id="{555DAA9F-71E8-4E26-92D2-CD7FC535A9E6}" type="slidenum">
+              <a:rPr lang="en-US" smtClean="0"/>
+              <a:t>70</a:t>
+            </a:fld>
+            <a:endParaRPr lang="en-US"/>
+          </a:p>
+        </p:txBody>
+      </p:sp>
+    </p:spTree>
+    <p:extLst>
+      <p:ext uri="{BB962C8B-B14F-4D97-AF65-F5344CB8AC3E}">
+        <p14:creationId xmlns:p14="http://schemas.microsoft.com/office/powerpoint/2010/main" val="839559185"/>
+      </p:ext>
+    </p:extLst>
+  </p:cSld>
+  <p:clrMapOvr>
+    <a:masterClrMapping/>
+  </p:clrMapOvr>
+</p:notes>
+</file>
+
+<file path=ppt/notesSlides/notesSlide39.xml><?xml version="1.0" encoding="utf-8"?>
+<p:notes xmlns:a="http://schemas.openxmlformats.org/drawingml/2006/main" xmlns:r="http://schemas.openxmlformats.org/officeDocument/2006/relationships" xmlns:p="http://schemas.openxmlformats.org/presentationml/2006/main">
+  <p:cSld>
+    <p:spTree>
+      <p:nvGrpSpPr>
+        <p:cNvPr id="1" name=""/>
+        <p:cNvGrpSpPr/>
+        <p:nvPr/>
+      </p:nvGrpSpPr>
+      <p:grpSpPr>
+        <a:xfrm>
+          <a:off x="0" y="0"/>
+          <a:ext cx="0" cy="0"/>
+          <a:chOff x="0" y="0"/>
+          <a:chExt cx="0" cy="0"/>
+        </a:xfrm>
+      </p:grpSpPr>
+      <p:sp>
+        <p:nvSpPr>
+          <p:cNvPr id="2" name="Slide Image Placeholder 1"/>
+          <p:cNvSpPr>
+            <a:spLocks noGrp="1" noRot="1" noChangeAspect="1"/>
+          </p:cNvSpPr>
+          <p:nvPr>
+            <p:ph type="sldImg"/>
+          </p:nvPr>
+        </p:nvSpPr>
+        <p:spPr/>
+      </p:sp>
+      <p:sp>
+        <p:nvSpPr>
+          <p:cNvPr id="3" name="Notes Placeholder 2"/>
+          <p:cNvSpPr>
+            <a:spLocks noGrp="1"/>
+          </p:cNvSpPr>
+          <p:nvPr>
+            <p:ph type="body" idx="1"/>
+          </p:nvPr>
+        </p:nvSpPr>
+        <p:spPr/>
+        <p:txBody>
+          <a:bodyPr/>
+          <a:lstStyle/>
+          <a:p>
+            <a:r>
+              <a:rPr lang="en-US" b="1" dirty="0"/>
+              <a:t>Pattern</a:t>
+            </a:r>
+            <a:r>
+              <a:rPr lang="en-US" dirty="0"/>
+              <a:t>: AWS Cloud WAN Pattern </a:t>
+            </a:r>
+            <a:r>
+              <a:rPr lang="en-US" b="1" dirty="0"/>
+              <a:t>Description</a:t>
+            </a:r>
+            <a:r>
+              <a:rPr lang="en-US" dirty="0"/>
+              <a:t>: Policy-driven software-defined global networking. </a:t>
+            </a:r>
+            <a:r>
+              <a:rPr lang="en-US" b="1" dirty="0"/>
+              <a:t>Why Maturity Phase 1</a:t>
+            </a:r>
+            <a:r>
+              <a:rPr lang="en-US" dirty="0"/>
+              <a:t>: Requires mature network architecture and understanding of traffic patterns. Best implemented after initial migration.</a:t>
+            </a:r>
+          </a:p>
+          <a:p>
+            <a:endParaRPr lang="en-US" b="1" dirty="0"/>
+          </a:p>
+          <a:p>
+            <a:r>
+              <a:rPr lang="en-US" b="1" dirty="0"/>
+              <a:t>Pattern</a:t>
+            </a:r>
+            <a:r>
+              <a:rPr lang="en-US" dirty="0"/>
+              <a:t>: </a:t>
+            </a:r>
+            <a:r>
+              <a:rPr lang="en-US" dirty="0" err="1"/>
+              <a:t>PrivateLink</a:t>
+            </a:r>
+            <a:r>
+              <a:rPr lang="en-US" dirty="0"/>
+              <a:t> Service Access Pattern </a:t>
+            </a:r>
+            <a:r>
+              <a:rPr lang="en-US" b="1" dirty="0"/>
+              <a:t>Description</a:t>
+            </a:r>
+            <a:r>
+              <a:rPr lang="en-US" dirty="0"/>
+              <a:t>: Private connectivity to services without internet exposure. </a:t>
+            </a:r>
+            <a:r>
+              <a:rPr lang="en-US" b="1" dirty="0"/>
+              <a:t>Why Maturity Phase 1</a:t>
+            </a:r>
+            <a:r>
+              <a:rPr lang="en-US" dirty="0"/>
+              <a:t>: Enhances security but requires service architecture maturity. Implement after core services are stable.</a:t>
+            </a:r>
+          </a:p>
+          <a:p>
+            <a:endParaRPr lang="en-US" dirty="0"/>
+          </a:p>
+        </p:txBody>
+      </p:sp>
+      <p:sp>
+        <p:nvSpPr>
+          <p:cNvPr id="4" name="Slide Number Placeholder 3"/>
+          <p:cNvSpPr>
+            <a:spLocks noGrp="1"/>
+          </p:cNvSpPr>
+          <p:nvPr>
+            <p:ph type="sldNum" sz="quarter" idx="5"/>
+          </p:nvPr>
+        </p:nvSpPr>
+        <p:spPr/>
+        <p:txBody>
+          <a:bodyPr/>
+          <a:lstStyle/>
+          <a:p>
+            <a:fld id="{555DAA9F-71E8-4E26-92D2-CD7FC535A9E6}" type="slidenum">
+              <a:rPr lang="en-US" smtClean="0"/>
+              <a:t>71</a:t>
+            </a:fld>
+            <a:endParaRPr lang="en-US"/>
+          </a:p>
+        </p:txBody>
+      </p:sp>
+    </p:spTree>
+    <p:extLst>
+      <p:ext uri="{BB962C8B-B14F-4D97-AF65-F5344CB8AC3E}">
+        <p14:creationId xmlns:p14="http://schemas.microsoft.com/office/powerpoint/2010/main" val="2756040954"/>
       </p:ext>
     </p:extLst>
   </p:cSld>
@@ -4898,6 +6355,1765 @@
 </p:notes>
 </file>
 
+<file path=ppt/notesSlides/notesSlide40.xml><?xml version="1.0" encoding="utf-8"?>
+<p:notes xmlns:a="http://schemas.openxmlformats.org/drawingml/2006/main" xmlns:r="http://schemas.openxmlformats.org/officeDocument/2006/relationships" xmlns:p="http://schemas.openxmlformats.org/presentationml/2006/main">
+  <p:cSld>
+    <p:spTree>
+      <p:nvGrpSpPr>
+        <p:cNvPr id="1" name=""/>
+        <p:cNvGrpSpPr/>
+        <p:nvPr/>
+      </p:nvGrpSpPr>
+      <p:grpSpPr>
+        <a:xfrm>
+          <a:off x="0" y="0"/>
+          <a:ext cx="0" cy="0"/>
+          <a:chOff x="0" y="0"/>
+          <a:chExt cx="0" cy="0"/>
+        </a:xfrm>
+      </p:grpSpPr>
+      <p:sp>
+        <p:nvSpPr>
+          <p:cNvPr id="2" name="Slide Image Placeholder 1"/>
+          <p:cNvSpPr>
+            <a:spLocks noGrp="1" noRot="1" noChangeAspect="1"/>
+          </p:cNvSpPr>
+          <p:nvPr>
+            <p:ph type="sldImg"/>
+          </p:nvPr>
+        </p:nvSpPr>
+        <p:spPr/>
+      </p:sp>
+      <p:sp>
+        <p:nvSpPr>
+          <p:cNvPr id="3" name="Notes Placeholder 2"/>
+          <p:cNvSpPr>
+            <a:spLocks noGrp="1"/>
+          </p:cNvSpPr>
+          <p:nvPr>
+            <p:ph type="body" idx="1"/>
+          </p:nvPr>
+        </p:nvSpPr>
+        <p:spPr/>
+        <p:txBody>
+          <a:bodyPr/>
+          <a:lstStyle/>
+          <a:p>
+            <a:r>
+              <a:rPr lang="en-US" b="1" dirty="0"/>
+              <a:t>Practice</a:t>
+            </a:r>
+            <a:r>
+              <a:rPr lang="en-US" dirty="0"/>
+              <a:t>: Data Lineage Tracking </a:t>
+            </a:r>
+            <a:r>
+              <a:rPr lang="en-US" b="1" dirty="0"/>
+              <a:t>Description</a:t>
+            </a:r>
+            <a:r>
+              <a:rPr lang="en-US" dirty="0"/>
+              <a:t>: Automated tracking of data transformations and dependencies. </a:t>
+            </a:r>
+            <a:r>
+              <a:rPr lang="en-US" b="1" dirty="0"/>
+              <a:t>Why Maturity Phase 1</a:t>
+            </a:r>
+            <a:r>
+              <a:rPr lang="en-US" dirty="0"/>
+              <a:t>: Complex to implement but critical for data governance. Best done after data architecture stabilizes.</a:t>
+            </a:r>
+          </a:p>
+          <a:p>
+            <a:endParaRPr lang="en-US" b="1" dirty="0"/>
+          </a:p>
+          <a:p>
+            <a:r>
+              <a:rPr lang="en-US" b="1" dirty="0"/>
+              <a:t>Pattern</a:t>
+            </a:r>
+            <a:r>
+              <a:rPr lang="en-US" dirty="0"/>
+              <a:t>: Multi-Tier Backup and Recovery Pattern </a:t>
+            </a:r>
+            <a:r>
+              <a:rPr lang="en-US" b="1" dirty="0"/>
+              <a:t>Description</a:t>
+            </a:r>
+            <a:r>
+              <a:rPr lang="en-US" dirty="0"/>
+              <a:t>: Tiered backup strategies based on RTO/RPO requirements. </a:t>
+            </a:r>
+            <a:r>
+              <a:rPr lang="en-US" b="1" dirty="0"/>
+              <a:t>Why Maturity Phase 1</a:t>
+            </a:r>
+            <a:r>
+              <a:rPr lang="en-US" dirty="0"/>
+              <a:t>: Requires understanding of data criticality and recovery requirements. Optimize after workloads are stable.</a:t>
+            </a:r>
+          </a:p>
+          <a:p>
+            <a:endParaRPr lang="en-US" b="1" dirty="0"/>
+          </a:p>
+          <a:p>
+            <a:r>
+              <a:rPr lang="en-US" b="1" dirty="0"/>
+              <a:t>Pattern</a:t>
+            </a:r>
+            <a:r>
+              <a:rPr lang="en-US" dirty="0"/>
+              <a:t>: Automated Lifecycle Management Pattern </a:t>
+            </a:r>
+            <a:r>
+              <a:rPr lang="en-US" b="1" dirty="0"/>
+              <a:t>Description</a:t>
+            </a:r>
+            <a:r>
+              <a:rPr lang="en-US" dirty="0"/>
+              <a:t>: Policy-driven data transitions between storage classes. </a:t>
+            </a:r>
+            <a:r>
+              <a:rPr lang="en-US" b="1" dirty="0"/>
+              <a:t>Why Maturity Phase 1</a:t>
+            </a:r>
+            <a:r>
+              <a:rPr lang="en-US" dirty="0"/>
+              <a:t>: Requires understanding of data access patterns. Implement after data usage patterns are established.</a:t>
+            </a:r>
+          </a:p>
+          <a:p>
+            <a:endParaRPr lang="en-US" dirty="0"/>
+          </a:p>
+        </p:txBody>
+      </p:sp>
+      <p:sp>
+        <p:nvSpPr>
+          <p:cNvPr id="4" name="Slide Number Placeholder 3"/>
+          <p:cNvSpPr>
+            <a:spLocks noGrp="1"/>
+          </p:cNvSpPr>
+          <p:nvPr>
+            <p:ph type="sldNum" sz="quarter" idx="5"/>
+          </p:nvPr>
+        </p:nvSpPr>
+        <p:spPr/>
+        <p:txBody>
+          <a:bodyPr/>
+          <a:lstStyle/>
+          <a:p>
+            <a:fld id="{555DAA9F-71E8-4E26-92D2-CD7FC535A9E6}" type="slidenum">
+              <a:rPr lang="en-US" smtClean="0"/>
+              <a:t>72</a:t>
+            </a:fld>
+            <a:endParaRPr lang="en-US"/>
+          </a:p>
+        </p:txBody>
+      </p:sp>
+    </p:spTree>
+    <p:extLst>
+      <p:ext uri="{BB962C8B-B14F-4D97-AF65-F5344CB8AC3E}">
+        <p14:creationId xmlns:p14="http://schemas.microsoft.com/office/powerpoint/2010/main" val="4258192223"/>
+      </p:ext>
+    </p:extLst>
+  </p:cSld>
+  <p:clrMapOvr>
+    <a:masterClrMapping/>
+  </p:clrMapOvr>
+</p:notes>
+</file>
+
+<file path=ppt/notesSlides/notesSlide41.xml><?xml version="1.0" encoding="utf-8"?>
+<p:notes xmlns:a="http://schemas.openxmlformats.org/drawingml/2006/main" xmlns:r="http://schemas.openxmlformats.org/officeDocument/2006/relationships" xmlns:p="http://schemas.openxmlformats.org/presentationml/2006/main">
+  <p:cSld>
+    <p:spTree>
+      <p:nvGrpSpPr>
+        <p:cNvPr id="1" name=""/>
+        <p:cNvGrpSpPr/>
+        <p:nvPr/>
+      </p:nvGrpSpPr>
+      <p:grpSpPr>
+        <a:xfrm>
+          <a:off x="0" y="0"/>
+          <a:ext cx="0" cy="0"/>
+          <a:chOff x="0" y="0"/>
+          <a:chExt cx="0" cy="0"/>
+        </a:xfrm>
+      </p:grpSpPr>
+      <p:sp>
+        <p:nvSpPr>
+          <p:cNvPr id="2" name="Slide Image Placeholder 1"/>
+          <p:cNvSpPr>
+            <a:spLocks noGrp="1" noRot="1" noChangeAspect="1"/>
+          </p:cNvSpPr>
+          <p:nvPr>
+            <p:ph type="sldImg"/>
+          </p:nvPr>
+        </p:nvSpPr>
+        <p:spPr/>
+      </p:sp>
+      <p:sp>
+        <p:nvSpPr>
+          <p:cNvPr id="3" name="Notes Placeholder 2"/>
+          <p:cNvSpPr>
+            <a:spLocks noGrp="1"/>
+          </p:cNvSpPr>
+          <p:nvPr>
+            <p:ph type="body" idx="1"/>
+          </p:nvPr>
+        </p:nvSpPr>
+        <p:spPr/>
+        <p:txBody>
+          <a:bodyPr/>
+          <a:lstStyle/>
+          <a:p>
+            <a:pPr marL="0" marR="0" lvl="0" indent="0" algn="l" defTabSz="914400" rtl="0" eaLnBrk="1" fontAlgn="auto" latinLnBrk="0" hangingPunct="1">
+              <a:lnSpc>
+                <a:spcPct val="100000"/>
+              </a:lnSpc>
+              <a:spcBef>
+                <a:spcPts val="0"/>
+              </a:spcBef>
+              <a:spcAft>
+                <a:spcPts val="0"/>
+              </a:spcAft>
+              <a:buClrTx/>
+              <a:buSzTx/>
+              <a:buFontTx/>
+              <a:buNone/>
+              <a:tabLst/>
+              <a:defRPr/>
+            </a:pPr>
+            <a:r>
+              <a:rPr lang="en-US" b="1" dirty="0"/>
+              <a:t>Practice</a:t>
+            </a:r>
+            <a:r>
+              <a:rPr lang="en-US" dirty="0"/>
+              <a:t>: Container Security </a:t>
+            </a:r>
+            <a:r>
+              <a:rPr lang="en-US" b="1" dirty="0"/>
+              <a:t>Description</a:t>
+            </a:r>
+            <a:r>
+              <a:rPr lang="en-US" dirty="0"/>
+              <a:t>: Comprehensive container security including scanning, runtime protection, and policy enforcement. </a:t>
+            </a:r>
+            <a:r>
+              <a:rPr lang="en-US" b="1" dirty="0"/>
+              <a:t>Why Maturity Phase 1</a:t>
+            </a:r>
+            <a:r>
+              <a:rPr lang="en-US" dirty="0"/>
+              <a:t>: Builds on basic container adoption. Advanced security practices require mature container operations.</a:t>
+            </a:r>
+          </a:p>
+          <a:p>
+            <a:endParaRPr lang="en-US" b="1" dirty="0"/>
+          </a:p>
+          <a:p>
+            <a:r>
+              <a:rPr lang="en-US" b="1" dirty="0"/>
+              <a:t>Pattern</a:t>
+            </a:r>
+            <a:r>
+              <a:rPr lang="en-US" dirty="0"/>
+              <a:t>: Operator Pattern </a:t>
+            </a:r>
+            <a:r>
+              <a:rPr lang="en-US" b="1" dirty="0"/>
+              <a:t>Description</a:t>
+            </a:r>
+            <a:r>
+              <a:rPr lang="en-US" dirty="0"/>
+              <a:t>: Encodes operational knowledge into Kubernetes extensions. </a:t>
+            </a:r>
+            <a:r>
+              <a:rPr lang="en-US" b="1" dirty="0"/>
+              <a:t>Why Maturity Phase 1</a:t>
+            </a:r>
+            <a:r>
+              <a:rPr lang="en-US" dirty="0"/>
+              <a:t>: Requires Kubernetes expertise and stable container platform. Reduces operational overhead by 70% for stateful apps.</a:t>
+            </a:r>
+          </a:p>
+          <a:p>
+            <a:endParaRPr lang="en-US" b="1" dirty="0"/>
+          </a:p>
+          <a:p>
+            <a:r>
+              <a:rPr lang="en-US" b="1" dirty="0"/>
+              <a:t>Pattern</a:t>
+            </a:r>
+            <a:r>
+              <a:rPr lang="en-US" dirty="0"/>
+              <a:t>: Service Mesh Sidecar Pattern </a:t>
+            </a:r>
+            <a:r>
+              <a:rPr lang="en-US" b="1" dirty="0"/>
+              <a:t>Description</a:t>
+            </a:r>
+            <a:r>
+              <a:rPr lang="en-US" dirty="0"/>
+              <a:t>: Proxy containers for advanced traffic management and security. </a:t>
+            </a:r>
+            <a:r>
+              <a:rPr lang="en-US" b="1" dirty="0"/>
+              <a:t>Why Maturity Phase 1</a:t>
+            </a:r>
+            <a:r>
+              <a:rPr lang="en-US" dirty="0"/>
+              <a:t>: Complex pattern requiring mature microservices architecture. Implement after basic containerization is stable.</a:t>
+            </a:r>
+          </a:p>
+          <a:p>
+            <a:endParaRPr lang="en-US" dirty="0"/>
+          </a:p>
+        </p:txBody>
+      </p:sp>
+      <p:sp>
+        <p:nvSpPr>
+          <p:cNvPr id="4" name="Slide Number Placeholder 3"/>
+          <p:cNvSpPr>
+            <a:spLocks noGrp="1"/>
+          </p:cNvSpPr>
+          <p:nvPr>
+            <p:ph type="sldNum" sz="quarter" idx="5"/>
+          </p:nvPr>
+        </p:nvSpPr>
+        <p:spPr/>
+        <p:txBody>
+          <a:bodyPr/>
+          <a:lstStyle/>
+          <a:p>
+            <a:fld id="{555DAA9F-71E8-4E26-92D2-CD7FC535A9E6}" type="slidenum">
+              <a:rPr lang="en-US" smtClean="0"/>
+              <a:t>73</a:t>
+            </a:fld>
+            <a:endParaRPr lang="en-US"/>
+          </a:p>
+        </p:txBody>
+      </p:sp>
+    </p:spTree>
+    <p:extLst>
+      <p:ext uri="{BB962C8B-B14F-4D97-AF65-F5344CB8AC3E}">
+        <p14:creationId xmlns:p14="http://schemas.microsoft.com/office/powerpoint/2010/main" val="3748022562"/>
+      </p:ext>
+    </p:extLst>
+  </p:cSld>
+  <p:clrMapOvr>
+    <a:masterClrMapping/>
+  </p:clrMapOvr>
+</p:notes>
+</file>
+
+<file path=ppt/notesSlides/notesSlide42.xml><?xml version="1.0" encoding="utf-8"?>
+<p:notes xmlns:a="http://schemas.openxmlformats.org/drawingml/2006/main" xmlns:r="http://schemas.openxmlformats.org/officeDocument/2006/relationships" xmlns:p="http://schemas.openxmlformats.org/presentationml/2006/main">
+  <p:cSld>
+    <p:spTree>
+      <p:nvGrpSpPr>
+        <p:cNvPr id="1" name=""/>
+        <p:cNvGrpSpPr/>
+        <p:nvPr/>
+      </p:nvGrpSpPr>
+      <p:grpSpPr>
+        <a:xfrm>
+          <a:off x="0" y="0"/>
+          <a:ext cx="0" cy="0"/>
+          <a:chOff x="0" y="0"/>
+          <a:chExt cx="0" cy="0"/>
+        </a:xfrm>
+      </p:grpSpPr>
+      <p:sp>
+        <p:nvSpPr>
+          <p:cNvPr id="2" name="Slide Image Placeholder 1"/>
+          <p:cNvSpPr>
+            <a:spLocks noGrp="1" noRot="1" noChangeAspect="1"/>
+          </p:cNvSpPr>
+          <p:nvPr>
+            <p:ph type="sldImg"/>
+          </p:nvPr>
+        </p:nvSpPr>
+        <p:spPr/>
+      </p:sp>
+      <p:sp>
+        <p:nvSpPr>
+          <p:cNvPr id="3" name="Notes Placeholder 2"/>
+          <p:cNvSpPr>
+            <a:spLocks noGrp="1"/>
+          </p:cNvSpPr>
+          <p:nvPr>
+            <p:ph type="body" idx="1"/>
+          </p:nvPr>
+        </p:nvSpPr>
+        <p:spPr/>
+        <p:txBody>
+          <a:bodyPr/>
+          <a:lstStyle/>
+          <a:p>
+            <a:r>
+              <a:rPr lang="en-US" b="1" dirty="0"/>
+              <a:t>Pattern</a:t>
+            </a:r>
+            <a:r>
+              <a:rPr lang="en-US" dirty="0"/>
+              <a:t>: Spot Instance Pattern </a:t>
+            </a:r>
+            <a:r>
+              <a:rPr lang="en-US" b="1" dirty="0"/>
+              <a:t>Description</a:t>
+            </a:r>
+            <a:r>
+              <a:rPr lang="en-US" dirty="0"/>
+              <a:t>: Leverages spare compute capacity at up to 90% discount for fault-tolerant workloads. </a:t>
+            </a:r>
+            <a:r>
+              <a:rPr lang="en-US" b="1" dirty="0"/>
+              <a:t>Why Early Adoption</a:t>
+            </a:r>
+            <a:r>
+              <a:rPr lang="en-US" dirty="0"/>
+              <a:t>: Significant cost savings (70-90%) but requires identifying suitable workloads. Best implemented early to maximize savings during migration.</a:t>
+            </a:r>
+          </a:p>
+          <a:p>
+            <a:endParaRPr lang="en-US" dirty="0"/>
+          </a:p>
+          <a:p>
+            <a:r>
+              <a:rPr lang="en-US" b="1" dirty="0"/>
+              <a:t>Pattern</a:t>
+            </a:r>
+            <a:r>
+              <a:rPr lang="en-US" dirty="0"/>
+              <a:t>: Reserved Instance Ladder Pattern </a:t>
+            </a:r>
+            <a:r>
+              <a:rPr lang="en-US" b="1" dirty="0"/>
+              <a:t>Description</a:t>
+            </a:r>
+            <a:r>
+              <a:rPr lang="en-US" dirty="0"/>
+              <a:t>: Phased approach to purchasing commitments, starting with 30-50% coverage for stable workloads. </a:t>
+            </a:r>
+            <a:r>
+              <a:rPr lang="en-US" b="1" dirty="0"/>
+              <a:t>Why Early Adoption</a:t>
+            </a:r>
+            <a:r>
+              <a:rPr lang="en-US" dirty="0"/>
+              <a:t>: Requires understanding of workload patterns. Early adoption enables cost optimization as workloads stabilize.</a:t>
+            </a:r>
+          </a:p>
+        </p:txBody>
+      </p:sp>
+      <p:sp>
+        <p:nvSpPr>
+          <p:cNvPr id="4" name="Slide Number Placeholder 3"/>
+          <p:cNvSpPr>
+            <a:spLocks noGrp="1"/>
+          </p:cNvSpPr>
+          <p:nvPr>
+            <p:ph type="sldNum" sz="quarter" idx="5"/>
+          </p:nvPr>
+        </p:nvSpPr>
+        <p:spPr/>
+        <p:txBody>
+          <a:bodyPr/>
+          <a:lstStyle/>
+          <a:p>
+            <a:fld id="{555DAA9F-71E8-4E26-92D2-CD7FC535A9E6}" type="slidenum">
+              <a:rPr lang="en-US" smtClean="0"/>
+              <a:t>75</a:t>
+            </a:fld>
+            <a:endParaRPr lang="en-US"/>
+          </a:p>
+        </p:txBody>
+      </p:sp>
+    </p:spTree>
+    <p:extLst>
+      <p:ext uri="{BB962C8B-B14F-4D97-AF65-F5344CB8AC3E}">
+        <p14:creationId xmlns:p14="http://schemas.microsoft.com/office/powerpoint/2010/main" val="111946703"/>
+      </p:ext>
+    </p:extLst>
+  </p:cSld>
+  <p:clrMapOvr>
+    <a:masterClrMapping/>
+  </p:clrMapOvr>
+</p:notes>
+</file>
+
+<file path=ppt/notesSlides/notesSlide43.xml><?xml version="1.0" encoding="utf-8"?>
+<p:notes xmlns:a="http://schemas.openxmlformats.org/drawingml/2006/main" xmlns:r="http://schemas.openxmlformats.org/officeDocument/2006/relationships" xmlns:p="http://schemas.openxmlformats.org/presentationml/2006/main">
+  <p:cSld>
+    <p:spTree>
+      <p:nvGrpSpPr>
+        <p:cNvPr id="1" name=""/>
+        <p:cNvGrpSpPr/>
+        <p:nvPr/>
+      </p:nvGrpSpPr>
+      <p:grpSpPr>
+        <a:xfrm>
+          <a:off x="0" y="0"/>
+          <a:ext cx="0" cy="0"/>
+          <a:chOff x="0" y="0"/>
+          <a:chExt cx="0" cy="0"/>
+        </a:xfrm>
+      </p:grpSpPr>
+      <p:sp>
+        <p:nvSpPr>
+          <p:cNvPr id="2" name="Slide Image Placeholder 1"/>
+          <p:cNvSpPr>
+            <a:spLocks noGrp="1" noRot="1" noChangeAspect="1"/>
+          </p:cNvSpPr>
+          <p:nvPr>
+            <p:ph type="sldImg"/>
+          </p:nvPr>
+        </p:nvSpPr>
+        <p:spPr/>
+      </p:sp>
+      <p:sp>
+        <p:nvSpPr>
+          <p:cNvPr id="3" name="Notes Placeholder 2"/>
+          <p:cNvSpPr>
+            <a:spLocks noGrp="1"/>
+          </p:cNvSpPr>
+          <p:nvPr>
+            <p:ph type="body" idx="1"/>
+          </p:nvPr>
+        </p:nvSpPr>
+        <p:spPr/>
+        <p:txBody>
+          <a:bodyPr/>
+          <a:lstStyle/>
+          <a:p>
+            <a:pPr marL="0" marR="0" lvl="0" indent="0" algn="l" defTabSz="914400" rtl="0" eaLnBrk="1" fontAlgn="auto" latinLnBrk="0" hangingPunct="1">
+              <a:lnSpc>
+                <a:spcPct val="100000"/>
+              </a:lnSpc>
+              <a:spcBef>
+                <a:spcPts val="0"/>
+              </a:spcBef>
+              <a:spcAft>
+                <a:spcPts val="0"/>
+              </a:spcAft>
+              <a:buClrTx/>
+              <a:buSzTx/>
+              <a:buFontTx/>
+              <a:buNone/>
+              <a:tabLst/>
+              <a:defRPr/>
+            </a:pPr>
+            <a:r>
+              <a:rPr lang="en-US" b="1" dirty="0"/>
+              <a:t>Practice</a:t>
+            </a:r>
+            <a:r>
+              <a:rPr lang="en-US" dirty="0"/>
+              <a:t>: Multi-Tenant Operations </a:t>
+            </a:r>
+            <a:r>
+              <a:rPr lang="en-US" b="1" dirty="0"/>
+              <a:t>Description</a:t>
+            </a:r>
+            <a:r>
+              <a:rPr lang="en-US" dirty="0"/>
+              <a:t>: Operational procedures for managing multi-tenant environments including isolation, monitoring, and incident response. </a:t>
+            </a:r>
+            <a:r>
+              <a:rPr lang="en-US" b="1" dirty="0"/>
+              <a:t>Why Maturity Phase 2</a:t>
+            </a:r>
+            <a:r>
+              <a:rPr lang="en-US" dirty="0"/>
+              <a:t>: Complex operational model requiring mature processes and tooling.</a:t>
+            </a:r>
+          </a:p>
+          <a:p>
+            <a:endParaRPr lang="en-US" b="1" dirty="0"/>
+          </a:p>
+          <a:p>
+            <a:r>
+              <a:rPr lang="en-US" b="1" dirty="0"/>
+              <a:t>Pattern</a:t>
+            </a:r>
+            <a:r>
+              <a:rPr lang="en-US" dirty="0"/>
+              <a:t>: Tenant-Aware Auto Scaling Pattern </a:t>
+            </a:r>
+            <a:r>
+              <a:rPr lang="en-US" b="1" dirty="0"/>
+              <a:t>Description</a:t>
+            </a:r>
+            <a:r>
+              <a:rPr lang="en-US" dirty="0"/>
+              <a:t>: Custom scaling based on tenant-specific metrics and SLAs. </a:t>
+            </a:r>
+            <a:r>
+              <a:rPr lang="en-US" b="1" dirty="0"/>
+              <a:t>Why Maturity Phase 2</a:t>
+            </a:r>
+            <a:r>
+              <a:rPr lang="en-US" dirty="0"/>
+              <a:t>: Requires sophisticated monitoring and deep understanding of tenant patterns. For mature SaaS applications.</a:t>
+            </a:r>
+          </a:p>
+          <a:p>
+            <a:endParaRPr lang="en-US" b="1" dirty="0"/>
+          </a:p>
+          <a:p>
+            <a:r>
+              <a:rPr lang="en-US" b="1" dirty="0"/>
+              <a:t>Pattern</a:t>
+            </a:r>
+            <a:r>
+              <a:rPr lang="en-US" dirty="0"/>
+              <a:t>: Database-per-Service Multi-Tenancy Pattern </a:t>
+            </a:r>
+            <a:r>
+              <a:rPr lang="en-US" b="1" dirty="0"/>
+              <a:t>Description</a:t>
+            </a:r>
+            <a:r>
+              <a:rPr lang="en-US" dirty="0"/>
+              <a:t>: Hybrid approach with dedicated databases per service per tenant. </a:t>
+            </a:r>
+            <a:r>
+              <a:rPr lang="en-US" b="1" dirty="0"/>
+              <a:t>Why Maturity Phase 2</a:t>
+            </a:r>
+            <a:r>
+              <a:rPr lang="en-US" dirty="0"/>
+              <a:t>: Complex architecture requiring careful design. Implement when scaling multi-tenant systems.</a:t>
+            </a:r>
+          </a:p>
+          <a:p>
+            <a:endParaRPr lang="en-US" dirty="0"/>
+          </a:p>
+        </p:txBody>
+      </p:sp>
+      <p:sp>
+        <p:nvSpPr>
+          <p:cNvPr id="4" name="Slide Number Placeholder 3"/>
+          <p:cNvSpPr>
+            <a:spLocks noGrp="1"/>
+          </p:cNvSpPr>
+          <p:nvPr>
+            <p:ph type="sldNum" sz="quarter" idx="5"/>
+          </p:nvPr>
+        </p:nvSpPr>
+        <p:spPr/>
+        <p:txBody>
+          <a:bodyPr/>
+          <a:lstStyle/>
+          <a:p>
+            <a:fld id="{555DAA9F-71E8-4E26-92D2-CD7FC535A9E6}" type="slidenum">
+              <a:rPr lang="en-US" smtClean="0"/>
+              <a:t>76</a:t>
+            </a:fld>
+            <a:endParaRPr lang="en-US"/>
+          </a:p>
+        </p:txBody>
+      </p:sp>
+    </p:spTree>
+    <p:extLst>
+      <p:ext uri="{BB962C8B-B14F-4D97-AF65-F5344CB8AC3E}">
+        <p14:creationId xmlns:p14="http://schemas.microsoft.com/office/powerpoint/2010/main" val="4169364271"/>
+      </p:ext>
+    </p:extLst>
+  </p:cSld>
+  <p:clrMapOvr>
+    <a:masterClrMapping/>
+  </p:clrMapOvr>
+</p:notes>
+</file>
+
+<file path=ppt/notesSlides/notesSlide44.xml><?xml version="1.0" encoding="utf-8"?>
+<p:notes xmlns:a="http://schemas.openxmlformats.org/drawingml/2006/main" xmlns:r="http://schemas.openxmlformats.org/officeDocument/2006/relationships" xmlns:p="http://schemas.openxmlformats.org/presentationml/2006/main">
+  <p:cSld>
+    <p:spTree>
+      <p:nvGrpSpPr>
+        <p:cNvPr id="1" name=""/>
+        <p:cNvGrpSpPr/>
+        <p:nvPr/>
+      </p:nvGrpSpPr>
+      <p:grpSpPr>
+        <a:xfrm>
+          <a:off x="0" y="0"/>
+          <a:ext cx="0" cy="0"/>
+          <a:chOff x="0" y="0"/>
+          <a:chExt cx="0" cy="0"/>
+        </a:xfrm>
+      </p:grpSpPr>
+      <p:sp>
+        <p:nvSpPr>
+          <p:cNvPr id="2" name="Slide Image Placeholder 1"/>
+          <p:cNvSpPr>
+            <a:spLocks noGrp="1" noRot="1" noChangeAspect="1"/>
+          </p:cNvSpPr>
+          <p:nvPr>
+            <p:ph type="sldImg"/>
+          </p:nvPr>
+        </p:nvSpPr>
+        <p:spPr/>
+      </p:sp>
+      <p:sp>
+        <p:nvSpPr>
+          <p:cNvPr id="3" name="Notes Placeholder 2"/>
+          <p:cNvSpPr>
+            <a:spLocks noGrp="1"/>
+          </p:cNvSpPr>
+          <p:nvPr>
+            <p:ph type="body" idx="1"/>
+          </p:nvPr>
+        </p:nvSpPr>
+        <p:spPr/>
+        <p:txBody>
+          <a:bodyPr/>
+          <a:lstStyle/>
+          <a:p>
+            <a:pPr marL="0" marR="0" lvl="0" indent="0" algn="l" defTabSz="914400" rtl="0" eaLnBrk="1" fontAlgn="auto" latinLnBrk="0" hangingPunct="1">
+              <a:lnSpc>
+                <a:spcPct val="100000"/>
+              </a:lnSpc>
+              <a:spcBef>
+                <a:spcPts val="0"/>
+              </a:spcBef>
+              <a:spcAft>
+                <a:spcPts val="0"/>
+              </a:spcAft>
+              <a:buClrTx/>
+              <a:buSzTx/>
+              <a:buFontTx/>
+              <a:buNone/>
+              <a:tabLst/>
+              <a:defRPr/>
+            </a:pPr>
+            <a:r>
+              <a:rPr lang="en-US" b="1" dirty="0"/>
+              <a:t>Practice</a:t>
+            </a:r>
+            <a:r>
+              <a:rPr lang="en-US" dirty="0"/>
+              <a:t>: Infrastructure as Code Maturity </a:t>
+            </a:r>
+            <a:r>
+              <a:rPr lang="en-US" b="1" dirty="0"/>
+              <a:t>Description</a:t>
+            </a:r>
+            <a:r>
+              <a:rPr lang="en-US" dirty="0"/>
+              <a:t>: Advanced </a:t>
+            </a:r>
+            <a:r>
+              <a:rPr lang="en-US" dirty="0" err="1"/>
+              <a:t>IaC</a:t>
+            </a:r>
+            <a:r>
+              <a:rPr lang="en-US" dirty="0"/>
+              <a:t> practices including testing, modularization, and policy as code. </a:t>
+            </a:r>
+            <a:r>
+              <a:rPr lang="en-US" b="1" dirty="0"/>
+              <a:t>Why Maturity Phase 2</a:t>
+            </a:r>
+            <a:r>
+              <a:rPr lang="en-US" dirty="0"/>
+              <a:t>: Builds on basic </a:t>
+            </a:r>
+            <a:r>
+              <a:rPr lang="en-US" dirty="0" err="1"/>
+              <a:t>IaC</a:t>
+            </a:r>
+            <a:r>
+              <a:rPr lang="en-US" dirty="0"/>
+              <a:t> adoption. Advanced practices require tooling and process maturity.</a:t>
+            </a:r>
+          </a:p>
+          <a:p>
+            <a:endParaRPr lang="en-US" b="1" dirty="0"/>
+          </a:p>
+          <a:p>
+            <a:r>
+              <a:rPr lang="en-US" b="1" dirty="0"/>
+              <a:t>Pattern</a:t>
+            </a:r>
+            <a:r>
+              <a:rPr lang="en-US" dirty="0"/>
+              <a:t>: GitOps Pattern </a:t>
+            </a:r>
+            <a:r>
+              <a:rPr lang="en-US" b="1" dirty="0"/>
+              <a:t>Description</a:t>
+            </a:r>
+            <a:r>
+              <a:rPr lang="en-US" dirty="0"/>
+              <a:t>: Git as single source of truth with automated reconciliation. </a:t>
+            </a:r>
+            <a:r>
+              <a:rPr lang="en-US" b="1" dirty="0"/>
+              <a:t>Why Maturity Phase 2</a:t>
+            </a:r>
+            <a:r>
+              <a:rPr lang="en-US" dirty="0"/>
+              <a:t>: Requires mature CI/CD processes and Git workflows. Powerful but needs organizational readiness.</a:t>
+            </a:r>
+          </a:p>
+          <a:p>
+            <a:endParaRPr lang="en-US" b="1" dirty="0"/>
+          </a:p>
+          <a:p>
+            <a:r>
+              <a:rPr lang="en-US" b="1" dirty="0"/>
+              <a:t>Pattern</a:t>
+            </a:r>
+            <a:r>
+              <a:rPr lang="en-US" dirty="0"/>
+              <a:t>: Multi-Environment Promotion Pattern </a:t>
+            </a:r>
+            <a:r>
+              <a:rPr lang="en-US" b="1" dirty="0"/>
+              <a:t>Description</a:t>
+            </a:r>
+            <a:r>
+              <a:rPr lang="en-US" dirty="0"/>
+              <a:t>: Automated promotion through multiple environments with approval gates. </a:t>
+            </a:r>
+            <a:r>
+              <a:rPr lang="en-US" b="1" dirty="0"/>
+              <a:t>Why Maturity Phase 2</a:t>
+            </a:r>
+            <a:r>
+              <a:rPr lang="en-US" dirty="0"/>
+              <a:t>: Requires mature DevOps processes and multiple account setup. Implement after basic CI/CD is working.</a:t>
+            </a:r>
+          </a:p>
+          <a:p>
+            <a:endParaRPr lang="en-US" dirty="0"/>
+          </a:p>
+        </p:txBody>
+      </p:sp>
+      <p:sp>
+        <p:nvSpPr>
+          <p:cNvPr id="4" name="Slide Number Placeholder 3"/>
+          <p:cNvSpPr>
+            <a:spLocks noGrp="1"/>
+          </p:cNvSpPr>
+          <p:nvPr>
+            <p:ph type="sldNum" sz="quarter" idx="5"/>
+          </p:nvPr>
+        </p:nvSpPr>
+        <p:spPr/>
+        <p:txBody>
+          <a:bodyPr/>
+          <a:lstStyle/>
+          <a:p>
+            <a:fld id="{555DAA9F-71E8-4E26-92D2-CD7FC535A9E6}" type="slidenum">
+              <a:rPr lang="en-US" smtClean="0"/>
+              <a:t>77</a:t>
+            </a:fld>
+            <a:endParaRPr lang="en-US"/>
+          </a:p>
+        </p:txBody>
+      </p:sp>
+    </p:spTree>
+    <p:extLst>
+      <p:ext uri="{BB962C8B-B14F-4D97-AF65-F5344CB8AC3E}">
+        <p14:creationId xmlns:p14="http://schemas.microsoft.com/office/powerpoint/2010/main" val="17394034"/>
+      </p:ext>
+    </p:extLst>
+  </p:cSld>
+  <p:clrMapOvr>
+    <a:masterClrMapping/>
+  </p:clrMapOvr>
+</p:notes>
+</file>
+
+<file path=ppt/notesSlides/notesSlide45.xml><?xml version="1.0" encoding="utf-8"?>
+<p:notes xmlns:a="http://schemas.openxmlformats.org/drawingml/2006/main" xmlns:r="http://schemas.openxmlformats.org/officeDocument/2006/relationships" xmlns:p="http://schemas.openxmlformats.org/presentationml/2006/main">
+  <p:cSld>
+    <p:spTree>
+      <p:nvGrpSpPr>
+        <p:cNvPr id="1" name=""/>
+        <p:cNvGrpSpPr/>
+        <p:nvPr/>
+      </p:nvGrpSpPr>
+      <p:grpSpPr>
+        <a:xfrm>
+          <a:off x="0" y="0"/>
+          <a:ext cx="0" cy="0"/>
+          <a:chOff x="0" y="0"/>
+          <a:chExt cx="0" cy="0"/>
+        </a:xfrm>
+      </p:grpSpPr>
+      <p:sp>
+        <p:nvSpPr>
+          <p:cNvPr id="2" name="Slide Image Placeholder 1"/>
+          <p:cNvSpPr>
+            <a:spLocks noGrp="1" noRot="1" noChangeAspect="1"/>
+          </p:cNvSpPr>
+          <p:nvPr>
+            <p:ph type="sldImg"/>
+          </p:nvPr>
+        </p:nvSpPr>
+        <p:spPr/>
+      </p:sp>
+      <p:sp>
+        <p:nvSpPr>
+          <p:cNvPr id="3" name="Notes Placeholder 2"/>
+          <p:cNvSpPr>
+            <a:spLocks noGrp="1"/>
+          </p:cNvSpPr>
+          <p:nvPr>
+            <p:ph type="body" idx="1"/>
+          </p:nvPr>
+        </p:nvSpPr>
+        <p:spPr/>
+        <p:txBody>
+          <a:bodyPr/>
+          <a:lstStyle/>
+          <a:p>
+            <a:pPr marL="0" marR="0" lvl="0" indent="0" algn="l" defTabSz="914400" rtl="0" eaLnBrk="1" fontAlgn="auto" latinLnBrk="0" hangingPunct="1">
+              <a:lnSpc>
+                <a:spcPct val="100000"/>
+              </a:lnSpc>
+              <a:spcBef>
+                <a:spcPts val="0"/>
+              </a:spcBef>
+              <a:spcAft>
+                <a:spcPts val="0"/>
+              </a:spcAft>
+              <a:buClrTx/>
+              <a:buSzTx/>
+              <a:buFontTx/>
+              <a:buNone/>
+              <a:tabLst/>
+              <a:defRPr/>
+            </a:pPr>
+            <a:r>
+              <a:rPr lang="en-US" b="1" dirty="0"/>
+              <a:t>Practice</a:t>
+            </a:r>
+            <a:r>
+              <a:rPr lang="en-US" dirty="0"/>
+              <a:t>: Edge Operations </a:t>
+            </a:r>
+            <a:r>
+              <a:rPr lang="en-US" b="1" dirty="0"/>
+              <a:t>Description</a:t>
+            </a:r>
+            <a:r>
+              <a:rPr lang="en-US" dirty="0"/>
+              <a:t>: Managing distributed edge infrastructure including deployment, monitoring, and updates. </a:t>
+            </a:r>
+            <a:r>
+              <a:rPr lang="en-US" b="1" dirty="0"/>
+              <a:t>Why Maturity Phase 2</a:t>
+            </a:r>
+            <a:r>
+              <a:rPr lang="en-US" dirty="0"/>
+              <a:t>: Requires mature operational capabilities and geographic distribution.</a:t>
+            </a:r>
+          </a:p>
+          <a:p>
+            <a:endParaRPr lang="en-US" b="1" dirty="0"/>
+          </a:p>
+          <a:p>
+            <a:r>
+              <a:rPr lang="en-US" b="1" dirty="0"/>
+              <a:t>Pattern</a:t>
+            </a:r>
+            <a:r>
+              <a:rPr lang="en-US" dirty="0"/>
+              <a:t>: Edge Discovery Pattern </a:t>
+            </a:r>
+            <a:r>
+              <a:rPr lang="en-US" b="1" dirty="0"/>
+              <a:t>Description</a:t>
+            </a:r>
+            <a:r>
+              <a:rPr lang="en-US" dirty="0"/>
+              <a:t>: Dynamic routing to optimal edge locations for ultra-low latency. </a:t>
+            </a:r>
+            <a:r>
+              <a:rPr lang="en-US" b="1" dirty="0"/>
+              <a:t>Why Maturity Phase 2</a:t>
+            </a:r>
+            <a:r>
+              <a:rPr lang="en-US" dirty="0"/>
+              <a:t>: Relevant for specific use cases requiring &lt;10ms latency. Implement when expanding to edge locations.</a:t>
+            </a:r>
+          </a:p>
+          <a:p>
+            <a:endParaRPr lang="en-US" b="1" dirty="0"/>
+          </a:p>
+          <a:p>
+            <a:r>
+              <a:rPr lang="en-US" b="1" dirty="0"/>
+              <a:t>Pattern</a:t>
+            </a:r>
+            <a:r>
+              <a:rPr lang="en-US" dirty="0"/>
+              <a:t>: Hybrid Edge-Cloud Pattern </a:t>
+            </a:r>
+            <a:r>
+              <a:rPr lang="en-US" b="1" dirty="0"/>
+              <a:t>Description</a:t>
+            </a:r>
+            <a:r>
+              <a:rPr lang="en-US" dirty="0"/>
+              <a:t>: Process latency-sensitive operations at edge while leveraging cloud for compute-intensive tasks. </a:t>
+            </a:r>
+            <a:r>
+              <a:rPr lang="en-US" b="1" dirty="0"/>
+              <a:t>Why Maturity Phase 2</a:t>
+            </a:r>
+            <a:r>
+              <a:rPr lang="en-US" dirty="0"/>
+              <a:t>: Complex architecture spanning edge and cloud. For advanced use cases with strict latency requirements.</a:t>
+            </a:r>
+          </a:p>
+          <a:p>
+            <a:endParaRPr lang="en-US" dirty="0"/>
+          </a:p>
+        </p:txBody>
+      </p:sp>
+      <p:sp>
+        <p:nvSpPr>
+          <p:cNvPr id="4" name="Slide Number Placeholder 3"/>
+          <p:cNvSpPr>
+            <a:spLocks noGrp="1"/>
+          </p:cNvSpPr>
+          <p:nvPr>
+            <p:ph type="sldNum" sz="quarter" idx="5"/>
+          </p:nvPr>
+        </p:nvSpPr>
+        <p:spPr/>
+        <p:txBody>
+          <a:bodyPr/>
+          <a:lstStyle/>
+          <a:p>
+            <a:fld id="{555DAA9F-71E8-4E26-92D2-CD7FC535A9E6}" type="slidenum">
+              <a:rPr lang="en-US" smtClean="0"/>
+              <a:t>78</a:t>
+            </a:fld>
+            <a:endParaRPr lang="en-US"/>
+          </a:p>
+        </p:txBody>
+      </p:sp>
+    </p:spTree>
+    <p:extLst>
+      <p:ext uri="{BB962C8B-B14F-4D97-AF65-F5344CB8AC3E}">
+        <p14:creationId xmlns:p14="http://schemas.microsoft.com/office/powerpoint/2010/main" val="228320370"/>
+      </p:ext>
+    </p:extLst>
+  </p:cSld>
+  <p:clrMapOvr>
+    <a:masterClrMapping/>
+  </p:clrMapOvr>
+</p:notes>
+</file>
+
+<file path=ppt/notesSlides/notesSlide46.xml><?xml version="1.0" encoding="utf-8"?>
+<p:notes xmlns:a="http://schemas.openxmlformats.org/drawingml/2006/main" xmlns:r="http://schemas.openxmlformats.org/officeDocument/2006/relationships" xmlns:p="http://schemas.openxmlformats.org/presentationml/2006/main">
+  <p:cSld>
+    <p:spTree>
+      <p:nvGrpSpPr>
+        <p:cNvPr id="1" name=""/>
+        <p:cNvGrpSpPr/>
+        <p:nvPr/>
+      </p:nvGrpSpPr>
+      <p:grpSpPr>
+        <a:xfrm>
+          <a:off x="0" y="0"/>
+          <a:ext cx="0" cy="0"/>
+          <a:chOff x="0" y="0"/>
+          <a:chExt cx="0" cy="0"/>
+        </a:xfrm>
+      </p:grpSpPr>
+      <p:sp>
+        <p:nvSpPr>
+          <p:cNvPr id="2" name="Slide Image Placeholder 1"/>
+          <p:cNvSpPr>
+            <a:spLocks noGrp="1" noRot="1" noChangeAspect="1"/>
+          </p:cNvSpPr>
+          <p:nvPr>
+            <p:ph type="sldImg"/>
+          </p:nvPr>
+        </p:nvSpPr>
+        <p:spPr/>
+      </p:sp>
+      <p:sp>
+        <p:nvSpPr>
+          <p:cNvPr id="3" name="Notes Placeholder 2"/>
+          <p:cNvSpPr>
+            <a:spLocks noGrp="1"/>
+          </p:cNvSpPr>
+          <p:nvPr>
+            <p:ph type="body" idx="1"/>
+          </p:nvPr>
+        </p:nvSpPr>
+        <p:spPr/>
+        <p:txBody>
+          <a:bodyPr/>
+          <a:lstStyle/>
+          <a:p>
+            <a:r>
+              <a:rPr lang="en-US" b="1" dirty="0"/>
+              <a:t>Practice</a:t>
+            </a:r>
+            <a:r>
+              <a:rPr lang="en-US" dirty="0"/>
+              <a:t>: Domain-Driven Design </a:t>
+            </a:r>
+            <a:r>
+              <a:rPr lang="en-US" b="1" dirty="0"/>
+              <a:t>Description</a:t>
+            </a:r>
+            <a:r>
+              <a:rPr lang="en-US" dirty="0"/>
+              <a:t>: Aligning software design with business domains using bounded contexts and ubiquitous language. </a:t>
+            </a:r>
+            <a:r>
+              <a:rPr lang="en-US" b="1" dirty="0"/>
+              <a:t>Why Maturity Phase 2</a:t>
+            </a:r>
+            <a:r>
+              <a:rPr lang="en-US" dirty="0"/>
+              <a:t>: Requires deep business understanding and architectural maturity. Best for complex domain modeling.</a:t>
+            </a:r>
+          </a:p>
+          <a:p>
+            <a:endParaRPr lang="en-US" b="1" dirty="0"/>
+          </a:p>
+          <a:p>
+            <a:r>
+              <a:rPr lang="en-US" b="1" dirty="0"/>
+              <a:t>Practice</a:t>
+            </a:r>
+            <a:r>
+              <a:rPr lang="en-US" dirty="0"/>
+              <a:t>: Event-Driven Architecture </a:t>
+            </a:r>
+            <a:r>
+              <a:rPr lang="en-US" b="1" dirty="0"/>
+              <a:t>Description</a:t>
+            </a:r>
+            <a:r>
+              <a:rPr lang="en-US" dirty="0"/>
+              <a:t>: Loosely coupled systems communicating through events for scalability and resilience. </a:t>
+            </a:r>
+            <a:r>
+              <a:rPr lang="en-US" b="1" dirty="0"/>
+              <a:t>Why Maturity Phase 2</a:t>
+            </a:r>
+            <a:r>
+              <a:rPr lang="en-US" dirty="0"/>
+              <a:t>: Complex architectural pattern requiring mature messaging infrastructure and eventual consistency handling.</a:t>
+            </a:r>
+          </a:p>
+          <a:p>
+            <a:endParaRPr lang="en-US" dirty="0"/>
+          </a:p>
+        </p:txBody>
+      </p:sp>
+      <p:sp>
+        <p:nvSpPr>
+          <p:cNvPr id="4" name="Slide Number Placeholder 3"/>
+          <p:cNvSpPr>
+            <a:spLocks noGrp="1"/>
+          </p:cNvSpPr>
+          <p:nvPr>
+            <p:ph type="sldNum" sz="quarter" idx="5"/>
+          </p:nvPr>
+        </p:nvSpPr>
+        <p:spPr/>
+        <p:txBody>
+          <a:bodyPr/>
+          <a:lstStyle/>
+          <a:p>
+            <a:fld id="{555DAA9F-71E8-4E26-92D2-CD7FC535A9E6}" type="slidenum">
+              <a:rPr lang="en-US" smtClean="0"/>
+              <a:t>79</a:t>
+            </a:fld>
+            <a:endParaRPr lang="en-US"/>
+          </a:p>
+        </p:txBody>
+      </p:sp>
+    </p:spTree>
+    <p:extLst>
+      <p:ext uri="{BB962C8B-B14F-4D97-AF65-F5344CB8AC3E}">
+        <p14:creationId xmlns:p14="http://schemas.microsoft.com/office/powerpoint/2010/main" val="3243512355"/>
+      </p:ext>
+    </p:extLst>
+  </p:cSld>
+  <p:clrMapOvr>
+    <a:masterClrMapping/>
+  </p:clrMapOvr>
+</p:notes>
+</file>
+
+<file path=ppt/notesSlides/notesSlide47.xml><?xml version="1.0" encoding="utf-8"?>
+<p:notes xmlns:a="http://schemas.openxmlformats.org/drawingml/2006/main" xmlns:r="http://schemas.openxmlformats.org/officeDocument/2006/relationships" xmlns:p="http://schemas.openxmlformats.org/presentationml/2006/main">
+  <p:cSld>
+    <p:spTree>
+      <p:nvGrpSpPr>
+        <p:cNvPr id="1" name=""/>
+        <p:cNvGrpSpPr/>
+        <p:nvPr/>
+      </p:nvGrpSpPr>
+      <p:grpSpPr>
+        <a:xfrm>
+          <a:off x="0" y="0"/>
+          <a:ext cx="0" cy="0"/>
+          <a:chOff x="0" y="0"/>
+          <a:chExt cx="0" cy="0"/>
+        </a:xfrm>
+      </p:grpSpPr>
+      <p:sp>
+        <p:nvSpPr>
+          <p:cNvPr id="2" name="Slide Image Placeholder 1"/>
+          <p:cNvSpPr>
+            <a:spLocks noGrp="1" noRot="1" noChangeAspect="1"/>
+          </p:cNvSpPr>
+          <p:nvPr>
+            <p:ph type="sldImg"/>
+          </p:nvPr>
+        </p:nvSpPr>
+        <p:spPr/>
+      </p:sp>
+      <p:sp>
+        <p:nvSpPr>
+          <p:cNvPr id="3" name="Notes Placeholder 2"/>
+          <p:cNvSpPr>
+            <a:spLocks noGrp="1"/>
+          </p:cNvSpPr>
+          <p:nvPr>
+            <p:ph type="body" idx="1"/>
+          </p:nvPr>
+        </p:nvSpPr>
+        <p:spPr/>
+        <p:txBody>
+          <a:bodyPr/>
+          <a:lstStyle/>
+          <a:p>
+            <a:pPr marL="0" marR="0" lvl="0" indent="0" algn="l" defTabSz="914400" rtl="0" eaLnBrk="1" fontAlgn="auto" latinLnBrk="0" hangingPunct="1">
+              <a:lnSpc>
+                <a:spcPct val="100000"/>
+              </a:lnSpc>
+              <a:spcBef>
+                <a:spcPts val="0"/>
+              </a:spcBef>
+              <a:spcAft>
+                <a:spcPts val="0"/>
+              </a:spcAft>
+              <a:buClrTx/>
+              <a:buSzTx/>
+              <a:buFontTx/>
+              <a:buNone/>
+              <a:tabLst/>
+              <a:defRPr/>
+            </a:pPr>
+            <a:r>
+              <a:rPr lang="en-US" b="1" dirty="0"/>
+              <a:t>Practice</a:t>
+            </a:r>
+            <a:r>
+              <a:rPr lang="en-US" dirty="0"/>
+              <a:t>: Chaos Engineering </a:t>
+            </a:r>
+            <a:r>
+              <a:rPr lang="en-US" b="1" dirty="0"/>
+              <a:t>Description</a:t>
+            </a:r>
+            <a:r>
+              <a:rPr lang="en-US" dirty="0"/>
+              <a:t>: Proactively testing system resilience through controlled experiments. </a:t>
+            </a:r>
+            <a:r>
+              <a:rPr lang="en-US" b="1" dirty="0"/>
+              <a:t>Why Maturity Phase 3</a:t>
+            </a:r>
+            <a:r>
+              <a:rPr lang="en-US" dirty="0"/>
+              <a:t>: Requires mature systems and strong operational practices. Advanced technique for improving reliability.</a:t>
+            </a:r>
+          </a:p>
+          <a:p>
+            <a:endParaRPr lang="en-US" b="1" dirty="0"/>
+          </a:p>
+          <a:p>
+            <a:r>
+              <a:rPr lang="en-US" b="1" dirty="0"/>
+              <a:t>Pattern</a:t>
+            </a:r>
+            <a:r>
+              <a:rPr lang="en-US" dirty="0"/>
+              <a:t>: Multi-Site Active/Active Pattern </a:t>
+            </a:r>
+            <a:r>
+              <a:rPr lang="en-US" b="1" dirty="0"/>
+              <a:t>Description</a:t>
+            </a:r>
+            <a:r>
+              <a:rPr lang="en-US" dirty="0"/>
+              <a:t>: Full production workloads across multiple regions simultaneously. </a:t>
+            </a:r>
+            <a:r>
+              <a:rPr lang="en-US" b="1" dirty="0"/>
+              <a:t>Why Maturity Phase 3</a:t>
+            </a:r>
+            <a:r>
+              <a:rPr lang="en-US" dirty="0"/>
+              <a:t>: Most complex and expensive DR pattern. Requires sophisticated data consistency strategies.</a:t>
+            </a:r>
+          </a:p>
+          <a:p>
+            <a:endParaRPr lang="en-US" b="1" dirty="0"/>
+          </a:p>
+          <a:p>
+            <a:r>
+              <a:rPr lang="en-US" b="1" dirty="0"/>
+              <a:t>Pattern</a:t>
+            </a:r>
+            <a:r>
+              <a:rPr lang="en-US" dirty="0"/>
+              <a:t>: Warm Standby Pattern </a:t>
+            </a:r>
+            <a:r>
+              <a:rPr lang="en-US" b="1" dirty="0"/>
+              <a:t>Description</a:t>
+            </a:r>
+            <a:r>
+              <a:rPr lang="en-US" dirty="0"/>
+              <a:t>: Scaled-down but fully functional environments in secondary regions. </a:t>
+            </a:r>
+            <a:r>
+              <a:rPr lang="en-US" b="1" dirty="0"/>
+              <a:t>Why Maturity Phase 3</a:t>
+            </a:r>
+            <a:r>
+              <a:rPr lang="en-US" dirty="0"/>
+              <a:t>: More expensive than Pilot Light. Implement for critical workloads after cost optimization.</a:t>
+            </a:r>
+          </a:p>
+          <a:p>
+            <a:endParaRPr lang="en-US" dirty="0"/>
+          </a:p>
+        </p:txBody>
+      </p:sp>
+      <p:sp>
+        <p:nvSpPr>
+          <p:cNvPr id="4" name="Slide Number Placeholder 3"/>
+          <p:cNvSpPr>
+            <a:spLocks noGrp="1"/>
+          </p:cNvSpPr>
+          <p:nvPr>
+            <p:ph type="sldNum" sz="quarter" idx="5"/>
+          </p:nvPr>
+        </p:nvSpPr>
+        <p:spPr/>
+        <p:txBody>
+          <a:bodyPr/>
+          <a:lstStyle/>
+          <a:p>
+            <a:fld id="{555DAA9F-71E8-4E26-92D2-CD7FC535A9E6}" type="slidenum">
+              <a:rPr lang="en-US" smtClean="0"/>
+              <a:t>81</a:t>
+            </a:fld>
+            <a:endParaRPr lang="en-US"/>
+          </a:p>
+        </p:txBody>
+      </p:sp>
+    </p:spTree>
+    <p:extLst>
+      <p:ext uri="{BB962C8B-B14F-4D97-AF65-F5344CB8AC3E}">
+        <p14:creationId xmlns:p14="http://schemas.microsoft.com/office/powerpoint/2010/main" val="20241001"/>
+      </p:ext>
+    </p:extLst>
+  </p:cSld>
+  <p:clrMapOvr>
+    <a:masterClrMapping/>
+  </p:clrMapOvr>
+</p:notes>
+</file>
+
+<file path=ppt/notesSlides/notesSlide48.xml><?xml version="1.0" encoding="utf-8"?>
+<p:notes xmlns:a="http://schemas.openxmlformats.org/drawingml/2006/main" xmlns:r="http://schemas.openxmlformats.org/officeDocument/2006/relationships" xmlns:p="http://schemas.openxmlformats.org/presentationml/2006/main">
+  <p:cSld>
+    <p:spTree>
+      <p:nvGrpSpPr>
+        <p:cNvPr id="1" name=""/>
+        <p:cNvGrpSpPr/>
+        <p:nvPr/>
+      </p:nvGrpSpPr>
+      <p:grpSpPr>
+        <a:xfrm>
+          <a:off x="0" y="0"/>
+          <a:ext cx="0" cy="0"/>
+          <a:chOff x="0" y="0"/>
+          <a:chExt cx="0" cy="0"/>
+        </a:xfrm>
+      </p:grpSpPr>
+      <p:sp>
+        <p:nvSpPr>
+          <p:cNvPr id="2" name="Slide Image Placeholder 1"/>
+          <p:cNvSpPr>
+            <a:spLocks noGrp="1" noRot="1" noChangeAspect="1"/>
+          </p:cNvSpPr>
+          <p:nvPr>
+            <p:ph type="sldImg"/>
+          </p:nvPr>
+        </p:nvSpPr>
+        <p:spPr/>
+      </p:sp>
+      <p:sp>
+        <p:nvSpPr>
+          <p:cNvPr id="3" name="Notes Placeholder 2"/>
+          <p:cNvSpPr>
+            <a:spLocks noGrp="1"/>
+          </p:cNvSpPr>
+          <p:nvPr>
+            <p:ph type="body" idx="1"/>
+          </p:nvPr>
+        </p:nvSpPr>
+        <p:spPr/>
+        <p:txBody>
+          <a:bodyPr/>
+          <a:lstStyle/>
+          <a:p>
+            <a:r>
+              <a:rPr lang="en-US" b="1" dirty="0"/>
+              <a:t>Practice</a:t>
+            </a:r>
+            <a:r>
+              <a:rPr lang="en-US" dirty="0"/>
+              <a:t>: Compliance as Code Operations </a:t>
+            </a:r>
+            <a:r>
+              <a:rPr lang="en-US" b="1" dirty="0"/>
+              <a:t>Description</a:t>
+            </a:r>
+            <a:r>
+              <a:rPr lang="en-US" dirty="0"/>
+              <a:t>: Continuous compliance monitoring and automated remediation workflows. </a:t>
+            </a:r>
+            <a:r>
+              <a:rPr lang="en-US" b="1" dirty="0"/>
+              <a:t>Why Maturity Phase 3</a:t>
+            </a:r>
+            <a:r>
+              <a:rPr lang="en-US" dirty="0"/>
+              <a:t>: Builds on established security practices. Requires sophisticated automation and </a:t>
+            </a:r>
+          </a:p>
+          <a:p>
+            <a:endParaRPr lang="en-US" b="1" dirty="0"/>
+          </a:p>
+          <a:p>
+            <a:pPr marL="0" marR="0" lvl="0" indent="0" algn="l" defTabSz="914400" rtl="0" eaLnBrk="1" fontAlgn="auto" latinLnBrk="0" hangingPunct="1">
+              <a:lnSpc>
+                <a:spcPct val="100000"/>
+              </a:lnSpc>
+              <a:spcBef>
+                <a:spcPts val="0"/>
+              </a:spcBef>
+              <a:spcAft>
+                <a:spcPts val="0"/>
+              </a:spcAft>
+              <a:buClrTx/>
+              <a:buSzTx/>
+              <a:buFontTx/>
+              <a:buNone/>
+              <a:tabLst/>
+              <a:defRPr/>
+            </a:pPr>
+            <a:r>
+              <a:rPr lang="en-US" b="1" dirty="0"/>
+              <a:t>Practice</a:t>
+            </a:r>
+            <a:r>
+              <a:rPr lang="en-US" dirty="0"/>
+              <a:t>: Security Scanning in CI/CD </a:t>
+            </a:r>
+            <a:r>
+              <a:rPr lang="en-US" b="1" dirty="0"/>
+              <a:t>Description</a:t>
+            </a:r>
+            <a:r>
+              <a:rPr lang="en-US" dirty="0"/>
+              <a:t>: Comprehensive security scanning including SAST, DAST, SCA, and container scanning. </a:t>
+            </a:r>
+            <a:r>
+              <a:rPr lang="en-US" b="1" dirty="0"/>
+              <a:t>Why Maturity Phase 3</a:t>
+            </a:r>
+            <a:r>
+              <a:rPr lang="en-US" dirty="0"/>
+              <a:t>: Requires mature CI/CD pipelines and security tooling integration.</a:t>
+            </a:r>
+          </a:p>
+          <a:p>
+            <a:endParaRPr lang="en-US" b="1" dirty="0"/>
+          </a:p>
+          <a:p>
+            <a:r>
+              <a:rPr lang="en-US" b="1" dirty="0"/>
+              <a:t>Pattern</a:t>
+            </a:r>
+            <a:r>
+              <a:rPr lang="en-US" dirty="0"/>
+              <a:t>: Compliance-as-Code Pattern </a:t>
+            </a:r>
+            <a:r>
+              <a:rPr lang="en-US" b="1" dirty="0"/>
+              <a:t>Description</a:t>
+            </a:r>
+            <a:r>
+              <a:rPr lang="en-US" dirty="0"/>
+              <a:t>: Automated compliance validation with AWS Config Rules and remediation. </a:t>
+            </a:r>
+            <a:r>
+              <a:rPr lang="en-US" b="1" dirty="0"/>
+              <a:t>Why Maturity Phase 3</a:t>
+            </a:r>
+            <a:r>
+              <a:rPr lang="en-US" dirty="0"/>
+              <a:t>: Requires mature security posture and understanding of compliance requirements.</a:t>
+            </a:r>
+          </a:p>
+          <a:p>
+            <a:r>
+              <a:rPr lang="en-US" dirty="0"/>
+              <a:t>governance.</a:t>
+            </a:r>
+          </a:p>
+          <a:p>
+            <a:endParaRPr lang="en-US" b="1" dirty="0"/>
+          </a:p>
+          <a:p>
+            <a:r>
+              <a:rPr lang="en-US" b="1" dirty="0"/>
+              <a:t>Pattern</a:t>
+            </a:r>
+            <a:r>
+              <a:rPr lang="en-US" dirty="0"/>
+              <a:t>: Attribute-Based Access Control Pattern </a:t>
+            </a:r>
+            <a:r>
+              <a:rPr lang="en-US" b="1" dirty="0"/>
+              <a:t>Description</a:t>
+            </a:r>
+            <a:r>
+              <a:rPr lang="en-US" dirty="0"/>
+              <a:t>: Dynamic authorization using user attributes and resource tags. </a:t>
+            </a:r>
+            <a:r>
+              <a:rPr lang="en-US" b="1" dirty="0"/>
+              <a:t>Why Maturity Phase 3</a:t>
+            </a:r>
+            <a:r>
+              <a:rPr lang="en-US" dirty="0"/>
+              <a:t>: Complex to implement but reduces IAM role proliferation by 90%. For mature organizations.</a:t>
+            </a:r>
+          </a:p>
+          <a:p>
+            <a:endParaRPr lang="en-US" dirty="0"/>
+          </a:p>
+        </p:txBody>
+      </p:sp>
+      <p:sp>
+        <p:nvSpPr>
+          <p:cNvPr id="4" name="Slide Number Placeholder 3"/>
+          <p:cNvSpPr>
+            <a:spLocks noGrp="1"/>
+          </p:cNvSpPr>
+          <p:nvPr>
+            <p:ph type="sldNum" sz="quarter" idx="5"/>
+          </p:nvPr>
+        </p:nvSpPr>
+        <p:spPr/>
+        <p:txBody>
+          <a:bodyPr/>
+          <a:lstStyle/>
+          <a:p>
+            <a:fld id="{555DAA9F-71E8-4E26-92D2-CD7FC535A9E6}" type="slidenum">
+              <a:rPr lang="en-US" smtClean="0"/>
+              <a:t>82</a:t>
+            </a:fld>
+            <a:endParaRPr lang="en-US"/>
+          </a:p>
+        </p:txBody>
+      </p:sp>
+    </p:spTree>
+    <p:extLst>
+      <p:ext uri="{BB962C8B-B14F-4D97-AF65-F5344CB8AC3E}">
+        <p14:creationId xmlns:p14="http://schemas.microsoft.com/office/powerpoint/2010/main" val="3880503069"/>
+      </p:ext>
+    </p:extLst>
+  </p:cSld>
+  <p:clrMapOvr>
+    <a:masterClrMapping/>
+  </p:clrMapOvr>
+</p:notes>
+</file>
+
+<file path=ppt/notesSlides/notesSlide49.xml><?xml version="1.0" encoding="utf-8"?>
+<p:notes xmlns:a="http://schemas.openxmlformats.org/drawingml/2006/main" xmlns:r="http://schemas.openxmlformats.org/officeDocument/2006/relationships" xmlns:p="http://schemas.openxmlformats.org/presentationml/2006/main">
+  <p:cSld>
+    <p:spTree>
+      <p:nvGrpSpPr>
+        <p:cNvPr id="1" name=""/>
+        <p:cNvGrpSpPr/>
+        <p:nvPr/>
+      </p:nvGrpSpPr>
+      <p:grpSpPr>
+        <a:xfrm>
+          <a:off x="0" y="0"/>
+          <a:ext cx="0" cy="0"/>
+          <a:chOff x="0" y="0"/>
+          <a:chExt cx="0" cy="0"/>
+        </a:xfrm>
+      </p:grpSpPr>
+      <p:sp>
+        <p:nvSpPr>
+          <p:cNvPr id="2" name="Slide Image Placeholder 1"/>
+          <p:cNvSpPr>
+            <a:spLocks noGrp="1" noRot="1" noChangeAspect="1"/>
+          </p:cNvSpPr>
+          <p:nvPr>
+            <p:ph type="sldImg"/>
+          </p:nvPr>
+        </p:nvSpPr>
+        <p:spPr/>
+      </p:sp>
+      <p:sp>
+        <p:nvSpPr>
+          <p:cNvPr id="3" name="Notes Placeholder 2"/>
+          <p:cNvSpPr>
+            <a:spLocks noGrp="1"/>
+          </p:cNvSpPr>
+          <p:nvPr>
+            <p:ph type="body" idx="1"/>
+          </p:nvPr>
+        </p:nvSpPr>
+        <p:spPr/>
+        <p:txBody>
+          <a:bodyPr/>
+          <a:lstStyle/>
+          <a:p>
+            <a:r>
+              <a:rPr lang="en-US" b="1" dirty="0"/>
+              <a:t>Pattern</a:t>
+            </a:r>
+            <a:r>
+              <a:rPr lang="en-US" dirty="0"/>
+              <a:t>: Module Composition Pattern </a:t>
+            </a:r>
+            <a:r>
+              <a:rPr lang="en-US" b="1" dirty="0"/>
+              <a:t>Description</a:t>
+            </a:r>
+            <a:r>
+              <a:rPr lang="en-US" dirty="0"/>
+              <a:t>: Complex infrastructure from reusable components. </a:t>
+            </a:r>
+            <a:r>
+              <a:rPr lang="en-US" b="1" dirty="0"/>
+              <a:t>Why Maturity Phase 3</a:t>
+            </a:r>
+            <a:r>
+              <a:rPr lang="en-US" dirty="0"/>
+              <a:t>: Requires mature </a:t>
+            </a:r>
+            <a:r>
+              <a:rPr lang="en-US" dirty="0" err="1"/>
+              <a:t>IaC</a:t>
+            </a:r>
+            <a:r>
+              <a:rPr lang="en-US" dirty="0"/>
+              <a:t> practices and module library. Enables 70% faster deployments.</a:t>
+            </a:r>
+          </a:p>
+          <a:p>
+            <a:endParaRPr lang="en-US" b="1" dirty="0"/>
+          </a:p>
+          <a:p>
+            <a:r>
+              <a:rPr lang="en-US" b="1" dirty="0"/>
+              <a:t>Pattern</a:t>
+            </a:r>
+            <a:r>
+              <a:rPr lang="en-US" dirty="0"/>
+              <a:t>: Dependency Inversion Pattern </a:t>
+            </a:r>
+            <a:r>
+              <a:rPr lang="en-US" b="1" dirty="0"/>
+              <a:t>Description</a:t>
+            </a:r>
+            <a:r>
+              <a:rPr lang="en-US" dirty="0"/>
+              <a:t>: Infrastructure modules accept dependencies as inputs for flexibility. </a:t>
+            </a:r>
+            <a:r>
+              <a:rPr lang="en-US" b="1" dirty="0"/>
+              <a:t>Why Maturity Phase 3</a:t>
+            </a:r>
+            <a:r>
+              <a:rPr lang="en-US" dirty="0"/>
+              <a:t>: Advanced pattern requiring sophisticated </a:t>
+            </a:r>
+            <a:r>
+              <a:rPr lang="en-US" dirty="0" err="1"/>
+              <a:t>IaC</a:t>
+            </a:r>
+            <a:r>
+              <a:rPr lang="en-US" dirty="0"/>
+              <a:t> design. Enables 5x more module reuse.</a:t>
+            </a:r>
+          </a:p>
+          <a:p>
+            <a:endParaRPr lang="en-US" dirty="0"/>
+          </a:p>
+        </p:txBody>
+      </p:sp>
+      <p:sp>
+        <p:nvSpPr>
+          <p:cNvPr id="4" name="Slide Number Placeholder 3"/>
+          <p:cNvSpPr>
+            <a:spLocks noGrp="1"/>
+          </p:cNvSpPr>
+          <p:nvPr>
+            <p:ph type="sldNum" sz="quarter" idx="5"/>
+          </p:nvPr>
+        </p:nvSpPr>
+        <p:spPr/>
+        <p:txBody>
+          <a:bodyPr/>
+          <a:lstStyle/>
+          <a:p>
+            <a:fld id="{555DAA9F-71E8-4E26-92D2-CD7FC535A9E6}" type="slidenum">
+              <a:rPr lang="en-US" smtClean="0"/>
+              <a:t>83</a:t>
+            </a:fld>
+            <a:endParaRPr lang="en-US"/>
+          </a:p>
+        </p:txBody>
+      </p:sp>
+    </p:spTree>
+    <p:extLst>
+      <p:ext uri="{BB962C8B-B14F-4D97-AF65-F5344CB8AC3E}">
+        <p14:creationId xmlns:p14="http://schemas.microsoft.com/office/powerpoint/2010/main" val="3396134190"/>
+      </p:ext>
+    </p:extLst>
+  </p:cSld>
+  <p:clrMapOvr>
+    <a:masterClrMapping/>
+  </p:clrMapOvr>
+</p:notes>
+</file>
+
 <file path=ppt/notesSlides/notesSlide5.xml><?xml version="1.0" encoding="utf-8"?>
 <p:notes xmlns:a="http://schemas.openxmlformats.org/drawingml/2006/main" xmlns:r="http://schemas.openxmlformats.org/officeDocument/2006/relationships" xmlns:p="http://schemas.openxmlformats.org/presentationml/2006/main">
   <p:cSld>
@@ -5186,6 +8402,498 @@
     <p:extLst>
       <p:ext uri="{BB962C8B-B14F-4D97-AF65-F5344CB8AC3E}">
         <p14:creationId xmlns:p14="http://schemas.microsoft.com/office/powerpoint/2010/main" val="4186550098"/>
+      </p:ext>
+    </p:extLst>
+  </p:cSld>
+  <p:clrMapOvr>
+    <a:masterClrMapping/>
+  </p:clrMapOvr>
+</p:notes>
+</file>
+
+<file path=ppt/notesSlides/notesSlide50.xml><?xml version="1.0" encoding="utf-8"?>
+<p:notes xmlns:a="http://schemas.openxmlformats.org/drawingml/2006/main" xmlns:r="http://schemas.openxmlformats.org/officeDocument/2006/relationships" xmlns:p="http://schemas.openxmlformats.org/presentationml/2006/main">
+  <p:cSld>
+    <p:spTree>
+      <p:nvGrpSpPr>
+        <p:cNvPr id="1" name=""/>
+        <p:cNvGrpSpPr/>
+        <p:nvPr/>
+      </p:nvGrpSpPr>
+      <p:grpSpPr>
+        <a:xfrm>
+          <a:off x="0" y="0"/>
+          <a:ext cx="0" cy="0"/>
+          <a:chOff x="0" y="0"/>
+          <a:chExt cx="0" cy="0"/>
+        </a:xfrm>
+      </p:grpSpPr>
+      <p:sp>
+        <p:nvSpPr>
+          <p:cNvPr id="2" name="Slide Image Placeholder 1"/>
+          <p:cNvSpPr>
+            <a:spLocks noGrp="1" noRot="1" noChangeAspect="1"/>
+          </p:cNvSpPr>
+          <p:nvPr>
+            <p:ph type="sldImg"/>
+          </p:nvPr>
+        </p:nvSpPr>
+        <p:spPr/>
+      </p:sp>
+      <p:sp>
+        <p:nvSpPr>
+          <p:cNvPr id="3" name="Notes Placeholder 2"/>
+          <p:cNvSpPr>
+            <a:spLocks noGrp="1"/>
+          </p:cNvSpPr>
+          <p:nvPr>
+            <p:ph type="body" idx="1"/>
+          </p:nvPr>
+        </p:nvSpPr>
+        <p:spPr/>
+        <p:txBody>
+          <a:bodyPr/>
+          <a:lstStyle/>
+          <a:p>
+            <a:pPr marL="0" marR="0" lvl="0" indent="0" algn="l" defTabSz="914400" rtl="0" eaLnBrk="1" fontAlgn="auto" latinLnBrk="0" hangingPunct="1">
+              <a:lnSpc>
+                <a:spcPct val="100000"/>
+              </a:lnSpc>
+              <a:spcBef>
+                <a:spcPts val="0"/>
+              </a:spcBef>
+              <a:spcAft>
+                <a:spcPts val="0"/>
+              </a:spcAft>
+              <a:buClrTx/>
+              <a:buSzTx/>
+              <a:buFontTx/>
+              <a:buNone/>
+              <a:tabLst/>
+              <a:defRPr/>
+            </a:pPr>
+            <a:r>
+              <a:rPr lang="en-US" b="1" dirty="0"/>
+              <a:t>Practice</a:t>
+            </a:r>
+            <a:r>
+              <a:rPr lang="en-US" dirty="0"/>
+              <a:t>: Real-time Analytics </a:t>
+            </a:r>
+            <a:r>
+              <a:rPr lang="en-US" b="1" dirty="0"/>
+              <a:t>Description</a:t>
+            </a:r>
+            <a:r>
+              <a:rPr lang="en-US" dirty="0"/>
+              <a:t>: Streaming analytics infrastructure for immediate insights and actions. </a:t>
+            </a:r>
+            <a:r>
+              <a:rPr lang="en-US" b="1" dirty="0"/>
+              <a:t>Why Maturity Phase 3</a:t>
+            </a:r>
+            <a:r>
+              <a:rPr lang="en-US" dirty="0"/>
+              <a:t>: Complex infrastructure requiring mature data engineering capabilities.</a:t>
+            </a:r>
+          </a:p>
+          <a:p>
+            <a:endParaRPr lang="en-US" b="1" dirty="0"/>
+          </a:p>
+          <a:p>
+            <a:r>
+              <a:rPr lang="en-US" b="1" dirty="0"/>
+              <a:t>Pattern</a:t>
+            </a:r>
+            <a:r>
+              <a:rPr lang="en-US" dirty="0"/>
+              <a:t>: Machine Learner Pattern </a:t>
+            </a:r>
+            <a:r>
+              <a:rPr lang="en-US" b="1" dirty="0"/>
+              <a:t>Description</a:t>
+            </a:r>
+            <a:r>
+              <a:rPr lang="en-US" dirty="0"/>
+              <a:t>: Real-time ML model training and inference on streaming data. </a:t>
+            </a:r>
+            <a:r>
+              <a:rPr lang="en-US" b="1" dirty="0"/>
+              <a:t>Why Maturity Phase 3</a:t>
+            </a:r>
+            <a:r>
+              <a:rPr lang="en-US" dirty="0"/>
+              <a:t>: Requires mature data pipeline and ML capabilities. For advanced analytics use cases.</a:t>
+            </a:r>
+          </a:p>
+          <a:p>
+            <a:endParaRPr lang="en-US" b="1" dirty="0"/>
+          </a:p>
+          <a:p>
+            <a:r>
+              <a:rPr lang="en-US" b="1" dirty="0"/>
+              <a:t>Pattern</a:t>
+            </a:r>
+            <a:r>
+              <a:rPr lang="en-US" dirty="0"/>
+              <a:t>: Watermark Pattern </a:t>
+            </a:r>
+            <a:r>
+              <a:rPr lang="en-US" b="1" dirty="0"/>
+              <a:t>Description</a:t>
+            </a:r>
+            <a:r>
+              <a:rPr lang="en-US" dirty="0"/>
+              <a:t>: Synchronizes events across multiple out-of-sync streams. </a:t>
+            </a:r>
+            <a:r>
+              <a:rPr lang="en-US" b="1" dirty="0"/>
+              <a:t>Why Maturity Phase 3</a:t>
+            </a:r>
+            <a:r>
+              <a:rPr lang="en-US" dirty="0"/>
+              <a:t>: Complex pattern for sophisticated stream processing. Implement after basic streaming is working.</a:t>
+            </a:r>
+          </a:p>
+          <a:p>
+            <a:endParaRPr lang="en-US" dirty="0"/>
+          </a:p>
+        </p:txBody>
+      </p:sp>
+      <p:sp>
+        <p:nvSpPr>
+          <p:cNvPr id="4" name="Slide Number Placeholder 3"/>
+          <p:cNvSpPr>
+            <a:spLocks noGrp="1"/>
+          </p:cNvSpPr>
+          <p:nvPr>
+            <p:ph type="sldNum" sz="quarter" idx="5"/>
+          </p:nvPr>
+        </p:nvSpPr>
+        <p:spPr/>
+        <p:txBody>
+          <a:bodyPr/>
+          <a:lstStyle/>
+          <a:p>
+            <a:fld id="{555DAA9F-71E8-4E26-92D2-CD7FC535A9E6}" type="slidenum">
+              <a:rPr lang="en-US" smtClean="0"/>
+              <a:t>84</a:t>
+            </a:fld>
+            <a:endParaRPr lang="en-US"/>
+          </a:p>
+        </p:txBody>
+      </p:sp>
+    </p:spTree>
+    <p:extLst>
+      <p:ext uri="{BB962C8B-B14F-4D97-AF65-F5344CB8AC3E}">
+        <p14:creationId xmlns:p14="http://schemas.microsoft.com/office/powerpoint/2010/main" val="322573854"/>
+      </p:ext>
+    </p:extLst>
+  </p:cSld>
+  <p:clrMapOvr>
+    <a:masterClrMapping/>
+  </p:clrMapOvr>
+</p:notes>
+</file>
+
+<file path=ppt/notesSlides/notesSlide51.xml><?xml version="1.0" encoding="utf-8"?>
+<p:notes xmlns:a="http://schemas.openxmlformats.org/drawingml/2006/main" xmlns:r="http://schemas.openxmlformats.org/officeDocument/2006/relationships" xmlns:p="http://schemas.openxmlformats.org/presentationml/2006/main">
+  <p:cSld>
+    <p:spTree>
+      <p:nvGrpSpPr>
+        <p:cNvPr id="1" name=""/>
+        <p:cNvGrpSpPr/>
+        <p:nvPr/>
+      </p:nvGrpSpPr>
+      <p:grpSpPr>
+        <a:xfrm>
+          <a:off x="0" y="0"/>
+          <a:ext cx="0" cy="0"/>
+          <a:chOff x="0" y="0"/>
+          <a:chExt cx="0" cy="0"/>
+        </a:xfrm>
+      </p:grpSpPr>
+      <p:sp>
+        <p:nvSpPr>
+          <p:cNvPr id="2" name="Slide Image Placeholder 1"/>
+          <p:cNvSpPr>
+            <a:spLocks noGrp="1" noRot="1" noChangeAspect="1"/>
+          </p:cNvSpPr>
+          <p:nvPr>
+            <p:ph type="sldImg"/>
+          </p:nvPr>
+        </p:nvSpPr>
+        <p:spPr/>
+      </p:sp>
+      <p:sp>
+        <p:nvSpPr>
+          <p:cNvPr id="3" name="Notes Placeholder 2"/>
+          <p:cNvSpPr>
+            <a:spLocks noGrp="1"/>
+          </p:cNvSpPr>
+          <p:nvPr>
+            <p:ph type="body" idx="1"/>
+          </p:nvPr>
+        </p:nvSpPr>
+        <p:spPr/>
+        <p:txBody>
+          <a:bodyPr/>
+          <a:lstStyle/>
+          <a:p>
+            <a:r>
+              <a:rPr lang="en-US" b="1" dirty="0"/>
+              <a:t>Practice</a:t>
+            </a:r>
+            <a:r>
+              <a:rPr lang="en-US" dirty="0"/>
+              <a:t>: Architecture Decision Records </a:t>
+            </a:r>
+            <a:r>
+              <a:rPr lang="en-US" b="1" dirty="0"/>
+              <a:t>Description</a:t>
+            </a:r>
+            <a:r>
+              <a:rPr lang="en-US" dirty="0"/>
+              <a:t>: Documenting architectural decisions with context, alternatives, and rationale. </a:t>
+            </a:r>
+            <a:r>
+              <a:rPr lang="en-US" b="1" dirty="0"/>
+              <a:t>Why Maturity Phase 3</a:t>
+            </a:r>
+            <a:r>
+              <a:rPr lang="en-US" dirty="0"/>
+              <a:t>: Requires architectural maturity and disciplined documentation culture.</a:t>
+            </a:r>
+          </a:p>
+          <a:p>
+            <a:endParaRPr lang="en-US" b="1" dirty="0"/>
+          </a:p>
+          <a:p>
+            <a:r>
+              <a:rPr lang="en-US" b="1" dirty="0"/>
+              <a:t>Practice</a:t>
+            </a:r>
+            <a:r>
+              <a:rPr lang="en-US" dirty="0"/>
+              <a:t>: Knowledge Management Systems </a:t>
+            </a:r>
+            <a:r>
+              <a:rPr lang="en-US" b="1" dirty="0"/>
+              <a:t>Description</a:t>
+            </a:r>
+            <a:r>
+              <a:rPr lang="en-US" dirty="0"/>
+              <a:t>: Comprehensive knowledge capture, organization, and sharing platforms. </a:t>
+            </a:r>
+            <a:r>
+              <a:rPr lang="en-US" b="1" dirty="0"/>
+              <a:t>Why Maturity Phase 3</a:t>
+            </a:r>
+            <a:r>
+              <a:rPr lang="en-US" dirty="0"/>
+              <a:t>: Requires cultural adoption and significant content investment.</a:t>
+            </a:r>
+          </a:p>
+          <a:p>
+            <a:endParaRPr lang="en-US" dirty="0"/>
+          </a:p>
+        </p:txBody>
+      </p:sp>
+      <p:sp>
+        <p:nvSpPr>
+          <p:cNvPr id="4" name="Slide Number Placeholder 3"/>
+          <p:cNvSpPr>
+            <a:spLocks noGrp="1"/>
+          </p:cNvSpPr>
+          <p:nvPr>
+            <p:ph type="sldNum" sz="quarter" idx="5"/>
+          </p:nvPr>
+        </p:nvSpPr>
+        <p:spPr/>
+        <p:txBody>
+          <a:bodyPr/>
+          <a:lstStyle/>
+          <a:p>
+            <a:fld id="{555DAA9F-71E8-4E26-92D2-CD7FC535A9E6}" type="slidenum">
+              <a:rPr lang="en-US" smtClean="0"/>
+              <a:t>85</a:t>
+            </a:fld>
+            <a:endParaRPr lang="en-US"/>
+          </a:p>
+        </p:txBody>
+      </p:sp>
+    </p:spTree>
+    <p:extLst>
+      <p:ext uri="{BB962C8B-B14F-4D97-AF65-F5344CB8AC3E}">
+        <p14:creationId xmlns:p14="http://schemas.microsoft.com/office/powerpoint/2010/main" val="2612644977"/>
+      </p:ext>
+    </p:extLst>
+  </p:cSld>
+  <p:clrMapOvr>
+    <a:masterClrMapping/>
+  </p:clrMapOvr>
+</p:notes>
+</file>
+
+<file path=ppt/notesSlides/notesSlide52.xml><?xml version="1.0" encoding="utf-8"?>
+<p:notes xmlns:a="http://schemas.openxmlformats.org/drawingml/2006/main" xmlns:r="http://schemas.openxmlformats.org/officeDocument/2006/relationships" xmlns:p="http://schemas.openxmlformats.org/presentationml/2006/main">
+  <p:cSld>
+    <p:spTree>
+      <p:nvGrpSpPr>
+        <p:cNvPr id="1" name=""/>
+        <p:cNvGrpSpPr/>
+        <p:nvPr/>
+      </p:nvGrpSpPr>
+      <p:grpSpPr>
+        <a:xfrm>
+          <a:off x="0" y="0"/>
+          <a:ext cx="0" cy="0"/>
+          <a:chOff x="0" y="0"/>
+          <a:chExt cx="0" cy="0"/>
+        </a:xfrm>
+      </p:grpSpPr>
+      <p:sp>
+        <p:nvSpPr>
+          <p:cNvPr id="2" name="Slide Image Placeholder 1"/>
+          <p:cNvSpPr>
+            <a:spLocks noGrp="1" noRot="1" noChangeAspect="1"/>
+          </p:cNvSpPr>
+          <p:nvPr>
+            <p:ph type="sldImg"/>
+          </p:nvPr>
+        </p:nvSpPr>
+        <p:spPr/>
+      </p:sp>
+      <p:sp>
+        <p:nvSpPr>
+          <p:cNvPr id="3" name="Notes Placeholder 2"/>
+          <p:cNvSpPr>
+            <a:spLocks noGrp="1"/>
+          </p:cNvSpPr>
+          <p:nvPr>
+            <p:ph type="body" idx="1"/>
+          </p:nvPr>
+        </p:nvSpPr>
+        <p:spPr/>
+        <p:txBody>
+          <a:bodyPr/>
+          <a:lstStyle/>
+          <a:p>
+            <a:r>
+              <a:rPr lang="en-US" b="1" dirty="0"/>
+              <a:t>Pattern</a:t>
+            </a:r>
+            <a:r>
+              <a:rPr lang="en-US" dirty="0"/>
+              <a:t>: Lift and Shift Anti-pattern </a:t>
+            </a:r>
+            <a:r>
+              <a:rPr lang="en-US" b="1" dirty="0"/>
+              <a:t>Description</a:t>
+            </a:r>
+            <a:r>
+              <a:rPr lang="en-US" dirty="0"/>
+              <a:t>: Migrating applications without architectural changes. </a:t>
+            </a:r>
+            <a:r>
+              <a:rPr lang="en-US" b="1" dirty="0"/>
+              <a:t>Why Avoid</a:t>
+            </a:r>
+            <a:r>
+              <a:rPr lang="en-US" dirty="0"/>
+              <a:t>: Fails to realize cloud benefits. Proper refactoring reduces costs by 40-60%.</a:t>
+            </a:r>
+          </a:p>
+          <a:p>
+            <a:endParaRPr lang="en-US" b="1" dirty="0"/>
+          </a:p>
+          <a:p>
+            <a:r>
+              <a:rPr lang="en-US" b="1" dirty="0"/>
+              <a:t>Pattern</a:t>
+            </a:r>
+            <a:r>
+              <a:rPr lang="en-US" dirty="0"/>
+              <a:t>: Chatty Interface Anti-pattern </a:t>
+            </a:r>
+            <a:r>
+              <a:rPr lang="en-US" b="1" dirty="0"/>
+              <a:t>Description</a:t>
+            </a:r>
+            <a:r>
+              <a:rPr lang="en-US" dirty="0"/>
+              <a:t>: Excessive API calls causing performance and cost issues. </a:t>
+            </a:r>
+            <a:r>
+              <a:rPr lang="en-US" b="1" dirty="0"/>
+              <a:t>Why Avoid</a:t>
+            </a:r>
+            <a:r>
+              <a:rPr lang="en-US" dirty="0"/>
+              <a:t>: Batch operations and caching reduce API costs by 70%.</a:t>
+            </a:r>
+          </a:p>
+          <a:p>
+            <a:endParaRPr lang="en-US" b="1" dirty="0"/>
+          </a:p>
+          <a:p>
+            <a:r>
+              <a:rPr lang="en-US" b="1" dirty="0"/>
+              <a:t>Pattern</a:t>
+            </a:r>
+            <a:r>
+              <a:rPr lang="en-US" dirty="0"/>
+              <a:t>: Lowest Common Denominator Anti-pattern </a:t>
+            </a:r>
+            <a:r>
+              <a:rPr lang="en-US" b="1" dirty="0"/>
+              <a:t>Description</a:t>
+            </a:r>
+            <a:r>
+              <a:rPr lang="en-US" dirty="0"/>
+              <a:t>: Over-engineering for portability, sacrificing platform advantages. </a:t>
+            </a:r>
+            <a:r>
+              <a:rPr lang="en-US" b="1" dirty="0"/>
+              <a:t>Why Avoid</a:t>
+            </a:r>
+            <a:r>
+              <a:rPr lang="en-US" dirty="0"/>
+              <a:t>: Strategic use of managed services provides 3x better ROI.</a:t>
+            </a:r>
+          </a:p>
+          <a:p>
+            <a:endParaRPr lang="en-US" dirty="0"/>
+          </a:p>
+        </p:txBody>
+      </p:sp>
+      <p:sp>
+        <p:nvSpPr>
+          <p:cNvPr id="4" name="Slide Number Placeholder 3"/>
+          <p:cNvSpPr>
+            <a:spLocks noGrp="1"/>
+          </p:cNvSpPr>
+          <p:nvPr>
+            <p:ph type="sldNum" sz="quarter" idx="5"/>
+          </p:nvPr>
+        </p:nvSpPr>
+        <p:spPr/>
+        <p:txBody>
+          <a:bodyPr/>
+          <a:lstStyle/>
+          <a:p>
+            <a:fld id="{555DAA9F-71E8-4E26-92D2-CD7FC535A9E6}" type="slidenum">
+              <a:rPr lang="en-US" smtClean="0"/>
+              <a:t>87</a:t>
+            </a:fld>
+            <a:endParaRPr lang="en-US"/>
+          </a:p>
+        </p:txBody>
+      </p:sp>
+    </p:spTree>
+    <p:extLst>
+      <p:ext uri="{BB962C8B-B14F-4D97-AF65-F5344CB8AC3E}">
+        <p14:creationId xmlns:p14="http://schemas.microsoft.com/office/powerpoint/2010/main" val="2054378799"/>
       </p:ext>
     </p:extLst>
   </p:cSld>
@@ -21636,7 +25344,7 @@
           <a:p>
             <a:r>
               <a:rPr lang="en-US" dirty="0"/>
-              <a:t>Transactions</a:t>
+              <a:t>Transaction</a:t>
             </a:r>
           </a:p>
           <a:p>
@@ -27215,7 +30923,7 @@
           <a:p>
             <a:r>
               <a:rPr lang="en-US" dirty="0"/>
-              <a:t>Maturity 2:  Multi-Tenancy</a:t>
+              <a:t>Maturity 2:  Cost Optimization</a:t>
             </a:r>
           </a:p>
         </p:txBody>
@@ -27271,7 +30979,7 @@
           <a:p>
             <a:r>
               <a:rPr lang="en-US" dirty="0"/>
-              <a:t>Multi-Tenant Operations</a:t>
+              <a:t>None</a:t>
             </a:r>
           </a:p>
         </p:txBody>
@@ -27327,13 +31035,13 @@
           <a:p>
             <a:r>
               <a:rPr lang="en-US" dirty="0"/>
-              <a:t>Tenant-Aware Auto Scaling</a:t>
-            </a:r>
-          </a:p>
-          <a:p>
-            <a:r>
-              <a:rPr lang="en-US" dirty="0"/>
-              <a:t>Database-per-Service Multi-Tenancy</a:t>
+              <a:t>Spot Instance</a:t>
+            </a:r>
+          </a:p>
+          <a:p>
+            <a:r>
+              <a:rPr lang="en-US" dirty="0"/>
+              <a:t>Reserved Instance Ladder</a:t>
             </a:r>
           </a:p>
         </p:txBody>
@@ -27341,7 +31049,7 @@
     </p:spTree>
     <p:extLst>
       <p:ext uri="{BB962C8B-B14F-4D97-AF65-F5344CB8AC3E}">
-        <p14:creationId xmlns:p14="http://schemas.microsoft.com/office/powerpoint/2010/main" val="3877710170"/>
+        <p14:creationId xmlns:p14="http://schemas.microsoft.com/office/powerpoint/2010/main" val="523841664"/>
       </p:ext>
     </p:extLst>
   </p:cSld>
@@ -27608,7 +31316,7 @@
           <a:p>
             <a:r>
               <a:rPr lang="en-US" dirty="0"/>
-              <a:t>Maturity 2:  DevSecOps</a:t>
+              <a:t>Maturity 2:  Multi-Tenancy</a:t>
             </a:r>
           </a:p>
         </p:txBody>
@@ -27664,7 +31372,7 @@
           <a:p>
             <a:r>
               <a:rPr lang="en-US" dirty="0"/>
-              <a:t>Infrastructure as Code Maturity</a:t>
+              <a:t>Multi-Tenant Operations</a:t>
             </a:r>
           </a:p>
         </p:txBody>
@@ -27720,13 +31428,13 @@
           <a:p>
             <a:r>
               <a:rPr lang="en-US" dirty="0"/>
-              <a:t>GitOps</a:t>
-            </a:r>
-          </a:p>
-          <a:p>
-            <a:r>
-              <a:rPr lang="en-US" dirty="0"/>
-              <a:t>Multi-Environment Promotion</a:t>
+              <a:t>Tenant-Aware Auto Scaling</a:t>
+            </a:r>
+          </a:p>
+          <a:p>
+            <a:r>
+              <a:rPr lang="en-US" dirty="0"/>
+              <a:t>Database-per-Service Multi-Tenancy</a:t>
             </a:r>
           </a:p>
         </p:txBody>
@@ -27734,7 +31442,7 @@
     </p:spTree>
     <p:extLst>
       <p:ext uri="{BB962C8B-B14F-4D97-AF65-F5344CB8AC3E}">
-        <p14:creationId xmlns:p14="http://schemas.microsoft.com/office/powerpoint/2010/main" val="3431133634"/>
+        <p14:creationId xmlns:p14="http://schemas.microsoft.com/office/powerpoint/2010/main" val="3877710170"/>
       </p:ext>
     </p:extLst>
   </p:cSld>
@@ -28001,7 +31709,7 @@
           <a:p>
             <a:r>
               <a:rPr lang="en-US" dirty="0"/>
-              <a:t>Maturity 2:  Edge Computing</a:t>
+              <a:t>Maturity 2:  DevSecOps</a:t>
             </a:r>
           </a:p>
         </p:txBody>
@@ -28057,7 +31765,7 @@
           <a:p>
             <a:r>
               <a:rPr lang="en-US" dirty="0"/>
-              <a:t>Edge Operations</a:t>
+              <a:t>Infrastructure as Code Maturity</a:t>
             </a:r>
           </a:p>
         </p:txBody>
@@ -28113,13 +31821,13 @@
           <a:p>
             <a:r>
               <a:rPr lang="en-US" dirty="0"/>
-              <a:t>Edge Discovery</a:t>
-            </a:r>
-          </a:p>
-          <a:p>
-            <a:r>
-              <a:rPr lang="en-US" dirty="0"/>
-              <a:t>Hybrid Edge-Cloud</a:t>
+              <a:t>GitOps</a:t>
+            </a:r>
+          </a:p>
+          <a:p>
+            <a:r>
+              <a:rPr lang="en-US" dirty="0"/>
+              <a:t>Multi-Environment Promotion</a:t>
             </a:r>
           </a:p>
         </p:txBody>
@@ -28127,7 +31835,7 @@
     </p:spTree>
     <p:extLst>
       <p:ext uri="{BB962C8B-B14F-4D97-AF65-F5344CB8AC3E}">
-        <p14:creationId xmlns:p14="http://schemas.microsoft.com/office/powerpoint/2010/main" val="4176265985"/>
+        <p14:creationId xmlns:p14="http://schemas.microsoft.com/office/powerpoint/2010/main" val="3431133634"/>
       </p:ext>
     </p:extLst>
   </p:cSld>
@@ -28394,7 +32102,7 @@
           <a:p>
             <a:r>
               <a:rPr lang="en-US" dirty="0"/>
-              <a:t>Maturity 2:  Architecture</a:t>
+              <a:t>Maturity 2:  Edge Computing</a:t>
             </a:r>
           </a:p>
         </p:txBody>
@@ -28450,13 +32158,7 @@
           <a:p>
             <a:r>
               <a:rPr lang="en-US" dirty="0"/>
-              <a:t>Domain-Driven Design</a:t>
-            </a:r>
-          </a:p>
-          <a:p>
-            <a:r>
-              <a:rPr lang="en-US" dirty="0"/>
-              <a:t>Event-Driven Architecture</a:t>
+              <a:t>Edge Operations</a:t>
             </a:r>
           </a:p>
         </p:txBody>
@@ -28512,7 +32214,13 @@
           <a:p>
             <a:r>
               <a:rPr lang="en-US" dirty="0"/>
-              <a:t>None</a:t>
+              <a:t>Edge Discovery</a:t>
+            </a:r>
+          </a:p>
+          <a:p>
+            <a:r>
+              <a:rPr lang="en-US" dirty="0"/>
+              <a:t>Hybrid Edge-Cloud</a:t>
             </a:r>
           </a:p>
         </p:txBody>
@@ -28520,7 +32228,7 @@
     </p:spTree>
     <p:extLst>
       <p:ext uri="{BB962C8B-B14F-4D97-AF65-F5344CB8AC3E}">
-        <p14:creationId xmlns:p14="http://schemas.microsoft.com/office/powerpoint/2010/main" val="892594064"/>
+        <p14:creationId xmlns:p14="http://schemas.microsoft.com/office/powerpoint/2010/main" val="4176265985"/>
       </p:ext>
     </p:extLst>
   </p:cSld>
@@ -28622,9 +32330,9 @@
                                           </p:stCondLst>
                                         </p:cTn>
                                         <p:tgtEl>
-                                          <p:spTgt spid="5">
+                                          <p:spTgt spid="9">
                                             <p:txEl>
-                                              <p:pRg st="1" end="1"/>
+                                              <p:pRg st="0" end="0"/>
                                             </p:txEl>
                                           </p:spTgt>
                                         </p:tgtEl>
@@ -28640,9 +32348,9 @@
                                       <p:cBhvr>
                                         <p:cTn id="12" dur="500"/>
                                         <p:tgtEl>
-                                          <p:spTgt spid="5">
+                                          <p:spTgt spid="9">
                                             <p:txEl>
-                                              <p:pRg st="1" end="1"/>
+                                              <p:pRg st="0" end="0"/>
                                             </p:txEl>
                                           </p:spTgt>
                                         </p:tgtEl>
@@ -28685,7 +32393,7 @@
                                         <p:tgtEl>
                                           <p:spTgt spid="9">
                                             <p:txEl>
-                                              <p:pRg st="0" end="0"/>
+                                              <p:pRg st="1" end="1"/>
                                             </p:txEl>
                                           </p:spTgt>
                                         </p:tgtEl>
@@ -28703,7 +32411,7 @@
                                         <p:tgtEl>
                                           <p:spTgt spid="9">
                                             <p:txEl>
-                                              <p:pRg st="0" end="0"/>
+                                              <p:pRg st="1" end="1"/>
                                             </p:txEl>
                                           </p:spTgt>
                                         </p:tgtEl>
@@ -28766,10 +32474,10 @@
       </p:grpSpPr>
       <p:sp>
         <p:nvSpPr>
-          <p:cNvPr id="7" name="Title 6">
+          <p:cNvPr id="4" name="Title 3">
             <a:extLst>
               <a:ext uri="{FF2B5EF4-FFF2-40B4-BE49-F238E27FC236}">
-                <a16:creationId xmlns:a16="http://schemas.microsoft.com/office/drawing/2014/main" id="{393F85EF-1604-6775-EB52-D47E4C4D0AE2}"/>
+                <a16:creationId xmlns:a16="http://schemas.microsoft.com/office/drawing/2014/main" id="{E029C70B-AB45-A9DE-E3C2-8DD14192BBE1}"/>
               </a:ext>
             </a:extLst>
           </p:cNvPr>
@@ -28787,7 +32495,69 @@
           <a:p>
             <a:r>
               <a:rPr lang="en-US" dirty="0"/>
-              <a:t>Patterns and Practices:  Maturity Phase 3: Innovation</a:t>
+              <a:t>Maturity 2:  Architecture</a:t>
+            </a:r>
+          </a:p>
+        </p:txBody>
+      </p:sp>
+      <p:sp>
+        <p:nvSpPr>
+          <p:cNvPr id="7" name="Text Placeholder 6">
+            <a:extLst>
+              <a:ext uri="{FF2B5EF4-FFF2-40B4-BE49-F238E27FC236}">
+                <a16:creationId xmlns:a16="http://schemas.microsoft.com/office/drawing/2014/main" id="{A5453D98-63B1-147E-D77B-CE66CE30027F}"/>
+              </a:ext>
+            </a:extLst>
+          </p:cNvPr>
+          <p:cNvSpPr>
+            <a:spLocks noGrp="1"/>
+          </p:cNvSpPr>
+          <p:nvPr>
+            <p:ph type="body" idx="1"/>
+          </p:nvPr>
+        </p:nvSpPr>
+        <p:spPr/>
+        <p:txBody>
+          <a:bodyPr/>
+          <a:lstStyle/>
+          <a:p>
+            <a:r>
+              <a:rPr lang="en-US" dirty="0"/>
+              <a:t>Practices</a:t>
+            </a:r>
+          </a:p>
+        </p:txBody>
+      </p:sp>
+      <p:sp>
+        <p:nvSpPr>
+          <p:cNvPr id="5" name="Content Placeholder 4">
+            <a:extLst>
+              <a:ext uri="{FF2B5EF4-FFF2-40B4-BE49-F238E27FC236}">
+                <a16:creationId xmlns:a16="http://schemas.microsoft.com/office/drawing/2014/main" id="{E85B7CB0-47B2-5501-9715-053540A0A1BB}"/>
+              </a:ext>
+            </a:extLst>
+          </p:cNvPr>
+          <p:cNvSpPr>
+            <a:spLocks noGrp="1"/>
+          </p:cNvSpPr>
+          <p:nvPr>
+            <p:ph sz="half" idx="2"/>
+          </p:nvPr>
+        </p:nvSpPr>
+        <p:spPr/>
+        <p:txBody>
+          <a:bodyPr/>
+          <a:lstStyle/>
+          <a:p>
+            <a:r>
+              <a:rPr lang="en-US" dirty="0"/>
+              <a:t>Domain-Driven Design</a:t>
+            </a:r>
+          </a:p>
+          <a:p>
+            <a:r>
+              <a:rPr lang="en-US" dirty="0"/>
+              <a:t>Event-Driven Architecture</a:t>
             </a:r>
           </a:p>
         </p:txBody>
@@ -28797,7 +32567,7 @@
           <p:cNvPr id="8" name="Text Placeholder 7">
             <a:extLst>
               <a:ext uri="{FF2B5EF4-FFF2-40B4-BE49-F238E27FC236}">
-                <a16:creationId xmlns:a16="http://schemas.microsoft.com/office/drawing/2014/main" id="{1305CA91-5AAF-2E41-3A82-5FFF43E67827}"/>
+                <a16:creationId xmlns:a16="http://schemas.microsoft.com/office/drawing/2014/main" id="{EDF9A492-30E0-59B2-A3E3-A642E5D73543}"/>
               </a:ext>
             </a:extLst>
           </p:cNvPr>
@@ -28805,17 +32575,45 @@
             <a:spLocks noGrp="1"/>
           </p:cNvSpPr>
           <p:nvPr>
-            <p:ph type="body" idx="1"/>
-          </p:nvPr>
-        </p:nvSpPr>
-        <p:spPr/>
-        <p:txBody>
-          <a:bodyPr/>
-          <a:lstStyle/>
-          <a:p>
-            <a:r>
-              <a:rPr lang="en-US" dirty="0"/>
-              <a:t>Wherein I talk about breaking trail…</a:t>
+            <p:ph type="body" sz="quarter" idx="3"/>
+          </p:nvPr>
+        </p:nvSpPr>
+        <p:spPr/>
+        <p:txBody>
+          <a:bodyPr/>
+          <a:lstStyle/>
+          <a:p>
+            <a:r>
+              <a:rPr lang="en-US" dirty="0"/>
+              <a:t>Patterns</a:t>
+            </a:r>
+          </a:p>
+        </p:txBody>
+      </p:sp>
+      <p:sp>
+        <p:nvSpPr>
+          <p:cNvPr id="9" name="Content Placeholder 8">
+            <a:extLst>
+              <a:ext uri="{FF2B5EF4-FFF2-40B4-BE49-F238E27FC236}">
+                <a16:creationId xmlns:a16="http://schemas.microsoft.com/office/drawing/2014/main" id="{DC46CEB2-5483-2A1C-A5DF-6A83CEAD134B}"/>
+              </a:ext>
+            </a:extLst>
+          </p:cNvPr>
+          <p:cNvSpPr>
+            <a:spLocks noGrp="1"/>
+          </p:cNvSpPr>
+          <p:nvPr>
+            <p:ph sz="quarter" idx="4"/>
+          </p:nvPr>
+        </p:nvSpPr>
+        <p:spPr/>
+        <p:txBody>
+          <a:bodyPr/>
+          <a:lstStyle/>
+          <a:p>
+            <a:r>
+              <a:rPr lang="en-US" dirty="0"/>
+              <a:t>None</a:t>
             </a:r>
           </a:p>
         </p:txBody>
@@ -28823,13 +32621,230 @@
     </p:spTree>
     <p:extLst>
       <p:ext uri="{BB962C8B-B14F-4D97-AF65-F5344CB8AC3E}">
-        <p14:creationId xmlns:p14="http://schemas.microsoft.com/office/powerpoint/2010/main" val="3627839258"/>
+        <p14:creationId xmlns:p14="http://schemas.microsoft.com/office/powerpoint/2010/main" val="892594064"/>
       </p:ext>
     </p:extLst>
   </p:cSld>
   <p:clrMapOvr>
     <a:masterClrMapping/>
   </p:clrMapOvr>
+  <p:timing>
+    <p:tnLst>
+      <p:par>
+        <p:cTn id="1" dur="indefinite" restart="never" nodeType="tmRoot">
+          <p:childTnLst>
+            <p:seq concurrent="1" nextAc="seek">
+              <p:cTn id="2" dur="indefinite" nodeType="mainSeq">
+                <p:childTnLst>
+                  <p:par>
+                    <p:cTn id="3" fill="hold">
+                      <p:stCondLst>
+                        <p:cond delay="indefinite"/>
+                      </p:stCondLst>
+                      <p:childTnLst>
+                        <p:par>
+                          <p:cTn id="4" fill="hold">
+                            <p:stCondLst>
+                              <p:cond delay="0"/>
+                            </p:stCondLst>
+                            <p:childTnLst>
+                              <p:par>
+                                <p:cTn id="5" presetID="10" presetClass="entr" presetSubtype="0" fill="hold" grpId="0" nodeType="clickEffect">
+                                  <p:stCondLst>
+                                    <p:cond delay="0"/>
+                                  </p:stCondLst>
+                                  <p:childTnLst>
+                                    <p:set>
+                                      <p:cBhvr>
+                                        <p:cTn id="6" dur="1" fill="hold">
+                                          <p:stCondLst>
+                                            <p:cond delay="0"/>
+                                          </p:stCondLst>
+                                        </p:cTn>
+                                        <p:tgtEl>
+                                          <p:spTgt spid="5">
+                                            <p:txEl>
+                                              <p:pRg st="0" end="0"/>
+                                            </p:txEl>
+                                          </p:spTgt>
+                                        </p:tgtEl>
+                                        <p:attrNameLst>
+                                          <p:attrName>style.visibility</p:attrName>
+                                        </p:attrNameLst>
+                                      </p:cBhvr>
+                                      <p:to>
+                                        <p:strVal val="visible"/>
+                                      </p:to>
+                                    </p:set>
+                                    <p:animEffect transition="in" filter="fade">
+                                      <p:cBhvr>
+                                        <p:cTn id="7" dur="500"/>
+                                        <p:tgtEl>
+                                          <p:spTgt spid="5">
+                                            <p:txEl>
+                                              <p:pRg st="0" end="0"/>
+                                            </p:txEl>
+                                          </p:spTgt>
+                                        </p:tgtEl>
+                                      </p:cBhvr>
+                                    </p:animEffect>
+                                  </p:childTnLst>
+                                </p:cTn>
+                              </p:par>
+                            </p:childTnLst>
+                          </p:cTn>
+                        </p:par>
+                      </p:childTnLst>
+                    </p:cTn>
+                  </p:par>
+                  <p:par>
+                    <p:cTn id="8" fill="hold">
+                      <p:stCondLst>
+                        <p:cond delay="indefinite"/>
+                      </p:stCondLst>
+                      <p:childTnLst>
+                        <p:par>
+                          <p:cTn id="9" fill="hold">
+                            <p:stCondLst>
+                              <p:cond delay="0"/>
+                            </p:stCondLst>
+                            <p:childTnLst>
+                              <p:par>
+                                <p:cTn id="10" presetID="10" presetClass="entr" presetSubtype="0" fill="hold" grpId="0" nodeType="clickEffect">
+                                  <p:stCondLst>
+                                    <p:cond delay="0"/>
+                                  </p:stCondLst>
+                                  <p:childTnLst>
+                                    <p:set>
+                                      <p:cBhvr>
+                                        <p:cTn id="11" dur="1" fill="hold">
+                                          <p:stCondLst>
+                                            <p:cond delay="0"/>
+                                          </p:stCondLst>
+                                        </p:cTn>
+                                        <p:tgtEl>
+                                          <p:spTgt spid="5">
+                                            <p:txEl>
+                                              <p:pRg st="1" end="1"/>
+                                            </p:txEl>
+                                          </p:spTgt>
+                                        </p:tgtEl>
+                                        <p:attrNameLst>
+                                          <p:attrName>style.visibility</p:attrName>
+                                        </p:attrNameLst>
+                                      </p:cBhvr>
+                                      <p:to>
+                                        <p:strVal val="visible"/>
+                                      </p:to>
+                                    </p:set>
+                                    <p:animEffect transition="in" filter="fade">
+                                      <p:cBhvr>
+                                        <p:cTn id="12" dur="500"/>
+                                        <p:tgtEl>
+                                          <p:spTgt spid="5">
+                                            <p:txEl>
+                                              <p:pRg st="1" end="1"/>
+                                            </p:txEl>
+                                          </p:spTgt>
+                                        </p:tgtEl>
+                                      </p:cBhvr>
+                                    </p:animEffect>
+                                  </p:childTnLst>
+                                </p:cTn>
+                              </p:par>
+                            </p:childTnLst>
+                          </p:cTn>
+                        </p:par>
+                      </p:childTnLst>
+                    </p:cTn>
+                  </p:par>
+                  <p:par>
+                    <p:cTn id="13" fill="hold">
+                      <p:stCondLst>
+                        <p:cond delay="indefinite"/>
+                      </p:stCondLst>
+                      <p:childTnLst>
+                        <p:par>
+                          <p:cTn id="14" fill="hold">
+                            <p:stCondLst>
+                              <p:cond delay="0"/>
+                            </p:stCondLst>
+                            <p:childTnLst>
+                              <p:par>
+                                <p:cTn id="15" presetID="10" presetClass="entr" presetSubtype="0" fill="hold" grpId="0" nodeType="clickEffect">
+                                  <p:stCondLst>
+                                    <p:cond delay="0"/>
+                                  </p:stCondLst>
+                                  <p:childTnLst>
+                                    <p:set>
+                                      <p:cBhvr>
+                                        <p:cTn id="16" dur="1" fill="hold">
+                                          <p:stCondLst>
+                                            <p:cond delay="0"/>
+                                          </p:stCondLst>
+                                        </p:cTn>
+                                        <p:tgtEl>
+                                          <p:spTgt spid="9">
+                                            <p:txEl>
+                                              <p:pRg st="0" end="0"/>
+                                            </p:txEl>
+                                          </p:spTgt>
+                                        </p:tgtEl>
+                                        <p:attrNameLst>
+                                          <p:attrName>style.visibility</p:attrName>
+                                        </p:attrNameLst>
+                                      </p:cBhvr>
+                                      <p:to>
+                                        <p:strVal val="visible"/>
+                                      </p:to>
+                                    </p:set>
+                                    <p:animEffect transition="in" filter="fade">
+                                      <p:cBhvr>
+                                        <p:cTn id="17" dur="500"/>
+                                        <p:tgtEl>
+                                          <p:spTgt spid="9">
+                                            <p:txEl>
+                                              <p:pRg st="0" end="0"/>
+                                            </p:txEl>
+                                          </p:spTgt>
+                                        </p:tgtEl>
+                                      </p:cBhvr>
+                                    </p:animEffect>
+                                  </p:childTnLst>
+                                </p:cTn>
+                              </p:par>
+                            </p:childTnLst>
+                          </p:cTn>
+                        </p:par>
+                      </p:childTnLst>
+                    </p:cTn>
+                  </p:par>
+                </p:childTnLst>
+              </p:cTn>
+              <p:prevCondLst>
+                <p:cond evt="onPrev" delay="0">
+                  <p:tgtEl>
+                    <p:sldTgt/>
+                  </p:tgtEl>
+                </p:cond>
+              </p:prevCondLst>
+              <p:nextCondLst>
+                <p:cond evt="onNext" delay="0">
+                  <p:tgtEl>
+                    <p:sldTgt/>
+                  </p:tgtEl>
+                </p:cond>
+              </p:nextCondLst>
+            </p:seq>
+          </p:childTnLst>
+        </p:cTn>
+      </p:par>
+    </p:tnLst>
+    <p:bldLst>
+      <p:bldP spid="5" grpId="0" build="p"/>
+      <p:bldP spid="9" grpId="0" build="p"/>
+    </p:bldLst>
+  </p:timing>
 </p:sld>
 </file>
 
@@ -29237,6 +33252,92 @@
       </p:grpSpPr>
       <p:sp>
         <p:nvSpPr>
+          <p:cNvPr id="7" name="Title 6">
+            <a:extLst>
+              <a:ext uri="{FF2B5EF4-FFF2-40B4-BE49-F238E27FC236}">
+                <a16:creationId xmlns:a16="http://schemas.microsoft.com/office/drawing/2014/main" id="{393F85EF-1604-6775-EB52-D47E4C4D0AE2}"/>
+              </a:ext>
+            </a:extLst>
+          </p:cNvPr>
+          <p:cNvSpPr>
+            <a:spLocks noGrp="1"/>
+          </p:cNvSpPr>
+          <p:nvPr>
+            <p:ph type="title"/>
+          </p:nvPr>
+        </p:nvSpPr>
+        <p:spPr/>
+        <p:txBody>
+          <a:bodyPr/>
+          <a:lstStyle/>
+          <a:p>
+            <a:r>
+              <a:rPr lang="en-US" dirty="0"/>
+              <a:t>Patterns and Practices:  Maturity Phase 3: Innovation</a:t>
+            </a:r>
+          </a:p>
+        </p:txBody>
+      </p:sp>
+      <p:sp>
+        <p:nvSpPr>
+          <p:cNvPr id="8" name="Text Placeholder 7">
+            <a:extLst>
+              <a:ext uri="{FF2B5EF4-FFF2-40B4-BE49-F238E27FC236}">
+                <a16:creationId xmlns:a16="http://schemas.microsoft.com/office/drawing/2014/main" id="{1305CA91-5AAF-2E41-3A82-5FFF43E67827}"/>
+              </a:ext>
+            </a:extLst>
+          </p:cNvPr>
+          <p:cNvSpPr>
+            <a:spLocks noGrp="1"/>
+          </p:cNvSpPr>
+          <p:nvPr>
+            <p:ph type="body" idx="1"/>
+          </p:nvPr>
+        </p:nvSpPr>
+        <p:spPr/>
+        <p:txBody>
+          <a:bodyPr/>
+          <a:lstStyle/>
+          <a:p>
+            <a:r>
+              <a:rPr lang="en-US" dirty="0"/>
+              <a:t>Wherein I talk about breaking trail…</a:t>
+            </a:r>
+          </a:p>
+        </p:txBody>
+      </p:sp>
+    </p:spTree>
+    <p:extLst>
+      <p:ext uri="{BB962C8B-B14F-4D97-AF65-F5344CB8AC3E}">
+        <p14:creationId xmlns:p14="http://schemas.microsoft.com/office/powerpoint/2010/main" val="3627839258"/>
+      </p:ext>
+    </p:extLst>
+  </p:cSld>
+  <p:clrMapOvr>
+    <a:masterClrMapping/>
+  </p:clrMapOvr>
+</p:sld>
+</file>
+
+<file path=ppt/slides/slide81.xml><?xml version="1.0" encoding="utf-8"?>
+<p:sld xmlns:a="http://schemas.openxmlformats.org/drawingml/2006/main" xmlns:r="http://schemas.openxmlformats.org/officeDocument/2006/relationships" xmlns:p="http://schemas.openxmlformats.org/presentationml/2006/main">
+  <p:cSld>
+    <p:spTree>
+      <p:nvGrpSpPr>
+        <p:cNvPr id="1" name=""/>
+        <p:cNvGrpSpPr/>
+        <p:nvPr/>
+      </p:nvGrpSpPr>
+      <p:grpSpPr>
+        <a:xfrm>
+          <a:off x="0" y="0"/>
+          <a:ext cx="0" cy="0"/>
+          <a:chOff x="0" y="0"/>
+          <a:chExt cx="0" cy="0"/>
+        </a:xfrm>
+      </p:grpSpPr>
+      <p:sp>
+        <p:nvSpPr>
           <p:cNvPr id="4" name="Title 3">
             <a:extLst>
               <a:ext uri="{FF2B5EF4-FFF2-40B4-BE49-F238E27FC236}">
@@ -29564,466 +33665,6 @@
                                     <p:animEffect transition="in" filter="fade">
                                       <p:cBhvr>
                                         <p:cTn id="17" dur="500"/>
-                                        <p:tgtEl>
-                                          <p:spTgt spid="9">
-                                            <p:txEl>
-                                              <p:pRg st="1" end="1"/>
-                                            </p:txEl>
-                                          </p:spTgt>
-                                        </p:tgtEl>
-                                      </p:cBhvr>
-                                    </p:animEffect>
-                                  </p:childTnLst>
-                                </p:cTn>
-                              </p:par>
-                            </p:childTnLst>
-                          </p:cTn>
-                        </p:par>
-                      </p:childTnLst>
-                    </p:cTn>
-                  </p:par>
-                </p:childTnLst>
-              </p:cTn>
-              <p:prevCondLst>
-                <p:cond evt="onPrev" delay="0">
-                  <p:tgtEl>
-                    <p:sldTgt/>
-                  </p:tgtEl>
-                </p:cond>
-              </p:prevCondLst>
-              <p:nextCondLst>
-                <p:cond evt="onNext" delay="0">
-                  <p:tgtEl>
-                    <p:sldTgt/>
-                  </p:tgtEl>
-                </p:cond>
-              </p:nextCondLst>
-            </p:seq>
-          </p:childTnLst>
-        </p:cTn>
-      </p:par>
-    </p:tnLst>
-    <p:bldLst>
-      <p:bldP spid="5" grpId="0" build="p"/>
-      <p:bldP spid="9" grpId="0" build="p"/>
-    </p:bldLst>
-  </p:timing>
-</p:sld>
-</file>
-
-<file path=ppt/slides/slide81.xml><?xml version="1.0" encoding="utf-8"?>
-<p:sld xmlns:a="http://schemas.openxmlformats.org/drawingml/2006/main" xmlns:r="http://schemas.openxmlformats.org/officeDocument/2006/relationships" xmlns:p="http://schemas.openxmlformats.org/presentationml/2006/main">
-  <p:cSld>
-    <p:spTree>
-      <p:nvGrpSpPr>
-        <p:cNvPr id="1" name=""/>
-        <p:cNvGrpSpPr/>
-        <p:nvPr/>
-      </p:nvGrpSpPr>
-      <p:grpSpPr>
-        <a:xfrm>
-          <a:off x="0" y="0"/>
-          <a:ext cx="0" cy="0"/>
-          <a:chOff x="0" y="0"/>
-          <a:chExt cx="0" cy="0"/>
-        </a:xfrm>
-      </p:grpSpPr>
-      <p:sp>
-        <p:nvSpPr>
-          <p:cNvPr id="4" name="Title 3">
-            <a:extLst>
-              <a:ext uri="{FF2B5EF4-FFF2-40B4-BE49-F238E27FC236}">
-                <a16:creationId xmlns:a16="http://schemas.microsoft.com/office/drawing/2014/main" id="{E029C70B-AB45-A9DE-E3C2-8DD14192BBE1}"/>
-              </a:ext>
-            </a:extLst>
-          </p:cNvPr>
-          <p:cNvSpPr>
-            <a:spLocks noGrp="1"/>
-          </p:cNvSpPr>
-          <p:nvPr>
-            <p:ph type="title"/>
-          </p:nvPr>
-        </p:nvSpPr>
-        <p:spPr/>
-        <p:txBody>
-          <a:bodyPr/>
-          <a:lstStyle/>
-          <a:p>
-            <a:r>
-              <a:rPr lang="en-US" dirty="0"/>
-              <a:t>Maturity 3:  Advanced Security</a:t>
-            </a:r>
-          </a:p>
-        </p:txBody>
-      </p:sp>
-      <p:sp>
-        <p:nvSpPr>
-          <p:cNvPr id="7" name="Text Placeholder 6">
-            <a:extLst>
-              <a:ext uri="{FF2B5EF4-FFF2-40B4-BE49-F238E27FC236}">
-                <a16:creationId xmlns:a16="http://schemas.microsoft.com/office/drawing/2014/main" id="{A5453D98-63B1-147E-D77B-CE66CE30027F}"/>
-              </a:ext>
-            </a:extLst>
-          </p:cNvPr>
-          <p:cNvSpPr>
-            <a:spLocks noGrp="1"/>
-          </p:cNvSpPr>
-          <p:nvPr>
-            <p:ph type="body" idx="1"/>
-          </p:nvPr>
-        </p:nvSpPr>
-        <p:spPr/>
-        <p:txBody>
-          <a:bodyPr/>
-          <a:lstStyle/>
-          <a:p>
-            <a:r>
-              <a:rPr lang="en-US" dirty="0"/>
-              <a:t>Practices</a:t>
-            </a:r>
-          </a:p>
-        </p:txBody>
-      </p:sp>
-      <p:sp>
-        <p:nvSpPr>
-          <p:cNvPr id="5" name="Content Placeholder 4">
-            <a:extLst>
-              <a:ext uri="{FF2B5EF4-FFF2-40B4-BE49-F238E27FC236}">
-                <a16:creationId xmlns:a16="http://schemas.microsoft.com/office/drawing/2014/main" id="{E85B7CB0-47B2-5501-9715-053540A0A1BB}"/>
-              </a:ext>
-            </a:extLst>
-          </p:cNvPr>
-          <p:cNvSpPr>
-            <a:spLocks noGrp="1"/>
-          </p:cNvSpPr>
-          <p:nvPr>
-            <p:ph sz="half" idx="2"/>
-          </p:nvPr>
-        </p:nvSpPr>
-        <p:spPr/>
-        <p:txBody>
-          <a:bodyPr/>
-          <a:lstStyle/>
-          <a:p>
-            <a:r>
-              <a:rPr lang="en-US" dirty="0"/>
-              <a:t>Compliance-as-Code Operations</a:t>
-            </a:r>
-          </a:p>
-          <a:p>
-            <a:r>
-              <a:rPr lang="en-US" dirty="0"/>
-              <a:t>Security Scanning in CI/CD</a:t>
-            </a:r>
-          </a:p>
-        </p:txBody>
-      </p:sp>
-      <p:sp>
-        <p:nvSpPr>
-          <p:cNvPr id="8" name="Text Placeholder 7">
-            <a:extLst>
-              <a:ext uri="{FF2B5EF4-FFF2-40B4-BE49-F238E27FC236}">
-                <a16:creationId xmlns:a16="http://schemas.microsoft.com/office/drawing/2014/main" id="{EDF9A492-30E0-59B2-A3E3-A642E5D73543}"/>
-              </a:ext>
-            </a:extLst>
-          </p:cNvPr>
-          <p:cNvSpPr>
-            <a:spLocks noGrp="1"/>
-          </p:cNvSpPr>
-          <p:nvPr>
-            <p:ph type="body" sz="quarter" idx="3"/>
-          </p:nvPr>
-        </p:nvSpPr>
-        <p:spPr/>
-        <p:txBody>
-          <a:bodyPr/>
-          <a:lstStyle/>
-          <a:p>
-            <a:r>
-              <a:rPr lang="en-US" dirty="0"/>
-              <a:t>Patterns</a:t>
-            </a:r>
-          </a:p>
-        </p:txBody>
-      </p:sp>
-      <p:sp>
-        <p:nvSpPr>
-          <p:cNvPr id="9" name="Content Placeholder 8">
-            <a:extLst>
-              <a:ext uri="{FF2B5EF4-FFF2-40B4-BE49-F238E27FC236}">
-                <a16:creationId xmlns:a16="http://schemas.microsoft.com/office/drawing/2014/main" id="{DC46CEB2-5483-2A1C-A5DF-6A83CEAD134B}"/>
-              </a:ext>
-            </a:extLst>
-          </p:cNvPr>
-          <p:cNvSpPr>
-            <a:spLocks noGrp="1"/>
-          </p:cNvSpPr>
-          <p:nvPr>
-            <p:ph sz="quarter" idx="4"/>
-          </p:nvPr>
-        </p:nvSpPr>
-        <p:spPr/>
-        <p:txBody>
-          <a:bodyPr/>
-          <a:lstStyle/>
-          <a:p>
-            <a:r>
-              <a:rPr lang="en-US" dirty="0"/>
-              <a:t>Compliance-as-Code</a:t>
-            </a:r>
-          </a:p>
-          <a:p>
-            <a:r>
-              <a:rPr lang="en-US" dirty="0"/>
-              <a:t>Attribute-Based Access Control</a:t>
-            </a:r>
-          </a:p>
-        </p:txBody>
-      </p:sp>
-    </p:spTree>
-    <p:extLst>
-      <p:ext uri="{BB962C8B-B14F-4D97-AF65-F5344CB8AC3E}">
-        <p14:creationId xmlns:p14="http://schemas.microsoft.com/office/powerpoint/2010/main" val="2013716549"/>
-      </p:ext>
-    </p:extLst>
-  </p:cSld>
-  <p:clrMapOvr>
-    <a:masterClrMapping/>
-  </p:clrMapOvr>
-  <p:timing>
-    <p:tnLst>
-      <p:par>
-        <p:cTn id="1" dur="indefinite" restart="never" nodeType="tmRoot">
-          <p:childTnLst>
-            <p:seq concurrent="1" nextAc="seek">
-              <p:cTn id="2" dur="indefinite" nodeType="mainSeq">
-                <p:childTnLst>
-                  <p:par>
-                    <p:cTn id="3" fill="hold">
-                      <p:stCondLst>
-                        <p:cond delay="indefinite"/>
-                      </p:stCondLst>
-                      <p:childTnLst>
-                        <p:par>
-                          <p:cTn id="4" fill="hold">
-                            <p:stCondLst>
-                              <p:cond delay="0"/>
-                            </p:stCondLst>
-                            <p:childTnLst>
-                              <p:par>
-                                <p:cTn id="5" presetID="10" presetClass="entr" presetSubtype="0" fill="hold" grpId="0" nodeType="clickEffect">
-                                  <p:stCondLst>
-                                    <p:cond delay="0"/>
-                                  </p:stCondLst>
-                                  <p:childTnLst>
-                                    <p:set>
-                                      <p:cBhvr>
-                                        <p:cTn id="6" dur="1" fill="hold">
-                                          <p:stCondLst>
-                                            <p:cond delay="0"/>
-                                          </p:stCondLst>
-                                        </p:cTn>
-                                        <p:tgtEl>
-                                          <p:spTgt spid="5">
-                                            <p:txEl>
-                                              <p:pRg st="0" end="0"/>
-                                            </p:txEl>
-                                          </p:spTgt>
-                                        </p:tgtEl>
-                                        <p:attrNameLst>
-                                          <p:attrName>style.visibility</p:attrName>
-                                        </p:attrNameLst>
-                                      </p:cBhvr>
-                                      <p:to>
-                                        <p:strVal val="visible"/>
-                                      </p:to>
-                                    </p:set>
-                                    <p:animEffect transition="in" filter="fade">
-                                      <p:cBhvr>
-                                        <p:cTn id="7" dur="500"/>
-                                        <p:tgtEl>
-                                          <p:spTgt spid="5">
-                                            <p:txEl>
-                                              <p:pRg st="0" end="0"/>
-                                            </p:txEl>
-                                          </p:spTgt>
-                                        </p:tgtEl>
-                                      </p:cBhvr>
-                                    </p:animEffect>
-                                  </p:childTnLst>
-                                </p:cTn>
-                              </p:par>
-                            </p:childTnLst>
-                          </p:cTn>
-                        </p:par>
-                      </p:childTnLst>
-                    </p:cTn>
-                  </p:par>
-                  <p:par>
-                    <p:cTn id="8" fill="hold">
-                      <p:stCondLst>
-                        <p:cond delay="indefinite"/>
-                      </p:stCondLst>
-                      <p:childTnLst>
-                        <p:par>
-                          <p:cTn id="9" fill="hold">
-                            <p:stCondLst>
-                              <p:cond delay="0"/>
-                            </p:stCondLst>
-                            <p:childTnLst>
-                              <p:par>
-                                <p:cTn id="10" presetID="10" presetClass="entr" presetSubtype="0" fill="hold" grpId="0" nodeType="clickEffect">
-                                  <p:stCondLst>
-                                    <p:cond delay="0"/>
-                                  </p:stCondLst>
-                                  <p:childTnLst>
-                                    <p:set>
-                                      <p:cBhvr>
-                                        <p:cTn id="11" dur="1" fill="hold">
-                                          <p:stCondLst>
-                                            <p:cond delay="0"/>
-                                          </p:stCondLst>
-                                        </p:cTn>
-                                        <p:tgtEl>
-                                          <p:spTgt spid="5">
-                                            <p:txEl>
-                                              <p:pRg st="1" end="1"/>
-                                            </p:txEl>
-                                          </p:spTgt>
-                                        </p:tgtEl>
-                                        <p:attrNameLst>
-                                          <p:attrName>style.visibility</p:attrName>
-                                        </p:attrNameLst>
-                                      </p:cBhvr>
-                                      <p:to>
-                                        <p:strVal val="visible"/>
-                                      </p:to>
-                                    </p:set>
-                                    <p:animEffect transition="in" filter="fade">
-                                      <p:cBhvr>
-                                        <p:cTn id="12" dur="500"/>
-                                        <p:tgtEl>
-                                          <p:spTgt spid="5">
-                                            <p:txEl>
-                                              <p:pRg st="1" end="1"/>
-                                            </p:txEl>
-                                          </p:spTgt>
-                                        </p:tgtEl>
-                                      </p:cBhvr>
-                                    </p:animEffect>
-                                  </p:childTnLst>
-                                </p:cTn>
-                              </p:par>
-                            </p:childTnLst>
-                          </p:cTn>
-                        </p:par>
-                      </p:childTnLst>
-                    </p:cTn>
-                  </p:par>
-                  <p:par>
-                    <p:cTn id="13" fill="hold">
-                      <p:stCondLst>
-                        <p:cond delay="indefinite"/>
-                      </p:stCondLst>
-                      <p:childTnLst>
-                        <p:par>
-                          <p:cTn id="14" fill="hold">
-                            <p:stCondLst>
-                              <p:cond delay="0"/>
-                            </p:stCondLst>
-                            <p:childTnLst>
-                              <p:par>
-                                <p:cTn id="15" presetID="10" presetClass="entr" presetSubtype="0" fill="hold" grpId="0" nodeType="clickEffect">
-                                  <p:stCondLst>
-                                    <p:cond delay="0"/>
-                                  </p:stCondLst>
-                                  <p:childTnLst>
-                                    <p:set>
-                                      <p:cBhvr>
-                                        <p:cTn id="16" dur="1" fill="hold">
-                                          <p:stCondLst>
-                                            <p:cond delay="0"/>
-                                          </p:stCondLst>
-                                        </p:cTn>
-                                        <p:tgtEl>
-                                          <p:spTgt spid="9">
-                                            <p:txEl>
-                                              <p:pRg st="0" end="0"/>
-                                            </p:txEl>
-                                          </p:spTgt>
-                                        </p:tgtEl>
-                                        <p:attrNameLst>
-                                          <p:attrName>style.visibility</p:attrName>
-                                        </p:attrNameLst>
-                                      </p:cBhvr>
-                                      <p:to>
-                                        <p:strVal val="visible"/>
-                                      </p:to>
-                                    </p:set>
-                                    <p:animEffect transition="in" filter="fade">
-                                      <p:cBhvr>
-                                        <p:cTn id="17" dur="500"/>
-                                        <p:tgtEl>
-                                          <p:spTgt spid="9">
-                                            <p:txEl>
-                                              <p:pRg st="0" end="0"/>
-                                            </p:txEl>
-                                          </p:spTgt>
-                                        </p:tgtEl>
-                                      </p:cBhvr>
-                                    </p:animEffect>
-                                  </p:childTnLst>
-                                </p:cTn>
-                              </p:par>
-                            </p:childTnLst>
-                          </p:cTn>
-                        </p:par>
-                      </p:childTnLst>
-                    </p:cTn>
-                  </p:par>
-                  <p:par>
-                    <p:cTn id="18" fill="hold">
-                      <p:stCondLst>
-                        <p:cond delay="indefinite"/>
-                      </p:stCondLst>
-                      <p:childTnLst>
-                        <p:par>
-                          <p:cTn id="19" fill="hold">
-                            <p:stCondLst>
-                              <p:cond delay="0"/>
-                            </p:stCondLst>
-                            <p:childTnLst>
-                              <p:par>
-                                <p:cTn id="20" presetID="10" presetClass="entr" presetSubtype="0" fill="hold" grpId="0" nodeType="clickEffect">
-                                  <p:stCondLst>
-                                    <p:cond delay="0"/>
-                                  </p:stCondLst>
-                                  <p:childTnLst>
-                                    <p:set>
-                                      <p:cBhvr>
-                                        <p:cTn id="21" dur="1" fill="hold">
-                                          <p:stCondLst>
-                                            <p:cond delay="0"/>
-                                          </p:stCondLst>
-                                        </p:cTn>
-                                        <p:tgtEl>
-                                          <p:spTgt spid="9">
-                                            <p:txEl>
-                                              <p:pRg st="1" end="1"/>
-                                            </p:txEl>
-                                          </p:spTgt>
-                                        </p:tgtEl>
-                                        <p:attrNameLst>
-                                          <p:attrName>style.visibility</p:attrName>
-                                        </p:attrNameLst>
-                                      </p:cBhvr>
-                                      <p:to>
-                                        <p:strVal val="visible"/>
-                                      </p:to>
-                                    </p:set>
-                                    <p:animEffect transition="in" filter="fade">
-                                      <p:cBhvr>
-                                        <p:cTn id="22" dur="500"/>
                                         <p:tgtEl>
                                           <p:spTgt spid="9">
                                             <p:txEl>
@@ -30111,7 +33752,7 @@
           <a:p>
             <a:r>
               <a:rPr lang="en-US" dirty="0"/>
-              <a:t>Maturity 3:  Infrastructure as Code</a:t>
+              <a:t>Maturity 3:  Advanced Security</a:t>
             </a:r>
           </a:p>
         </p:txBody>
@@ -30167,7 +33808,13 @@
           <a:p>
             <a:r>
               <a:rPr lang="en-US" dirty="0"/>
-              <a:t>None</a:t>
+              <a:t>Compliance-as-Code Operations</a:t>
+            </a:r>
+          </a:p>
+          <a:p>
+            <a:r>
+              <a:rPr lang="en-US" dirty="0"/>
+              <a:t>Security Scanning in CI/CD</a:t>
             </a:r>
           </a:p>
         </p:txBody>
@@ -30223,13 +33870,13 @@
           <a:p>
             <a:r>
               <a:rPr lang="en-US" dirty="0"/>
-              <a:t>Module Composition</a:t>
-            </a:r>
-          </a:p>
-          <a:p>
-            <a:r>
-              <a:rPr lang="en-US" dirty="0"/>
-              <a:t>Dependency Inversion</a:t>
+              <a:t>Compliance-as-Code</a:t>
+            </a:r>
+          </a:p>
+          <a:p>
+            <a:r>
+              <a:rPr lang="en-US" dirty="0"/>
+              <a:t>Attribute-Based Access Control</a:t>
             </a:r>
           </a:p>
         </p:txBody>
@@ -30237,7 +33884,7 @@
     </p:spTree>
     <p:extLst>
       <p:ext uri="{BB962C8B-B14F-4D97-AF65-F5344CB8AC3E}">
-        <p14:creationId xmlns:p14="http://schemas.microsoft.com/office/powerpoint/2010/main" val="2064217228"/>
+        <p14:creationId xmlns:p14="http://schemas.microsoft.com/office/powerpoint/2010/main" val="2013716549"/>
       </p:ext>
     </p:extLst>
   </p:cSld>
@@ -30339,9 +33986,9 @@
                                           </p:stCondLst>
                                         </p:cTn>
                                         <p:tgtEl>
-                                          <p:spTgt spid="9">
+                                          <p:spTgt spid="5">
                                             <p:txEl>
-                                              <p:pRg st="0" end="0"/>
+                                              <p:pRg st="1" end="1"/>
                                             </p:txEl>
                                           </p:spTgt>
                                         </p:tgtEl>
@@ -30357,9 +34004,9 @@
                                       <p:cBhvr>
                                         <p:cTn id="12" dur="500"/>
                                         <p:tgtEl>
-                                          <p:spTgt spid="9">
+                                          <p:spTgt spid="5">
                                             <p:txEl>
-                                              <p:pRg st="0" end="0"/>
+                                              <p:pRg st="1" end="1"/>
                                             </p:txEl>
                                           </p:spTgt>
                                         </p:tgtEl>
@@ -30402,7 +34049,7 @@
                                         <p:tgtEl>
                                           <p:spTgt spid="9">
                                             <p:txEl>
-                                              <p:pRg st="1" end="1"/>
+                                              <p:pRg st="0" end="0"/>
                                             </p:txEl>
                                           </p:spTgt>
                                         </p:tgtEl>
@@ -30417,6 +34064,67 @@
                                     <p:animEffect transition="in" filter="fade">
                                       <p:cBhvr>
                                         <p:cTn id="17" dur="500"/>
+                                        <p:tgtEl>
+                                          <p:spTgt spid="9">
+                                            <p:txEl>
+                                              <p:pRg st="0" end="0"/>
+                                            </p:txEl>
+                                          </p:spTgt>
+                                        </p:tgtEl>
+                                      </p:cBhvr>
+                                    </p:animEffect>
+                                  </p:childTnLst>
+                                </p:cTn>
+                              </p:par>
+                            </p:childTnLst>
+                          </p:cTn>
+                        </p:par>
+                      </p:childTnLst>
+                    </p:cTn>
+                  </p:par>
+                  <p:par>
+                    <p:cTn id="18" fill="hold">
+                      <p:stCondLst>
+                        <p:cond delay="indefinite"/>
+                      </p:stCondLst>
+                      <p:childTnLst>
+                        <p:par>
+                          <p:cTn id="19" fill="hold">
+                            <p:stCondLst>
+                              <p:cond delay="0"/>
+                            </p:stCondLst>
+                            <p:childTnLst>
+                              <p:par>
+                                <p:cTn id="20" presetID="10" presetClass="entr" presetSubtype="0" fill="hold" grpId="0" nodeType="clickEffect">
+                                  <p:stCondLst>
+                                    <p:cond delay="0"/>
+                                  </p:stCondLst>
+                                  <p:childTnLst>
+                                    <p:set>
+                                      <p:cBhvr>
+                                        <p:cTn id="21" dur="1" fill="hold">
+                                          <p:stCondLst>
+                                            <p:cond delay="0"/>
+                                          </p:stCondLst>
+                                        </p:cTn>
+                                        <p:tgtEl>
+                                          <p:spTgt spid="9">
+                                            <p:txEl>
+                                              <p:pRg st="1" end="1"/>
+                                            </p:txEl>
+                                          </p:spTgt>
+                                        </p:tgtEl>
+                                        <p:attrNameLst>
+                                          <p:attrName>style.visibility</p:attrName>
+                                        </p:attrNameLst>
+                                      </p:cBhvr>
+                                      <p:to>
+                                        <p:strVal val="visible"/>
+                                      </p:to>
+                                    </p:set>
+                                    <p:animEffect transition="in" filter="fade">
+                                      <p:cBhvr>
+                                        <p:cTn id="22" dur="500"/>
                                         <p:tgtEl>
                                           <p:spTgt spid="9">
                                             <p:txEl>
@@ -30504,7 +34212,7 @@
           <a:p>
             <a:r>
               <a:rPr lang="en-US" dirty="0"/>
-              <a:t>Maturity 3:  Stream Processing</a:t>
+              <a:t>Maturity 3:  Infrastructure as Code</a:t>
             </a:r>
           </a:p>
         </p:txBody>
@@ -30560,7 +34268,7 @@
           <a:p>
             <a:r>
               <a:rPr lang="en-US" dirty="0"/>
-              <a:t>Realtime Analytics</a:t>
+              <a:t>None</a:t>
             </a:r>
           </a:p>
         </p:txBody>
@@ -30616,7 +34324,13 @@
           <a:p>
             <a:r>
               <a:rPr lang="en-US" dirty="0"/>
-              <a:t>Machine Learner</a:t>
+              <a:t>Module Composition</a:t>
+            </a:r>
+          </a:p>
+          <a:p>
+            <a:r>
+              <a:rPr lang="en-US" dirty="0"/>
+              <a:t>Dependency Inversion</a:t>
             </a:r>
           </a:p>
         </p:txBody>
@@ -30624,7 +34338,7 @@
     </p:spTree>
     <p:extLst>
       <p:ext uri="{BB962C8B-B14F-4D97-AF65-F5344CB8AC3E}">
-        <p14:creationId xmlns:p14="http://schemas.microsoft.com/office/powerpoint/2010/main" val="884622488"/>
+        <p14:creationId xmlns:p14="http://schemas.microsoft.com/office/powerpoint/2010/main" val="2064217228"/>
       </p:ext>
     </p:extLst>
   </p:cSld>
@@ -30747,6 +34461,67 @@
                                           <p:spTgt spid="9">
                                             <p:txEl>
                                               <p:pRg st="0" end="0"/>
+                                            </p:txEl>
+                                          </p:spTgt>
+                                        </p:tgtEl>
+                                      </p:cBhvr>
+                                    </p:animEffect>
+                                  </p:childTnLst>
+                                </p:cTn>
+                              </p:par>
+                            </p:childTnLst>
+                          </p:cTn>
+                        </p:par>
+                      </p:childTnLst>
+                    </p:cTn>
+                  </p:par>
+                  <p:par>
+                    <p:cTn id="13" fill="hold">
+                      <p:stCondLst>
+                        <p:cond delay="indefinite"/>
+                      </p:stCondLst>
+                      <p:childTnLst>
+                        <p:par>
+                          <p:cTn id="14" fill="hold">
+                            <p:stCondLst>
+                              <p:cond delay="0"/>
+                            </p:stCondLst>
+                            <p:childTnLst>
+                              <p:par>
+                                <p:cTn id="15" presetID="10" presetClass="entr" presetSubtype="0" fill="hold" grpId="0" nodeType="clickEffect">
+                                  <p:stCondLst>
+                                    <p:cond delay="0"/>
+                                  </p:stCondLst>
+                                  <p:childTnLst>
+                                    <p:set>
+                                      <p:cBhvr>
+                                        <p:cTn id="16" dur="1" fill="hold">
+                                          <p:stCondLst>
+                                            <p:cond delay="0"/>
+                                          </p:stCondLst>
+                                        </p:cTn>
+                                        <p:tgtEl>
+                                          <p:spTgt spid="9">
+                                            <p:txEl>
+                                              <p:pRg st="1" end="1"/>
+                                            </p:txEl>
+                                          </p:spTgt>
+                                        </p:tgtEl>
+                                        <p:attrNameLst>
+                                          <p:attrName>style.visibility</p:attrName>
+                                        </p:attrNameLst>
+                                      </p:cBhvr>
+                                      <p:to>
+                                        <p:strVal val="visible"/>
+                                      </p:to>
+                                    </p:set>
+                                    <p:animEffect transition="in" filter="fade">
+                                      <p:cBhvr>
+                                        <p:cTn id="17" dur="500"/>
+                                        <p:tgtEl>
+                                          <p:spTgt spid="9">
+                                            <p:txEl>
+                                              <p:pRg st="1" end="1"/>
                                             </p:txEl>
                                           </p:spTgt>
                                         </p:tgtEl>
@@ -30830,7 +34605,7 @@
           <a:p>
             <a:r>
               <a:rPr lang="en-US" dirty="0"/>
-              <a:t>Maturity 3:  Advanced Documentation</a:t>
+              <a:t>Maturity 3:  Stream Processing</a:t>
             </a:r>
           </a:p>
         </p:txBody>
@@ -30886,13 +34661,7 @@
           <a:p>
             <a:r>
               <a:rPr lang="en-US" dirty="0"/>
-              <a:t>Architecture Decision Records</a:t>
-            </a:r>
-          </a:p>
-          <a:p>
-            <a:r>
-              <a:rPr lang="en-US" dirty="0"/>
-              <a:t>Knowledge Management System</a:t>
+              <a:t>Realtime Analytics</a:t>
             </a:r>
           </a:p>
         </p:txBody>
@@ -30948,7 +34717,7 @@
           <a:p>
             <a:r>
               <a:rPr lang="en-US" dirty="0"/>
-              <a:t>None</a:t>
+              <a:t>Machine Learner</a:t>
             </a:r>
           </a:p>
         </p:txBody>
@@ -30956,7 +34725,7 @@
     </p:spTree>
     <p:extLst>
       <p:ext uri="{BB962C8B-B14F-4D97-AF65-F5344CB8AC3E}">
-        <p14:creationId xmlns:p14="http://schemas.microsoft.com/office/powerpoint/2010/main" val="925209016"/>
+        <p14:creationId xmlns:p14="http://schemas.microsoft.com/office/powerpoint/2010/main" val="884622488"/>
       </p:ext>
     </p:extLst>
   </p:cSld>
@@ -31058,9 +34827,9 @@
                                           </p:stCondLst>
                                         </p:cTn>
                                         <p:tgtEl>
-                                          <p:spTgt spid="5">
+                                          <p:spTgt spid="9">
                                             <p:txEl>
-                                              <p:pRg st="1" end="1"/>
+                                              <p:pRg st="0" end="0"/>
                                             </p:txEl>
                                           </p:spTgt>
                                         </p:tgtEl>
@@ -31075,67 +34844,6 @@
                                     <p:animEffect transition="in" filter="fade">
                                       <p:cBhvr>
                                         <p:cTn id="12" dur="500"/>
-                                        <p:tgtEl>
-                                          <p:spTgt spid="5">
-                                            <p:txEl>
-                                              <p:pRg st="1" end="1"/>
-                                            </p:txEl>
-                                          </p:spTgt>
-                                        </p:tgtEl>
-                                      </p:cBhvr>
-                                    </p:animEffect>
-                                  </p:childTnLst>
-                                </p:cTn>
-                              </p:par>
-                            </p:childTnLst>
-                          </p:cTn>
-                        </p:par>
-                      </p:childTnLst>
-                    </p:cTn>
-                  </p:par>
-                  <p:par>
-                    <p:cTn id="13" fill="hold">
-                      <p:stCondLst>
-                        <p:cond delay="indefinite"/>
-                      </p:stCondLst>
-                      <p:childTnLst>
-                        <p:par>
-                          <p:cTn id="14" fill="hold">
-                            <p:stCondLst>
-                              <p:cond delay="0"/>
-                            </p:stCondLst>
-                            <p:childTnLst>
-                              <p:par>
-                                <p:cTn id="15" presetID="10" presetClass="entr" presetSubtype="0" fill="hold" grpId="0" nodeType="clickEffect">
-                                  <p:stCondLst>
-                                    <p:cond delay="0"/>
-                                  </p:stCondLst>
-                                  <p:childTnLst>
-                                    <p:set>
-                                      <p:cBhvr>
-                                        <p:cTn id="16" dur="1" fill="hold">
-                                          <p:stCondLst>
-                                            <p:cond delay="0"/>
-                                          </p:stCondLst>
-                                        </p:cTn>
-                                        <p:tgtEl>
-                                          <p:spTgt spid="9">
-                                            <p:txEl>
-                                              <p:pRg st="0" end="0"/>
-                                            </p:txEl>
-                                          </p:spTgt>
-                                        </p:tgtEl>
-                                        <p:attrNameLst>
-                                          <p:attrName>style.visibility</p:attrName>
-                                        </p:attrNameLst>
-                                      </p:cBhvr>
-                                      <p:to>
-                                        <p:strVal val="visible"/>
-                                      </p:to>
-                                    </p:set>
-                                    <p:animEffect transition="in" filter="fade">
-                                      <p:cBhvr>
-                                        <p:cTn id="17" dur="500"/>
                                         <p:tgtEl>
                                           <p:spTgt spid="9">
                                             <p:txEl>
@@ -31202,6 +34910,399 @@
       </p:grpSpPr>
       <p:sp>
         <p:nvSpPr>
+          <p:cNvPr id="4" name="Title 3">
+            <a:extLst>
+              <a:ext uri="{FF2B5EF4-FFF2-40B4-BE49-F238E27FC236}">
+                <a16:creationId xmlns:a16="http://schemas.microsoft.com/office/drawing/2014/main" id="{E029C70B-AB45-A9DE-E3C2-8DD14192BBE1}"/>
+              </a:ext>
+            </a:extLst>
+          </p:cNvPr>
+          <p:cNvSpPr>
+            <a:spLocks noGrp="1"/>
+          </p:cNvSpPr>
+          <p:nvPr>
+            <p:ph type="title"/>
+          </p:nvPr>
+        </p:nvSpPr>
+        <p:spPr/>
+        <p:txBody>
+          <a:bodyPr/>
+          <a:lstStyle/>
+          <a:p>
+            <a:r>
+              <a:rPr lang="en-US" dirty="0"/>
+              <a:t>Maturity 3:  Advanced Documentation</a:t>
+            </a:r>
+          </a:p>
+        </p:txBody>
+      </p:sp>
+      <p:sp>
+        <p:nvSpPr>
+          <p:cNvPr id="7" name="Text Placeholder 6">
+            <a:extLst>
+              <a:ext uri="{FF2B5EF4-FFF2-40B4-BE49-F238E27FC236}">
+                <a16:creationId xmlns:a16="http://schemas.microsoft.com/office/drawing/2014/main" id="{A5453D98-63B1-147E-D77B-CE66CE30027F}"/>
+              </a:ext>
+            </a:extLst>
+          </p:cNvPr>
+          <p:cNvSpPr>
+            <a:spLocks noGrp="1"/>
+          </p:cNvSpPr>
+          <p:nvPr>
+            <p:ph type="body" idx="1"/>
+          </p:nvPr>
+        </p:nvSpPr>
+        <p:spPr/>
+        <p:txBody>
+          <a:bodyPr/>
+          <a:lstStyle/>
+          <a:p>
+            <a:r>
+              <a:rPr lang="en-US" dirty="0"/>
+              <a:t>Practices</a:t>
+            </a:r>
+          </a:p>
+        </p:txBody>
+      </p:sp>
+      <p:sp>
+        <p:nvSpPr>
+          <p:cNvPr id="5" name="Content Placeholder 4">
+            <a:extLst>
+              <a:ext uri="{FF2B5EF4-FFF2-40B4-BE49-F238E27FC236}">
+                <a16:creationId xmlns:a16="http://schemas.microsoft.com/office/drawing/2014/main" id="{E85B7CB0-47B2-5501-9715-053540A0A1BB}"/>
+              </a:ext>
+            </a:extLst>
+          </p:cNvPr>
+          <p:cNvSpPr>
+            <a:spLocks noGrp="1"/>
+          </p:cNvSpPr>
+          <p:nvPr>
+            <p:ph sz="half" idx="2"/>
+          </p:nvPr>
+        </p:nvSpPr>
+        <p:spPr/>
+        <p:txBody>
+          <a:bodyPr/>
+          <a:lstStyle/>
+          <a:p>
+            <a:r>
+              <a:rPr lang="en-US" dirty="0"/>
+              <a:t>Architecture Decision Records</a:t>
+            </a:r>
+          </a:p>
+          <a:p>
+            <a:r>
+              <a:rPr lang="en-US" dirty="0"/>
+              <a:t>Knowledge Management System</a:t>
+            </a:r>
+          </a:p>
+        </p:txBody>
+      </p:sp>
+      <p:sp>
+        <p:nvSpPr>
+          <p:cNvPr id="8" name="Text Placeholder 7">
+            <a:extLst>
+              <a:ext uri="{FF2B5EF4-FFF2-40B4-BE49-F238E27FC236}">
+                <a16:creationId xmlns:a16="http://schemas.microsoft.com/office/drawing/2014/main" id="{EDF9A492-30E0-59B2-A3E3-A642E5D73543}"/>
+              </a:ext>
+            </a:extLst>
+          </p:cNvPr>
+          <p:cNvSpPr>
+            <a:spLocks noGrp="1"/>
+          </p:cNvSpPr>
+          <p:nvPr>
+            <p:ph type="body" sz="quarter" idx="3"/>
+          </p:nvPr>
+        </p:nvSpPr>
+        <p:spPr/>
+        <p:txBody>
+          <a:bodyPr/>
+          <a:lstStyle/>
+          <a:p>
+            <a:r>
+              <a:rPr lang="en-US" dirty="0"/>
+              <a:t>Patterns</a:t>
+            </a:r>
+          </a:p>
+        </p:txBody>
+      </p:sp>
+      <p:sp>
+        <p:nvSpPr>
+          <p:cNvPr id="9" name="Content Placeholder 8">
+            <a:extLst>
+              <a:ext uri="{FF2B5EF4-FFF2-40B4-BE49-F238E27FC236}">
+                <a16:creationId xmlns:a16="http://schemas.microsoft.com/office/drawing/2014/main" id="{DC46CEB2-5483-2A1C-A5DF-6A83CEAD134B}"/>
+              </a:ext>
+            </a:extLst>
+          </p:cNvPr>
+          <p:cNvSpPr>
+            <a:spLocks noGrp="1"/>
+          </p:cNvSpPr>
+          <p:nvPr>
+            <p:ph sz="quarter" idx="4"/>
+          </p:nvPr>
+        </p:nvSpPr>
+        <p:spPr/>
+        <p:txBody>
+          <a:bodyPr/>
+          <a:lstStyle/>
+          <a:p>
+            <a:r>
+              <a:rPr lang="en-US" dirty="0"/>
+              <a:t>None</a:t>
+            </a:r>
+          </a:p>
+        </p:txBody>
+      </p:sp>
+    </p:spTree>
+    <p:extLst>
+      <p:ext uri="{BB962C8B-B14F-4D97-AF65-F5344CB8AC3E}">
+        <p14:creationId xmlns:p14="http://schemas.microsoft.com/office/powerpoint/2010/main" val="925209016"/>
+      </p:ext>
+    </p:extLst>
+  </p:cSld>
+  <p:clrMapOvr>
+    <a:masterClrMapping/>
+  </p:clrMapOvr>
+  <p:timing>
+    <p:tnLst>
+      <p:par>
+        <p:cTn id="1" dur="indefinite" restart="never" nodeType="tmRoot">
+          <p:childTnLst>
+            <p:seq concurrent="1" nextAc="seek">
+              <p:cTn id="2" dur="indefinite" nodeType="mainSeq">
+                <p:childTnLst>
+                  <p:par>
+                    <p:cTn id="3" fill="hold">
+                      <p:stCondLst>
+                        <p:cond delay="indefinite"/>
+                      </p:stCondLst>
+                      <p:childTnLst>
+                        <p:par>
+                          <p:cTn id="4" fill="hold">
+                            <p:stCondLst>
+                              <p:cond delay="0"/>
+                            </p:stCondLst>
+                            <p:childTnLst>
+                              <p:par>
+                                <p:cTn id="5" presetID="10" presetClass="entr" presetSubtype="0" fill="hold" grpId="0" nodeType="clickEffect">
+                                  <p:stCondLst>
+                                    <p:cond delay="0"/>
+                                  </p:stCondLst>
+                                  <p:childTnLst>
+                                    <p:set>
+                                      <p:cBhvr>
+                                        <p:cTn id="6" dur="1" fill="hold">
+                                          <p:stCondLst>
+                                            <p:cond delay="0"/>
+                                          </p:stCondLst>
+                                        </p:cTn>
+                                        <p:tgtEl>
+                                          <p:spTgt spid="5">
+                                            <p:txEl>
+                                              <p:pRg st="0" end="0"/>
+                                            </p:txEl>
+                                          </p:spTgt>
+                                        </p:tgtEl>
+                                        <p:attrNameLst>
+                                          <p:attrName>style.visibility</p:attrName>
+                                        </p:attrNameLst>
+                                      </p:cBhvr>
+                                      <p:to>
+                                        <p:strVal val="visible"/>
+                                      </p:to>
+                                    </p:set>
+                                    <p:animEffect transition="in" filter="fade">
+                                      <p:cBhvr>
+                                        <p:cTn id="7" dur="500"/>
+                                        <p:tgtEl>
+                                          <p:spTgt spid="5">
+                                            <p:txEl>
+                                              <p:pRg st="0" end="0"/>
+                                            </p:txEl>
+                                          </p:spTgt>
+                                        </p:tgtEl>
+                                      </p:cBhvr>
+                                    </p:animEffect>
+                                  </p:childTnLst>
+                                </p:cTn>
+                              </p:par>
+                            </p:childTnLst>
+                          </p:cTn>
+                        </p:par>
+                      </p:childTnLst>
+                    </p:cTn>
+                  </p:par>
+                  <p:par>
+                    <p:cTn id="8" fill="hold">
+                      <p:stCondLst>
+                        <p:cond delay="indefinite"/>
+                      </p:stCondLst>
+                      <p:childTnLst>
+                        <p:par>
+                          <p:cTn id="9" fill="hold">
+                            <p:stCondLst>
+                              <p:cond delay="0"/>
+                            </p:stCondLst>
+                            <p:childTnLst>
+                              <p:par>
+                                <p:cTn id="10" presetID="10" presetClass="entr" presetSubtype="0" fill="hold" grpId="0" nodeType="clickEffect">
+                                  <p:stCondLst>
+                                    <p:cond delay="0"/>
+                                  </p:stCondLst>
+                                  <p:childTnLst>
+                                    <p:set>
+                                      <p:cBhvr>
+                                        <p:cTn id="11" dur="1" fill="hold">
+                                          <p:stCondLst>
+                                            <p:cond delay="0"/>
+                                          </p:stCondLst>
+                                        </p:cTn>
+                                        <p:tgtEl>
+                                          <p:spTgt spid="5">
+                                            <p:txEl>
+                                              <p:pRg st="1" end="1"/>
+                                            </p:txEl>
+                                          </p:spTgt>
+                                        </p:tgtEl>
+                                        <p:attrNameLst>
+                                          <p:attrName>style.visibility</p:attrName>
+                                        </p:attrNameLst>
+                                      </p:cBhvr>
+                                      <p:to>
+                                        <p:strVal val="visible"/>
+                                      </p:to>
+                                    </p:set>
+                                    <p:animEffect transition="in" filter="fade">
+                                      <p:cBhvr>
+                                        <p:cTn id="12" dur="500"/>
+                                        <p:tgtEl>
+                                          <p:spTgt spid="5">
+                                            <p:txEl>
+                                              <p:pRg st="1" end="1"/>
+                                            </p:txEl>
+                                          </p:spTgt>
+                                        </p:tgtEl>
+                                      </p:cBhvr>
+                                    </p:animEffect>
+                                  </p:childTnLst>
+                                </p:cTn>
+                              </p:par>
+                            </p:childTnLst>
+                          </p:cTn>
+                        </p:par>
+                      </p:childTnLst>
+                    </p:cTn>
+                  </p:par>
+                  <p:par>
+                    <p:cTn id="13" fill="hold">
+                      <p:stCondLst>
+                        <p:cond delay="indefinite"/>
+                      </p:stCondLst>
+                      <p:childTnLst>
+                        <p:par>
+                          <p:cTn id="14" fill="hold">
+                            <p:stCondLst>
+                              <p:cond delay="0"/>
+                            </p:stCondLst>
+                            <p:childTnLst>
+                              <p:par>
+                                <p:cTn id="15" presetID="10" presetClass="entr" presetSubtype="0" fill="hold" grpId="0" nodeType="clickEffect">
+                                  <p:stCondLst>
+                                    <p:cond delay="0"/>
+                                  </p:stCondLst>
+                                  <p:childTnLst>
+                                    <p:set>
+                                      <p:cBhvr>
+                                        <p:cTn id="16" dur="1" fill="hold">
+                                          <p:stCondLst>
+                                            <p:cond delay="0"/>
+                                          </p:stCondLst>
+                                        </p:cTn>
+                                        <p:tgtEl>
+                                          <p:spTgt spid="9">
+                                            <p:txEl>
+                                              <p:pRg st="0" end="0"/>
+                                            </p:txEl>
+                                          </p:spTgt>
+                                        </p:tgtEl>
+                                        <p:attrNameLst>
+                                          <p:attrName>style.visibility</p:attrName>
+                                        </p:attrNameLst>
+                                      </p:cBhvr>
+                                      <p:to>
+                                        <p:strVal val="visible"/>
+                                      </p:to>
+                                    </p:set>
+                                    <p:animEffect transition="in" filter="fade">
+                                      <p:cBhvr>
+                                        <p:cTn id="17" dur="500"/>
+                                        <p:tgtEl>
+                                          <p:spTgt spid="9">
+                                            <p:txEl>
+                                              <p:pRg st="0" end="0"/>
+                                            </p:txEl>
+                                          </p:spTgt>
+                                        </p:tgtEl>
+                                      </p:cBhvr>
+                                    </p:animEffect>
+                                  </p:childTnLst>
+                                </p:cTn>
+                              </p:par>
+                            </p:childTnLst>
+                          </p:cTn>
+                        </p:par>
+                      </p:childTnLst>
+                    </p:cTn>
+                  </p:par>
+                </p:childTnLst>
+              </p:cTn>
+              <p:prevCondLst>
+                <p:cond evt="onPrev" delay="0">
+                  <p:tgtEl>
+                    <p:sldTgt/>
+                  </p:tgtEl>
+                </p:cond>
+              </p:prevCondLst>
+              <p:nextCondLst>
+                <p:cond evt="onNext" delay="0">
+                  <p:tgtEl>
+                    <p:sldTgt/>
+                  </p:tgtEl>
+                </p:cond>
+              </p:nextCondLst>
+            </p:seq>
+          </p:childTnLst>
+        </p:cTn>
+      </p:par>
+    </p:tnLst>
+    <p:bldLst>
+      <p:bldP spid="5" grpId="0" build="p"/>
+      <p:bldP spid="9" grpId="0" build="p"/>
+    </p:bldLst>
+  </p:timing>
+</p:sld>
+</file>
+
+<file path=ppt/slides/slide86.xml><?xml version="1.0" encoding="utf-8"?>
+<p:sld xmlns:a="http://schemas.openxmlformats.org/drawingml/2006/main" xmlns:r="http://schemas.openxmlformats.org/officeDocument/2006/relationships" xmlns:p="http://schemas.openxmlformats.org/presentationml/2006/main">
+  <p:cSld>
+    <p:spTree>
+      <p:nvGrpSpPr>
+        <p:cNvPr id="1" name=""/>
+        <p:cNvGrpSpPr/>
+        <p:nvPr/>
+      </p:nvGrpSpPr>
+      <p:grpSpPr>
+        <a:xfrm>
+          <a:off x="0" y="0"/>
+          <a:ext cx="0" cy="0"/>
+          <a:chOff x="0" y="0"/>
+          <a:chExt cx="0" cy="0"/>
+        </a:xfrm>
+      </p:grpSpPr>
+      <p:sp>
+        <p:nvSpPr>
           <p:cNvPr id="7" name="Title 6">
             <a:extLst>
               <a:ext uri="{FF2B5EF4-FFF2-40B4-BE49-F238E27FC236}">
@@ -31277,7 +35378,7 @@
 </p:sld>
 </file>
 
-<file path=ppt/slides/slide86.xml><?xml version="1.0" encoding="utf-8"?>
+<file path=ppt/slides/slide87.xml><?xml version="1.0" encoding="utf-8"?>
 <p:sld xmlns:a="http://schemas.openxmlformats.org/drawingml/2006/main" xmlns:r="http://schemas.openxmlformats.org/officeDocument/2006/relationships" xmlns:p="http://schemas.openxmlformats.org/presentationml/2006/main">
   <p:cSld>
     <p:spTree>
@@ -31591,92 +35692,6 @@
 </p:sld>
 </file>
 
-<file path=ppt/slides/slide87.xml><?xml version="1.0" encoding="utf-8"?>
-<p:sld xmlns:a="http://schemas.openxmlformats.org/drawingml/2006/main" xmlns:r="http://schemas.openxmlformats.org/officeDocument/2006/relationships" xmlns:p="http://schemas.openxmlformats.org/presentationml/2006/main">
-  <p:cSld>
-    <p:spTree>
-      <p:nvGrpSpPr>
-        <p:cNvPr id="1" name=""/>
-        <p:cNvGrpSpPr/>
-        <p:nvPr/>
-      </p:nvGrpSpPr>
-      <p:grpSpPr>
-        <a:xfrm>
-          <a:off x="0" y="0"/>
-          <a:ext cx="0" cy="0"/>
-          <a:chOff x="0" y="0"/>
-          <a:chExt cx="0" cy="0"/>
-        </a:xfrm>
-      </p:grpSpPr>
-      <p:sp>
-        <p:nvSpPr>
-          <p:cNvPr id="4" name="Title 3">
-            <a:extLst>
-              <a:ext uri="{FF2B5EF4-FFF2-40B4-BE49-F238E27FC236}">
-                <a16:creationId xmlns:a16="http://schemas.microsoft.com/office/drawing/2014/main" id="{2599EE94-A901-A65E-BB33-EBF0CA7A46F0}"/>
-              </a:ext>
-            </a:extLst>
-          </p:cNvPr>
-          <p:cNvSpPr>
-            <a:spLocks noGrp="1"/>
-          </p:cNvSpPr>
-          <p:nvPr>
-            <p:ph type="title"/>
-          </p:nvPr>
-        </p:nvSpPr>
-        <p:spPr/>
-        <p:txBody>
-          <a:bodyPr/>
-          <a:lstStyle/>
-          <a:p>
-            <a:r>
-              <a:rPr lang="en-US" dirty="0"/>
-              <a:t>References</a:t>
-            </a:r>
-          </a:p>
-        </p:txBody>
-      </p:sp>
-      <p:sp>
-        <p:nvSpPr>
-          <p:cNvPr id="5" name="Text Placeholder 4">
-            <a:extLst>
-              <a:ext uri="{FF2B5EF4-FFF2-40B4-BE49-F238E27FC236}">
-                <a16:creationId xmlns:a16="http://schemas.microsoft.com/office/drawing/2014/main" id="{4BD855A7-84C6-1489-B006-FA3ADB744B40}"/>
-              </a:ext>
-            </a:extLst>
-          </p:cNvPr>
-          <p:cNvSpPr>
-            <a:spLocks noGrp="1"/>
-          </p:cNvSpPr>
-          <p:nvPr>
-            <p:ph type="body" idx="1"/>
-          </p:nvPr>
-        </p:nvSpPr>
-        <p:spPr/>
-        <p:txBody>
-          <a:bodyPr/>
-          <a:lstStyle/>
-          <a:p>
-            <a:r>
-              <a:rPr lang="en-US" dirty="0"/>
-              <a:t>Wherein I list my cheat codes…</a:t>
-            </a:r>
-          </a:p>
-        </p:txBody>
-      </p:sp>
-    </p:spTree>
-    <p:extLst>
-      <p:ext uri="{BB962C8B-B14F-4D97-AF65-F5344CB8AC3E}">
-        <p14:creationId xmlns:p14="http://schemas.microsoft.com/office/powerpoint/2010/main" val="1795671232"/>
-      </p:ext>
-    </p:extLst>
-  </p:cSld>
-  <p:clrMapOvr>
-    <a:masterClrMapping/>
-  </p:clrMapOvr>
-</p:sld>
-</file>
-
 <file path=ppt/slides/slide88.xml><?xml version="1.0" encoding="utf-8"?>
 <p:sld xmlns:a="http://schemas.openxmlformats.org/drawingml/2006/main" xmlns:r="http://schemas.openxmlformats.org/officeDocument/2006/relationships" xmlns:p="http://schemas.openxmlformats.org/presentationml/2006/main">
   <p:cSld>
@@ -31699,7 +35714,7 @@
           <p:cNvPr id="4" name="Title 3">
             <a:extLst>
               <a:ext uri="{FF2B5EF4-FFF2-40B4-BE49-F238E27FC236}">
-                <a16:creationId xmlns:a16="http://schemas.microsoft.com/office/drawing/2014/main" id="{99A30D1F-5A66-76C6-13CA-B704642C03BD}"/>
+                <a16:creationId xmlns:a16="http://schemas.microsoft.com/office/drawing/2014/main" id="{2599EE94-A901-A65E-BB33-EBF0CA7A46F0}"/>
               </a:ext>
             </a:extLst>
           </p:cNvPr>
@@ -31717,17 +35732,17 @@
           <a:p>
             <a:r>
               <a:rPr lang="en-US" dirty="0"/>
-              <a:t>The Twelve-Factor App</a:t>
-            </a:r>
-          </a:p>
-        </p:txBody>
-      </p:sp>
-      <p:sp>
-        <p:nvSpPr>
-          <p:cNvPr id="5" name="Content Placeholder 4">
+              <a:t>References</a:t>
+            </a:r>
+          </a:p>
+        </p:txBody>
+      </p:sp>
+      <p:sp>
+        <p:nvSpPr>
+          <p:cNvPr id="5" name="Text Placeholder 4">
             <a:extLst>
               <a:ext uri="{FF2B5EF4-FFF2-40B4-BE49-F238E27FC236}">
-                <a16:creationId xmlns:a16="http://schemas.microsoft.com/office/drawing/2014/main" id="{D90CEBFC-838E-1CF2-EEA4-22B1BB62A112}"/>
+                <a16:creationId xmlns:a16="http://schemas.microsoft.com/office/drawing/2014/main" id="{4BD855A7-84C6-1489-B006-FA3ADB744B40}"/>
               </a:ext>
             </a:extLst>
           </p:cNvPr>
@@ -31735,40 +35750,25 @@
             <a:spLocks noGrp="1"/>
           </p:cNvSpPr>
           <p:nvPr>
-            <p:ph idx="1"/>
-          </p:nvPr>
-        </p:nvSpPr>
-        <p:spPr/>
-        <p:txBody>
-          <a:bodyPr/>
-          <a:lstStyle/>
-          <a:p>
-            <a:pPr marL="0" indent="0">
-              <a:buNone/>
-            </a:pPr>
-            <a:r>
-              <a:rPr lang="en-US" dirty="0"/>
-              <a:t>Contributed by the builders of the Heroku SaaS platform.</a:t>
-            </a:r>
-          </a:p>
-          <a:p>
-            <a:pPr marL="0" indent="0">
-              <a:buNone/>
-            </a:pPr>
-            <a:r>
-              <a:rPr lang="en-US" dirty="0">
-                <a:hlinkClick r:id="rId2"/>
-              </a:rPr>
-              <a:t>https://12factor.net/</a:t>
-            </a:r>
-            <a:endParaRPr lang="en-US" dirty="0"/>
+            <p:ph type="body" idx="1"/>
+          </p:nvPr>
+        </p:nvSpPr>
+        <p:spPr/>
+        <p:txBody>
+          <a:bodyPr/>
+          <a:lstStyle/>
+          <a:p>
+            <a:r>
+              <a:rPr lang="en-US" dirty="0"/>
+              <a:t>Wherein I list my cheat codes…</a:t>
+            </a:r>
           </a:p>
         </p:txBody>
       </p:sp>
     </p:spTree>
     <p:extLst>
       <p:ext uri="{BB962C8B-B14F-4D97-AF65-F5344CB8AC3E}">
-        <p14:creationId xmlns:p14="http://schemas.microsoft.com/office/powerpoint/2010/main" val="3708998327"/>
+        <p14:creationId xmlns:p14="http://schemas.microsoft.com/office/powerpoint/2010/main" val="1795671232"/>
       </p:ext>
     </p:extLst>
   </p:cSld>
@@ -31797,10 +35797,10 @@
       </p:grpSpPr>
       <p:sp>
         <p:nvSpPr>
-          <p:cNvPr id="2" name="Title 1">
+          <p:cNvPr id="4" name="Title 3">
             <a:extLst>
               <a:ext uri="{FF2B5EF4-FFF2-40B4-BE49-F238E27FC236}">
-                <a16:creationId xmlns:a16="http://schemas.microsoft.com/office/drawing/2014/main" id="{F675241A-47E2-F11F-0C1C-A5C21180127B}"/>
+                <a16:creationId xmlns:a16="http://schemas.microsoft.com/office/drawing/2014/main" id="{99A30D1F-5A66-76C6-13CA-B704642C03BD}"/>
               </a:ext>
             </a:extLst>
           </p:cNvPr>
@@ -31818,17 +35818,17 @@
           <a:p>
             <a:r>
               <a:rPr lang="en-US" dirty="0"/>
-              <a:t>Sam Newman:  Building Microservices</a:t>
-            </a:r>
-          </a:p>
-        </p:txBody>
-      </p:sp>
-      <p:sp>
-        <p:nvSpPr>
-          <p:cNvPr id="3" name="Content Placeholder 2">
+              <a:t>The Twelve-Factor App</a:t>
+            </a:r>
+          </a:p>
+        </p:txBody>
+      </p:sp>
+      <p:sp>
+        <p:nvSpPr>
+          <p:cNvPr id="5" name="Content Placeholder 4">
             <a:extLst>
               <a:ext uri="{FF2B5EF4-FFF2-40B4-BE49-F238E27FC236}">
-                <a16:creationId xmlns:a16="http://schemas.microsoft.com/office/drawing/2014/main" id="{3CAFFE8A-BA62-AAB0-ADA7-B6ADC81E22D2}"/>
+                <a16:creationId xmlns:a16="http://schemas.microsoft.com/office/drawing/2014/main" id="{D90CEBFC-838E-1CF2-EEA4-22B1BB62A112}"/>
               </a:ext>
             </a:extLst>
           </p:cNvPr>
@@ -31848,10 +35848,19 @@
               <a:buNone/>
             </a:pPr>
             <a:r>
+              <a:rPr lang="en-US" dirty="0"/>
+              <a:t>Contributed by the builders of the Heroku SaaS platform.</a:t>
+            </a:r>
+          </a:p>
+          <a:p>
+            <a:pPr marL="0" indent="0">
+              <a:buNone/>
+            </a:pPr>
+            <a:r>
               <a:rPr lang="en-US" dirty="0">
                 <a:hlinkClick r:id="rId2"/>
               </a:rPr>
-              <a:t>O’Reilly Publishing</a:t>
+              <a:t>https://12factor.net/</a:t>
             </a:r>
             <a:endParaRPr lang="en-US" dirty="0"/>
           </a:p>
@@ -31860,7 +35869,7 @@
     </p:spTree>
     <p:extLst>
       <p:ext uri="{BB962C8B-B14F-4D97-AF65-F5344CB8AC3E}">
-        <p14:creationId xmlns:p14="http://schemas.microsoft.com/office/powerpoint/2010/main" val="4249100900"/>
+        <p14:creationId xmlns:p14="http://schemas.microsoft.com/office/powerpoint/2010/main" val="3708998327"/>
       </p:ext>
     </p:extLst>
   </p:cSld>
@@ -32676,6 +36685,98 @@
 </file>
 
 <file path=ppt/slides/slide90.xml><?xml version="1.0" encoding="utf-8"?>
+<p:sld xmlns:a="http://schemas.openxmlformats.org/drawingml/2006/main" xmlns:r="http://schemas.openxmlformats.org/officeDocument/2006/relationships" xmlns:p="http://schemas.openxmlformats.org/presentationml/2006/main">
+  <p:cSld>
+    <p:spTree>
+      <p:nvGrpSpPr>
+        <p:cNvPr id="1" name=""/>
+        <p:cNvGrpSpPr/>
+        <p:nvPr/>
+      </p:nvGrpSpPr>
+      <p:grpSpPr>
+        <a:xfrm>
+          <a:off x="0" y="0"/>
+          <a:ext cx="0" cy="0"/>
+          <a:chOff x="0" y="0"/>
+          <a:chExt cx="0" cy="0"/>
+        </a:xfrm>
+      </p:grpSpPr>
+      <p:sp>
+        <p:nvSpPr>
+          <p:cNvPr id="2" name="Title 1">
+            <a:extLst>
+              <a:ext uri="{FF2B5EF4-FFF2-40B4-BE49-F238E27FC236}">
+                <a16:creationId xmlns:a16="http://schemas.microsoft.com/office/drawing/2014/main" id="{F675241A-47E2-F11F-0C1C-A5C21180127B}"/>
+              </a:ext>
+            </a:extLst>
+          </p:cNvPr>
+          <p:cNvSpPr>
+            <a:spLocks noGrp="1"/>
+          </p:cNvSpPr>
+          <p:nvPr>
+            <p:ph type="title"/>
+          </p:nvPr>
+        </p:nvSpPr>
+        <p:spPr/>
+        <p:txBody>
+          <a:bodyPr/>
+          <a:lstStyle/>
+          <a:p>
+            <a:r>
+              <a:rPr lang="en-US" dirty="0"/>
+              <a:t>Sam Newman:  Building Microservices</a:t>
+            </a:r>
+          </a:p>
+        </p:txBody>
+      </p:sp>
+      <p:sp>
+        <p:nvSpPr>
+          <p:cNvPr id="3" name="Content Placeholder 2">
+            <a:extLst>
+              <a:ext uri="{FF2B5EF4-FFF2-40B4-BE49-F238E27FC236}">
+                <a16:creationId xmlns:a16="http://schemas.microsoft.com/office/drawing/2014/main" id="{3CAFFE8A-BA62-AAB0-ADA7-B6ADC81E22D2}"/>
+              </a:ext>
+            </a:extLst>
+          </p:cNvPr>
+          <p:cNvSpPr>
+            <a:spLocks noGrp="1"/>
+          </p:cNvSpPr>
+          <p:nvPr>
+            <p:ph idx="1"/>
+          </p:nvPr>
+        </p:nvSpPr>
+        <p:spPr/>
+        <p:txBody>
+          <a:bodyPr/>
+          <a:lstStyle/>
+          <a:p>
+            <a:pPr marL="0" indent="0">
+              <a:buNone/>
+            </a:pPr>
+            <a:r>
+              <a:rPr lang="en-US" dirty="0">
+                <a:hlinkClick r:id="rId2"/>
+              </a:rPr>
+              <a:t>O’Reilly Publishing</a:t>
+            </a:r>
+            <a:endParaRPr lang="en-US" dirty="0"/>
+          </a:p>
+        </p:txBody>
+      </p:sp>
+    </p:spTree>
+    <p:extLst>
+      <p:ext uri="{BB962C8B-B14F-4D97-AF65-F5344CB8AC3E}">
+        <p14:creationId xmlns:p14="http://schemas.microsoft.com/office/powerpoint/2010/main" val="4249100900"/>
+      </p:ext>
+    </p:extLst>
+  </p:cSld>
+  <p:clrMapOvr>
+    <a:masterClrMapping/>
+  </p:clrMapOvr>
+</p:sld>
+</file>
+
+<file path=ppt/slides/slide91.xml><?xml version="1.0" encoding="utf-8"?>
 <p:sld xmlns:a="http://schemas.openxmlformats.org/drawingml/2006/main" xmlns:r="http://schemas.openxmlformats.org/officeDocument/2006/relationships" xmlns:p="http://schemas.openxmlformats.org/presentationml/2006/main">
   <p:cSld>
     <p:spTree>

--- a/presentation.pptx
+++ b/presentation.pptx
@@ -2,7 +2,7 @@
 <file path=ppt/presentation.xml><?xml version="1.0" encoding="utf-8"?>
 <p:presentation xmlns:a="http://schemas.openxmlformats.org/drawingml/2006/main" xmlns:r="http://schemas.openxmlformats.org/officeDocument/2006/relationships" xmlns:p="http://schemas.openxmlformats.org/presentationml/2006/main" saveSubsetFonts="1">
   <p:sldMasterIdLst>
-    <p:sldMasterId id="2147483648" r:id="rId1"/>
+    <p:sldMasterId id="2147483660" r:id="rId1"/>
   </p:sldMasterIdLst>
   <p:notesMasterIdLst>
     <p:notesMasterId r:id="rId93"/>
@@ -106,7 +106,7 @@
     <a:defPPr>
       <a:defRPr lang="en-US"/>
     </a:defPPr>
-    <a:lvl1pPr marL="0" algn="l" defTabSz="914400" rtl="0" eaLnBrk="1" latinLnBrk="0" hangingPunct="1">
+    <a:lvl1pPr marL="0" algn="l" defTabSz="457200" rtl="0" eaLnBrk="1" latinLnBrk="0" hangingPunct="1">
       <a:defRPr sz="1800" kern="1200">
         <a:solidFill>
           <a:schemeClr val="tx1"/>
@@ -116,7 +116,7 @@
         <a:cs typeface="+mn-cs"/>
       </a:defRPr>
     </a:lvl1pPr>
-    <a:lvl2pPr marL="457200" algn="l" defTabSz="914400" rtl="0" eaLnBrk="1" latinLnBrk="0" hangingPunct="1">
+    <a:lvl2pPr marL="457200" algn="l" defTabSz="457200" rtl="0" eaLnBrk="1" latinLnBrk="0" hangingPunct="1">
       <a:defRPr sz="1800" kern="1200">
         <a:solidFill>
           <a:schemeClr val="tx1"/>
@@ -126,7 +126,7 @@
         <a:cs typeface="+mn-cs"/>
       </a:defRPr>
     </a:lvl2pPr>
-    <a:lvl3pPr marL="914400" algn="l" defTabSz="914400" rtl="0" eaLnBrk="1" latinLnBrk="0" hangingPunct="1">
+    <a:lvl3pPr marL="914400" algn="l" defTabSz="457200" rtl="0" eaLnBrk="1" latinLnBrk="0" hangingPunct="1">
       <a:defRPr sz="1800" kern="1200">
         <a:solidFill>
           <a:schemeClr val="tx1"/>
@@ -136,7 +136,7 @@
         <a:cs typeface="+mn-cs"/>
       </a:defRPr>
     </a:lvl3pPr>
-    <a:lvl4pPr marL="1371600" algn="l" defTabSz="914400" rtl="0" eaLnBrk="1" latinLnBrk="0" hangingPunct="1">
+    <a:lvl4pPr marL="1371600" algn="l" defTabSz="457200" rtl="0" eaLnBrk="1" latinLnBrk="0" hangingPunct="1">
       <a:defRPr sz="1800" kern="1200">
         <a:solidFill>
           <a:schemeClr val="tx1"/>
@@ -146,7 +146,7 @@
         <a:cs typeface="+mn-cs"/>
       </a:defRPr>
     </a:lvl4pPr>
-    <a:lvl5pPr marL="1828800" algn="l" defTabSz="914400" rtl="0" eaLnBrk="1" latinLnBrk="0" hangingPunct="1">
+    <a:lvl5pPr marL="1828800" algn="l" defTabSz="457200" rtl="0" eaLnBrk="1" latinLnBrk="0" hangingPunct="1">
       <a:defRPr sz="1800" kern="1200">
         <a:solidFill>
           <a:schemeClr val="tx1"/>
@@ -156,7 +156,7 @@
         <a:cs typeface="+mn-cs"/>
       </a:defRPr>
     </a:lvl5pPr>
-    <a:lvl6pPr marL="2286000" algn="l" defTabSz="914400" rtl="0" eaLnBrk="1" latinLnBrk="0" hangingPunct="1">
+    <a:lvl6pPr marL="2286000" algn="l" defTabSz="457200" rtl="0" eaLnBrk="1" latinLnBrk="0" hangingPunct="1">
       <a:defRPr sz="1800" kern="1200">
         <a:solidFill>
           <a:schemeClr val="tx1"/>
@@ -166,7 +166,7 @@
         <a:cs typeface="+mn-cs"/>
       </a:defRPr>
     </a:lvl6pPr>
-    <a:lvl7pPr marL="2743200" algn="l" defTabSz="914400" rtl="0" eaLnBrk="1" latinLnBrk="0" hangingPunct="1">
+    <a:lvl7pPr marL="2743200" algn="l" defTabSz="457200" rtl="0" eaLnBrk="1" latinLnBrk="0" hangingPunct="1">
       <a:defRPr sz="1800" kern="1200">
         <a:solidFill>
           <a:schemeClr val="tx1"/>
@@ -176,7 +176,7 @@
         <a:cs typeface="+mn-cs"/>
       </a:defRPr>
     </a:lvl7pPr>
-    <a:lvl8pPr marL="3200400" algn="l" defTabSz="914400" rtl="0" eaLnBrk="1" latinLnBrk="0" hangingPunct="1">
+    <a:lvl8pPr marL="3200400" algn="l" defTabSz="457200" rtl="0" eaLnBrk="1" latinLnBrk="0" hangingPunct="1">
       <a:defRPr sz="1800" kern="1200">
         <a:solidFill>
           <a:schemeClr val="tx1"/>
@@ -186,7 +186,7 @@
         <a:cs typeface="+mn-cs"/>
       </a:defRPr>
     </a:lvl8pPr>
-    <a:lvl9pPr marL="3657600" algn="l" defTabSz="914400" rtl="0" eaLnBrk="1" latinLnBrk="0" hangingPunct="1">
+    <a:lvl9pPr marL="3657600" algn="l" defTabSz="457200" rtl="0" eaLnBrk="1" latinLnBrk="0" hangingPunct="1">
       <a:defRPr sz="1800" kern="1200">
         <a:solidFill>
           <a:schemeClr val="tx1"/>
@@ -9514,7 +9514,7 @@
 </file>
 
 <file path=ppt/slideLayouts/slideLayout1.xml><?xml version="1.0" encoding="utf-8"?>
-<p:sldLayout xmlns:a="http://schemas.openxmlformats.org/drawingml/2006/main" xmlns:r="http://schemas.openxmlformats.org/officeDocument/2006/relationships" xmlns:p="http://schemas.openxmlformats.org/presentationml/2006/main" type="title" preserve="1">
+<p:sldLayout xmlns:a="http://schemas.openxmlformats.org/drawingml/2006/main" xmlns:r="http://schemas.openxmlformats.org/officeDocument/2006/relationships" xmlns:p="http://schemas.openxmlformats.org/presentationml/2006/main" showMasterSp="0" type="title" preserve="1">
   <p:cSld name="Title Slide">
     <p:spTree>
       <p:nvGrpSpPr>
@@ -9530,15 +9530,539 @@
           <a:chExt cx="0" cy="0"/>
         </a:xfrm>
       </p:grpSpPr>
-      <p:sp>
-        <p:nvSpPr>
-          <p:cNvPr id="2" name="Title 1">
-            <a:extLst>
-              <a:ext uri="{FF2B5EF4-FFF2-40B4-BE49-F238E27FC236}">
-                <a16:creationId xmlns:a16="http://schemas.microsoft.com/office/drawing/2014/main" id="{FBCFC774-6D2B-24DB-A21F-4CC781BDCEDC}"/>
-              </a:ext>
-            </a:extLst>
-          </p:cNvPr>
+      <p:grpSp>
+        <p:nvGrpSpPr>
+          <p:cNvPr id="7" name="Group 6"/>
+          <p:cNvGrpSpPr/>
+          <p:nvPr/>
+        </p:nvGrpSpPr>
+        <p:grpSpPr>
+          <a:xfrm>
+            <a:off x="0" y="-8467"/>
+            <a:ext cx="12192000" cy="6866467"/>
+            <a:chOff x="0" y="-8467"/>
+            <a:chExt cx="12192000" cy="6866467"/>
+          </a:xfrm>
+        </p:grpSpPr>
+        <p:cxnSp>
+          <p:nvCxnSpPr>
+            <p:cNvPr id="32" name="Straight Connector 31"/>
+            <p:cNvCxnSpPr/>
+            <p:nvPr/>
+          </p:nvCxnSpPr>
+          <p:spPr>
+            <a:xfrm>
+              <a:off x="9371012" y="0"/>
+              <a:ext cx="1219200" cy="6858000"/>
+            </a:xfrm>
+            <a:prstGeom prst="line">
+              <a:avLst/>
+            </a:prstGeom>
+            <a:ln w="9525">
+              <a:solidFill>
+                <a:schemeClr val="bg1">
+                  <a:lumMod val="75000"/>
+                </a:schemeClr>
+              </a:solidFill>
+            </a:ln>
+          </p:spPr>
+          <p:style>
+            <a:lnRef idx="2">
+              <a:schemeClr val="accent1"/>
+            </a:lnRef>
+            <a:fillRef idx="0">
+              <a:schemeClr val="accent1"/>
+            </a:fillRef>
+            <a:effectRef idx="1">
+              <a:schemeClr val="accent1"/>
+            </a:effectRef>
+            <a:fontRef idx="minor">
+              <a:schemeClr val="tx1"/>
+            </a:fontRef>
+          </p:style>
+        </p:cxnSp>
+        <p:cxnSp>
+          <p:nvCxnSpPr>
+            <p:cNvPr id="21" name="Straight Connector 20"/>
+            <p:cNvCxnSpPr/>
+            <p:nvPr/>
+          </p:nvCxnSpPr>
+          <p:spPr>
+            <a:xfrm flipH="1">
+              <a:off x="7425267" y="3681413"/>
+              <a:ext cx="4763558" cy="3176587"/>
+            </a:xfrm>
+            <a:prstGeom prst="line">
+              <a:avLst/>
+            </a:prstGeom>
+            <a:ln w="9525">
+              <a:solidFill>
+                <a:schemeClr val="bg1">
+                  <a:lumMod val="85000"/>
+                </a:schemeClr>
+              </a:solidFill>
+            </a:ln>
+          </p:spPr>
+          <p:style>
+            <a:lnRef idx="2">
+              <a:schemeClr val="accent1"/>
+            </a:lnRef>
+            <a:fillRef idx="0">
+              <a:schemeClr val="accent1"/>
+            </a:fillRef>
+            <a:effectRef idx="1">
+              <a:schemeClr val="accent1"/>
+            </a:effectRef>
+            <a:fontRef idx="minor">
+              <a:schemeClr val="tx1"/>
+            </a:fontRef>
+          </p:style>
+        </p:cxnSp>
+        <p:sp>
+          <p:nvSpPr>
+            <p:cNvPr id="24" name="Rectangle 23"/>
+            <p:cNvSpPr/>
+            <p:nvPr/>
+          </p:nvSpPr>
+          <p:spPr>
+            <a:xfrm>
+              <a:off x="9181476" y="-8467"/>
+              <a:ext cx="3007349" cy="6866467"/>
+            </a:xfrm>
+            <a:custGeom>
+              <a:avLst/>
+              <a:gdLst/>
+              <a:ahLst/>
+              <a:cxnLst/>
+              <a:rect l="l" t="t" r="r" b="b"/>
+              <a:pathLst>
+                <a:path w="3007349" h="6866467">
+                  <a:moveTo>
+                    <a:pt x="2045532" y="0"/>
+                  </a:moveTo>
+                  <a:lnTo>
+                    <a:pt x="3007349" y="0"/>
+                  </a:lnTo>
+                  <a:lnTo>
+                    <a:pt x="3007349" y="6866467"/>
+                  </a:lnTo>
+                  <a:lnTo>
+                    <a:pt x="0" y="6866467"/>
+                  </a:lnTo>
+                  <a:lnTo>
+                    <a:pt x="2045532" y="0"/>
+                  </a:lnTo>
+                  <a:close/>
+                </a:path>
+              </a:pathLst>
+            </a:custGeom>
+            <a:solidFill>
+              <a:schemeClr val="accent1">
+                <a:alpha val="30000"/>
+              </a:schemeClr>
+            </a:solidFill>
+            <a:ln>
+              <a:noFill/>
+            </a:ln>
+            <a:effectLst/>
+          </p:spPr>
+          <p:style>
+            <a:lnRef idx="1">
+              <a:schemeClr val="accent1"/>
+            </a:lnRef>
+            <a:fillRef idx="3">
+              <a:schemeClr val="accent1"/>
+            </a:fillRef>
+            <a:effectRef idx="2">
+              <a:schemeClr val="accent1"/>
+            </a:effectRef>
+            <a:fontRef idx="minor">
+              <a:schemeClr val="lt1"/>
+            </a:fontRef>
+          </p:style>
+        </p:sp>
+        <p:sp>
+          <p:nvSpPr>
+            <p:cNvPr id="26" name="Rectangle 25"/>
+            <p:cNvSpPr/>
+            <p:nvPr/>
+          </p:nvSpPr>
+          <p:spPr>
+            <a:xfrm>
+              <a:off x="9603442" y="-8467"/>
+              <a:ext cx="2588558" cy="6866467"/>
+            </a:xfrm>
+            <a:custGeom>
+              <a:avLst/>
+              <a:gdLst/>
+              <a:ahLst/>
+              <a:cxnLst/>
+              <a:rect l="l" t="t" r="r" b="b"/>
+              <a:pathLst>
+                <a:path w="2573311" h="6866467">
+                  <a:moveTo>
+                    <a:pt x="0" y="0"/>
+                  </a:moveTo>
+                  <a:lnTo>
+                    <a:pt x="2573311" y="0"/>
+                  </a:lnTo>
+                  <a:lnTo>
+                    <a:pt x="2573311" y="6866467"/>
+                  </a:lnTo>
+                  <a:lnTo>
+                    <a:pt x="1202336" y="6866467"/>
+                  </a:lnTo>
+                  <a:lnTo>
+                    <a:pt x="0" y="0"/>
+                  </a:lnTo>
+                  <a:close/>
+                </a:path>
+              </a:pathLst>
+            </a:custGeom>
+            <a:solidFill>
+              <a:schemeClr val="accent1">
+                <a:alpha val="20000"/>
+              </a:schemeClr>
+            </a:solidFill>
+            <a:ln>
+              <a:noFill/>
+            </a:ln>
+            <a:effectLst/>
+          </p:spPr>
+          <p:style>
+            <a:lnRef idx="1">
+              <a:schemeClr val="accent1"/>
+            </a:lnRef>
+            <a:fillRef idx="3">
+              <a:schemeClr val="accent1"/>
+            </a:fillRef>
+            <a:effectRef idx="2">
+              <a:schemeClr val="accent1"/>
+            </a:effectRef>
+            <a:fontRef idx="minor">
+              <a:schemeClr val="lt1"/>
+            </a:fontRef>
+          </p:style>
+        </p:sp>
+        <p:sp>
+          <p:nvSpPr>
+            <p:cNvPr id="27" name="Isosceles Triangle 26"/>
+            <p:cNvSpPr/>
+            <p:nvPr/>
+          </p:nvSpPr>
+          <p:spPr>
+            <a:xfrm>
+              <a:off x="8932333" y="3048000"/>
+              <a:ext cx="3259667" cy="3810000"/>
+            </a:xfrm>
+            <a:prstGeom prst="triangle">
+              <a:avLst>
+                <a:gd name="adj" fmla="val 100000"/>
+              </a:avLst>
+            </a:prstGeom>
+            <a:solidFill>
+              <a:schemeClr val="accent2">
+                <a:alpha val="72000"/>
+              </a:schemeClr>
+            </a:solidFill>
+            <a:ln>
+              <a:noFill/>
+            </a:ln>
+            <a:effectLst/>
+          </p:spPr>
+          <p:style>
+            <a:lnRef idx="1">
+              <a:schemeClr val="accent1"/>
+            </a:lnRef>
+            <a:fillRef idx="3">
+              <a:schemeClr val="accent1"/>
+            </a:fillRef>
+            <a:effectRef idx="2">
+              <a:schemeClr val="accent1"/>
+            </a:effectRef>
+            <a:fontRef idx="minor">
+              <a:schemeClr val="lt1"/>
+            </a:fontRef>
+          </p:style>
+        </p:sp>
+        <p:sp>
+          <p:nvSpPr>
+            <p:cNvPr id="28" name="Rectangle 27"/>
+            <p:cNvSpPr/>
+            <p:nvPr/>
+          </p:nvSpPr>
+          <p:spPr>
+            <a:xfrm>
+              <a:off x="9334500" y="-8467"/>
+              <a:ext cx="2854326" cy="6866467"/>
+            </a:xfrm>
+            <a:custGeom>
+              <a:avLst/>
+              <a:gdLst/>
+              <a:ahLst/>
+              <a:cxnLst/>
+              <a:rect l="l" t="t" r="r" b="b"/>
+              <a:pathLst>
+                <a:path w="2858013" h="6866467">
+                  <a:moveTo>
+                    <a:pt x="0" y="0"/>
+                  </a:moveTo>
+                  <a:lnTo>
+                    <a:pt x="2858013" y="0"/>
+                  </a:lnTo>
+                  <a:lnTo>
+                    <a:pt x="2858013" y="6866467"/>
+                  </a:lnTo>
+                  <a:lnTo>
+                    <a:pt x="2473942" y="6866467"/>
+                  </a:lnTo>
+                  <a:lnTo>
+                    <a:pt x="0" y="0"/>
+                  </a:lnTo>
+                  <a:close/>
+                </a:path>
+              </a:pathLst>
+            </a:custGeom>
+            <a:solidFill>
+              <a:schemeClr val="accent2">
+                <a:lumMod val="75000"/>
+                <a:alpha val="70000"/>
+              </a:schemeClr>
+            </a:solidFill>
+            <a:ln>
+              <a:noFill/>
+            </a:ln>
+            <a:effectLst/>
+          </p:spPr>
+          <p:style>
+            <a:lnRef idx="1">
+              <a:schemeClr val="accent1"/>
+            </a:lnRef>
+            <a:fillRef idx="3">
+              <a:schemeClr val="accent1"/>
+            </a:fillRef>
+            <a:effectRef idx="2">
+              <a:schemeClr val="accent1"/>
+            </a:effectRef>
+            <a:fontRef idx="minor">
+              <a:schemeClr val="lt1"/>
+            </a:fontRef>
+          </p:style>
+        </p:sp>
+        <p:sp>
+          <p:nvSpPr>
+            <p:cNvPr id="29" name="Rectangle 28"/>
+            <p:cNvSpPr/>
+            <p:nvPr/>
+          </p:nvSpPr>
+          <p:spPr>
+            <a:xfrm>
+              <a:off x="10898730" y="-8467"/>
+              <a:ext cx="1290094" cy="6866467"/>
+            </a:xfrm>
+            <a:custGeom>
+              <a:avLst/>
+              <a:gdLst/>
+              <a:ahLst/>
+              <a:cxnLst/>
+              <a:rect l="l" t="t" r="r" b="b"/>
+              <a:pathLst>
+                <a:path w="1290094" h="6858000">
+                  <a:moveTo>
+                    <a:pt x="1019735" y="0"/>
+                  </a:moveTo>
+                  <a:lnTo>
+                    <a:pt x="1290094" y="0"/>
+                  </a:lnTo>
+                  <a:lnTo>
+                    <a:pt x="1290094" y="6858000"/>
+                  </a:lnTo>
+                  <a:lnTo>
+                    <a:pt x="0" y="6858000"/>
+                  </a:lnTo>
+                  <a:lnTo>
+                    <a:pt x="1019735" y="0"/>
+                  </a:lnTo>
+                  <a:close/>
+                </a:path>
+              </a:pathLst>
+            </a:custGeom>
+            <a:solidFill>
+              <a:schemeClr val="accent1">
+                <a:lumMod val="60000"/>
+                <a:lumOff val="40000"/>
+                <a:alpha val="70000"/>
+              </a:schemeClr>
+            </a:solidFill>
+            <a:ln>
+              <a:noFill/>
+            </a:ln>
+            <a:effectLst/>
+          </p:spPr>
+          <p:style>
+            <a:lnRef idx="1">
+              <a:schemeClr val="accent1"/>
+            </a:lnRef>
+            <a:fillRef idx="3">
+              <a:schemeClr val="accent1"/>
+            </a:fillRef>
+            <a:effectRef idx="2">
+              <a:schemeClr val="accent1"/>
+            </a:effectRef>
+            <a:fontRef idx="minor">
+              <a:schemeClr val="lt1"/>
+            </a:fontRef>
+          </p:style>
+        </p:sp>
+        <p:sp>
+          <p:nvSpPr>
+            <p:cNvPr id="30" name="Rectangle 29"/>
+            <p:cNvSpPr/>
+            <p:nvPr/>
+          </p:nvSpPr>
+          <p:spPr>
+            <a:xfrm>
+              <a:off x="10938999" y="-8467"/>
+              <a:ext cx="1249825" cy="6866467"/>
+            </a:xfrm>
+            <a:custGeom>
+              <a:avLst/>
+              <a:gdLst/>
+              <a:ahLst/>
+              <a:cxnLst/>
+              <a:rect l="l" t="t" r="r" b="b"/>
+              <a:pathLst>
+                <a:path w="1249825" h="6858000">
+                  <a:moveTo>
+                    <a:pt x="0" y="0"/>
+                  </a:moveTo>
+                  <a:lnTo>
+                    <a:pt x="1249825" y="0"/>
+                  </a:lnTo>
+                  <a:lnTo>
+                    <a:pt x="1249825" y="6858000"/>
+                  </a:lnTo>
+                  <a:lnTo>
+                    <a:pt x="1109382" y="6858000"/>
+                  </a:lnTo>
+                  <a:lnTo>
+                    <a:pt x="0" y="0"/>
+                  </a:lnTo>
+                  <a:close/>
+                </a:path>
+              </a:pathLst>
+            </a:custGeom>
+            <a:solidFill>
+              <a:schemeClr val="accent1">
+                <a:alpha val="65000"/>
+              </a:schemeClr>
+            </a:solidFill>
+            <a:ln>
+              <a:noFill/>
+            </a:ln>
+            <a:effectLst/>
+          </p:spPr>
+          <p:style>
+            <a:lnRef idx="1">
+              <a:schemeClr val="accent1"/>
+            </a:lnRef>
+            <a:fillRef idx="3">
+              <a:schemeClr val="accent1"/>
+            </a:fillRef>
+            <a:effectRef idx="2">
+              <a:schemeClr val="accent1"/>
+            </a:effectRef>
+            <a:fontRef idx="minor">
+              <a:schemeClr val="lt1"/>
+            </a:fontRef>
+          </p:style>
+        </p:sp>
+        <p:sp>
+          <p:nvSpPr>
+            <p:cNvPr id="31" name="Isosceles Triangle 30"/>
+            <p:cNvSpPr/>
+            <p:nvPr/>
+          </p:nvSpPr>
+          <p:spPr>
+            <a:xfrm>
+              <a:off x="10371666" y="3589867"/>
+              <a:ext cx="1817159" cy="3268133"/>
+            </a:xfrm>
+            <a:prstGeom prst="triangle">
+              <a:avLst>
+                <a:gd name="adj" fmla="val 100000"/>
+              </a:avLst>
+            </a:prstGeom>
+            <a:solidFill>
+              <a:schemeClr val="accent1">
+                <a:alpha val="80000"/>
+              </a:schemeClr>
+            </a:solidFill>
+            <a:ln>
+              <a:noFill/>
+            </a:ln>
+            <a:effectLst/>
+          </p:spPr>
+          <p:style>
+            <a:lnRef idx="1">
+              <a:schemeClr val="accent1"/>
+            </a:lnRef>
+            <a:fillRef idx="3">
+              <a:schemeClr val="accent1"/>
+            </a:fillRef>
+            <a:effectRef idx="2">
+              <a:schemeClr val="accent1"/>
+            </a:effectRef>
+            <a:fontRef idx="minor">
+              <a:schemeClr val="lt1"/>
+            </a:fontRef>
+          </p:style>
+        </p:sp>
+        <p:sp>
+          <p:nvSpPr>
+            <p:cNvPr id="19" name="Isosceles Triangle 18"/>
+            <p:cNvSpPr/>
+            <p:nvPr/>
+          </p:nvSpPr>
+          <p:spPr>
+            <a:xfrm rot="10800000">
+              <a:off x="0" y="0"/>
+              <a:ext cx="842596" cy="5666154"/>
+            </a:xfrm>
+            <a:prstGeom prst="triangle">
+              <a:avLst>
+                <a:gd name="adj" fmla="val 100000"/>
+              </a:avLst>
+            </a:prstGeom>
+            <a:solidFill>
+              <a:schemeClr val="accent1">
+                <a:alpha val="85000"/>
+              </a:schemeClr>
+            </a:solidFill>
+            <a:ln>
+              <a:noFill/>
+            </a:ln>
+            <a:effectLst/>
+          </p:spPr>
+          <p:style>
+            <a:lnRef idx="1">
+              <a:schemeClr val="accent1"/>
+            </a:lnRef>
+            <a:fillRef idx="3">
+              <a:schemeClr val="accent1"/>
+            </a:fillRef>
+            <a:effectRef idx="2">
+              <a:schemeClr val="accent1"/>
+            </a:effectRef>
+            <a:fontRef idx="minor">
+              <a:schemeClr val="lt1"/>
+            </a:fontRef>
+          </p:style>
+        </p:sp>
+      </p:grpSp>
+      <p:sp>
+        <p:nvSpPr>
+          <p:cNvPr id="2" name="Title 1"/>
           <p:cNvSpPr>
             <a:spLocks noGrp="1"/>
           </p:cNvSpPr>
@@ -9548,15 +10072,21 @@
         </p:nvSpPr>
         <p:spPr>
           <a:xfrm>
-            <a:off x="1524000" y="1122363"/>
-            <a:ext cx="9144000" cy="2387600"/>
+            <a:off x="1507067" y="2404534"/>
+            <a:ext cx="7766936" cy="1646302"/>
           </a:xfrm>
         </p:spPr>
         <p:txBody>
-          <a:bodyPr anchor="b"/>
+          <a:bodyPr anchor="b">
+            <a:noAutofit/>
+          </a:bodyPr>
           <a:lstStyle>
-            <a:lvl1pPr algn="ctr">
-              <a:defRPr sz="6000"/>
+            <a:lvl1pPr algn="r">
+              <a:defRPr sz="5400">
+                <a:solidFill>
+                  <a:schemeClr val="accent1"/>
+                </a:solidFill>
+              </a:defRPr>
             </a:lvl1pPr>
           </a:lstStyle>
           <a:p>
@@ -9564,18 +10094,13 @@
               <a:rPr lang="en-US"/>
               <a:t>Click to edit Master title style</a:t>
             </a:r>
-          </a:p>
-        </p:txBody>
-      </p:sp>
-      <p:sp>
-        <p:nvSpPr>
-          <p:cNvPr id="3" name="Subtitle 2">
-            <a:extLst>
-              <a:ext uri="{FF2B5EF4-FFF2-40B4-BE49-F238E27FC236}">
-                <a16:creationId xmlns:a16="http://schemas.microsoft.com/office/drawing/2014/main" id="{6F94187E-CF2A-91FD-4877-40194D9EE8D7}"/>
-              </a:ext>
-            </a:extLst>
-          </p:cNvPr>
+            <a:endParaRPr lang="en-US" dirty="0"/>
+          </a:p>
+        </p:txBody>
+      </p:sp>
+      <p:sp>
+        <p:nvSpPr>
+          <p:cNvPr id="3" name="Subtitle 2"/>
           <p:cNvSpPr>
             <a:spLocks noGrp="1"/>
           </p:cNvSpPr>
@@ -9585,48 +10110,103 @@
         </p:nvSpPr>
         <p:spPr>
           <a:xfrm>
-            <a:off x="1524000" y="3602038"/>
-            <a:ext cx="9144000" cy="1655762"/>
+            <a:off x="1507067" y="4050833"/>
+            <a:ext cx="7766936" cy="1096899"/>
           </a:xfrm>
         </p:spPr>
         <p:txBody>
-          <a:bodyPr/>
+          <a:bodyPr anchor="t"/>
           <a:lstStyle>
-            <a:lvl1pPr marL="0" indent="0" algn="ctr">
+            <a:lvl1pPr marL="0" indent="0" algn="r">
               <a:buNone/>
-              <a:defRPr sz="2400"/>
+              <a:defRPr>
+                <a:solidFill>
+                  <a:schemeClr val="tx1">
+                    <a:lumMod val="50000"/>
+                    <a:lumOff val="50000"/>
+                  </a:schemeClr>
+                </a:solidFill>
+              </a:defRPr>
             </a:lvl1pPr>
             <a:lvl2pPr marL="457200" indent="0" algn="ctr">
               <a:buNone/>
-              <a:defRPr sz="2000"/>
+              <a:defRPr>
+                <a:solidFill>
+                  <a:schemeClr val="tx1">
+                    <a:tint val="75000"/>
+                  </a:schemeClr>
+                </a:solidFill>
+              </a:defRPr>
             </a:lvl2pPr>
             <a:lvl3pPr marL="914400" indent="0" algn="ctr">
               <a:buNone/>
-              <a:defRPr sz="1800"/>
+              <a:defRPr>
+                <a:solidFill>
+                  <a:schemeClr val="tx1">
+                    <a:tint val="75000"/>
+                  </a:schemeClr>
+                </a:solidFill>
+              </a:defRPr>
             </a:lvl3pPr>
             <a:lvl4pPr marL="1371600" indent="0" algn="ctr">
               <a:buNone/>
-              <a:defRPr sz="1600"/>
+              <a:defRPr>
+                <a:solidFill>
+                  <a:schemeClr val="tx1">
+                    <a:tint val="75000"/>
+                  </a:schemeClr>
+                </a:solidFill>
+              </a:defRPr>
             </a:lvl4pPr>
             <a:lvl5pPr marL="1828800" indent="0" algn="ctr">
               <a:buNone/>
-              <a:defRPr sz="1600"/>
+              <a:defRPr>
+                <a:solidFill>
+                  <a:schemeClr val="tx1">
+                    <a:tint val="75000"/>
+                  </a:schemeClr>
+                </a:solidFill>
+              </a:defRPr>
             </a:lvl5pPr>
             <a:lvl6pPr marL="2286000" indent="0" algn="ctr">
               <a:buNone/>
-              <a:defRPr sz="1600"/>
+              <a:defRPr>
+                <a:solidFill>
+                  <a:schemeClr val="tx1">
+                    <a:tint val="75000"/>
+                  </a:schemeClr>
+                </a:solidFill>
+              </a:defRPr>
             </a:lvl6pPr>
             <a:lvl7pPr marL="2743200" indent="0" algn="ctr">
               <a:buNone/>
-              <a:defRPr sz="1600"/>
+              <a:defRPr>
+                <a:solidFill>
+                  <a:schemeClr val="tx1">
+                    <a:tint val="75000"/>
+                  </a:schemeClr>
+                </a:solidFill>
+              </a:defRPr>
             </a:lvl7pPr>
             <a:lvl8pPr marL="3200400" indent="0" algn="ctr">
               <a:buNone/>
-              <a:defRPr sz="1600"/>
+              <a:defRPr>
+                <a:solidFill>
+                  <a:schemeClr val="tx1">
+                    <a:tint val="75000"/>
+                  </a:schemeClr>
+                </a:solidFill>
+              </a:defRPr>
             </a:lvl8pPr>
             <a:lvl9pPr marL="3657600" indent="0" algn="ctr">
               <a:buNone/>
-              <a:defRPr sz="1600"/>
+              <a:defRPr>
+                <a:solidFill>
+                  <a:schemeClr val="tx1">
+                    <a:tint val="75000"/>
+                  </a:schemeClr>
+                </a:solidFill>
+              </a:defRPr>
             </a:lvl9pPr>
           </a:lstStyle>
           <a:p>
@@ -9634,18 +10214,13 @@
               <a:rPr lang="en-US"/>
               <a:t>Click to edit Master subtitle style</a:t>
             </a:r>
-          </a:p>
-        </p:txBody>
-      </p:sp>
-      <p:sp>
-        <p:nvSpPr>
-          <p:cNvPr id="4" name="Date Placeholder 3">
-            <a:extLst>
-              <a:ext uri="{FF2B5EF4-FFF2-40B4-BE49-F238E27FC236}">
-                <a16:creationId xmlns:a16="http://schemas.microsoft.com/office/drawing/2014/main" id="{026D6E63-1E56-8BAE-A7CA-1455A1919629}"/>
-              </a:ext>
-            </a:extLst>
-          </p:cNvPr>
+            <a:endParaRPr lang="en-US" dirty="0"/>
+          </a:p>
+        </p:txBody>
+      </p:sp>
+      <p:sp>
+        <p:nvSpPr>
+          <p:cNvPr id="4" name="Date Placeholder 3"/>
           <p:cNvSpPr>
             <a:spLocks noGrp="1"/>
           </p:cNvSpPr>
@@ -9668,13 +10243,7 @@
       </p:sp>
       <p:sp>
         <p:nvSpPr>
-          <p:cNvPr id="5" name="Footer Placeholder 4">
-            <a:extLst>
-              <a:ext uri="{FF2B5EF4-FFF2-40B4-BE49-F238E27FC236}">
-                <a16:creationId xmlns:a16="http://schemas.microsoft.com/office/drawing/2014/main" id="{3420A9E4-0B3C-EC8E-85EA-9D6118FD8B3D}"/>
-              </a:ext>
-            </a:extLst>
-          </p:cNvPr>
+          <p:cNvPr id="5" name="Footer Placeholder 4"/>
           <p:cNvSpPr>
             <a:spLocks noGrp="1"/>
           </p:cNvSpPr>
@@ -9693,13 +10262,7 @@
       </p:sp>
       <p:sp>
         <p:nvSpPr>
-          <p:cNvPr id="6" name="Slide Number Placeholder 5">
-            <a:extLst>
-              <a:ext uri="{FF2B5EF4-FFF2-40B4-BE49-F238E27FC236}">
-                <a16:creationId xmlns:a16="http://schemas.microsoft.com/office/drawing/2014/main" id="{068B670C-AA94-01D3-77F1-36BB7E9654DA}"/>
-              </a:ext>
-            </a:extLst>
-          </p:cNvPr>
+          <p:cNvPr id="6" name="Slide Number Placeholder 5"/>
           <p:cNvSpPr>
             <a:spLocks noGrp="1"/>
           </p:cNvSpPr>
@@ -9723,7 +10286,7 @@
     </p:spTree>
     <p:extLst>
       <p:ext uri="{BB962C8B-B14F-4D97-AF65-F5344CB8AC3E}">
-        <p14:creationId xmlns:p14="http://schemas.microsoft.com/office/powerpoint/2010/main" val="1573784799"/>
+        <p14:creationId xmlns:p14="http://schemas.microsoft.com/office/powerpoint/2010/main" val="524441873"/>
       </p:ext>
     </p:extLst>
   </p:cSld>
@@ -9734,6 +10297,1619 @@
 </file>
 
 <file path=ppt/slideLayouts/slideLayout10.xml><?xml version="1.0" encoding="utf-8"?>
+<p:sldLayout xmlns:a="http://schemas.openxmlformats.org/drawingml/2006/main" xmlns:r="http://schemas.openxmlformats.org/officeDocument/2006/relationships" xmlns:p="http://schemas.openxmlformats.org/presentationml/2006/main" preserve="1">
+  <p:cSld name="Title and Caption">
+    <p:spTree>
+      <p:nvGrpSpPr>
+        <p:cNvPr id="1" name=""/>
+        <p:cNvGrpSpPr/>
+        <p:nvPr/>
+      </p:nvGrpSpPr>
+      <p:grpSpPr>
+        <a:xfrm>
+          <a:off x="0" y="0"/>
+          <a:ext cx="0" cy="0"/>
+          <a:chOff x="0" y="0"/>
+          <a:chExt cx="0" cy="0"/>
+        </a:xfrm>
+      </p:grpSpPr>
+      <p:sp>
+        <p:nvSpPr>
+          <p:cNvPr id="2" name="Title 1"/>
+          <p:cNvSpPr>
+            <a:spLocks noGrp="1"/>
+          </p:cNvSpPr>
+          <p:nvPr>
+            <p:ph type="title"/>
+          </p:nvPr>
+        </p:nvSpPr>
+        <p:spPr>
+          <a:xfrm>
+            <a:off x="677335" y="609600"/>
+            <a:ext cx="8596668" cy="3403600"/>
+          </a:xfrm>
+        </p:spPr>
+        <p:txBody>
+          <a:bodyPr anchor="ctr">
+            <a:normAutofit/>
+          </a:bodyPr>
+          <a:lstStyle>
+            <a:lvl1pPr algn="l">
+              <a:defRPr sz="4400" b="0" cap="none"/>
+            </a:lvl1pPr>
+          </a:lstStyle>
+          <a:p>
+            <a:r>
+              <a:rPr lang="en-US"/>
+              <a:t>Click to edit Master title style</a:t>
+            </a:r>
+            <a:endParaRPr lang="en-US" dirty="0"/>
+          </a:p>
+        </p:txBody>
+      </p:sp>
+      <p:sp>
+        <p:nvSpPr>
+          <p:cNvPr id="3" name="Text Placeholder 2"/>
+          <p:cNvSpPr>
+            <a:spLocks noGrp="1"/>
+          </p:cNvSpPr>
+          <p:nvPr>
+            <p:ph type="body" idx="1"/>
+          </p:nvPr>
+        </p:nvSpPr>
+        <p:spPr>
+          <a:xfrm>
+            <a:off x="677335" y="4470400"/>
+            <a:ext cx="8596668" cy="1570962"/>
+          </a:xfrm>
+        </p:spPr>
+        <p:txBody>
+          <a:bodyPr anchor="ctr">
+            <a:normAutofit/>
+          </a:bodyPr>
+          <a:lstStyle>
+            <a:lvl1pPr marL="0" indent="0" algn="l">
+              <a:buNone/>
+              <a:defRPr sz="1800">
+                <a:solidFill>
+                  <a:schemeClr val="tx1">
+                    <a:lumMod val="75000"/>
+                    <a:lumOff val="25000"/>
+                  </a:schemeClr>
+                </a:solidFill>
+              </a:defRPr>
+            </a:lvl1pPr>
+            <a:lvl2pPr marL="457200" indent="0">
+              <a:buNone/>
+              <a:defRPr sz="1800">
+                <a:solidFill>
+                  <a:schemeClr val="tx1">
+                    <a:tint val="75000"/>
+                  </a:schemeClr>
+                </a:solidFill>
+              </a:defRPr>
+            </a:lvl2pPr>
+            <a:lvl3pPr marL="914400" indent="0">
+              <a:buNone/>
+              <a:defRPr sz="1600">
+                <a:solidFill>
+                  <a:schemeClr val="tx1">
+                    <a:tint val="75000"/>
+                  </a:schemeClr>
+                </a:solidFill>
+              </a:defRPr>
+            </a:lvl3pPr>
+            <a:lvl4pPr marL="1371600" indent="0">
+              <a:buNone/>
+              <a:defRPr sz="1400">
+                <a:solidFill>
+                  <a:schemeClr val="tx1">
+                    <a:tint val="75000"/>
+                  </a:schemeClr>
+                </a:solidFill>
+              </a:defRPr>
+            </a:lvl4pPr>
+            <a:lvl5pPr marL="1828800" indent="0">
+              <a:buNone/>
+              <a:defRPr sz="1400">
+                <a:solidFill>
+                  <a:schemeClr val="tx1">
+                    <a:tint val="75000"/>
+                  </a:schemeClr>
+                </a:solidFill>
+              </a:defRPr>
+            </a:lvl5pPr>
+            <a:lvl6pPr marL="2286000" indent="0">
+              <a:buNone/>
+              <a:defRPr sz="1400">
+                <a:solidFill>
+                  <a:schemeClr val="tx1">
+                    <a:tint val="75000"/>
+                  </a:schemeClr>
+                </a:solidFill>
+              </a:defRPr>
+            </a:lvl6pPr>
+            <a:lvl7pPr marL="2743200" indent="0">
+              <a:buNone/>
+              <a:defRPr sz="1400">
+                <a:solidFill>
+                  <a:schemeClr val="tx1">
+                    <a:tint val="75000"/>
+                  </a:schemeClr>
+                </a:solidFill>
+              </a:defRPr>
+            </a:lvl7pPr>
+            <a:lvl8pPr marL="3200400" indent="0">
+              <a:buNone/>
+              <a:defRPr sz="1400">
+                <a:solidFill>
+                  <a:schemeClr val="tx1">
+                    <a:tint val="75000"/>
+                  </a:schemeClr>
+                </a:solidFill>
+              </a:defRPr>
+            </a:lvl8pPr>
+            <a:lvl9pPr marL="3657600" indent="0">
+              <a:buNone/>
+              <a:defRPr sz="1400">
+                <a:solidFill>
+                  <a:schemeClr val="tx1">
+                    <a:tint val="75000"/>
+                  </a:schemeClr>
+                </a:solidFill>
+              </a:defRPr>
+            </a:lvl9pPr>
+          </a:lstStyle>
+          <a:p>
+            <a:pPr lvl="0"/>
+            <a:r>
+              <a:rPr lang="en-US"/>
+              <a:t>Click to edit Master text styles</a:t>
+            </a:r>
+          </a:p>
+        </p:txBody>
+      </p:sp>
+      <p:sp>
+        <p:nvSpPr>
+          <p:cNvPr id="4" name="Date Placeholder 3"/>
+          <p:cNvSpPr>
+            <a:spLocks noGrp="1"/>
+          </p:cNvSpPr>
+          <p:nvPr>
+            <p:ph type="dt" sz="half" idx="10"/>
+          </p:nvPr>
+        </p:nvSpPr>
+        <p:spPr/>
+        <p:txBody>
+          <a:bodyPr/>
+          <a:lstStyle/>
+          <a:p>
+            <a:fld id="{28D7E8CB-C2B8-4C6C-9A1C-89185880AFDF}" type="datetimeFigureOut">
+              <a:rPr lang="en-US" smtClean="0"/>
+              <a:t>6/18/2025</a:t>
+            </a:fld>
+            <a:endParaRPr lang="en-US"/>
+          </a:p>
+        </p:txBody>
+      </p:sp>
+      <p:sp>
+        <p:nvSpPr>
+          <p:cNvPr id="5" name="Footer Placeholder 4"/>
+          <p:cNvSpPr>
+            <a:spLocks noGrp="1"/>
+          </p:cNvSpPr>
+          <p:nvPr>
+            <p:ph type="ftr" sz="quarter" idx="11"/>
+          </p:nvPr>
+        </p:nvSpPr>
+        <p:spPr/>
+        <p:txBody>
+          <a:bodyPr/>
+          <a:lstStyle/>
+          <a:p>
+            <a:endParaRPr lang="en-US"/>
+          </a:p>
+        </p:txBody>
+      </p:sp>
+      <p:sp>
+        <p:nvSpPr>
+          <p:cNvPr id="6" name="Slide Number Placeholder 5"/>
+          <p:cNvSpPr>
+            <a:spLocks noGrp="1"/>
+          </p:cNvSpPr>
+          <p:nvPr>
+            <p:ph type="sldNum" sz="quarter" idx="12"/>
+          </p:nvPr>
+        </p:nvSpPr>
+        <p:spPr/>
+        <p:txBody>
+          <a:bodyPr/>
+          <a:lstStyle/>
+          <a:p>
+            <a:fld id="{F329C4AC-51EC-4473-9D82-15EF8C4A092B}" type="slidenum">
+              <a:rPr lang="en-US" smtClean="0"/>
+              <a:t>‹#›</a:t>
+            </a:fld>
+            <a:endParaRPr lang="en-US"/>
+          </a:p>
+        </p:txBody>
+      </p:sp>
+    </p:spTree>
+    <p:extLst>
+      <p:ext uri="{BB962C8B-B14F-4D97-AF65-F5344CB8AC3E}">
+        <p14:creationId xmlns:p14="http://schemas.microsoft.com/office/powerpoint/2010/main" val="3696383154"/>
+      </p:ext>
+    </p:extLst>
+  </p:cSld>
+  <p:clrMapOvr>
+    <a:masterClrMapping/>
+  </p:clrMapOvr>
+</p:sldLayout>
+</file>
+
+<file path=ppt/slideLayouts/slideLayout11.xml><?xml version="1.0" encoding="utf-8"?>
+<p:sldLayout xmlns:a="http://schemas.openxmlformats.org/drawingml/2006/main" xmlns:r="http://schemas.openxmlformats.org/officeDocument/2006/relationships" xmlns:p="http://schemas.openxmlformats.org/presentationml/2006/main" preserve="1">
+  <p:cSld name="Quote with Caption">
+    <p:spTree>
+      <p:nvGrpSpPr>
+        <p:cNvPr id="1" name=""/>
+        <p:cNvGrpSpPr/>
+        <p:nvPr/>
+      </p:nvGrpSpPr>
+      <p:grpSpPr>
+        <a:xfrm>
+          <a:off x="0" y="0"/>
+          <a:ext cx="0" cy="0"/>
+          <a:chOff x="0" y="0"/>
+          <a:chExt cx="0" cy="0"/>
+        </a:xfrm>
+      </p:grpSpPr>
+      <p:sp>
+        <p:nvSpPr>
+          <p:cNvPr id="2" name="Title 1"/>
+          <p:cNvSpPr>
+            <a:spLocks noGrp="1"/>
+          </p:cNvSpPr>
+          <p:nvPr>
+            <p:ph type="title"/>
+          </p:nvPr>
+        </p:nvSpPr>
+        <p:spPr>
+          <a:xfrm>
+            <a:off x="931334" y="609600"/>
+            <a:ext cx="8094134" cy="3022600"/>
+          </a:xfrm>
+        </p:spPr>
+        <p:txBody>
+          <a:bodyPr anchor="ctr">
+            <a:normAutofit/>
+          </a:bodyPr>
+          <a:lstStyle>
+            <a:lvl1pPr algn="l">
+              <a:defRPr sz="4400" b="0" cap="none"/>
+            </a:lvl1pPr>
+          </a:lstStyle>
+          <a:p>
+            <a:r>
+              <a:rPr lang="en-US"/>
+              <a:t>Click to edit Master title style</a:t>
+            </a:r>
+            <a:endParaRPr lang="en-US" dirty="0"/>
+          </a:p>
+        </p:txBody>
+      </p:sp>
+      <p:sp>
+        <p:nvSpPr>
+          <p:cNvPr id="23" name="Text Placeholder 9"/>
+          <p:cNvSpPr>
+            <a:spLocks noGrp="1"/>
+          </p:cNvSpPr>
+          <p:nvPr>
+            <p:ph type="body" sz="quarter" idx="13"/>
+          </p:nvPr>
+        </p:nvSpPr>
+        <p:spPr>
+          <a:xfrm>
+            <a:off x="1366139" y="3632200"/>
+            <a:ext cx="7224524" cy="381000"/>
+          </a:xfrm>
+        </p:spPr>
+        <p:txBody>
+          <a:bodyPr anchor="ctr">
+            <a:noAutofit/>
+          </a:bodyPr>
+          <a:lstStyle>
+            <a:lvl1pPr marL="0" indent="0">
+              <a:buFontTx/>
+              <a:buNone/>
+              <a:defRPr sz="1600">
+                <a:solidFill>
+                  <a:schemeClr val="tx1">
+                    <a:lumMod val="50000"/>
+                    <a:lumOff val="50000"/>
+                  </a:schemeClr>
+                </a:solidFill>
+              </a:defRPr>
+            </a:lvl1pPr>
+            <a:lvl2pPr marL="457200" indent="0">
+              <a:buFontTx/>
+              <a:buNone/>
+              <a:defRPr/>
+            </a:lvl2pPr>
+            <a:lvl3pPr marL="914400" indent="0">
+              <a:buFontTx/>
+              <a:buNone/>
+              <a:defRPr/>
+            </a:lvl3pPr>
+            <a:lvl4pPr marL="1371600" indent="0">
+              <a:buFontTx/>
+              <a:buNone/>
+              <a:defRPr/>
+            </a:lvl4pPr>
+            <a:lvl5pPr marL="1828800" indent="0">
+              <a:buFontTx/>
+              <a:buNone/>
+              <a:defRPr/>
+            </a:lvl5pPr>
+          </a:lstStyle>
+          <a:p>
+            <a:pPr lvl="0"/>
+            <a:r>
+              <a:rPr lang="en-US"/>
+              <a:t>Click to edit Master text styles</a:t>
+            </a:r>
+          </a:p>
+        </p:txBody>
+      </p:sp>
+      <p:sp>
+        <p:nvSpPr>
+          <p:cNvPr id="3" name="Text Placeholder 2"/>
+          <p:cNvSpPr>
+            <a:spLocks noGrp="1"/>
+          </p:cNvSpPr>
+          <p:nvPr>
+            <p:ph type="body" idx="1"/>
+          </p:nvPr>
+        </p:nvSpPr>
+        <p:spPr>
+          <a:xfrm>
+            <a:off x="677335" y="4470400"/>
+            <a:ext cx="8596668" cy="1570962"/>
+          </a:xfrm>
+        </p:spPr>
+        <p:txBody>
+          <a:bodyPr anchor="ctr">
+            <a:normAutofit/>
+          </a:bodyPr>
+          <a:lstStyle>
+            <a:lvl1pPr marL="0" indent="0" algn="l">
+              <a:buNone/>
+              <a:defRPr sz="1800">
+                <a:solidFill>
+                  <a:schemeClr val="tx1">
+                    <a:lumMod val="75000"/>
+                    <a:lumOff val="25000"/>
+                  </a:schemeClr>
+                </a:solidFill>
+              </a:defRPr>
+            </a:lvl1pPr>
+            <a:lvl2pPr marL="457200" indent="0">
+              <a:buNone/>
+              <a:defRPr sz="1800">
+                <a:solidFill>
+                  <a:schemeClr val="tx1">
+                    <a:tint val="75000"/>
+                  </a:schemeClr>
+                </a:solidFill>
+              </a:defRPr>
+            </a:lvl2pPr>
+            <a:lvl3pPr marL="914400" indent="0">
+              <a:buNone/>
+              <a:defRPr sz="1600">
+                <a:solidFill>
+                  <a:schemeClr val="tx1">
+                    <a:tint val="75000"/>
+                  </a:schemeClr>
+                </a:solidFill>
+              </a:defRPr>
+            </a:lvl3pPr>
+            <a:lvl4pPr marL="1371600" indent="0">
+              <a:buNone/>
+              <a:defRPr sz="1400">
+                <a:solidFill>
+                  <a:schemeClr val="tx1">
+                    <a:tint val="75000"/>
+                  </a:schemeClr>
+                </a:solidFill>
+              </a:defRPr>
+            </a:lvl4pPr>
+            <a:lvl5pPr marL="1828800" indent="0">
+              <a:buNone/>
+              <a:defRPr sz="1400">
+                <a:solidFill>
+                  <a:schemeClr val="tx1">
+                    <a:tint val="75000"/>
+                  </a:schemeClr>
+                </a:solidFill>
+              </a:defRPr>
+            </a:lvl5pPr>
+            <a:lvl6pPr marL="2286000" indent="0">
+              <a:buNone/>
+              <a:defRPr sz="1400">
+                <a:solidFill>
+                  <a:schemeClr val="tx1">
+                    <a:tint val="75000"/>
+                  </a:schemeClr>
+                </a:solidFill>
+              </a:defRPr>
+            </a:lvl6pPr>
+            <a:lvl7pPr marL="2743200" indent="0">
+              <a:buNone/>
+              <a:defRPr sz="1400">
+                <a:solidFill>
+                  <a:schemeClr val="tx1">
+                    <a:tint val="75000"/>
+                  </a:schemeClr>
+                </a:solidFill>
+              </a:defRPr>
+            </a:lvl7pPr>
+            <a:lvl8pPr marL="3200400" indent="0">
+              <a:buNone/>
+              <a:defRPr sz="1400">
+                <a:solidFill>
+                  <a:schemeClr val="tx1">
+                    <a:tint val="75000"/>
+                  </a:schemeClr>
+                </a:solidFill>
+              </a:defRPr>
+            </a:lvl8pPr>
+            <a:lvl9pPr marL="3657600" indent="0">
+              <a:buNone/>
+              <a:defRPr sz="1400">
+                <a:solidFill>
+                  <a:schemeClr val="tx1">
+                    <a:tint val="75000"/>
+                  </a:schemeClr>
+                </a:solidFill>
+              </a:defRPr>
+            </a:lvl9pPr>
+          </a:lstStyle>
+          <a:p>
+            <a:pPr lvl="0"/>
+            <a:r>
+              <a:rPr lang="en-US"/>
+              <a:t>Click to edit Master text styles</a:t>
+            </a:r>
+          </a:p>
+        </p:txBody>
+      </p:sp>
+      <p:sp>
+        <p:nvSpPr>
+          <p:cNvPr id="4" name="Date Placeholder 3"/>
+          <p:cNvSpPr>
+            <a:spLocks noGrp="1"/>
+          </p:cNvSpPr>
+          <p:nvPr>
+            <p:ph type="dt" sz="half" idx="10"/>
+          </p:nvPr>
+        </p:nvSpPr>
+        <p:spPr/>
+        <p:txBody>
+          <a:bodyPr/>
+          <a:lstStyle/>
+          <a:p>
+            <a:fld id="{28D7E8CB-C2B8-4C6C-9A1C-89185880AFDF}" type="datetimeFigureOut">
+              <a:rPr lang="en-US" smtClean="0"/>
+              <a:t>6/18/2025</a:t>
+            </a:fld>
+            <a:endParaRPr lang="en-US"/>
+          </a:p>
+        </p:txBody>
+      </p:sp>
+      <p:sp>
+        <p:nvSpPr>
+          <p:cNvPr id="5" name="Footer Placeholder 4"/>
+          <p:cNvSpPr>
+            <a:spLocks noGrp="1"/>
+          </p:cNvSpPr>
+          <p:nvPr>
+            <p:ph type="ftr" sz="quarter" idx="11"/>
+          </p:nvPr>
+        </p:nvSpPr>
+        <p:spPr/>
+        <p:txBody>
+          <a:bodyPr/>
+          <a:lstStyle/>
+          <a:p>
+            <a:endParaRPr lang="en-US"/>
+          </a:p>
+        </p:txBody>
+      </p:sp>
+      <p:sp>
+        <p:nvSpPr>
+          <p:cNvPr id="6" name="Slide Number Placeholder 5"/>
+          <p:cNvSpPr>
+            <a:spLocks noGrp="1"/>
+          </p:cNvSpPr>
+          <p:nvPr>
+            <p:ph type="sldNum" sz="quarter" idx="12"/>
+          </p:nvPr>
+        </p:nvSpPr>
+        <p:spPr/>
+        <p:txBody>
+          <a:bodyPr/>
+          <a:lstStyle/>
+          <a:p>
+            <a:fld id="{F329C4AC-51EC-4473-9D82-15EF8C4A092B}" type="slidenum">
+              <a:rPr lang="en-US" smtClean="0"/>
+              <a:t>‹#›</a:t>
+            </a:fld>
+            <a:endParaRPr lang="en-US"/>
+          </a:p>
+        </p:txBody>
+      </p:sp>
+      <p:sp>
+        <p:nvSpPr>
+          <p:cNvPr id="20" name="TextBox 19"/>
+          <p:cNvSpPr txBox="1"/>
+          <p:nvPr/>
+        </p:nvSpPr>
+        <p:spPr>
+          <a:xfrm>
+            <a:off x="541870" y="790378"/>
+            <a:ext cx="609600" cy="584776"/>
+          </a:xfrm>
+          <a:prstGeom prst="rect">
+            <a:avLst/>
+          </a:prstGeom>
+        </p:spPr>
+        <p:txBody>
+          <a:bodyPr vert="horz" lIns="91440" tIns="45720" rIns="91440" bIns="45720" rtlCol="0" anchor="ctr">
+            <a:noAutofit/>
+          </a:bodyPr>
+          <a:lstStyle/>
+          <a:p>
+            <a:pPr lvl="0"/>
+            <a:r>
+              <a:rPr lang="en-US" sz="8000" baseline="0" dirty="0">
+                <a:ln w="3175" cmpd="sng">
+                  <a:noFill/>
+                </a:ln>
+                <a:solidFill>
+                  <a:schemeClr val="accent1">
+                    <a:lumMod val="60000"/>
+                    <a:lumOff val="40000"/>
+                  </a:schemeClr>
+                </a:solidFill>
+                <a:effectLst/>
+                <a:latin typeface="Arial"/>
+              </a:rPr>
+              <a:t>“</a:t>
+            </a:r>
+          </a:p>
+        </p:txBody>
+      </p:sp>
+      <p:sp>
+        <p:nvSpPr>
+          <p:cNvPr id="22" name="TextBox 21"/>
+          <p:cNvSpPr txBox="1"/>
+          <p:nvPr/>
+        </p:nvSpPr>
+        <p:spPr>
+          <a:xfrm>
+            <a:off x="8893011" y="2886556"/>
+            <a:ext cx="609600" cy="584776"/>
+          </a:xfrm>
+          <a:prstGeom prst="rect">
+            <a:avLst/>
+          </a:prstGeom>
+        </p:spPr>
+        <p:txBody>
+          <a:bodyPr vert="horz" lIns="91440" tIns="45720" rIns="91440" bIns="45720" rtlCol="0" anchor="ctr">
+            <a:noAutofit/>
+          </a:bodyPr>
+          <a:lstStyle/>
+          <a:p>
+            <a:pPr lvl="0"/>
+            <a:r>
+              <a:rPr lang="en-US" sz="8000" baseline="0" dirty="0">
+                <a:ln w="3175" cmpd="sng">
+                  <a:noFill/>
+                </a:ln>
+                <a:solidFill>
+                  <a:schemeClr val="accent1">
+                    <a:lumMod val="60000"/>
+                    <a:lumOff val="40000"/>
+                  </a:schemeClr>
+                </a:solidFill>
+                <a:latin typeface="Arial"/>
+              </a:rPr>
+              <a:t>”</a:t>
+            </a:r>
+            <a:endParaRPr lang="en-US" dirty="0">
+              <a:solidFill>
+                <a:schemeClr val="accent1">
+                  <a:lumMod val="60000"/>
+                  <a:lumOff val="40000"/>
+                </a:schemeClr>
+              </a:solidFill>
+              <a:latin typeface="Arial"/>
+            </a:endParaRPr>
+          </a:p>
+        </p:txBody>
+      </p:sp>
+    </p:spTree>
+    <p:extLst>
+      <p:ext uri="{BB962C8B-B14F-4D97-AF65-F5344CB8AC3E}">
+        <p14:creationId xmlns:p14="http://schemas.microsoft.com/office/powerpoint/2010/main" val="3951794625"/>
+      </p:ext>
+    </p:extLst>
+  </p:cSld>
+  <p:clrMapOvr>
+    <a:masterClrMapping/>
+  </p:clrMapOvr>
+</p:sldLayout>
+</file>
+
+<file path=ppt/slideLayouts/slideLayout12.xml><?xml version="1.0" encoding="utf-8"?>
+<p:sldLayout xmlns:a="http://schemas.openxmlformats.org/drawingml/2006/main" xmlns:r="http://schemas.openxmlformats.org/officeDocument/2006/relationships" xmlns:p="http://schemas.openxmlformats.org/presentationml/2006/main" preserve="1">
+  <p:cSld name="Name Card">
+    <p:spTree>
+      <p:nvGrpSpPr>
+        <p:cNvPr id="1" name=""/>
+        <p:cNvGrpSpPr/>
+        <p:nvPr/>
+      </p:nvGrpSpPr>
+      <p:grpSpPr>
+        <a:xfrm>
+          <a:off x="0" y="0"/>
+          <a:ext cx="0" cy="0"/>
+          <a:chOff x="0" y="0"/>
+          <a:chExt cx="0" cy="0"/>
+        </a:xfrm>
+      </p:grpSpPr>
+      <p:sp>
+        <p:nvSpPr>
+          <p:cNvPr id="2" name="Title 1"/>
+          <p:cNvSpPr>
+            <a:spLocks noGrp="1"/>
+          </p:cNvSpPr>
+          <p:nvPr>
+            <p:ph type="title"/>
+          </p:nvPr>
+        </p:nvSpPr>
+        <p:spPr>
+          <a:xfrm>
+            <a:off x="677335" y="1931988"/>
+            <a:ext cx="8596668" cy="2595460"/>
+          </a:xfrm>
+        </p:spPr>
+        <p:txBody>
+          <a:bodyPr anchor="b">
+            <a:normAutofit/>
+          </a:bodyPr>
+          <a:lstStyle>
+            <a:lvl1pPr algn="l">
+              <a:defRPr sz="4400" b="0" cap="none"/>
+            </a:lvl1pPr>
+          </a:lstStyle>
+          <a:p>
+            <a:r>
+              <a:rPr lang="en-US"/>
+              <a:t>Click to edit Master title style</a:t>
+            </a:r>
+            <a:endParaRPr lang="en-US" dirty="0"/>
+          </a:p>
+        </p:txBody>
+      </p:sp>
+      <p:sp>
+        <p:nvSpPr>
+          <p:cNvPr id="3" name="Text Placeholder 2"/>
+          <p:cNvSpPr>
+            <a:spLocks noGrp="1"/>
+          </p:cNvSpPr>
+          <p:nvPr>
+            <p:ph type="body" idx="1"/>
+          </p:nvPr>
+        </p:nvSpPr>
+        <p:spPr>
+          <a:xfrm>
+            <a:off x="677335" y="4527448"/>
+            <a:ext cx="8596668" cy="1513914"/>
+          </a:xfrm>
+        </p:spPr>
+        <p:txBody>
+          <a:bodyPr anchor="t">
+            <a:normAutofit/>
+          </a:bodyPr>
+          <a:lstStyle>
+            <a:lvl1pPr marL="0" indent="0" algn="l">
+              <a:buNone/>
+              <a:defRPr sz="1800">
+                <a:solidFill>
+                  <a:schemeClr val="tx1">
+                    <a:lumMod val="75000"/>
+                    <a:lumOff val="25000"/>
+                  </a:schemeClr>
+                </a:solidFill>
+              </a:defRPr>
+            </a:lvl1pPr>
+            <a:lvl2pPr marL="457200" indent="0">
+              <a:buNone/>
+              <a:defRPr sz="1800">
+                <a:solidFill>
+                  <a:schemeClr val="tx1">
+                    <a:tint val="75000"/>
+                  </a:schemeClr>
+                </a:solidFill>
+              </a:defRPr>
+            </a:lvl2pPr>
+            <a:lvl3pPr marL="914400" indent="0">
+              <a:buNone/>
+              <a:defRPr sz="1600">
+                <a:solidFill>
+                  <a:schemeClr val="tx1">
+                    <a:tint val="75000"/>
+                  </a:schemeClr>
+                </a:solidFill>
+              </a:defRPr>
+            </a:lvl3pPr>
+            <a:lvl4pPr marL="1371600" indent="0">
+              <a:buNone/>
+              <a:defRPr sz="1400">
+                <a:solidFill>
+                  <a:schemeClr val="tx1">
+                    <a:tint val="75000"/>
+                  </a:schemeClr>
+                </a:solidFill>
+              </a:defRPr>
+            </a:lvl4pPr>
+            <a:lvl5pPr marL="1828800" indent="0">
+              <a:buNone/>
+              <a:defRPr sz="1400">
+                <a:solidFill>
+                  <a:schemeClr val="tx1">
+                    <a:tint val="75000"/>
+                  </a:schemeClr>
+                </a:solidFill>
+              </a:defRPr>
+            </a:lvl5pPr>
+            <a:lvl6pPr marL="2286000" indent="0">
+              <a:buNone/>
+              <a:defRPr sz="1400">
+                <a:solidFill>
+                  <a:schemeClr val="tx1">
+                    <a:tint val="75000"/>
+                  </a:schemeClr>
+                </a:solidFill>
+              </a:defRPr>
+            </a:lvl6pPr>
+            <a:lvl7pPr marL="2743200" indent="0">
+              <a:buNone/>
+              <a:defRPr sz="1400">
+                <a:solidFill>
+                  <a:schemeClr val="tx1">
+                    <a:tint val="75000"/>
+                  </a:schemeClr>
+                </a:solidFill>
+              </a:defRPr>
+            </a:lvl7pPr>
+            <a:lvl8pPr marL="3200400" indent="0">
+              <a:buNone/>
+              <a:defRPr sz="1400">
+                <a:solidFill>
+                  <a:schemeClr val="tx1">
+                    <a:tint val="75000"/>
+                  </a:schemeClr>
+                </a:solidFill>
+              </a:defRPr>
+            </a:lvl8pPr>
+            <a:lvl9pPr marL="3657600" indent="0">
+              <a:buNone/>
+              <a:defRPr sz="1400">
+                <a:solidFill>
+                  <a:schemeClr val="tx1">
+                    <a:tint val="75000"/>
+                  </a:schemeClr>
+                </a:solidFill>
+              </a:defRPr>
+            </a:lvl9pPr>
+          </a:lstStyle>
+          <a:p>
+            <a:pPr lvl="0"/>
+            <a:r>
+              <a:rPr lang="en-US"/>
+              <a:t>Click to edit Master text styles</a:t>
+            </a:r>
+          </a:p>
+        </p:txBody>
+      </p:sp>
+      <p:sp>
+        <p:nvSpPr>
+          <p:cNvPr id="4" name="Date Placeholder 3"/>
+          <p:cNvSpPr>
+            <a:spLocks noGrp="1"/>
+          </p:cNvSpPr>
+          <p:nvPr>
+            <p:ph type="dt" sz="half" idx="10"/>
+          </p:nvPr>
+        </p:nvSpPr>
+        <p:spPr/>
+        <p:txBody>
+          <a:bodyPr/>
+          <a:lstStyle/>
+          <a:p>
+            <a:fld id="{28D7E8CB-C2B8-4C6C-9A1C-89185880AFDF}" type="datetimeFigureOut">
+              <a:rPr lang="en-US" smtClean="0"/>
+              <a:t>6/18/2025</a:t>
+            </a:fld>
+            <a:endParaRPr lang="en-US"/>
+          </a:p>
+        </p:txBody>
+      </p:sp>
+      <p:sp>
+        <p:nvSpPr>
+          <p:cNvPr id="5" name="Footer Placeholder 4"/>
+          <p:cNvSpPr>
+            <a:spLocks noGrp="1"/>
+          </p:cNvSpPr>
+          <p:nvPr>
+            <p:ph type="ftr" sz="quarter" idx="11"/>
+          </p:nvPr>
+        </p:nvSpPr>
+        <p:spPr/>
+        <p:txBody>
+          <a:bodyPr/>
+          <a:lstStyle/>
+          <a:p>
+            <a:endParaRPr lang="en-US"/>
+          </a:p>
+        </p:txBody>
+      </p:sp>
+      <p:sp>
+        <p:nvSpPr>
+          <p:cNvPr id="6" name="Slide Number Placeholder 5"/>
+          <p:cNvSpPr>
+            <a:spLocks noGrp="1"/>
+          </p:cNvSpPr>
+          <p:nvPr>
+            <p:ph type="sldNum" sz="quarter" idx="12"/>
+          </p:nvPr>
+        </p:nvSpPr>
+        <p:spPr/>
+        <p:txBody>
+          <a:bodyPr/>
+          <a:lstStyle/>
+          <a:p>
+            <a:fld id="{F329C4AC-51EC-4473-9D82-15EF8C4A092B}" type="slidenum">
+              <a:rPr lang="en-US" smtClean="0"/>
+              <a:t>‹#›</a:t>
+            </a:fld>
+            <a:endParaRPr lang="en-US"/>
+          </a:p>
+        </p:txBody>
+      </p:sp>
+    </p:spTree>
+    <p:extLst>
+      <p:ext uri="{BB962C8B-B14F-4D97-AF65-F5344CB8AC3E}">
+        <p14:creationId xmlns:p14="http://schemas.microsoft.com/office/powerpoint/2010/main" val="2025552704"/>
+      </p:ext>
+    </p:extLst>
+  </p:cSld>
+  <p:clrMapOvr>
+    <a:masterClrMapping/>
+  </p:clrMapOvr>
+</p:sldLayout>
+</file>
+
+<file path=ppt/slideLayouts/slideLayout13.xml><?xml version="1.0" encoding="utf-8"?>
+<p:sldLayout xmlns:a="http://schemas.openxmlformats.org/drawingml/2006/main" xmlns:r="http://schemas.openxmlformats.org/officeDocument/2006/relationships" xmlns:p="http://schemas.openxmlformats.org/presentationml/2006/main" preserve="1">
+  <p:cSld name="Quote Name Card">
+    <p:spTree>
+      <p:nvGrpSpPr>
+        <p:cNvPr id="1" name=""/>
+        <p:cNvGrpSpPr/>
+        <p:nvPr/>
+      </p:nvGrpSpPr>
+      <p:grpSpPr>
+        <a:xfrm>
+          <a:off x="0" y="0"/>
+          <a:ext cx="0" cy="0"/>
+          <a:chOff x="0" y="0"/>
+          <a:chExt cx="0" cy="0"/>
+        </a:xfrm>
+      </p:grpSpPr>
+      <p:sp>
+        <p:nvSpPr>
+          <p:cNvPr id="2" name="Title 1"/>
+          <p:cNvSpPr>
+            <a:spLocks noGrp="1"/>
+          </p:cNvSpPr>
+          <p:nvPr>
+            <p:ph type="title"/>
+          </p:nvPr>
+        </p:nvSpPr>
+        <p:spPr>
+          <a:xfrm>
+            <a:off x="931334" y="609600"/>
+            <a:ext cx="8094134" cy="3022600"/>
+          </a:xfrm>
+        </p:spPr>
+        <p:txBody>
+          <a:bodyPr anchor="ctr">
+            <a:normAutofit/>
+          </a:bodyPr>
+          <a:lstStyle>
+            <a:lvl1pPr algn="l">
+              <a:defRPr sz="4400" b="0" cap="none"/>
+            </a:lvl1pPr>
+          </a:lstStyle>
+          <a:p>
+            <a:r>
+              <a:rPr lang="en-US"/>
+              <a:t>Click to edit Master title style</a:t>
+            </a:r>
+            <a:endParaRPr lang="en-US" dirty="0"/>
+          </a:p>
+        </p:txBody>
+      </p:sp>
+      <p:sp>
+        <p:nvSpPr>
+          <p:cNvPr id="23" name="Text Placeholder 9"/>
+          <p:cNvSpPr>
+            <a:spLocks noGrp="1"/>
+          </p:cNvSpPr>
+          <p:nvPr>
+            <p:ph type="body" sz="quarter" idx="13"/>
+          </p:nvPr>
+        </p:nvSpPr>
+        <p:spPr>
+          <a:xfrm>
+            <a:off x="677332" y="4013200"/>
+            <a:ext cx="8596669" cy="514248"/>
+          </a:xfrm>
+        </p:spPr>
+        <p:txBody>
+          <a:bodyPr anchor="b">
+            <a:noAutofit/>
+          </a:bodyPr>
+          <a:lstStyle>
+            <a:lvl1pPr marL="0" indent="0">
+              <a:buFontTx/>
+              <a:buNone/>
+              <a:defRPr sz="2400">
+                <a:solidFill>
+                  <a:schemeClr val="tx1">
+                    <a:lumMod val="75000"/>
+                    <a:lumOff val="25000"/>
+                  </a:schemeClr>
+                </a:solidFill>
+              </a:defRPr>
+            </a:lvl1pPr>
+            <a:lvl2pPr marL="457200" indent="0">
+              <a:buFontTx/>
+              <a:buNone/>
+              <a:defRPr/>
+            </a:lvl2pPr>
+            <a:lvl3pPr marL="914400" indent="0">
+              <a:buFontTx/>
+              <a:buNone/>
+              <a:defRPr/>
+            </a:lvl3pPr>
+            <a:lvl4pPr marL="1371600" indent="0">
+              <a:buFontTx/>
+              <a:buNone/>
+              <a:defRPr/>
+            </a:lvl4pPr>
+            <a:lvl5pPr marL="1828800" indent="0">
+              <a:buFontTx/>
+              <a:buNone/>
+              <a:defRPr/>
+            </a:lvl5pPr>
+          </a:lstStyle>
+          <a:p>
+            <a:pPr lvl="0"/>
+            <a:r>
+              <a:rPr lang="en-US"/>
+              <a:t>Click to edit Master text styles</a:t>
+            </a:r>
+          </a:p>
+        </p:txBody>
+      </p:sp>
+      <p:sp>
+        <p:nvSpPr>
+          <p:cNvPr id="3" name="Text Placeholder 2"/>
+          <p:cNvSpPr>
+            <a:spLocks noGrp="1"/>
+          </p:cNvSpPr>
+          <p:nvPr>
+            <p:ph type="body" idx="1"/>
+          </p:nvPr>
+        </p:nvSpPr>
+        <p:spPr>
+          <a:xfrm>
+            <a:off x="677335" y="4527448"/>
+            <a:ext cx="8596668" cy="1513914"/>
+          </a:xfrm>
+        </p:spPr>
+        <p:txBody>
+          <a:bodyPr anchor="t">
+            <a:normAutofit/>
+          </a:bodyPr>
+          <a:lstStyle>
+            <a:lvl1pPr marL="0" indent="0" algn="l">
+              <a:buNone/>
+              <a:defRPr sz="1800">
+                <a:solidFill>
+                  <a:schemeClr val="tx1">
+                    <a:lumMod val="50000"/>
+                    <a:lumOff val="50000"/>
+                  </a:schemeClr>
+                </a:solidFill>
+              </a:defRPr>
+            </a:lvl1pPr>
+            <a:lvl2pPr marL="457200" indent="0">
+              <a:buNone/>
+              <a:defRPr sz="1800">
+                <a:solidFill>
+                  <a:schemeClr val="tx1">
+                    <a:tint val="75000"/>
+                  </a:schemeClr>
+                </a:solidFill>
+              </a:defRPr>
+            </a:lvl2pPr>
+            <a:lvl3pPr marL="914400" indent="0">
+              <a:buNone/>
+              <a:defRPr sz="1600">
+                <a:solidFill>
+                  <a:schemeClr val="tx1">
+                    <a:tint val="75000"/>
+                  </a:schemeClr>
+                </a:solidFill>
+              </a:defRPr>
+            </a:lvl3pPr>
+            <a:lvl4pPr marL="1371600" indent="0">
+              <a:buNone/>
+              <a:defRPr sz="1400">
+                <a:solidFill>
+                  <a:schemeClr val="tx1">
+                    <a:tint val="75000"/>
+                  </a:schemeClr>
+                </a:solidFill>
+              </a:defRPr>
+            </a:lvl4pPr>
+            <a:lvl5pPr marL="1828800" indent="0">
+              <a:buNone/>
+              <a:defRPr sz="1400">
+                <a:solidFill>
+                  <a:schemeClr val="tx1">
+                    <a:tint val="75000"/>
+                  </a:schemeClr>
+                </a:solidFill>
+              </a:defRPr>
+            </a:lvl5pPr>
+            <a:lvl6pPr marL="2286000" indent="0">
+              <a:buNone/>
+              <a:defRPr sz="1400">
+                <a:solidFill>
+                  <a:schemeClr val="tx1">
+                    <a:tint val="75000"/>
+                  </a:schemeClr>
+                </a:solidFill>
+              </a:defRPr>
+            </a:lvl6pPr>
+            <a:lvl7pPr marL="2743200" indent="0">
+              <a:buNone/>
+              <a:defRPr sz="1400">
+                <a:solidFill>
+                  <a:schemeClr val="tx1">
+                    <a:tint val="75000"/>
+                  </a:schemeClr>
+                </a:solidFill>
+              </a:defRPr>
+            </a:lvl7pPr>
+            <a:lvl8pPr marL="3200400" indent="0">
+              <a:buNone/>
+              <a:defRPr sz="1400">
+                <a:solidFill>
+                  <a:schemeClr val="tx1">
+                    <a:tint val="75000"/>
+                  </a:schemeClr>
+                </a:solidFill>
+              </a:defRPr>
+            </a:lvl8pPr>
+            <a:lvl9pPr marL="3657600" indent="0">
+              <a:buNone/>
+              <a:defRPr sz="1400">
+                <a:solidFill>
+                  <a:schemeClr val="tx1">
+                    <a:tint val="75000"/>
+                  </a:schemeClr>
+                </a:solidFill>
+              </a:defRPr>
+            </a:lvl9pPr>
+          </a:lstStyle>
+          <a:p>
+            <a:pPr lvl="0"/>
+            <a:r>
+              <a:rPr lang="en-US"/>
+              <a:t>Click to edit Master text styles</a:t>
+            </a:r>
+          </a:p>
+        </p:txBody>
+      </p:sp>
+      <p:sp>
+        <p:nvSpPr>
+          <p:cNvPr id="4" name="Date Placeholder 3"/>
+          <p:cNvSpPr>
+            <a:spLocks noGrp="1"/>
+          </p:cNvSpPr>
+          <p:nvPr>
+            <p:ph type="dt" sz="half" idx="10"/>
+          </p:nvPr>
+        </p:nvSpPr>
+        <p:spPr/>
+        <p:txBody>
+          <a:bodyPr/>
+          <a:lstStyle/>
+          <a:p>
+            <a:fld id="{28D7E8CB-C2B8-4C6C-9A1C-89185880AFDF}" type="datetimeFigureOut">
+              <a:rPr lang="en-US" smtClean="0"/>
+              <a:t>6/18/2025</a:t>
+            </a:fld>
+            <a:endParaRPr lang="en-US"/>
+          </a:p>
+        </p:txBody>
+      </p:sp>
+      <p:sp>
+        <p:nvSpPr>
+          <p:cNvPr id="5" name="Footer Placeholder 4"/>
+          <p:cNvSpPr>
+            <a:spLocks noGrp="1"/>
+          </p:cNvSpPr>
+          <p:nvPr>
+            <p:ph type="ftr" sz="quarter" idx="11"/>
+          </p:nvPr>
+        </p:nvSpPr>
+        <p:spPr/>
+        <p:txBody>
+          <a:bodyPr/>
+          <a:lstStyle/>
+          <a:p>
+            <a:endParaRPr lang="en-US"/>
+          </a:p>
+        </p:txBody>
+      </p:sp>
+      <p:sp>
+        <p:nvSpPr>
+          <p:cNvPr id="6" name="Slide Number Placeholder 5"/>
+          <p:cNvSpPr>
+            <a:spLocks noGrp="1"/>
+          </p:cNvSpPr>
+          <p:nvPr>
+            <p:ph type="sldNum" sz="quarter" idx="12"/>
+          </p:nvPr>
+        </p:nvSpPr>
+        <p:spPr/>
+        <p:txBody>
+          <a:bodyPr/>
+          <a:lstStyle/>
+          <a:p>
+            <a:fld id="{F329C4AC-51EC-4473-9D82-15EF8C4A092B}" type="slidenum">
+              <a:rPr lang="en-US" smtClean="0"/>
+              <a:t>‹#›</a:t>
+            </a:fld>
+            <a:endParaRPr lang="en-US"/>
+          </a:p>
+        </p:txBody>
+      </p:sp>
+      <p:sp>
+        <p:nvSpPr>
+          <p:cNvPr id="24" name="TextBox 23"/>
+          <p:cNvSpPr txBox="1"/>
+          <p:nvPr/>
+        </p:nvSpPr>
+        <p:spPr>
+          <a:xfrm>
+            <a:off x="541870" y="790378"/>
+            <a:ext cx="609600" cy="584776"/>
+          </a:xfrm>
+          <a:prstGeom prst="rect">
+            <a:avLst/>
+          </a:prstGeom>
+        </p:spPr>
+        <p:txBody>
+          <a:bodyPr vert="horz" lIns="91440" tIns="45720" rIns="91440" bIns="45720" rtlCol="0" anchor="ctr">
+            <a:noAutofit/>
+          </a:bodyPr>
+          <a:lstStyle/>
+          <a:p>
+            <a:pPr lvl="0"/>
+            <a:r>
+              <a:rPr lang="en-US" sz="8000" baseline="0" dirty="0">
+                <a:ln w="3175" cmpd="sng">
+                  <a:noFill/>
+                </a:ln>
+                <a:solidFill>
+                  <a:schemeClr val="accent1">
+                    <a:lumMod val="60000"/>
+                    <a:lumOff val="40000"/>
+                  </a:schemeClr>
+                </a:solidFill>
+                <a:effectLst/>
+                <a:latin typeface="Arial"/>
+              </a:rPr>
+              <a:t>“</a:t>
+            </a:r>
+          </a:p>
+        </p:txBody>
+      </p:sp>
+      <p:sp>
+        <p:nvSpPr>
+          <p:cNvPr id="25" name="TextBox 24"/>
+          <p:cNvSpPr txBox="1"/>
+          <p:nvPr/>
+        </p:nvSpPr>
+        <p:spPr>
+          <a:xfrm>
+            <a:off x="8893011" y="2886556"/>
+            <a:ext cx="609600" cy="584776"/>
+          </a:xfrm>
+          <a:prstGeom prst="rect">
+            <a:avLst/>
+          </a:prstGeom>
+        </p:spPr>
+        <p:txBody>
+          <a:bodyPr vert="horz" lIns="91440" tIns="45720" rIns="91440" bIns="45720" rtlCol="0" anchor="ctr">
+            <a:noAutofit/>
+          </a:bodyPr>
+          <a:lstStyle/>
+          <a:p>
+            <a:pPr lvl="0"/>
+            <a:r>
+              <a:rPr lang="en-US" sz="8000" baseline="0" dirty="0">
+                <a:ln w="3175" cmpd="sng">
+                  <a:noFill/>
+                </a:ln>
+                <a:solidFill>
+                  <a:schemeClr val="accent1">
+                    <a:lumMod val="60000"/>
+                    <a:lumOff val="40000"/>
+                  </a:schemeClr>
+                </a:solidFill>
+                <a:effectLst/>
+                <a:latin typeface="Arial"/>
+              </a:rPr>
+              <a:t>”</a:t>
+            </a:r>
+          </a:p>
+        </p:txBody>
+      </p:sp>
+    </p:spTree>
+    <p:extLst>
+      <p:ext uri="{BB962C8B-B14F-4D97-AF65-F5344CB8AC3E}">
+        <p14:creationId xmlns:p14="http://schemas.microsoft.com/office/powerpoint/2010/main" val="3036685117"/>
+      </p:ext>
+    </p:extLst>
+  </p:cSld>
+  <p:clrMapOvr>
+    <a:masterClrMapping/>
+  </p:clrMapOvr>
+</p:sldLayout>
+</file>
+
+<file path=ppt/slideLayouts/slideLayout14.xml><?xml version="1.0" encoding="utf-8"?>
+<p:sldLayout xmlns:a="http://schemas.openxmlformats.org/drawingml/2006/main" xmlns:r="http://schemas.openxmlformats.org/officeDocument/2006/relationships" xmlns:p="http://schemas.openxmlformats.org/presentationml/2006/main" preserve="1">
+  <p:cSld name="True or False">
+    <p:spTree>
+      <p:nvGrpSpPr>
+        <p:cNvPr id="1" name=""/>
+        <p:cNvGrpSpPr/>
+        <p:nvPr/>
+      </p:nvGrpSpPr>
+      <p:grpSpPr>
+        <a:xfrm>
+          <a:off x="0" y="0"/>
+          <a:ext cx="0" cy="0"/>
+          <a:chOff x="0" y="0"/>
+          <a:chExt cx="0" cy="0"/>
+        </a:xfrm>
+      </p:grpSpPr>
+      <p:sp>
+        <p:nvSpPr>
+          <p:cNvPr id="2" name="Title 1"/>
+          <p:cNvSpPr>
+            <a:spLocks noGrp="1"/>
+          </p:cNvSpPr>
+          <p:nvPr>
+            <p:ph type="title"/>
+          </p:nvPr>
+        </p:nvSpPr>
+        <p:spPr>
+          <a:xfrm>
+            <a:off x="685799" y="609600"/>
+            <a:ext cx="8588203" cy="3022600"/>
+          </a:xfrm>
+        </p:spPr>
+        <p:txBody>
+          <a:bodyPr anchor="ctr">
+            <a:normAutofit/>
+          </a:bodyPr>
+          <a:lstStyle>
+            <a:lvl1pPr algn="l">
+              <a:defRPr sz="4400" b="0" cap="none"/>
+            </a:lvl1pPr>
+          </a:lstStyle>
+          <a:p>
+            <a:r>
+              <a:rPr lang="en-US"/>
+              <a:t>Click to edit Master title style</a:t>
+            </a:r>
+            <a:endParaRPr lang="en-US" dirty="0"/>
+          </a:p>
+        </p:txBody>
+      </p:sp>
+      <p:sp>
+        <p:nvSpPr>
+          <p:cNvPr id="23" name="Text Placeholder 9"/>
+          <p:cNvSpPr>
+            <a:spLocks noGrp="1"/>
+          </p:cNvSpPr>
+          <p:nvPr>
+            <p:ph type="body" sz="quarter" idx="13"/>
+          </p:nvPr>
+        </p:nvSpPr>
+        <p:spPr>
+          <a:xfrm>
+            <a:off x="677332" y="4013200"/>
+            <a:ext cx="8596669" cy="514248"/>
+          </a:xfrm>
+        </p:spPr>
+        <p:txBody>
+          <a:bodyPr anchor="b">
+            <a:noAutofit/>
+          </a:bodyPr>
+          <a:lstStyle>
+            <a:lvl1pPr marL="0" indent="0">
+              <a:buFontTx/>
+              <a:buNone/>
+              <a:defRPr sz="2400">
+                <a:solidFill>
+                  <a:schemeClr val="accent1"/>
+                </a:solidFill>
+              </a:defRPr>
+            </a:lvl1pPr>
+            <a:lvl2pPr marL="457200" indent="0">
+              <a:buFontTx/>
+              <a:buNone/>
+              <a:defRPr/>
+            </a:lvl2pPr>
+            <a:lvl3pPr marL="914400" indent="0">
+              <a:buFontTx/>
+              <a:buNone/>
+              <a:defRPr/>
+            </a:lvl3pPr>
+            <a:lvl4pPr marL="1371600" indent="0">
+              <a:buFontTx/>
+              <a:buNone/>
+              <a:defRPr/>
+            </a:lvl4pPr>
+            <a:lvl5pPr marL="1828800" indent="0">
+              <a:buFontTx/>
+              <a:buNone/>
+              <a:defRPr/>
+            </a:lvl5pPr>
+          </a:lstStyle>
+          <a:p>
+            <a:pPr lvl="0"/>
+            <a:r>
+              <a:rPr lang="en-US"/>
+              <a:t>Click to edit Master text styles</a:t>
+            </a:r>
+          </a:p>
+        </p:txBody>
+      </p:sp>
+      <p:sp>
+        <p:nvSpPr>
+          <p:cNvPr id="3" name="Text Placeholder 2"/>
+          <p:cNvSpPr>
+            <a:spLocks noGrp="1"/>
+          </p:cNvSpPr>
+          <p:nvPr>
+            <p:ph type="body" idx="1"/>
+          </p:nvPr>
+        </p:nvSpPr>
+        <p:spPr>
+          <a:xfrm>
+            <a:off x="677335" y="4527448"/>
+            <a:ext cx="8596668" cy="1513914"/>
+          </a:xfrm>
+        </p:spPr>
+        <p:txBody>
+          <a:bodyPr anchor="t">
+            <a:normAutofit/>
+          </a:bodyPr>
+          <a:lstStyle>
+            <a:lvl1pPr marL="0" indent="0" algn="l">
+              <a:buNone/>
+              <a:defRPr sz="1800">
+                <a:solidFill>
+                  <a:schemeClr val="tx1">
+                    <a:lumMod val="50000"/>
+                    <a:lumOff val="50000"/>
+                  </a:schemeClr>
+                </a:solidFill>
+              </a:defRPr>
+            </a:lvl1pPr>
+            <a:lvl2pPr marL="457200" indent="0">
+              <a:buNone/>
+              <a:defRPr sz="1800">
+                <a:solidFill>
+                  <a:schemeClr val="tx1">
+                    <a:tint val="75000"/>
+                  </a:schemeClr>
+                </a:solidFill>
+              </a:defRPr>
+            </a:lvl2pPr>
+            <a:lvl3pPr marL="914400" indent="0">
+              <a:buNone/>
+              <a:defRPr sz="1600">
+                <a:solidFill>
+                  <a:schemeClr val="tx1">
+                    <a:tint val="75000"/>
+                  </a:schemeClr>
+                </a:solidFill>
+              </a:defRPr>
+            </a:lvl3pPr>
+            <a:lvl4pPr marL="1371600" indent="0">
+              <a:buNone/>
+              <a:defRPr sz="1400">
+                <a:solidFill>
+                  <a:schemeClr val="tx1">
+                    <a:tint val="75000"/>
+                  </a:schemeClr>
+                </a:solidFill>
+              </a:defRPr>
+            </a:lvl4pPr>
+            <a:lvl5pPr marL="1828800" indent="0">
+              <a:buNone/>
+              <a:defRPr sz="1400">
+                <a:solidFill>
+                  <a:schemeClr val="tx1">
+                    <a:tint val="75000"/>
+                  </a:schemeClr>
+                </a:solidFill>
+              </a:defRPr>
+            </a:lvl5pPr>
+            <a:lvl6pPr marL="2286000" indent="0">
+              <a:buNone/>
+              <a:defRPr sz="1400">
+                <a:solidFill>
+                  <a:schemeClr val="tx1">
+                    <a:tint val="75000"/>
+                  </a:schemeClr>
+                </a:solidFill>
+              </a:defRPr>
+            </a:lvl6pPr>
+            <a:lvl7pPr marL="2743200" indent="0">
+              <a:buNone/>
+              <a:defRPr sz="1400">
+                <a:solidFill>
+                  <a:schemeClr val="tx1">
+                    <a:tint val="75000"/>
+                  </a:schemeClr>
+                </a:solidFill>
+              </a:defRPr>
+            </a:lvl7pPr>
+            <a:lvl8pPr marL="3200400" indent="0">
+              <a:buNone/>
+              <a:defRPr sz="1400">
+                <a:solidFill>
+                  <a:schemeClr val="tx1">
+                    <a:tint val="75000"/>
+                  </a:schemeClr>
+                </a:solidFill>
+              </a:defRPr>
+            </a:lvl8pPr>
+            <a:lvl9pPr marL="3657600" indent="0">
+              <a:buNone/>
+              <a:defRPr sz="1400">
+                <a:solidFill>
+                  <a:schemeClr val="tx1">
+                    <a:tint val="75000"/>
+                  </a:schemeClr>
+                </a:solidFill>
+              </a:defRPr>
+            </a:lvl9pPr>
+          </a:lstStyle>
+          <a:p>
+            <a:pPr lvl="0"/>
+            <a:r>
+              <a:rPr lang="en-US"/>
+              <a:t>Click to edit Master text styles</a:t>
+            </a:r>
+          </a:p>
+        </p:txBody>
+      </p:sp>
+      <p:sp>
+        <p:nvSpPr>
+          <p:cNvPr id="4" name="Date Placeholder 3"/>
+          <p:cNvSpPr>
+            <a:spLocks noGrp="1"/>
+          </p:cNvSpPr>
+          <p:nvPr>
+            <p:ph type="dt" sz="half" idx="10"/>
+          </p:nvPr>
+        </p:nvSpPr>
+        <p:spPr/>
+        <p:txBody>
+          <a:bodyPr/>
+          <a:lstStyle/>
+          <a:p>
+            <a:fld id="{28D7E8CB-C2B8-4C6C-9A1C-89185880AFDF}" type="datetimeFigureOut">
+              <a:rPr lang="en-US" smtClean="0"/>
+              <a:t>6/18/2025</a:t>
+            </a:fld>
+            <a:endParaRPr lang="en-US"/>
+          </a:p>
+        </p:txBody>
+      </p:sp>
+      <p:sp>
+        <p:nvSpPr>
+          <p:cNvPr id="5" name="Footer Placeholder 4"/>
+          <p:cNvSpPr>
+            <a:spLocks noGrp="1"/>
+          </p:cNvSpPr>
+          <p:nvPr>
+            <p:ph type="ftr" sz="quarter" idx="11"/>
+          </p:nvPr>
+        </p:nvSpPr>
+        <p:spPr/>
+        <p:txBody>
+          <a:bodyPr/>
+          <a:lstStyle/>
+          <a:p>
+            <a:endParaRPr lang="en-US"/>
+          </a:p>
+        </p:txBody>
+      </p:sp>
+      <p:sp>
+        <p:nvSpPr>
+          <p:cNvPr id="6" name="Slide Number Placeholder 5"/>
+          <p:cNvSpPr>
+            <a:spLocks noGrp="1"/>
+          </p:cNvSpPr>
+          <p:nvPr>
+            <p:ph type="sldNum" sz="quarter" idx="12"/>
+          </p:nvPr>
+        </p:nvSpPr>
+        <p:spPr/>
+        <p:txBody>
+          <a:bodyPr/>
+          <a:lstStyle/>
+          <a:p>
+            <a:fld id="{F329C4AC-51EC-4473-9D82-15EF8C4A092B}" type="slidenum">
+              <a:rPr lang="en-US" smtClean="0"/>
+              <a:t>‹#›</a:t>
+            </a:fld>
+            <a:endParaRPr lang="en-US"/>
+          </a:p>
+        </p:txBody>
+      </p:sp>
+    </p:spTree>
+    <p:extLst>
+      <p:ext uri="{BB962C8B-B14F-4D97-AF65-F5344CB8AC3E}">
+        <p14:creationId xmlns:p14="http://schemas.microsoft.com/office/powerpoint/2010/main" val="746477689"/>
+      </p:ext>
+    </p:extLst>
+  </p:cSld>
+  <p:clrMapOvr>
+    <a:masterClrMapping/>
+  </p:clrMapOvr>
+</p:sldLayout>
+</file>
+
+<file path=ppt/slideLayouts/slideLayout15.xml><?xml version="1.0" encoding="utf-8"?>
 <p:sldLayout xmlns:a="http://schemas.openxmlformats.org/drawingml/2006/main" xmlns:r="http://schemas.openxmlformats.org/officeDocument/2006/relationships" xmlns:p="http://schemas.openxmlformats.org/presentationml/2006/main" type="vertTx" preserve="1">
   <p:cSld name="Title and Vertical Text">
     <p:spTree>
@@ -9752,13 +11928,7 @@
       </p:grpSpPr>
       <p:sp>
         <p:nvSpPr>
-          <p:cNvPr id="2" name="Title 1">
-            <a:extLst>
-              <a:ext uri="{FF2B5EF4-FFF2-40B4-BE49-F238E27FC236}">
-                <a16:creationId xmlns:a16="http://schemas.microsoft.com/office/drawing/2014/main" id="{EBB9979D-BF66-F4C6-345C-2E18CFC9E097}"/>
-              </a:ext>
-            </a:extLst>
-          </p:cNvPr>
+          <p:cNvPr id="2" name="Title 1"/>
           <p:cNvSpPr>
             <a:spLocks noGrp="1"/>
           </p:cNvSpPr>
@@ -9775,18 +11945,13 @@
               <a:rPr lang="en-US"/>
               <a:t>Click to edit Master title style</a:t>
             </a:r>
-          </a:p>
-        </p:txBody>
-      </p:sp>
-      <p:sp>
-        <p:nvSpPr>
-          <p:cNvPr id="3" name="Vertical Text Placeholder 2">
-            <a:extLst>
-              <a:ext uri="{FF2B5EF4-FFF2-40B4-BE49-F238E27FC236}">
-                <a16:creationId xmlns:a16="http://schemas.microsoft.com/office/drawing/2014/main" id="{3DD55265-9DED-2160-F091-E6BB54B4589B}"/>
-              </a:ext>
-            </a:extLst>
-          </p:cNvPr>
+            <a:endParaRPr lang="en-US" dirty="0"/>
+          </a:p>
+        </p:txBody>
+      </p:sp>
+      <p:sp>
+        <p:nvSpPr>
+          <p:cNvPr id="3" name="Vertical Text Placeholder 2"/>
           <p:cNvSpPr>
             <a:spLocks noGrp="1"/>
           </p:cNvSpPr>
@@ -9832,18 +11997,13 @@
               <a:rPr lang="en-US"/>
               <a:t>Fifth level</a:t>
             </a:r>
-          </a:p>
-        </p:txBody>
-      </p:sp>
-      <p:sp>
-        <p:nvSpPr>
-          <p:cNvPr id="4" name="Date Placeholder 3">
-            <a:extLst>
-              <a:ext uri="{FF2B5EF4-FFF2-40B4-BE49-F238E27FC236}">
-                <a16:creationId xmlns:a16="http://schemas.microsoft.com/office/drawing/2014/main" id="{AC91CE68-8CCC-8B17-2D62-E67367D63270}"/>
-              </a:ext>
-            </a:extLst>
-          </p:cNvPr>
+            <a:endParaRPr lang="en-US" dirty="0"/>
+          </a:p>
+        </p:txBody>
+      </p:sp>
+      <p:sp>
+        <p:nvSpPr>
+          <p:cNvPr id="4" name="Date Placeholder 3"/>
           <p:cNvSpPr>
             <a:spLocks noGrp="1"/>
           </p:cNvSpPr>
@@ -9866,13 +12026,7 @@
       </p:sp>
       <p:sp>
         <p:nvSpPr>
-          <p:cNvPr id="5" name="Footer Placeholder 4">
-            <a:extLst>
-              <a:ext uri="{FF2B5EF4-FFF2-40B4-BE49-F238E27FC236}">
-                <a16:creationId xmlns:a16="http://schemas.microsoft.com/office/drawing/2014/main" id="{7D3F48DE-1FC3-12CF-BCBF-9EAEDBCB635C}"/>
-              </a:ext>
-            </a:extLst>
-          </p:cNvPr>
+          <p:cNvPr id="5" name="Footer Placeholder 4"/>
           <p:cNvSpPr>
             <a:spLocks noGrp="1"/>
           </p:cNvSpPr>
@@ -9891,13 +12045,7 @@
       </p:sp>
       <p:sp>
         <p:nvSpPr>
-          <p:cNvPr id="6" name="Slide Number Placeholder 5">
-            <a:extLst>
-              <a:ext uri="{FF2B5EF4-FFF2-40B4-BE49-F238E27FC236}">
-                <a16:creationId xmlns:a16="http://schemas.microsoft.com/office/drawing/2014/main" id="{58034B50-0F54-A9EB-496F-64EFA2AD260D}"/>
-              </a:ext>
-            </a:extLst>
-          </p:cNvPr>
+          <p:cNvPr id="6" name="Slide Number Placeholder 5"/>
           <p:cNvSpPr>
             <a:spLocks noGrp="1"/>
           </p:cNvSpPr>
@@ -9921,7 +12069,7 @@
     </p:spTree>
     <p:extLst>
       <p:ext uri="{BB962C8B-B14F-4D97-AF65-F5344CB8AC3E}">
-        <p14:creationId xmlns:p14="http://schemas.microsoft.com/office/powerpoint/2010/main" val="1229802534"/>
+        <p14:creationId xmlns:p14="http://schemas.microsoft.com/office/powerpoint/2010/main" val="85521743"/>
       </p:ext>
     </p:extLst>
   </p:cSld>
@@ -9931,7 +12079,7 @@
 </p:sldLayout>
 </file>
 
-<file path=ppt/slideLayouts/slideLayout11.xml><?xml version="1.0" encoding="utf-8"?>
+<file path=ppt/slideLayouts/slideLayout16.xml><?xml version="1.0" encoding="utf-8"?>
 <p:sldLayout xmlns:a="http://schemas.openxmlformats.org/drawingml/2006/main" xmlns:r="http://schemas.openxmlformats.org/officeDocument/2006/relationships" xmlns:p="http://schemas.openxmlformats.org/presentationml/2006/main" type="vertTitleAndTx" preserve="1">
   <p:cSld name="Vertical Title and Text">
     <p:spTree>
@@ -9950,13 +12098,7 @@
       </p:grpSpPr>
       <p:sp>
         <p:nvSpPr>
-          <p:cNvPr id="2" name="Vertical Title 1">
-            <a:extLst>
-              <a:ext uri="{FF2B5EF4-FFF2-40B4-BE49-F238E27FC236}">
-                <a16:creationId xmlns:a16="http://schemas.microsoft.com/office/drawing/2014/main" id="{BF172FB6-1A97-6A08-C408-CB0D96058859}"/>
-              </a:ext>
-            </a:extLst>
-          </p:cNvPr>
+          <p:cNvPr id="2" name="Vertical Title 1"/>
           <p:cNvSpPr>
             <a:spLocks noGrp="1"/>
           </p:cNvSpPr>
@@ -9966,30 +12108,25 @@
         </p:nvSpPr>
         <p:spPr>
           <a:xfrm>
-            <a:off x="8724900" y="365125"/>
-            <a:ext cx="2628900" cy="5811838"/>
+            <a:off x="7967673" y="609599"/>
+            <a:ext cx="1304743" cy="5251451"/>
           </a:xfrm>
         </p:spPr>
         <p:txBody>
-          <a:bodyPr vert="eaVert"/>
+          <a:bodyPr vert="eaVert" anchor="ctr"/>
           <a:lstStyle/>
           <a:p>
             <a:r>
               <a:rPr lang="en-US"/>
               <a:t>Click to edit Master title style</a:t>
             </a:r>
-          </a:p>
-        </p:txBody>
-      </p:sp>
-      <p:sp>
-        <p:nvSpPr>
-          <p:cNvPr id="3" name="Vertical Text Placeholder 2">
-            <a:extLst>
-              <a:ext uri="{FF2B5EF4-FFF2-40B4-BE49-F238E27FC236}">
-                <a16:creationId xmlns:a16="http://schemas.microsoft.com/office/drawing/2014/main" id="{6232DA53-3136-8C23-BD8E-80BCB3A97879}"/>
-              </a:ext>
-            </a:extLst>
-          </p:cNvPr>
+            <a:endParaRPr lang="en-US" dirty="0"/>
+          </a:p>
+        </p:txBody>
+      </p:sp>
+      <p:sp>
+        <p:nvSpPr>
+          <p:cNvPr id="3" name="Vertical Text Placeholder 2"/>
           <p:cNvSpPr>
             <a:spLocks noGrp="1"/>
           </p:cNvSpPr>
@@ -9999,8 +12136,8 @@
         </p:nvSpPr>
         <p:spPr>
           <a:xfrm>
-            <a:off x="838200" y="365125"/>
-            <a:ext cx="7734300" cy="5811838"/>
+            <a:off x="677335" y="609600"/>
+            <a:ext cx="7060150" cy="5251450"/>
           </a:xfrm>
         </p:spPr>
         <p:txBody>
@@ -10040,18 +12177,13 @@
               <a:rPr lang="en-US"/>
               <a:t>Fifth level</a:t>
             </a:r>
-          </a:p>
-        </p:txBody>
-      </p:sp>
-      <p:sp>
-        <p:nvSpPr>
-          <p:cNvPr id="4" name="Date Placeholder 3">
-            <a:extLst>
-              <a:ext uri="{FF2B5EF4-FFF2-40B4-BE49-F238E27FC236}">
-                <a16:creationId xmlns:a16="http://schemas.microsoft.com/office/drawing/2014/main" id="{00D32057-491E-5B04-36B8-3D8D1C7610C5}"/>
-              </a:ext>
-            </a:extLst>
-          </p:cNvPr>
+            <a:endParaRPr lang="en-US" dirty="0"/>
+          </a:p>
+        </p:txBody>
+      </p:sp>
+      <p:sp>
+        <p:nvSpPr>
+          <p:cNvPr id="4" name="Date Placeholder 3"/>
           <p:cNvSpPr>
             <a:spLocks noGrp="1"/>
           </p:cNvSpPr>
@@ -10074,13 +12206,7 @@
       </p:sp>
       <p:sp>
         <p:nvSpPr>
-          <p:cNvPr id="5" name="Footer Placeholder 4">
-            <a:extLst>
-              <a:ext uri="{FF2B5EF4-FFF2-40B4-BE49-F238E27FC236}">
-                <a16:creationId xmlns:a16="http://schemas.microsoft.com/office/drawing/2014/main" id="{059FABCE-BB4A-B8BC-AC94-8DC2E0FC1CF1}"/>
-              </a:ext>
-            </a:extLst>
-          </p:cNvPr>
+          <p:cNvPr id="5" name="Footer Placeholder 4"/>
           <p:cNvSpPr>
             <a:spLocks noGrp="1"/>
           </p:cNvSpPr>
@@ -10099,13 +12225,7 @@
       </p:sp>
       <p:sp>
         <p:nvSpPr>
-          <p:cNvPr id="6" name="Slide Number Placeholder 5">
-            <a:extLst>
-              <a:ext uri="{FF2B5EF4-FFF2-40B4-BE49-F238E27FC236}">
-                <a16:creationId xmlns:a16="http://schemas.microsoft.com/office/drawing/2014/main" id="{2C4DFCE7-4893-019E-6951-9A496B6C84C6}"/>
-              </a:ext>
-            </a:extLst>
-          </p:cNvPr>
+          <p:cNvPr id="6" name="Slide Number Placeholder 5"/>
           <p:cNvSpPr>
             <a:spLocks noGrp="1"/>
           </p:cNvSpPr>
@@ -10129,7 +12249,7 @@
     </p:spTree>
     <p:extLst>
       <p:ext uri="{BB962C8B-B14F-4D97-AF65-F5344CB8AC3E}">
-        <p14:creationId xmlns:p14="http://schemas.microsoft.com/office/powerpoint/2010/main" val="3921035299"/>
+        <p14:creationId xmlns:p14="http://schemas.microsoft.com/office/powerpoint/2010/main" val="2002110093"/>
       </p:ext>
     </p:extLst>
   </p:cSld>
@@ -10158,13 +12278,7 @@
       </p:grpSpPr>
       <p:sp>
         <p:nvSpPr>
-          <p:cNvPr id="2" name="Title 1">
-            <a:extLst>
-              <a:ext uri="{FF2B5EF4-FFF2-40B4-BE49-F238E27FC236}">
-                <a16:creationId xmlns:a16="http://schemas.microsoft.com/office/drawing/2014/main" id="{AB960DD6-E965-5F76-0346-21D6A4416EFF}"/>
-              </a:ext>
-            </a:extLst>
-          </p:cNvPr>
+          <p:cNvPr id="2" name="Title 1"/>
           <p:cNvSpPr>
             <a:spLocks noGrp="1"/>
           </p:cNvSpPr>
@@ -10174,25 +12288,26 @@
         </p:nvSpPr>
         <p:spPr/>
         <p:txBody>
-          <a:bodyPr/>
-          <a:lstStyle/>
+          <a:bodyPr>
+            <a:normAutofit/>
+          </a:bodyPr>
+          <a:lstStyle>
+            <a:lvl1pPr>
+              <a:defRPr sz="3600"/>
+            </a:lvl1pPr>
+          </a:lstStyle>
           <a:p>
             <a:r>
               <a:rPr lang="en-US"/>
               <a:t>Click to edit Master title style</a:t>
             </a:r>
-          </a:p>
-        </p:txBody>
-      </p:sp>
-      <p:sp>
-        <p:nvSpPr>
-          <p:cNvPr id="3" name="Content Placeholder 2">
-            <a:extLst>
-              <a:ext uri="{FF2B5EF4-FFF2-40B4-BE49-F238E27FC236}">
-                <a16:creationId xmlns:a16="http://schemas.microsoft.com/office/drawing/2014/main" id="{6DCEA731-9BD4-F9C8-33B9-B8796A9C91EA}"/>
-              </a:ext>
-            </a:extLst>
-          </p:cNvPr>
+            <a:endParaRPr lang="en-US" dirty="0"/>
+          </a:p>
+        </p:txBody>
+      </p:sp>
+      <p:sp>
+        <p:nvSpPr>
+          <p:cNvPr id="3" name="Content Placeholder 2"/>
           <p:cNvSpPr>
             <a:spLocks noGrp="1"/>
           </p:cNvSpPr>
@@ -10238,18 +12353,13 @@
               <a:rPr lang="en-US"/>
               <a:t>Fifth level</a:t>
             </a:r>
-          </a:p>
-        </p:txBody>
-      </p:sp>
-      <p:sp>
-        <p:nvSpPr>
-          <p:cNvPr id="4" name="Date Placeholder 3">
-            <a:extLst>
-              <a:ext uri="{FF2B5EF4-FFF2-40B4-BE49-F238E27FC236}">
-                <a16:creationId xmlns:a16="http://schemas.microsoft.com/office/drawing/2014/main" id="{A4A41C8E-66A8-3420-A9C4-3DF352E597B9}"/>
-              </a:ext>
-            </a:extLst>
-          </p:cNvPr>
+            <a:endParaRPr lang="en-US" dirty="0"/>
+          </a:p>
+        </p:txBody>
+      </p:sp>
+      <p:sp>
+        <p:nvSpPr>
+          <p:cNvPr id="4" name="Date Placeholder 3"/>
           <p:cNvSpPr>
             <a:spLocks noGrp="1"/>
           </p:cNvSpPr>
@@ -10272,13 +12382,7 @@
       </p:sp>
       <p:sp>
         <p:nvSpPr>
-          <p:cNvPr id="5" name="Footer Placeholder 4">
-            <a:extLst>
-              <a:ext uri="{FF2B5EF4-FFF2-40B4-BE49-F238E27FC236}">
-                <a16:creationId xmlns:a16="http://schemas.microsoft.com/office/drawing/2014/main" id="{6EC290EA-781B-EBCE-4336-F2B04E1FD7BC}"/>
-              </a:ext>
-            </a:extLst>
-          </p:cNvPr>
+          <p:cNvPr id="5" name="Footer Placeholder 4"/>
           <p:cNvSpPr>
             <a:spLocks noGrp="1"/>
           </p:cNvSpPr>
@@ -10297,13 +12401,7 @@
       </p:sp>
       <p:sp>
         <p:nvSpPr>
-          <p:cNvPr id="6" name="Slide Number Placeholder 5">
-            <a:extLst>
-              <a:ext uri="{FF2B5EF4-FFF2-40B4-BE49-F238E27FC236}">
-                <a16:creationId xmlns:a16="http://schemas.microsoft.com/office/drawing/2014/main" id="{D6118A3A-ED24-14C4-CC70-D3B400F321FE}"/>
-              </a:ext>
-            </a:extLst>
-          </p:cNvPr>
+          <p:cNvPr id="6" name="Slide Number Placeholder 5"/>
           <p:cNvSpPr>
             <a:spLocks noGrp="1"/>
           </p:cNvSpPr>
@@ -10327,7 +12425,7 @@
     </p:spTree>
     <p:extLst>
       <p:ext uri="{BB962C8B-B14F-4D97-AF65-F5344CB8AC3E}">
-        <p14:creationId xmlns:p14="http://schemas.microsoft.com/office/powerpoint/2010/main" val="1783571271"/>
+        <p14:creationId xmlns:p14="http://schemas.microsoft.com/office/powerpoint/2010/main" val="3803578640"/>
       </p:ext>
     </p:extLst>
   </p:cSld>
@@ -10356,13 +12454,7 @@
       </p:grpSpPr>
       <p:sp>
         <p:nvSpPr>
-          <p:cNvPr id="2" name="Title 1">
-            <a:extLst>
-              <a:ext uri="{FF2B5EF4-FFF2-40B4-BE49-F238E27FC236}">
-                <a16:creationId xmlns:a16="http://schemas.microsoft.com/office/drawing/2014/main" id="{C665111F-8421-AF2E-E17C-6B6535102960}"/>
-              </a:ext>
-            </a:extLst>
-          </p:cNvPr>
+          <p:cNvPr id="2" name="Title 1"/>
           <p:cNvSpPr>
             <a:spLocks noGrp="1"/>
           </p:cNvSpPr>
@@ -10372,15 +12464,15 @@
         </p:nvSpPr>
         <p:spPr>
           <a:xfrm>
-            <a:off x="831850" y="1709738"/>
-            <a:ext cx="10515600" cy="2852737"/>
+            <a:off x="677335" y="2700867"/>
+            <a:ext cx="8596668" cy="1826581"/>
           </a:xfrm>
         </p:spPr>
         <p:txBody>
           <a:bodyPr anchor="b"/>
           <a:lstStyle>
-            <a:lvl1pPr>
-              <a:defRPr sz="6000"/>
+            <a:lvl1pPr algn="l">
+              <a:defRPr sz="4000" b="0" cap="none"/>
             </a:lvl1pPr>
           </a:lstStyle>
           <a:p>
@@ -10388,18 +12480,13 @@
               <a:rPr lang="en-US"/>
               <a:t>Click to edit Master title style</a:t>
             </a:r>
-          </a:p>
-        </p:txBody>
-      </p:sp>
-      <p:sp>
-        <p:nvSpPr>
-          <p:cNvPr id="3" name="Text Placeholder 2">
-            <a:extLst>
-              <a:ext uri="{FF2B5EF4-FFF2-40B4-BE49-F238E27FC236}">
-                <a16:creationId xmlns:a16="http://schemas.microsoft.com/office/drawing/2014/main" id="{B6266269-8490-7A3B-34E0-99B222194A9A}"/>
-              </a:ext>
-            </a:extLst>
-          </p:cNvPr>
+            <a:endParaRPr lang="en-US" dirty="0"/>
+          </a:p>
+        </p:txBody>
+      </p:sp>
+      <p:sp>
+        <p:nvSpPr>
+          <p:cNvPr id="3" name="Text Placeholder 2"/>
           <p:cNvSpPr>
             <a:spLocks noGrp="1"/>
           </p:cNvSpPr>
@@ -10409,99 +12496,100 @@
         </p:nvSpPr>
         <p:spPr>
           <a:xfrm>
-            <a:off x="831850" y="4589463"/>
-            <a:ext cx="10515600" cy="1500187"/>
+            <a:off x="677335" y="4527448"/>
+            <a:ext cx="8596668" cy="860400"/>
           </a:xfrm>
         </p:spPr>
         <p:txBody>
-          <a:bodyPr/>
+          <a:bodyPr anchor="t"/>
           <a:lstStyle>
-            <a:lvl1pPr marL="0" indent="0">
+            <a:lvl1pPr marL="0" indent="0" algn="l">
               <a:buNone/>
-              <a:defRPr sz="2400">
+              <a:defRPr sz="2000">
                 <a:solidFill>
                   <a:schemeClr val="tx1">
-                    <a:tint val="82000"/>
+                    <a:lumMod val="50000"/>
+                    <a:lumOff val="50000"/>
                   </a:schemeClr>
                 </a:solidFill>
               </a:defRPr>
             </a:lvl1pPr>
             <a:lvl2pPr marL="457200" indent="0">
               <a:buNone/>
-              <a:defRPr sz="2000">
+              <a:defRPr sz="1800">
                 <a:solidFill>
                   <a:schemeClr val="tx1">
-                    <a:tint val="82000"/>
+                    <a:tint val="75000"/>
                   </a:schemeClr>
                 </a:solidFill>
               </a:defRPr>
             </a:lvl2pPr>
             <a:lvl3pPr marL="914400" indent="0">
               <a:buNone/>
-              <a:defRPr sz="1800">
+              <a:defRPr sz="1600">
                 <a:solidFill>
                   <a:schemeClr val="tx1">
-                    <a:tint val="82000"/>
+                    <a:tint val="75000"/>
                   </a:schemeClr>
                 </a:solidFill>
               </a:defRPr>
             </a:lvl3pPr>
             <a:lvl4pPr marL="1371600" indent="0">
               <a:buNone/>
-              <a:defRPr sz="1600">
+              <a:defRPr sz="1400">
                 <a:solidFill>
                   <a:schemeClr val="tx1">
-                    <a:tint val="82000"/>
+                    <a:tint val="75000"/>
                   </a:schemeClr>
                 </a:solidFill>
               </a:defRPr>
             </a:lvl4pPr>
             <a:lvl5pPr marL="1828800" indent="0">
               <a:buNone/>
-              <a:defRPr sz="1600">
+              <a:defRPr sz="1400">
                 <a:solidFill>
                   <a:schemeClr val="tx1">
-                    <a:tint val="82000"/>
+                    <a:tint val="75000"/>
                   </a:schemeClr>
                 </a:solidFill>
               </a:defRPr>
             </a:lvl5pPr>
             <a:lvl6pPr marL="2286000" indent="0">
               <a:buNone/>
-              <a:defRPr sz="1600">
+              <a:defRPr sz="1400">
                 <a:solidFill>
                   <a:schemeClr val="tx1">
-                    <a:tint val="82000"/>
+                    <a:tint val="75000"/>
                   </a:schemeClr>
                 </a:solidFill>
               </a:defRPr>
             </a:lvl6pPr>
             <a:lvl7pPr marL="2743200" indent="0">
               <a:buNone/>
-              <a:defRPr sz="1600">
+              <a:defRPr sz="1400">
                 <a:solidFill>
                   <a:schemeClr val="tx1">
-                    <a:tint val="82000"/>
+                    <a:tint val="75000"/>
                   </a:schemeClr>
                 </a:solidFill>
               </a:defRPr>
             </a:lvl7pPr>
             <a:lvl8pPr marL="3200400" indent="0">
               <a:buNone/>
-              <a:defRPr sz="1600">
+              <a:defRPr sz="1400">
                 <a:solidFill>
                   <a:schemeClr val="tx1">
-                    <a:tint val="82000"/>
+                    <a:tint val="75000"/>
                   </a:schemeClr>
                 </a:solidFill>
               </a:defRPr>
             </a:lvl8pPr>
             <a:lvl9pPr marL="3657600" indent="0">
               <a:buNone/>
-              <a:defRPr sz="1600">
+              <a:defRPr sz="1400">
                 <a:solidFill>
                   <a:schemeClr val="tx1">
-                    <a:tint val="82000"/>
+                    <a:tint val="75000"/>
                   </a:schemeClr>
                 </a:solidFill>
               </a:defRPr>
@@ -10518,13 +12606,7 @@
       </p:sp>
       <p:sp>
         <p:nvSpPr>
-          <p:cNvPr id="4" name="Date Placeholder 3">
-            <a:extLst>
-              <a:ext uri="{FF2B5EF4-FFF2-40B4-BE49-F238E27FC236}">
-                <a16:creationId xmlns:a16="http://schemas.microsoft.com/office/drawing/2014/main" id="{5B7BADBB-1C44-28AE-1175-EE825C938300}"/>
-              </a:ext>
-            </a:extLst>
-          </p:cNvPr>
+          <p:cNvPr id="4" name="Date Placeholder 3"/>
           <p:cNvSpPr>
             <a:spLocks noGrp="1"/>
           </p:cNvSpPr>
@@ -10547,13 +12629,7 @@
       </p:sp>
       <p:sp>
         <p:nvSpPr>
-          <p:cNvPr id="5" name="Footer Placeholder 4">
-            <a:extLst>
-              <a:ext uri="{FF2B5EF4-FFF2-40B4-BE49-F238E27FC236}">
-                <a16:creationId xmlns:a16="http://schemas.microsoft.com/office/drawing/2014/main" id="{3F808BA4-6406-B167-0DDE-6F837AFCF5BB}"/>
-              </a:ext>
-            </a:extLst>
-          </p:cNvPr>
+          <p:cNvPr id="5" name="Footer Placeholder 4"/>
           <p:cNvSpPr>
             <a:spLocks noGrp="1"/>
           </p:cNvSpPr>
@@ -10572,13 +12648,7 @@
       </p:sp>
       <p:sp>
         <p:nvSpPr>
-          <p:cNvPr id="6" name="Slide Number Placeholder 5">
-            <a:extLst>
-              <a:ext uri="{FF2B5EF4-FFF2-40B4-BE49-F238E27FC236}">
-                <a16:creationId xmlns:a16="http://schemas.microsoft.com/office/drawing/2014/main" id="{6FF84591-88D1-9776-ED0C-9E4FEDC74BDA}"/>
-              </a:ext>
-            </a:extLst>
-          </p:cNvPr>
+          <p:cNvPr id="6" name="Slide Number Placeholder 5"/>
           <p:cNvSpPr>
             <a:spLocks noGrp="1"/>
           </p:cNvSpPr>
@@ -10602,7 +12672,7 @@
     </p:spTree>
     <p:extLst>
       <p:ext uri="{BB962C8B-B14F-4D97-AF65-F5344CB8AC3E}">
-        <p14:creationId xmlns:p14="http://schemas.microsoft.com/office/powerpoint/2010/main" val="4020569235"/>
+        <p14:creationId xmlns:p14="http://schemas.microsoft.com/office/powerpoint/2010/main" val="591945453"/>
       </p:ext>
     </p:extLst>
   </p:cSld>
@@ -10631,13 +12701,7 @@
       </p:grpSpPr>
       <p:sp>
         <p:nvSpPr>
-          <p:cNvPr id="2" name="Title 1">
-            <a:extLst>
-              <a:ext uri="{FF2B5EF4-FFF2-40B4-BE49-F238E27FC236}">
-                <a16:creationId xmlns:a16="http://schemas.microsoft.com/office/drawing/2014/main" id="{7D413C64-7179-C33F-376A-16D3E8C2B564}"/>
-              </a:ext>
-            </a:extLst>
-          </p:cNvPr>
+          <p:cNvPr id="2" name="Title 1"/>
           <p:cNvSpPr>
             <a:spLocks noGrp="1"/>
           </p:cNvSpPr>
@@ -10654,18 +12718,13 @@
               <a:rPr lang="en-US"/>
               <a:t>Click to edit Master title style</a:t>
             </a:r>
-          </a:p>
-        </p:txBody>
-      </p:sp>
-      <p:sp>
-        <p:nvSpPr>
-          <p:cNvPr id="3" name="Content Placeholder 2">
-            <a:extLst>
-              <a:ext uri="{FF2B5EF4-FFF2-40B4-BE49-F238E27FC236}">
-                <a16:creationId xmlns:a16="http://schemas.microsoft.com/office/drawing/2014/main" id="{C0B6BE5E-6B40-3E0A-1A83-7CD05E50DC87}"/>
-              </a:ext>
-            </a:extLst>
-          </p:cNvPr>
+            <a:endParaRPr lang="en-US" dirty="0"/>
+          </a:p>
+        </p:txBody>
+      </p:sp>
+      <p:sp>
+        <p:nvSpPr>
+          <p:cNvPr id="3" name="Content Placeholder 2"/>
           <p:cNvSpPr>
             <a:spLocks noGrp="1"/>
           </p:cNvSpPr>
@@ -10675,8 +12734,8 @@
         </p:nvSpPr>
         <p:spPr>
           <a:xfrm>
-            <a:off x="838200" y="1825625"/>
-            <a:ext cx="5181600" cy="4351338"/>
+            <a:off x="677334" y="2160589"/>
+            <a:ext cx="4184035" cy="3880772"/>
           </a:xfrm>
         </p:spPr>
         <p:txBody>
@@ -10716,18 +12775,13 @@
               <a:rPr lang="en-US"/>
               <a:t>Fifth level</a:t>
             </a:r>
-          </a:p>
-        </p:txBody>
-      </p:sp>
-      <p:sp>
-        <p:nvSpPr>
-          <p:cNvPr id="4" name="Content Placeholder 3">
-            <a:extLst>
-              <a:ext uri="{FF2B5EF4-FFF2-40B4-BE49-F238E27FC236}">
-                <a16:creationId xmlns:a16="http://schemas.microsoft.com/office/drawing/2014/main" id="{15899BA8-697E-AF34-F8D4-04559436FE31}"/>
-              </a:ext>
-            </a:extLst>
-          </p:cNvPr>
+            <a:endParaRPr lang="en-US" dirty="0"/>
+          </a:p>
+        </p:txBody>
+      </p:sp>
+      <p:sp>
+        <p:nvSpPr>
+          <p:cNvPr id="4" name="Content Placeholder 3"/>
           <p:cNvSpPr>
             <a:spLocks noGrp="1"/>
           </p:cNvSpPr>
@@ -10737,8 +12791,8 @@
         </p:nvSpPr>
         <p:spPr>
           <a:xfrm>
-            <a:off x="6172200" y="1825625"/>
-            <a:ext cx="5181600" cy="4351338"/>
+            <a:off x="5089970" y="2160589"/>
+            <a:ext cx="4184034" cy="3880773"/>
           </a:xfrm>
         </p:spPr>
         <p:txBody>
@@ -10778,18 +12832,13 @@
               <a:rPr lang="en-US"/>
               <a:t>Fifth level</a:t>
             </a:r>
-          </a:p>
-        </p:txBody>
-      </p:sp>
-      <p:sp>
-        <p:nvSpPr>
-          <p:cNvPr id="5" name="Date Placeholder 4">
-            <a:extLst>
-              <a:ext uri="{FF2B5EF4-FFF2-40B4-BE49-F238E27FC236}">
-                <a16:creationId xmlns:a16="http://schemas.microsoft.com/office/drawing/2014/main" id="{2B66FD40-F920-CD44-10D5-12B2524C7E8A}"/>
-              </a:ext>
-            </a:extLst>
-          </p:cNvPr>
+            <a:endParaRPr lang="en-US" dirty="0"/>
+          </a:p>
+        </p:txBody>
+      </p:sp>
+      <p:sp>
+        <p:nvSpPr>
+          <p:cNvPr id="5" name="Date Placeholder 4"/>
           <p:cNvSpPr>
             <a:spLocks noGrp="1"/>
           </p:cNvSpPr>
@@ -10812,13 +12861,7 @@
       </p:sp>
       <p:sp>
         <p:nvSpPr>
-          <p:cNvPr id="6" name="Footer Placeholder 5">
-            <a:extLst>
-              <a:ext uri="{FF2B5EF4-FFF2-40B4-BE49-F238E27FC236}">
-                <a16:creationId xmlns:a16="http://schemas.microsoft.com/office/drawing/2014/main" id="{EAC77312-93FF-F237-3243-61117F2CF554}"/>
-              </a:ext>
-            </a:extLst>
-          </p:cNvPr>
+          <p:cNvPr id="6" name="Footer Placeholder 5"/>
           <p:cNvSpPr>
             <a:spLocks noGrp="1"/>
           </p:cNvSpPr>
@@ -10837,13 +12880,7 @@
       </p:sp>
       <p:sp>
         <p:nvSpPr>
-          <p:cNvPr id="7" name="Slide Number Placeholder 6">
-            <a:extLst>
-              <a:ext uri="{FF2B5EF4-FFF2-40B4-BE49-F238E27FC236}">
-                <a16:creationId xmlns:a16="http://schemas.microsoft.com/office/drawing/2014/main" id="{46231F57-387A-D832-2303-82008F2B6F5A}"/>
-              </a:ext>
-            </a:extLst>
-          </p:cNvPr>
+          <p:cNvPr id="7" name="Slide Number Placeholder 6"/>
           <p:cNvSpPr>
             <a:spLocks noGrp="1"/>
           </p:cNvSpPr>
@@ -10867,7 +12904,7 @@
     </p:spTree>
     <p:extLst>
       <p:ext uri="{BB962C8B-B14F-4D97-AF65-F5344CB8AC3E}">
-        <p14:creationId xmlns:p14="http://schemas.microsoft.com/office/powerpoint/2010/main" val="2799357760"/>
+        <p14:creationId xmlns:p14="http://schemas.microsoft.com/office/powerpoint/2010/main" val="3067123000"/>
       </p:ext>
     </p:extLst>
   </p:cSld>
@@ -10896,65 +12933,55 @@
       </p:grpSpPr>
       <p:sp>
         <p:nvSpPr>
-          <p:cNvPr id="2" name="Title 1">
-            <a:extLst>
-              <a:ext uri="{FF2B5EF4-FFF2-40B4-BE49-F238E27FC236}">
-                <a16:creationId xmlns:a16="http://schemas.microsoft.com/office/drawing/2014/main" id="{D6772441-C61D-6A2F-A2B4-E977E5546559}"/>
-              </a:ext>
-            </a:extLst>
-          </p:cNvPr>
+          <p:cNvPr id="2" name="Title 1"/>
           <p:cNvSpPr>
             <a:spLocks noGrp="1"/>
           </p:cNvSpPr>
           <p:nvPr>
             <p:ph type="title"/>
+          </p:nvPr>
+        </p:nvSpPr>
+        <p:spPr/>
+        <p:txBody>
+          <a:bodyPr/>
+          <a:lstStyle>
+            <a:lvl1pPr>
+              <a:defRPr/>
+            </a:lvl1pPr>
+          </a:lstStyle>
+          <a:p>
+            <a:r>
+              <a:rPr lang="en-US"/>
+              <a:t>Click to edit Master title style</a:t>
+            </a:r>
+            <a:endParaRPr lang="en-US" dirty="0"/>
+          </a:p>
+        </p:txBody>
+      </p:sp>
+      <p:sp>
+        <p:nvSpPr>
+          <p:cNvPr id="3" name="Text Placeholder 2"/>
+          <p:cNvSpPr>
+            <a:spLocks noGrp="1"/>
+          </p:cNvSpPr>
+          <p:nvPr>
+            <p:ph type="body" idx="1"/>
           </p:nvPr>
         </p:nvSpPr>
         <p:spPr>
           <a:xfrm>
-            <a:off x="839788" y="365125"/>
-            <a:ext cx="10515600" cy="1325563"/>
+            <a:off x="675745" y="2160983"/>
+            <a:ext cx="4185623" cy="576262"/>
           </a:xfrm>
         </p:spPr>
         <p:txBody>
-          <a:bodyPr/>
-          <a:lstStyle/>
-          <a:p>
-            <a:r>
-              <a:rPr lang="en-US"/>
-              <a:t>Click to edit Master title style</a:t>
-            </a:r>
-          </a:p>
-        </p:txBody>
-      </p:sp>
-      <p:sp>
-        <p:nvSpPr>
-          <p:cNvPr id="3" name="Text Placeholder 2">
-            <a:extLst>
-              <a:ext uri="{FF2B5EF4-FFF2-40B4-BE49-F238E27FC236}">
-                <a16:creationId xmlns:a16="http://schemas.microsoft.com/office/drawing/2014/main" id="{29617817-83B8-66DB-E8EA-14EB1E03820B}"/>
-              </a:ext>
-            </a:extLst>
-          </p:cNvPr>
-          <p:cNvSpPr>
-            <a:spLocks noGrp="1"/>
-          </p:cNvSpPr>
-          <p:nvPr>
-            <p:ph type="body" idx="1"/>
-          </p:nvPr>
-        </p:nvSpPr>
-        <p:spPr>
-          <a:xfrm>
-            <a:off x="839788" y="1681163"/>
-            <a:ext cx="5157787" cy="823912"/>
-          </a:xfrm>
-        </p:spPr>
-        <p:txBody>
-          <a:bodyPr anchor="b"/>
+          <a:bodyPr anchor="b">
+            <a:noAutofit/>
+          </a:bodyPr>
           <a:lstStyle>
             <a:lvl1pPr marL="0" indent="0">
               <a:buNone/>
-              <a:defRPr sz="2400" b="1"/>
+              <a:defRPr sz="2400" b="0"/>
             </a:lvl1pPr>
             <a:lvl2pPr marL="457200" indent="0">
               <a:buNone/>
@@ -11000,13 +13027,7 @@
       </p:sp>
       <p:sp>
         <p:nvSpPr>
-          <p:cNvPr id="4" name="Content Placeholder 3">
-            <a:extLst>
-              <a:ext uri="{FF2B5EF4-FFF2-40B4-BE49-F238E27FC236}">
-                <a16:creationId xmlns:a16="http://schemas.microsoft.com/office/drawing/2014/main" id="{591A8E76-AA7C-D835-AA28-2319565AB69D}"/>
-              </a:ext>
-            </a:extLst>
-          </p:cNvPr>
+          <p:cNvPr id="4" name="Content Placeholder 3"/>
           <p:cNvSpPr>
             <a:spLocks noGrp="1"/>
           </p:cNvSpPr>
@@ -11016,12 +13037,14 @@
         </p:nvSpPr>
         <p:spPr>
           <a:xfrm>
-            <a:off x="839788" y="2505075"/>
-            <a:ext cx="5157787" cy="3684588"/>
+            <a:off x="675745" y="2737245"/>
+            <a:ext cx="4185623" cy="3304117"/>
           </a:xfrm>
         </p:spPr>
         <p:txBody>
-          <a:bodyPr/>
+          <a:bodyPr>
+            <a:normAutofit/>
+          </a:bodyPr>
           <a:lstStyle/>
           <a:p>
             <a:pPr lvl="0"/>
@@ -11057,18 +13080,13 @@
               <a:rPr lang="en-US"/>
               <a:t>Fifth level</a:t>
             </a:r>
-          </a:p>
-        </p:txBody>
-      </p:sp>
-      <p:sp>
-        <p:nvSpPr>
-          <p:cNvPr id="5" name="Text Placeholder 4">
-            <a:extLst>
-              <a:ext uri="{FF2B5EF4-FFF2-40B4-BE49-F238E27FC236}">
-                <a16:creationId xmlns:a16="http://schemas.microsoft.com/office/drawing/2014/main" id="{F06E6510-7C9D-3C1A-EEFA-FB68FAB8D0F5}"/>
-              </a:ext>
-            </a:extLst>
-          </p:cNvPr>
+            <a:endParaRPr lang="en-US" dirty="0"/>
+          </a:p>
+        </p:txBody>
+      </p:sp>
+      <p:sp>
+        <p:nvSpPr>
+          <p:cNvPr id="5" name="Text Placeholder 4"/>
           <p:cNvSpPr>
             <a:spLocks noGrp="1"/>
           </p:cNvSpPr>
@@ -11078,16 +13096,18 @@
         </p:nvSpPr>
         <p:spPr>
           <a:xfrm>
-            <a:off x="6172200" y="1681163"/>
-            <a:ext cx="5183188" cy="823912"/>
+            <a:off x="5088383" y="2160983"/>
+            <a:ext cx="4185618" cy="576262"/>
           </a:xfrm>
         </p:spPr>
         <p:txBody>
-          <a:bodyPr anchor="b"/>
+          <a:bodyPr anchor="b">
+            <a:noAutofit/>
+          </a:bodyPr>
           <a:lstStyle>
             <a:lvl1pPr marL="0" indent="0">
               <a:buNone/>
-              <a:defRPr sz="2400" b="1"/>
+              <a:defRPr sz="2400" b="0"/>
             </a:lvl1pPr>
             <a:lvl2pPr marL="457200" indent="0">
               <a:buNone/>
@@ -11133,13 +13153,7 @@
       </p:sp>
       <p:sp>
         <p:nvSpPr>
-          <p:cNvPr id="6" name="Content Placeholder 5">
-            <a:extLst>
-              <a:ext uri="{FF2B5EF4-FFF2-40B4-BE49-F238E27FC236}">
-                <a16:creationId xmlns:a16="http://schemas.microsoft.com/office/drawing/2014/main" id="{931B101E-DBAD-D39B-5D58-D88EE6756ABF}"/>
-              </a:ext>
-            </a:extLst>
-          </p:cNvPr>
+          <p:cNvPr id="6" name="Content Placeholder 5"/>
           <p:cNvSpPr>
             <a:spLocks noGrp="1"/>
           </p:cNvSpPr>
@@ -11149,12 +13163,14 @@
         </p:nvSpPr>
         <p:spPr>
           <a:xfrm>
-            <a:off x="6172200" y="2505075"/>
-            <a:ext cx="5183188" cy="3684588"/>
+            <a:off x="5088384" y="2737245"/>
+            <a:ext cx="4185617" cy="3304117"/>
           </a:xfrm>
         </p:spPr>
         <p:txBody>
-          <a:bodyPr/>
+          <a:bodyPr>
+            <a:normAutofit/>
+          </a:bodyPr>
           <a:lstStyle/>
           <a:p>
             <a:pPr lvl="0"/>
@@ -11190,18 +13206,13 @@
               <a:rPr lang="en-US"/>
               <a:t>Fifth level</a:t>
             </a:r>
-          </a:p>
-        </p:txBody>
-      </p:sp>
-      <p:sp>
-        <p:nvSpPr>
-          <p:cNvPr id="7" name="Date Placeholder 6">
-            <a:extLst>
-              <a:ext uri="{FF2B5EF4-FFF2-40B4-BE49-F238E27FC236}">
-                <a16:creationId xmlns:a16="http://schemas.microsoft.com/office/drawing/2014/main" id="{F02AE971-A277-E205-595F-D89E6FB88909}"/>
-              </a:ext>
-            </a:extLst>
-          </p:cNvPr>
+            <a:endParaRPr lang="en-US" dirty="0"/>
+          </a:p>
+        </p:txBody>
+      </p:sp>
+      <p:sp>
+        <p:nvSpPr>
+          <p:cNvPr id="7" name="Date Placeholder 6"/>
           <p:cNvSpPr>
             <a:spLocks noGrp="1"/>
           </p:cNvSpPr>
@@ -11224,13 +13235,7 @@
       </p:sp>
       <p:sp>
         <p:nvSpPr>
-          <p:cNvPr id="8" name="Footer Placeholder 7">
-            <a:extLst>
-              <a:ext uri="{FF2B5EF4-FFF2-40B4-BE49-F238E27FC236}">
-                <a16:creationId xmlns:a16="http://schemas.microsoft.com/office/drawing/2014/main" id="{18CF91BA-C367-0974-0B26-7EF6C342AC07}"/>
-              </a:ext>
-            </a:extLst>
-          </p:cNvPr>
+          <p:cNvPr id="8" name="Footer Placeholder 7"/>
           <p:cNvSpPr>
             <a:spLocks noGrp="1"/>
           </p:cNvSpPr>
@@ -11249,13 +13254,7 @@
       </p:sp>
       <p:sp>
         <p:nvSpPr>
-          <p:cNvPr id="9" name="Slide Number Placeholder 8">
-            <a:extLst>
-              <a:ext uri="{FF2B5EF4-FFF2-40B4-BE49-F238E27FC236}">
-                <a16:creationId xmlns:a16="http://schemas.microsoft.com/office/drawing/2014/main" id="{C10ADB58-FAD3-E6A8-7A5D-2274E3296EE8}"/>
-              </a:ext>
-            </a:extLst>
-          </p:cNvPr>
+          <p:cNvPr id="9" name="Slide Number Placeholder 8"/>
           <p:cNvSpPr>
             <a:spLocks noGrp="1"/>
           </p:cNvSpPr>
@@ -11279,7 +13278,7 @@
     </p:spTree>
     <p:extLst>
       <p:ext uri="{BB962C8B-B14F-4D97-AF65-F5344CB8AC3E}">
-        <p14:creationId xmlns:p14="http://schemas.microsoft.com/office/powerpoint/2010/main" val="3130944748"/>
+        <p14:creationId xmlns:p14="http://schemas.microsoft.com/office/powerpoint/2010/main" val="546932139"/>
       </p:ext>
     </p:extLst>
   </p:cSld>
@@ -11308,13 +13307,7 @@
       </p:grpSpPr>
       <p:sp>
         <p:nvSpPr>
-          <p:cNvPr id="2" name="Title 1">
-            <a:extLst>
-              <a:ext uri="{FF2B5EF4-FFF2-40B4-BE49-F238E27FC236}">
-                <a16:creationId xmlns:a16="http://schemas.microsoft.com/office/drawing/2014/main" id="{AFB9E423-0FBE-EB4A-4AF7-5505B14479D7}"/>
-              </a:ext>
-            </a:extLst>
-          </p:cNvPr>
+          <p:cNvPr id="2" name="Title 1"/>
           <p:cNvSpPr>
             <a:spLocks noGrp="1"/>
           </p:cNvSpPr>
@@ -11322,7 +13315,12 @@
             <p:ph type="title"/>
           </p:nvPr>
         </p:nvSpPr>
-        <p:spPr/>
+        <p:spPr>
+          <a:xfrm>
+            <a:off x="677334" y="609600"/>
+            <a:ext cx="8596668" cy="1320800"/>
+          </a:xfrm>
+        </p:spPr>
         <p:txBody>
           <a:bodyPr/>
           <a:lstStyle/>
@@ -11331,18 +13329,13 @@
               <a:rPr lang="en-US"/>
               <a:t>Click to edit Master title style</a:t>
             </a:r>
-          </a:p>
-        </p:txBody>
-      </p:sp>
-      <p:sp>
-        <p:nvSpPr>
-          <p:cNvPr id="3" name="Date Placeholder 2">
-            <a:extLst>
-              <a:ext uri="{FF2B5EF4-FFF2-40B4-BE49-F238E27FC236}">
-                <a16:creationId xmlns:a16="http://schemas.microsoft.com/office/drawing/2014/main" id="{B766F908-83ED-FB0B-43D3-8FA0FD66B175}"/>
-              </a:ext>
-            </a:extLst>
-          </p:cNvPr>
+            <a:endParaRPr lang="en-US" dirty="0"/>
+          </a:p>
+        </p:txBody>
+      </p:sp>
+      <p:sp>
+        <p:nvSpPr>
+          <p:cNvPr id="3" name="Date Placeholder 2"/>
           <p:cNvSpPr>
             <a:spLocks noGrp="1"/>
           </p:cNvSpPr>
@@ -11365,13 +13358,7 @@
       </p:sp>
       <p:sp>
         <p:nvSpPr>
-          <p:cNvPr id="4" name="Footer Placeholder 3">
-            <a:extLst>
-              <a:ext uri="{FF2B5EF4-FFF2-40B4-BE49-F238E27FC236}">
-                <a16:creationId xmlns:a16="http://schemas.microsoft.com/office/drawing/2014/main" id="{D39E1276-E2B4-FAB5-1D5B-161107AACE11}"/>
-              </a:ext>
-            </a:extLst>
-          </p:cNvPr>
+          <p:cNvPr id="4" name="Footer Placeholder 3"/>
           <p:cNvSpPr>
             <a:spLocks noGrp="1"/>
           </p:cNvSpPr>
@@ -11390,13 +13377,7 @@
       </p:sp>
       <p:sp>
         <p:nvSpPr>
-          <p:cNvPr id="5" name="Slide Number Placeholder 4">
-            <a:extLst>
-              <a:ext uri="{FF2B5EF4-FFF2-40B4-BE49-F238E27FC236}">
-                <a16:creationId xmlns:a16="http://schemas.microsoft.com/office/drawing/2014/main" id="{1D9B9983-2301-7A07-3D49-D3B973BC2E2A}"/>
-              </a:ext>
-            </a:extLst>
-          </p:cNvPr>
+          <p:cNvPr id="5" name="Slide Number Placeholder 4"/>
           <p:cNvSpPr>
             <a:spLocks noGrp="1"/>
           </p:cNvSpPr>
@@ -11420,7 +13401,7 @@
     </p:spTree>
     <p:extLst>
       <p:ext uri="{BB962C8B-B14F-4D97-AF65-F5344CB8AC3E}">
-        <p14:creationId xmlns:p14="http://schemas.microsoft.com/office/powerpoint/2010/main" val="270435302"/>
+        <p14:creationId xmlns:p14="http://schemas.microsoft.com/office/powerpoint/2010/main" val="328569808"/>
       </p:ext>
     </p:extLst>
   </p:cSld>
@@ -11449,13 +13430,7 @@
       </p:grpSpPr>
       <p:sp>
         <p:nvSpPr>
-          <p:cNvPr id="2" name="Date Placeholder 1">
-            <a:extLst>
-              <a:ext uri="{FF2B5EF4-FFF2-40B4-BE49-F238E27FC236}">
-                <a16:creationId xmlns:a16="http://schemas.microsoft.com/office/drawing/2014/main" id="{6D370664-FD40-1BE9-A2DE-28F0BB373070}"/>
-              </a:ext>
-            </a:extLst>
-          </p:cNvPr>
+          <p:cNvPr id="2" name="Date Placeholder 1"/>
           <p:cNvSpPr>
             <a:spLocks noGrp="1"/>
           </p:cNvSpPr>
@@ -11478,13 +13453,7 @@
       </p:sp>
       <p:sp>
         <p:nvSpPr>
-          <p:cNvPr id="3" name="Footer Placeholder 2">
-            <a:extLst>
-              <a:ext uri="{FF2B5EF4-FFF2-40B4-BE49-F238E27FC236}">
-                <a16:creationId xmlns:a16="http://schemas.microsoft.com/office/drawing/2014/main" id="{299AF69B-8C50-6881-6465-44D3B04D808F}"/>
-              </a:ext>
-            </a:extLst>
-          </p:cNvPr>
+          <p:cNvPr id="3" name="Footer Placeholder 2"/>
           <p:cNvSpPr>
             <a:spLocks noGrp="1"/>
           </p:cNvSpPr>
@@ -11503,13 +13472,7 @@
       </p:sp>
       <p:sp>
         <p:nvSpPr>
-          <p:cNvPr id="4" name="Slide Number Placeholder 3">
-            <a:extLst>
-              <a:ext uri="{FF2B5EF4-FFF2-40B4-BE49-F238E27FC236}">
-                <a16:creationId xmlns:a16="http://schemas.microsoft.com/office/drawing/2014/main" id="{79C487A8-AC02-BF33-3766-15655F0EB2D1}"/>
-              </a:ext>
-            </a:extLst>
-          </p:cNvPr>
+          <p:cNvPr id="4" name="Slide Number Placeholder 3"/>
           <p:cNvSpPr>
             <a:spLocks noGrp="1"/>
           </p:cNvSpPr>
@@ -11533,7 +13496,7 @@
     </p:spTree>
     <p:extLst>
       <p:ext uri="{BB962C8B-B14F-4D97-AF65-F5344CB8AC3E}">
-        <p14:creationId xmlns:p14="http://schemas.microsoft.com/office/powerpoint/2010/main" val="4065869153"/>
+        <p14:creationId xmlns:p14="http://schemas.microsoft.com/office/powerpoint/2010/main" val="2315065900"/>
       </p:ext>
     </p:extLst>
   </p:cSld>
@@ -11562,13 +13525,7 @@
       </p:grpSpPr>
       <p:sp>
         <p:nvSpPr>
-          <p:cNvPr id="2" name="Title 1">
-            <a:extLst>
-              <a:ext uri="{FF2B5EF4-FFF2-40B4-BE49-F238E27FC236}">
-                <a16:creationId xmlns:a16="http://schemas.microsoft.com/office/drawing/2014/main" id="{254D7314-6E27-7391-6E04-CF9EAA8C3A59}"/>
-              </a:ext>
-            </a:extLst>
-          </p:cNvPr>
+          <p:cNvPr id="2" name="Title 1"/>
           <p:cNvSpPr>
             <a:spLocks noGrp="1"/>
           </p:cNvSpPr>
@@ -11578,15 +13535,17 @@
         </p:nvSpPr>
         <p:spPr>
           <a:xfrm>
-            <a:off x="839788" y="457200"/>
-            <a:ext cx="3932237" cy="1600200"/>
+            <a:off x="677334" y="1498604"/>
+            <a:ext cx="3854528" cy="1278466"/>
           </a:xfrm>
         </p:spPr>
         <p:txBody>
-          <a:bodyPr anchor="b"/>
+          <a:bodyPr anchor="b">
+            <a:normAutofit/>
+          </a:bodyPr>
           <a:lstStyle>
             <a:lvl1pPr>
-              <a:defRPr sz="3200"/>
+              <a:defRPr sz="2000"/>
             </a:lvl1pPr>
           </a:lstStyle>
           <a:p>
@@ -11594,18 +13553,13 @@
               <a:rPr lang="en-US"/>
               <a:t>Click to edit Master title style</a:t>
             </a:r>
-          </a:p>
-        </p:txBody>
-      </p:sp>
-      <p:sp>
-        <p:nvSpPr>
-          <p:cNvPr id="3" name="Content Placeholder 2">
-            <a:extLst>
-              <a:ext uri="{FF2B5EF4-FFF2-40B4-BE49-F238E27FC236}">
-                <a16:creationId xmlns:a16="http://schemas.microsoft.com/office/drawing/2014/main" id="{31EA416F-D3F0-8AA8-7756-F829A088B953}"/>
-              </a:ext>
-            </a:extLst>
-          </p:cNvPr>
+            <a:endParaRPr lang="en-US" dirty="0"/>
+          </a:p>
+        </p:txBody>
+      </p:sp>
+      <p:sp>
+        <p:nvSpPr>
+          <p:cNvPr id="3" name="Content Placeholder 2"/>
           <p:cNvSpPr>
             <a:spLocks noGrp="1"/>
           </p:cNvSpPr>
@@ -11615,41 +13569,15 @@
         </p:nvSpPr>
         <p:spPr>
           <a:xfrm>
-            <a:off x="5183188" y="987425"/>
-            <a:ext cx="6172200" cy="4873625"/>
+            <a:off x="4760461" y="514924"/>
+            <a:ext cx="4513541" cy="5526437"/>
           </a:xfrm>
         </p:spPr>
         <p:txBody>
-          <a:bodyPr/>
-          <a:lstStyle>
-            <a:lvl1pPr>
-              <a:defRPr sz="3200"/>
-            </a:lvl1pPr>
-            <a:lvl2pPr>
-              <a:defRPr sz="2800"/>
-            </a:lvl2pPr>
-            <a:lvl3pPr>
-              <a:defRPr sz="2400"/>
-            </a:lvl3pPr>
-            <a:lvl4pPr>
-              <a:defRPr sz="2000"/>
-            </a:lvl4pPr>
-            <a:lvl5pPr>
-              <a:defRPr sz="2000"/>
-            </a:lvl5pPr>
-            <a:lvl6pPr>
-              <a:defRPr sz="2000"/>
-            </a:lvl6pPr>
-            <a:lvl7pPr>
-              <a:defRPr sz="2000"/>
-            </a:lvl7pPr>
-            <a:lvl8pPr>
-              <a:defRPr sz="2000"/>
-            </a:lvl8pPr>
-            <a:lvl9pPr>
-              <a:defRPr sz="2000"/>
-            </a:lvl9pPr>
-          </a:lstStyle>
+          <a:bodyPr>
+            <a:normAutofit/>
+          </a:bodyPr>
+          <a:lstStyle/>
           <a:p>
             <a:pPr lvl="0"/>
             <a:r>
@@ -11684,18 +13612,13 @@
               <a:rPr lang="en-US"/>
               <a:t>Fifth level</a:t>
             </a:r>
-          </a:p>
-        </p:txBody>
-      </p:sp>
-      <p:sp>
-        <p:nvSpPr>
-          <p:cNvPr id="4" name="Text Placeholder 3">
-            <a:extLst>
-              <a:ext uri="{FF2B5EF4-FFF2-40B4-BE49-F238E27FC236}">
-                <a16:creationId xmlns:a16="http://schemas.microsoft.com/office/drawing/2014/main" id="{1698BC0A-8702-5901-C964-AB13DFEEAE42}"/>
-              </a:ext>
-            </a:extLst>
-          </p:cNvPr>
+            <a:endParaRPr lang="en-US" dirty="0"/>
+          </a:p>
+        </p:txBody>
+      </p:sp>
+      <p:sp>
+        <p:nvSpPr>
+          <p:cNvPr id="4" name="Text Placeholder 3"/>
           <p:cNvSpPr>
             <a:spLocks noGrp="1"/>
           </p:cNvSpPr>
@@ -11705,46 +13628,48 @@
         </p:nvSpPr>
         <p:spPr>
           <a:xfrm>
-            <a:off x="839788" y="2057400"/>
-            <a:ext cx="3932237" cy="3811588"/>
+            <a:off x="677334" y="2777069"/>
+            <a:ext cx="3854528" cy="2584449"/>
           </a:xfrm>
         </p:spPr>
         <p:txBody>
-          <a:bodyPr/>
+          <a:bodyPr>
+            <a:normAutofit/>
+          </a:bodyPr>
           <a:lstStyle>
             <a:lvl1pPr marL="0" indent="0">
               <a:buNone/>
-              <a:defRPr sz="1600"/>
+              <a:defRPr sz="1400"/>
             </a:lvl1pPr>
-            <a:lvl2pPr marL="457200" indent="0">
+            <a:lvl2pPr marL="457063" indent="0">
               <a:buNone/>
               <a:defRPr sz="1400"/>
             </a:lvl2pPr>
-            <a:lvl3pPr marL="914400" indent="0">
+            <a:lvl3pPr marL="914126" indent="0">
               <a:buNone/>
               <a:defRPr sz="1200"/>
             </a:lvl3pPr>
-            <a:lvl4pPr marL="1371600" indent="0">
+            <a:lvl4pPr marL="1371189" indent="0">
               <a:buNone/>
               <a:defRPr sz="1000"/>
             </a:lvl4pPr>
-            <a:lvl5pPr marL="1828800" indent="0">
+            <a:lvl5pPr marL="1828251" indent="0">
               <a:buNone/>
               <a:defRPr sz="1000"/>
             </a:lvl5pPr>
-            <a:lvl6pPr marL="2286000" indent="0">
+            <a:lvl6pPr marL="2285314" indent="0">
               <a:buNone/>
               <a:defRPr sz="1000"/>
             </a:lvl6pPr>
-            <a:lvl7pPr marL="2743200" indent="0">
+            <a:lvl7pPr marL="2742377" indent="0">
               <a:buNone/>
               <a:defRPr sz="1000"/>
             </a:lvl7pPr>
-            <a:lvl8pPr marL="3200400" indent="0">
+            <a:lvl8pPr marL="3199440" indent="0">
               <a:buNone/>
               <a:defRPr sz="1000"/>
             </a:lvl8pPr>
-            <a:lvl9pPr marL="3657600" indent="0">
+            <a:lvl9pPr marL="3656503" indent="0">
               <a:buNone/>
               <a:defRPr sz="1000"/>
             </a:lvl9pPr>
@@ -11760,13 +13685,7 @@
       </p:sp>
       <p:sp>
         <p:nvSpPr>
-          <p:cNvPr id="5" name="Date Placeholder 4">
-            <a:extLst>
-              <a:ext uri="{FF2B5EF4-FFF2-40B4-BE49-F238E27FC236}">
-                <a16:creationId xmlns:a16="http://schemas.microsoft.com/office/drawing/2014/main" id="{AD01C1BC-792D-CD64-FC96-436A0DE27347}"/>
-              </a:ext>
-            </a:extLst>
-          </p:cNvPr>
+          <p:cNvPr id="5" name="Date Placeholder 4"/>
           <p:cNvSpPr>
             <a:spLocks noGrp="1"/>
           </p:cNvSpPr>
@@ -11789,13 +13708,7 @@
       </p:sp>
       <p:sp>
         <p:nvSpPr>
-          <p:cNvPr id="6" name="Footer Placeholder 5">
-            <a:extLst>
-              <a:ext uri="{FF2B5EF4-FFF2-40B4-BE49-F238E27FC236}">
-                <a16:creationId xmlns:a16="http://schemas.microsoft.com/office/drawing/2014/main" id="{30A7561F-D340-D795-CBD7-1528B417678D}"/>
-              </a:ext>
-            </a:extLst>
-          </p:cNvPr>
+          <p:cNvPr id="6" name="Footer Placeholder 5"/>
           <p:cNvSpPr>
             <a:spLocks noGrp="1"/>
           </p:cNvSpPr>
@@ -11814,13 +13727,7 @@
       </p:sp>
       <p:sp>
         <p:nvSpPr>
-          <p:cNvPr id="7" name="Slide Number Placeholder 6">
-            <a:extLst>
-              <a:ext uri="{FF2B5EF4-FFF2-40B4-BE49-F238E27FC236}">
-                <a16:creationId xmlns:a16="http://schemas.microsoft.com/office/drawing/2014/main" id="{31680C33-7C58-C1C7-2603-2C5D905428C0}"/>
-              </a:ext>
-            </a:extLst>
-          </p:cNvPr>
+          <p:cNvPr id="7" name="Slide Number Placeholder 6"/>
           <p:cNvSpPr>
             <a:spLocks noGrp="1"/>
           </p:cNvSpPr>
@@ -11844,7 +13751,7 @@
     </p:spTree>
     <p:extLst>
       <p:ext uri="{BB962C8B-B14F-4D97-AF65-F5344CB8AC3E}">
-        <p14:creationId xmlns:p14="http://schemas.microsoft.com/office/powerpoint/2010/main" val="4149264265"/>
+        <p14:creationId xmlns:p14="http://schemas.microsoft.com/office/powerpoint/2010/main" val="1179725387"/>
       </p:ext>
     </p:extLst>
   </p:cSld>
@@ -11873,13 +13780,7 @@
       </p:grpSpPr>
       <p:sp>
         <p:nvSpPr>
-          <p:cNvPr id="2" name="Title 1">
-            <a:extLst>
-              <a:ext uri="{FF2B5EF4-FFF2-40B4-BE49-F238E27FC236}">
-                <a16:creationId xmlns:a16="http://schemas.microsoft.com/office/drawing/2014/main" id="{4CA95B1C-9533-467B-8E44-4FB6FD2289F1}"/>
-              </a:ext>
-            </a:extLst>
-          </p:cNvPr>
+          <p:cNvPr id="2" name="Title 1"/>
           <p:cNvSpPr>
             <a:spLocks noGrp="1"/>
           </p:cNvSpPr>
@@ -11889,15 +13790,17 @@
         </p:nvSpPr>
         <p:spPr>
           <a:xfrm>
-            <a:off x="839788" y="457200"/>
-            <a:ext cx="3932237" cy="1600200"/>
+            <a:off x="677334" y="4800600"/>
+            <a:ext cx="8596667" cy="566738"/>
           </a:xfrm>
         </p:spPr>
         <p:txBody>
-          <a:bodyPr anchor="b"/>
+          <a:bodyPr anchor="b">
+            <a:normAutofit/>
+          </a:bodyPr>
           <a:lstStyle>
-            <a:lvl1pPr>
-              <a:defRPr sz="3200"/>
+            <a:lvl1pPr algn="l">
+              <a:defRPr sz="2400" b="0"/>
             </a:lvl1pPr>
           </a:lstStyle>
           <a:p>
@@ -11905,20 +13808,15 @@
               <a:rPr lang="en-US"/>
               <a:t>Click to edit Master title style</a:t>
             </a:r>
-          </a:p>
-        </p:txBody>
-      </p:sp>
-      <p:sp>
-        <p:nvSpPr>
-          <p:cNvPr id="3" name="Picture Placeholder 2">
-            <a:extLst>
-              <a:ext uri="{FF2B5EF4-FFF2-40B4-BE49-F238E27FC236}">
-                <a16:creationId xmlns:a16="http://schemas.microsoft.com/office/drawing/2014/main" id="{AA90D449-7C44-231A-C92A-B770249C459C}"/>
-              </a:ext>
-            </a:extLst>
-          </p:cNvPr>
-          <p:cNvSpPr>
-            <a:spLocks noGrp="1"/>
+            <a:endParaRPr lang="en-US" dirty="0"/>
+          </a:p>
+        </p:txBody>
+      </p:sp>
+      <p:sp>
+        <p:nvSpPr>
+          <p:cNvPr id="3" name="Picture Placeholder 2"/>
+          <p:cNvSpPr>
+            <a:spLocks noGrp="1" noChangeAspect="1"/>
           </p:cNvSpPr>
           <p:nvPr>
             <p:ph type="pic" idx="1"/>
@@ -11926,118 +13824,120 @@
         </p:nvSpPr>
         <p:spPr>
           <a:xfrm>
-            <a:off x="5183188" y="987425"/>
-            <a:ext cx="6172200" cy="4873625"/>
+            <a:off x="677334" y="609600"/>
+            <a:ext cx="8596668" cy="3845718"/>
           </a:xfrm>
         </p:spPr>
         <p:txBody>
-          <a:bodyPr/>
+          <a:bodyPr anchor="t">
+            <a:normAutofit/>
+          </a:bodyPr>
           <a:lstStyle>
-            <a:lvl1pPr marL="0" indent="0">
-              <a:buNone/>
-              <a:defRPr sz="3200"/>
-            </a:lvl1pPr>
-            <a:lvl2pPr marL="457200" indent="0">
-              <a:buNone/>
-              <a:defRPr sz="2800"/>
-            </a:lvl2pPr>
-            <a:lvl3pPr marL="914400" indent="0">
-              <a:buNone/>
-              <a:defRPr sz="2400"/>
-            </a:lvl3pPr>
-            <a:lvl4pPr marL="1371600" indent="0">
-              <a:buNone/>
-              <a:defRPr sz="2000"/>
-            </a:lvl4pPr>
-            <a:lvl5pPr marL="1828800" indent="0">
-              <a:buNone/>
-              <a:defRPr sz="2000"/>
-            </a:lvl5pPr>
-            <a:lvl6pPr marL="2286000" indent="0">
-              <a:buNone/>
-              <a:defRPr sz="2000"/>
-            </a:lvl6pPr>
-            <a:lvl7pPr marL="2743200" indent="0">
-              <a:buNone/>
-              <a:defRPr sz="2000"/>
-            </a:lvl7pPr>
-            <a:lvl8pPr marL="3200400" indent="0">
-              <a:buNone/>
-              <a:defRPr sz="2000"/>
-            </a:lvl8pPr>
-            <a:lvl9pPr marL="3657600" indent="0">
-              <a:buNone/>
-              <a:defRPr sz="2000"/>
-            </a:lvl9pPr>
-          </a:lstStyle>
-          <a:p>
-            <a:endParaRPr lang="en-US"/>
-          </a:p>
-        </p:txBody>
-      </p:sp>
-      <p:sp>
-        <p:nvSpPr>
-          <p:cNvPr id="4" name="Text Placeholder 3">
-            <a:extLst>
-              <a:ext uri="{FF2B5EF4-FFF2-40B4-BE49-F238E27FC236}">
-                <a16:creationId xmlns:a16="http://schemas.microsoft.com/office/drawing/2014/main" id="{C7FD746F-DA90-72FF-F0D0-28E2BA635476}"/>
-              </a:ext>
-            </a:extLst>
-          </p:cNvPr>
-          <p:cNvSpPr>
-            <a:spLocks noGrp="1"/>
-          </p:cNvSpPr>
-          <p:nvPr>
-            <p:ph type="body" sz="half" idx="2"/>
-          </p:nvPr>
-        </p:nvSpPr>
-        <p:spPr>
-          <a:xfrm>
-            <a:off x="839788" y="2057400"/>
-            <a:ext cx="3932237" cy="3811588"/>
-          </a:xfrm>
-        </p:spPr>
-        <p:txBody>
-          <a:bodyPr/>
-          <a:lstStyle>
-            <a:lvl1pPr marL="0" indent="0">
+            <a:lvl1pPr marL="0" indent="0" algn="ctr">
               <a:buNone/>
               <a:defRPr sz="1600"/>
             </a:lvl1pPr>
             <a:lvl2pPr marL="457200" indent="0">
               <a:buNone/>
-              <a:defRPr sz="1400"/>
+              <a:defRPr sz="1600"/>
             </a:lvl2pPr>
             <a:lvl3pPr marL="914400" indent="0">
               <a:buNone/>
-              <a:defRPr sz="1200"/>
+              <a:defRPr sz="1600"/>
             </a:lvl3pPr>
             <a:lvl4pPr marL="1371600" indent="0">
               <a:buNone/>
-              <a:defRPr sz="1000"/>
+              <a:defRPr sz="1600"/>
             </a:lvl4pPr>
             <a:lvl5pPr marL="1828800" indent="0">
               <a:buNone/>
-              <a:defRPr sz="1000"/>
+              <a:defRPr sz="1600"/>
             </a:lvl5pPr>
             <a:lvl6pPr marL="2286000" indent="0">
               <a:buNone/>
-              <a:defRPr sz="1000"/>
+              <a:defRPr sz="1600"/>
             </a:lvl6pPr>
             <a:lvl7pPr marL="2743200" indent="0">
               <a:buNone/>
-              <a:defRPr sz="1000"/>
+              <a:defRPr sz="1600"/>
             </a:lvl7pPr>
             <a:lvl8pPr marL="3200400" indent="0">
               <a:buNone/>
-              <a:defRPr sz="1000"/>
+              <a:defRPr sz="1600"/>
             </a:lvl8pPr>
             <a:lvl9pPr marL="3657600" indent="0">
               <a:buNone/>
-              <a:defRPr sz="1000"/>
+              <a:defRPr sz="1600"/>
             </a:lvl9pPr>
           </a:lstStyle>
           <a:p>
+            <a:r>
+              <a:rPr lang="en-US"/>
+              <a:t>Click icon to add picture</a:t>
+            </a:r>
+            <a:endParaRPr lang="en-US" dirty="0"/>
+          </a:p>
+        </p:txBody>
+      </p:sp>
+      <p:sp>
+        <p:nvSpPr>
+          <p:cNvPr id="4" name="Text Placeholder 3"/>
+          <p:cNvSpPr>
+            <a:spLocks noGrp="1"/>
+          </p:cNvSpPr>
+          <p:nvPr>
+            <p:ph type="body" sz="half" idx="2"/>
+          </p:nvPr>
+        </p:nvSpPr>
+        <p:spPr>
+          <a:xfrm>
+            <a:off x="677334" y="5367338"/>
+            <a:ext cx="8596667" cy="674024"/>
+          </a:xfrm>
+        </p:spPr>
+        <p:txBody>
+          <a:bodyPr>
+            <a:normAutofit/>
+          </a:bodyPr>
+          <a:lstStyle>
+            <a:lvl1pPr marL="0" indent="0">
+              <a:buNone/>
+              <a:defRPr sz="1200"/>
+            </a:lvl1pPr>
+            <a:lvl2pPr marL="457200" indent="0">
+              <a:buNone/>
+              <a:defRPr sz="1200"/>
+            </a:lvl2pPr>
+            <a:lvl3pPr marL="914400" indent="0">
+              <a:buNone/>
+              <a:defRPr sz="1000"/>
+            </a:lvl3pPr>
+            <a:lvl4pPr marL="1371600" indent="0">
+              <a:buNone/>
+              <a:defRPr sz="900"/>
+            </a:lvl4pPr>
+            <a:lvl5pPr marL="1828800" indent="0">
+              <a:buNone/>
+              <a:defRPr sz="900"/>
+            </a:lvl5pPr>
+            <a:lvl6pPr marL="2286000" indent="0">
+              <a:buNone/>
+              <a:defRPr sz="900"/>
+            </a:lvl6pPr>
+            <a:lvl7pPr marL="2743200" indent="0">
+              <a:buNone/>
+              <a:defRPr sz="900"/>
+            </a:lvl7pPr>
+            <a:lvl8pPr marL="3200400" indent="0">
+              <a:buNone/>
+              <a:defRPr sz="900"/>
+            </a:lvl8pPr>
+            <a:lvl9pPr marL="3657600" indent="0">
+              <a:buNone/>
+              <a:defRPr sz="900"/>
+            </a:lvl9pPr>
+          </a:lstStyle>
+          <a:p>
             <a:pPr lvl="0"/>
             <a:r>
               <a:rPr lang="en-US"/>
@@ -12048,13 +13948,7 @@
       </p:sp>
       <p:sp>
         <p:nvSpPr>
-          <p:cNvPr id="5" name="Date Placeholder 4">
-            <a:extLst>
-              <a:ext uri="{FF2B5EF4-FFF2-40B4-BE49-F238E27FC236}">
-                <a16:creationId xmlns:a16="http://schemas.microsoft.com/office/drawing/2014/main" id="{50326D3B-E562-D464-1283-131581689F2D}"/>
-              </a:ext>
-            </a:extLst>
-          </p:cNvPr>
+          <p:cNvPr id="5" name="Date Placeholder 4"/>
           <p:cNvSpPr>
             <a:spLocks noGrp="1"/>
           </p:cNvSpPr>
@@ -12077,13 +13971,7 @@
       </p:sp>
       <p:sp>
         <p:nvSpPr>
-          <p:cNvPr id="6" name="Footer Placeholder 5">
-            <a:extLst>
-              <a:ext uri="{FF2B5EF4-FFF2-40B4-BE49-F238E27FC236}">
-                <a16:creationId xmlns:a16="http://schemas.microsoft.com/office/drawing/2014/main" id="{4C472BAB-4CED-2179-4E55-B8122765F152}"/>
-              </a:ext>
-            </a:extLst>
-          </p:cNvPr>
+          <p:cNvPr id="6" name="Footer Placeholder 5"/>
           <p:cNvSpPr>
             <a:spLocks noGrp="1"/>
           </p:cNvSpPr>
@@ -12102,13 +13990,7 @@
       </p:sp>
       <p:sp>
         <p:nvSpPr>
-          <p:cNvPr id="7" name="Slide Number Placeholder 6">
-            <a:extLst>
-              <a:ext uri="{FF2B5EF4-FFF2-40B4-BE49-F238E27FC236}">
-                <a16:creationId xmlns:a16="http://schemas.microsoft.com/office/drawing/2014/main" id="{7404269A-39E2-1CF2-B9BD-FBA63AC44FC3}"/>
-              </a:ext>
-            </a:extLst>
-          </p:cNvPr>
+          <p:cNvPr id="7" name="Slide Number Placeholder 6"/>
           <p:cNvSpPr>
             <a:spLocks noGrp="1"/>
           </p:cNvSpPr>
@@ -12132,7 +14014,7 @@
     </p:spTree>
     <p:extLst>
       <p:ext uri="{BB962C8B-B14F-4D97-AF65-F5344CB8AC3E}">
-        <p14:creationId xmlns:p14="http://schemas.microsoft.com/office/powerpoint/2010/main" val="425197079"/>
+        <p14:creationId xmlns:p14="http://schemas.microsoft.com/office/powerpoint/2010/main" val="2588526194"/>
       </p:ext>
     </p:extLst>
   </p:cSld>
@@ -12164,15 +14046,539 @@
           <a:chExt cx="0" cy="0"/>
         </a:xfrm>
       </p:grpSpPr>
-      <p:sp>
-        <p:nvSpPr>
-          <p:cNvPr id="2" name="Title Placeholder 1">
-            <a:extLst>
-              <a:ext uri="{FF2B5EF4-FFF2-40B4-BE49-F238E27FC236}">
-                <a16:creationId xmlns:a16="http://schemas.microsoft.com/office/drawing/2014/main" id="{5AA3F38F-C3A1-7680-FECD-D92AF29935A5}"/>
-              </a:ext>
-            </a:extLst>
-          </p:cNvPr>
+      <p:grpSp>
+        <p:nvGrpSpPr>
+          <p:cNvPr id="7" name="Group 6"/>
+          <p:cNvGrpSpPr/>
+          <p:nvPr/>
+        </p:nvGrpSpPr>
+        <p:grpSpPr>
+          <a:xfrm>
+            <a:off x="0" y="-8467"/>
+            <a:ext cx="12192000" cy="6866467"/>
+            <a:chOff x="0" y="-8467"/>
+            <a:chExt cx="12192000" cy="6866467"/>
+          </a:xfrm>
+        </p:grpSpPr>
+        <p:cxnSp>
+          <p:nvCxnSpPr>
+            <p:cNvPr id="20" name="Straight Connector 19"/>
+            <p:cNvCxnSpPr/>
+            <p:nvPr/>
+          </p:nvCxnSpPr>
+          <p:spPr>
+            <a:xfrm>
+              <a:off x="9371012" y="0"/>
+              <a:ext cx="1219200" cy="6858000"/>
+            </a:xfrm>
+            <a:prstGeom prst="line">
+              <a:avLst/>
+            </a:prstGeom>
+            <a:ln w="9525">
+              <a:solidFill>
+                <a:schemeClr val="bg1">
+                  <a:lumMod val="75000"/>
+                </a:schemeClr>
+              </a:solidFill>
+            </a:ln>
+          </p:spPr>
+          <p:style>
+            <a:lnRef idx="2">
+              <a:schemeClr val="accent1"/>
+            </a:lnRef>
+            <a:fillRef idx="0">
+              <a:schemeClr val="accent1"/>
+            </a:fillRef>
+            <a:effectRef idx="1">
+              <a:schemeClr val="accent1"/>
+            </a:effectRef>
+            <a:fontRef idx="minor">
+              <a:schemeClr val="tx1"/>
+            </a:fontRef>
+          </p:style>
+        </p:cxnSp>
+        <p:cxnSp>
+          <p:nvCxnSpPr>
+            <p:cNvPr id="21" name="Straight Connector 20"/>
+            <p:cNvCxnSpPr/>
+            <p:nvPr/>
+          </p:nvCxnSpPr>
+          <p:spPr>
+            <a:xfrm flipH="1">
+              <a:off x="7425267" y="3681413"/>
+              <a:ext cx="4763558" cy="3176587"/>
+            </a:xfrm>
+            <a:prstGeom prst="line">
+              <a:avLst/>
+            </a:prstGeom>
+            <a:ln w="9525">
+              <a:solidFill>
+                <a:schemeClr val="bg1">
+                  <a:lumMod val="85000"/>
+                </a:schemeClr>
+              </a:solidFill>
+            </a:ln>
+          </p:spPr>
+          <p:style>
+            <a:lnRef idx="2">
+              <a:schemeClr val="accent1"/>
+            </a:lnRef>
+            <a:fillRef idx="0">
+              <a:schemeClr val="accent1"/>
+            </a:fillRef>
+            <a:effectRef idx="1">
+              <a:schemeClr val="accent1"/>
+            </a:effectRef>
+            <a:fontRef idx="minor">
+              <a:schemeClr val="tx1"/>
+            </a:fontRef>
+          </p:style>
+        </p:cxnSp>
+        <p:sp>
+          <p:nvSpPr>
+            <p:cNvPr id="22" name="Rectangle 23"/>
+            <p:cNvSpPr/>
+            <p:nvPr/>
+          </p:nvSpPr>
+          <p:spPr>
+            <a:xfrm>
+              <a:off x="9181476" y="-8467"/>
+              <a:ext cx="3007349" cy="6866467"/>
+            </a:xfrm>
+            <a:custGeom>
+              <a:avLst/>
+              <a:gdLst/>
+              <a:ahLst/>
+              <a:cxnLst/>
+              <a:rect l="l" t="t" r="r" b="b"/>
+              <a:pathLst>
+                <a:path w="3007349" h="6866467">
+                  <a:moveTo>
+                    <a:pt x="2045532" y="0"/>
+                  </a:moveTo>
+                  <a:lnTo>
+                    <a:pt x="3007349" y="0"/>
+                  </a:lnTo>
+                  <a:lnTo>
+                    <a:pt x="3007349" y="6866467"/>
+                  </a:lnTo>
+                  <a:lnTo>
+                    <a:pt x="0" y="6866467"/>
+                  </a:lnTo>
+                  <a:lnTo>
+                    <a:pt x="2045532" y="0"/>
+                  </a:lnTo>
+                  <a:close/>
+                </a:path>
+              </a:pathLst>
+            </a:custGeom>
+            <a:solidFill>
+              <a:schemeClr val="accent1">
+                <a:alpha val="30000"/>
+              </a:schemeClr>
+            </a:solidFill>
+            <a:ln>
+              <a:noFill/>
+            </a:ln>
+            <a:effectLst/>
+          </p:spPr>
+          <p:style>
+            <a:lnRef idx="1">
+              <a:schemeClr val="accent1"/>
+            </a:lnRef>
+            <a:fillRef idx="3">
+              <a:schemeClr val="accent1"/>
+            </a:fillRef>
+            <a:effectRef idx="2">
+              <a:schemeClr val="accent1"/>
+            </a:effectRef>
+            <a:fontRef idx="minor">
+              <a:schemeClr val="lt1"/>
+            </a:fontRef>
+          </p:style>
+        </p:sp>
+        <p:sp>
+          <p:nvSpPr>
+            <p:cNvPr id="23" name="Rectangle 25"/>
+            <p:cNvSpPr/>
+            <p:nvPr/>
+          </p:nvSpPr>
+          <p:spPr>
+            <a:xfrm>
+              <a:off x="9603442" y="-8467"/>
+              <a:ext cx="2588558" cy="6866467"/>
+            </a:xfrm>
+            <a:custGeom>
+              <a:avLst/>
+              <a:gdLst/>
+              <a:ahLst/>
+              <a:cxnLst/>
+              <a:rect l="l" t="t" r="r" b="b"/>
+              <a:pathLst>
+                <a:path w="2573311" h="6866467">
+                  <a:moveTo>
+                    <a:pt x="0" y="0"/>
+                  </a:moveTo>
+                  <a:lnTo>
+                    <a:pt x="2573311" y="0"/>
+                  </a:lnTo>
+                  <a:lnTo>
+                    <a:pt x="2573311" y="6866467"/>
+                  </a:lnTo>
+                  <a:lnTo>
+                    <a:pt x="1202336" y="6866467"/>
+                  </a:lnTo>
+                  <a:lnTo>
+                    <a:pt x="0" y="0"/>
+                  </a:lnTo>
+                  <a:close/>
+                </a:path>
+              </a:pathLst>
+            </a:custGeom>
+            <a:solidFill>
+              <a:schemeClr val="accent1">
+                <a:alpha val="20000"/>
+              </a:schemeClr>
+            </a:solidFill>
+            <a:ln>
+              <a:noFill/>
+            </a:ln>
+            <a:effectLst/>
+          </p:spPr>
+          <p:style>
+            <a:lnRef idx="1">
+              <a:schemeClr val="accent1"/>
+            </a:lnRef>
+            <a:fillRef idx="3">
+              <a:schemeClr val="accent1"/>
+            </a:fillRef>
+            <a:effectRef idx="2">
+              <a:schemeClr val="accent1"/>
+            </a:effectRef>
+            <a:fontRef idx="minor">
+              <a:schemeClr val="lt1"/>
+            </a:fontRef>
+          </p:style>
+        </p:sp>
+        <p:sp>
+          <p:nvSpPr>
+            <p:cNvPr id="24" name="Isosceles Triangle 23"/>
+            <p:cNvSpPr/>
+            <p:nvPr/>
+          </p:nvSpPr>
+          <p:spPr>
+            <a:xfrm>
+              <a:off x="8932333" y="3048000"/>
+              <a:ext cx="3259667" cy="3810000"/>
+            </a:xfrm>
+            <a:prstGeom prst="triangle">
+              <a:avLst>
+                <a:gd name="adj" fmla="val 100000"/>
+              </a:avLst>
+            </a:prstGeom>
+            <a:solidFill>
+              <a:schemeClr val="accent2">
+                <a:alpha val="72000"/>
+              </a:schemeClr>
+            </a:solidFill>
+            <a:ln>
+              <a:noFill/>
+            </a:ln>
+            <a:effectLst/>
+          </p:spPr>
+          <p:style>
+            <a:lnRef idx="1">
+              <a:schemeClr val="accent1"/>
+            </a:lnRef>
+            <a:fillRef idx="3">
+              <a:schemeClr val="accent1"/>
+            </a:fillRef>
+            <a:effectRef idx="2">
+              <a:schemeClr val="accent1"/>
+            </a:effectRef>
+            <a:fontRef idx="minor">
+              <a:schemeClr val="lt1"/>
+            </a:fontRef>
+          </p:style>
+        </p:sp>
+        <p:sp>
+          <p:nvSpPr>
+            <p:cNvPr id="25" name="Rectangle 27"/>
+            <p:cNvSpPr/>
+            <p:nvPr/>
+          </p:nvSpPr>
+          <p:spPr>
+            <a:xfrm>
+              <a:off x="9334500" y="-8467"/>
+              <a:ext cx="2854326" cy="6866467"/>
+            </a:xfrm>
+            <a:custGeom>
+              <a:avLst/>
+              <a:gdLst/>
+              <a:ahLst/>
+              <a:cxnLst/>
+              <a:rect l="l" t="t" r="r" b="b"/>
+              <a:pathLst>
+                <a:path w="2858013" h="6866467">
+                  <a:moveTo>
+                    <a:pt x="0" y="0"/>
+                  </a:moveTo>
+                  <a:lnTo>
+                    <a:pt x="2858013" y="0"/>
+                  </a:lnTo>
+                  <a:lnTo>
+                    <a:pt x="2858013" y="6866467"/>
+                  </a:lnTo>
+                  <a:lnTo>
+                    <a:pt x="2473942" y="6866467"/>
+                  </a:lnTo>
+                  <a:lnTo>
+                    <a:pt x="0" y="0"/>
+                  </a:lnTo>
+                  <a:close/>
+                </a:path>
+              </a:pathLst>
+            </a:custGeom>
+            <a:solidFill>
+              <a:schemeClr val="accent2">
+                <a:lumMod val="75000"/>
+                <a:alpha val="70000"/>
+              </a:schemeClr>
+            </a:solidFill>
+            <a:ln>
+              <a:noFill/>
+            </a:ln>
+            <a:effectLst/>
+          </p:spPr>
+          <p:style>
+            <a:lnRef idx="1">
+              <a:schemeClr val="accent1"/>
+            </a:lnRef>
+            <a:fillRef idx="3">
+              <a:schemeClr val="accent1"/>
+            </a:fillRef>
+            <a:effectRef idx="2">
+              <a:schemeClr val="accent1"/>
+            </a:effectRef>
+            <a:fontRef idx="minor">
+              <a:schemeClr val="lt1"/>
+            </a:fontRef>
+          </p:style>
+        </p:sp>
+        <p:sp>
+          <p:nvSpPr>
+            <p:cNvPr id="26" name="Rectangle 28"/>
+            <p:cNvSpPr/>
+            <p:nvPr/>
+          </p:nvSpPr>
+          <p:spPr>
+            <a:xfrm>
+              <a:off x="10898730" y="-8467"/>
+              <a:ext cx="1290094" cy="6866467"/>
+            </a:xfrm>
+            <a:custGeom>
+              <a:avLst/>
+              <a:gdLst/>
+              <a:ahLst/>
+              <a:cxnLst/>
+              <a:rect l="l" t="t" r="r" b="b"/>
+              <a:pathLst>
+                <a:path w="1290094" h="6858000">
+                  <a:moveTo>
+                    <a:pt x="1019735" y="0"/>
+                  </a:moveTo>
+                  <a:lnTo>
+                    <a:pt x="1290094" y="0"/>
+                  </a:lnTo>
+                  <a:lnTo>
+                    <a:pt x="1290094" y="6858000"/>
+                  </a:lnTo>
+                  <a:lnTo>
+                    <a:pt x="0" y="6858000"/>
+                  </a:lnTo>
+                  <a:lnTo>
+                    <a:pt x="1019735" y="0"/>
+                  </a:lnTo>
+                  <a:close/>
+                </a:path>
+              </a:pathLst>
+            </a:custGeom>
+            <a:solidFill>
+              <a:schemeClr val="accent1">
+                <a:lumMod val="60000"/>
+                <a:lumOff val="40000"/>
+                <a:alpha val="70000"/>
+              </a:schemeClr>
+            </a:solidFill>
+            <a:ln>
+              <a:noFill/>
+            </a:ln>
+            <a:effectLst/>
+          </p:spPr>
+          <p:style>
+            <a:lnRef idx="1">
+              <a:schemeClr val="accent1"/>
+            </a:lnRef>
+            <a:fillRef idx="3">
+              <a:schemeClr val="accent1"/>
+            </a:fillRef>
+            <a:effectRef idx="2">
+              <a:schemeClr val="accent1"/>
+            </a:effectRef>
+            <a:fontRef idx="minor">
+              <a:schemeClr val="lt1"/>
+            </a:fontRef>
+          </p:style>
+        </p:sp>
+        <p:sp>
+          <p:nvSpPr>
+            <p:cNvPr id="27" name="Rectangle 29"/>
+            <p:cNvSpPr/>
+            <p:nvPr/>
+          </p:nvSpPr>
+          <p:spPr>
+            <a:xfrm>
+              <a:off x="10938999" y="-8467"/>
+              <a:ext cx="1249825" cy="6866467"/>
+            </a:xfrm>
+            <a:custGeom>
+              <a:avLst/>
+              <a:gdLst/>
+              <a:ahLst/>
+              <a:cxnLst/>
+              <a:rect l="l" t="t" r="r" b="b"/>
+              <a:pathLst>
+                <a:path w="1249825" h="6858000">
+                  <a:moveTo>
+                    <a:pt x="0" y="0"/>
+                  </a:moveTo>
+                  <a:lnTo>
+                    <a:pt x="1249825" y="0"/>
+                  </a:lnTo>
+                  <a:lnTo>
+                    <a:pt x="1249825" y="6858000"/>
+                  </a:lnTo>
+                  <a:lnTo>
+                    <a:pt x="1109382" y="6858000"/>
+                  </a:lnTo>
+                  <a:lnTo>
+                    <a:pt x="0" y="0"/>
+                  </a:lnTo>
+                  <a:close/>
+                </a:path>
+              </a:pathLst>
+            </a:custGeom>
+            <a:solidFill>
+              <a:schemeClr val="accent1">
+                <a:alpha val="65000"/>
+              </a:schemeClr>
+            </a:solidFill>
+            <a:ln>
+              <a:noFill/>
+            </a:ln>
+            <a:effectLst/>
+          </p:spPr>
+          <p:style>
+            <a:lnRef idx="1">
+              <a:schemeClr val="accent1"/>
+            </a:lnRef>
+            <a:fillRef idx="3">
+              <a:schemeClr val="accent1"/>
+            </a:fillRef>
+            <a:effectRef idx="2">
+              <a:schemeClr val="accent1"/>
+            </a:effectRef>
+            <a:fontRef idx="minor">
+              <a:schemeClr val="lt1"/>
+            </a:fontRef>
+          </p:style>
+        </p:sp>
+        <p:sp>
+          <p:nvSpPr>
+            <p:cNvPr id="28" name="Isosceles Triangle 27"/>
+            <p:cNvSpPr/>
+            <p:nvPr/>
+          </p:nvSpPr>
+          <p:spPr>
+            <a:xfrm>
+              <a:off x="10371666" y="3589867"/>
+              <a:ext cx="1817159" cy="3268133"/>
+            </a:xfrm>
+            <a:prstGeom prst="triangle">
+              <a:avLst>
+                <a:gd name="adj" fmla="val 100000"/>
+              </a:avLst>
+            </a:prstGeom>
+            <a:solidFill>
+              <a:schemeClr val="accent1">
+                <a:alpha val="80000"/>
+              </a:schemeClr>
+            </a:solidFill>
+            <a:ln>
+              <a:noFill/>
+            </a:ln>
+            <a:effectLst/>
+          </p:spPr>
+          <p:style>
+            <a:lnRef idx="1">
+              <a:schemeClr val="accent1"/>
+            </a:lnRef>
+            <a:fillRef idx="3">
+              <a:schemeClr val="accent1"/>
+            </a:fillRef>
+            <a:effectRef idx="2">
+              <a:schemeClr val="accent1"/>
+            </a:effectRef>
+            <a:fontRef idx="minor">
+              <a:schemeClr val="lt1"/>
+            </a:fontRef>
+          </p:style>
+        </p:sp>
+        <p:sp>
+          <p:nvSpPr>
+            <p:cNvPr id="29" name="Isosceles Triangle 28"/>
+            <p:cNvSpPr/>
+            <p:nvPr/>
+          </p:nvSpPr>
+          <p:spPr>
+            <a:xfrm>
+              <a:off x="0" y="4013200"/>
+              <a:ext cx="448733" cy="2844800"/>
+            </a:xfrm>
+            <a:prstGeom prst="triangle">
+              <a:avLst>
+                <a:gd name="adj" fmla="val 0"/>
+              </a:avLst>
+            </a:prstGeom>
+            <a:solidFill>
+              <a:schemeClr val="accent1">
+                <a:alpha val="85000"/>
+              </a:schemeClr>
+            </a:solidFill>
+            <a:ln>
+              <a:noFill/>
+            </a:ln>
+            <a:effectLst/>
+          </p:spPr>
+          <p:style>
+            <a:lnRef idx="1">
+              <a:schemeClr val="accent1"/>
+            </a:lnRef>
+            <a:fillRef idx="3">
+              <a:schemeClr val="accent1"/>
+            </a:fillRef>
+            <a:effectRef idx="2">
+              <a:schemeClr val="accent1"/>
+            </a:effectRef>
+            <a:fontRef idx="minor">
+              <a:schemeClr val="lt1"/>
+            </a:fontRef>
+          </p:style>
+        </p:sp>
+      </p:grpSp>
+      <p:sp>
+        <p:nvSpPr>
+          <p:cNvPr id="2" name="Title Placeholder 1"/>
           <p:cNvSpPr>
             <a:spLocks noGrp="1"/>
           </p:cNvSpPr>
@@ -12182,15 +14588,15 @@
         </p:nvSpPr>
         <p:spPr>
           <a:xfrm>
-            <a:off x="838200" y="365125"/>
-            <a:ext cx="10515600" cy="1325563"/>
+            <a:off x="677334" y="609600"/>
+            <a:ext cx="8596668" cy="1320800"/>
           </a:xfrm>
           <a:prstGeom prst="rect">
             <a:avLst/>
           </a:prstGeom>
         </p:spPr>
         <p:txBody>
-          <a:bodyPr vert="horz" lIns="91440" tIns="45720" rIns="91440" bIns="45720" rtlCol="0" anchor="ctr">
+          <a:bodyPr vert="horz" lIns="91440" tIns="45720" rIns="91440" bIns="45720" rtlCol="0" anchor="t">
             <a:normAutofit/>
           </a:bodyPr>
           <a:lstStyle/>
@@ -12199,18 +14605,13 @@
               <a:rPr lang="en-US"/>
               <a:t>Click to edit Master title style</a:t>
             </a:r>
-          </a:p>
-        </p:txBody>
-      </p:sp>
-      <p:sp>
-        <p:nvSpPr>
-          <p:cNvPr id="3" name="Text Placeholder 2">
-            <a:extLst>
-              <a:ext uri="{FF2B5EF4-FFF2-40B4-BE49-F238E27FC236}">
-                <a16:creationId xmlns:a16="http://schemas.microsoft.com/office/drawing/2014/main" id="{A85A20CE-8111-294C-9095-5E6BB40BD71E}"/>
-              </a:ext>
-            </a:extLst>
-          </p:cNvPr>
+            <a:endParaRPr lang="en-US" dirty="0"/>
+          </a:p>
+        </p:txBody>
+      </p:sp>
+      <p:sp>
+        <p:nvSpPr>
+          <p:cNvPr id="3" name="Text Placeholder 2"/>
           <p:cNvSpPr>
             <a:spLocks noGrp="1"/>
           </p:cNvSpPr>
@@ -12220,8 +14621,8 @@
         </p:nvSpPr>
         <p:spPr>
           <a:xfrm>
-            <a:off x="838200" y="1825625"/>
-            <a:ext cx="10515600" cy="4351338"/>
+            <a:off x="677334" y="2160589"/>
+            <a:ext cx="8596668" cy="3880773"/>
           </a:xfrm>
           <a:prstGeom prst="rect">
             <a:avLst/>
@@ -12266,18 +14667,13 @@
               <a:rPr lang="en-US"/>
               <a:t>Fifth level</a:t>
             </a:r>
-          </a:p>
-        </p:txBody>
-      </p:sp>
-      <p:sp>
-        <p:nvSpPr>
-          <p:cNvPr id="4" name="Date Placeholder 3">
-            <a:extLst>
-              <a:ext uri="{FF2B5EF4-FFF2-40B4-BE49-F238E27FC236}">
-                <a16:creationId xmlns:a16="http://schemas.microsoft.com/office/drawing/2014/main" id="{B670B644-9E2D-2948-8498-5B952EE96D90}"/>
-              </a:ext>
-            </a:extLst>
-          </p:cNvPr>
+            <a:endParaRPr lang="en-US" dirty="0"/>
+          </a:p>
+        </p:txBody>
+      </p:sp>
+      <p:sp>
+        <p:nvSpPr>
+          <p:cNvPr id="4" name="Date Placeholder 3"/>
           <p:cNvSpPr>
             <a:spLocks noGrp="1"/>
           </p:cNvSpPr>
@@ -12287,8 +14683,8 @@
         </p:nvSpPr>
         <p:spPr>
           <a:xfrm>
-            <a:off x="838200" y="6356350"/>
-            <a:ext cx="2743200" cy="365125"/>
+            <a:off x="7205133" y="6041362"/>
+            <a:ext cx="911939" cy="365125"/>
           </a:xfrm>
           <a:prstGeom prst="rect">
             <a:avLst/>
@@ -12297,11 +14693,11 @@
         <p:txBody>
           <a:bodyPr vert="horz" lIns="91440" tIns="45720" rIns="91440" bIns="45720" rtlCol="0" anchor="ctr"/>
           <a:lstStyle>
-            <a:lvl1pPr algn="l">
-              <a:defRPr sz="1200">
+            <a:lvl1pPr algn="r">
+              <a:defRPr sz="900">
                 <a:solidFill>
                   <a:schemeClr val="tx1">
-                    <a:tint val="82000"/>
+                    <a:tint val="75000"/>
                   </a:schemeClr>
                 </a:solidFill>
               </a:defRPr>
@@ -12318,13 +14714,7 @@
       </p:sp>
       <p:sp>
         <p:nvSpPr>
-          <p:cNvPr id="5" name="Footer Placeholder 4">
-            <a:extLst>
-              <a:ext uri="{FF2B5EF4-FFF2-40B4-BE49-F238E27FC236}">
-                <a16:creationId xmlns:a16="http://schemas.microsoft.com/office/drawing/2014/main" id="{1243D12C-E38C-D41D-E2F7-D25024E03352}"/>
-              </a:ext>
-            </a:extLst>
-          </p:cNvPr>
+          <p:cNvPr id="5" name="Footer Placeholder 4"/>
           <p:cNvSpPr>
             <a:spLocks noGrp="1"/>
           </p:cNvSpPr>
@@ -12334,8 +14724,8 @@
         </p:nvSpPr>
         <p:spPr>
           <a:xfrm>
-            <a:off x="4038600" y="6356350"/>
-            <a:ext cx="4114800" cy="365125"/>
+            <a:off x="677334" y="6041362"/>
+            <a:ext cx="6297612" cy="365125"/>
           </a:xfrm>
           <a:prstGeom prst="rect">
             <a:avLst/>
@@ -12344,11 +14734,11 @@
         <p:txBody>
           <a:bodyPr vert="horz" lIns="91440" tIns="45720" rIns="91440" bIns="45720" rtlCol="0" anchor="ctr"/>
           <a:lstStyle>
-            <a:lvl1pPr algn="ctr">
-              <a:defRPr sz="1200">
+            <a:lvl1pPr algn="l">
+              <a:defRPr sz="900">
                 <a:solidFill>
                   <a:schemeClr val="tx1">
-                    <a:tint val="82000"/>
+                    <a:tint val="75000"/>
                   </a:schemeClr>
                 </a:solidFill>
               </a:defRPr>
@@ -12361,13 +14751,7 @@
       </p:sp>
       <p:sp>
         <p:nvSpPr>
-          <p:cNvPr id="6" name="Slide Number Placeholder 5">
-            <a:extLst>
-              <a:ext uri="{FF2B5EF4-FFF2-40B4-BE49-F238E27FC236}">
-                <a16:creationId xmlns:a16="http://schemas.microsoft.com/office/drawing/2014/main" id="{1B743D68-5147-325E-15D0-63DDC3D09D02}"/>
-              </a:ext>
-            </a:extLst>
-          </p:cNvPr>
+          <p:cNvPr id="6" name="Slide Number Placeholder 5"/>
           <p:cNvSpPr>
             <a:spLocks noGrp="1"/>
           </p:cNvSpPr>
@@ -12377,8 +14761,8 @@
         </p:nvSpPr>
         <p:spPr>
           <a:xfrm>
-            <a:off x="8610600" y="6356350"/>
-            <a:ext cx="2743200" cy="365125"/>
+            <a:off x="8590663" y="6041362"/>
+            <a:ext cx="683339" cy="365125"/>
           </a:xfrm>
           <a:prstGeom prst="rect">
             <a:avLst/>
@@ -12388,11 +14772,9 @@
           <a:bodyPr vert="horz" lIns="91440" tIns="45720" rIns="91440" bIns="45720" rtlCol="0" anchor="ctr"/>
           <a:lstStyle>
             <a:lvl1pPr algn="r">
-              <a:defRPr sz="1200">
+              <a:defRPr sz="900">
                 <a:solidFill>
-                  <a:schemeClr val="tx1">
-                    <a:tint val="82000"/>
-                  </a:schemeClr>
+                  <a:schemeClr val="accent1"/>
                 </a:solidFill>
               </a:defRPr>
             </a:lvl1pPr>
@@ -12409,201 +14791,322 @@
     </p:spTree>
     <p:extLst>
       <p:ext uri="{BB962C8B-B14F-4D97-AF65-F5344CB8AC3E}">
-        <p14:creationId xmlns:p14="http://schemas.microsoft.com/office/powerpoint/2010/main" val="4285929927"/>
+        <p14:creationId xmlns:p14="http://schemas.microsoft.com/office/powerpoint/2010/main" val="971488058"/>
       </p:ext>
     </p:extLst>
   </p:cSld>
   <p:clrMap bg1="lt1" tx1="dk1" bg2="lt2" tx2="dk2" accent1="accent1" accent2="accent2" accent3="accent3" accent4="accent4" accent5="accent5" accent6="accent6" hlink="hlink" folHlink="folHlink"/>
   <p:sldLayoutIdLst>
-    <p:sldLayoutId id="2147483649" r:id="rId1"/>
-    <p:sldLayoutId id="2147483650" r:id="rId2"/>
-    <p:sldLayoutId id="2147483651" r:id="rId3"/>
-    <p:sldLayoutId id="2147483652" r:id="rId4"/>
-    <p:sldLayoutId id="2147483653" r:id="rId5"/>
-    <p:sldLayoutId id="2147483654" r:id="rId6"/>
-    <p:sldLayoutId id="2147483655" r:id="rId7"/>
-    <p:sldLayoutId id="2147483656" r:id="rId8"/>
-    <p:sldLayoutId id="2147483657" r:id="rId9"/>
-    <p:sldLayoutId id="2147483658" r:id="rId10"/>
-    <p:sldLayoutId id="2147483659" r:id="rId11"/>
+    <p:sldLayoutId id="2147483661" r:id="rId1"/>
+    <p:sldLayoutId id="2147483662" r:id="rId2"/>
+    <p:sldLayoutId id="2147483663" r:id="rId3"/>
+    <p:sldLayoutId id="2147483664" r:id="rId4"/>
+    <p:sldLayoutId id="2147483665" r:id="rId5"/>
+    <p:sldLayoutId id="2147483666" r:id="rId6"/>
+    <p:sldLayoutId id="2147483667" r:id="rId7"/>
+    <p:sldLayoutId id="2147483668" r:id="rId8"/>
+    <p:sldLayoutId id="2147483669" r:id="rId9"/>
+    <p:sldLayoutId id="2147483670" r:id="rId10"/>
+    <p:sldLayoutId id="2147483671" r:id="rId11"/>
+    <p:sldLayoutId id="2147483672" r:id="rId12"/>
+    <p:sldLayoutId id="2147483673" r:id="rId13"/>
+    <p:sldLayoutId id="2147483674" r:id="rId14"/>
+    <p:sldLayoutId id="2147483675" r:id="rId15"/>
+    <p:sldLayoutId id="2147483676" r:id="rId16"/>
   </p:sldLayoutIdLst>
   <p:txStyles>
     <p:titleStyle>
-      <a:lvl1pPr algn="l" defTabSz="914400" rtl="0" eaLnBrk="1" latinLnBrk="0" hangingPunct="1">
-        <a:lnSpc>
-          <a:spcPct val="90000"/>
-        </a:lnSpc>
+      <a:lvl1pPr algn="l" defTabSz="457200" rtl="0" eaLnBrk="1" latinLnBrk="0" hangingPunct="1">
         <a:spcBef>
           <a:spcPct val="0"/>
         </a:spcBef>
         <a:buNone/>
-        <a:defRPr sz="4400" kern="1200">
+        <a:defRPr sz="3600" kern="1200">
           <a:solidFill>
-            <a:schemeClr val="tx1"/>
+            <a:schemeClr val="accent1"/>
           </a:solidFill>
           <a:latin typeface="+mj-lt"/>
           <a:ea typeface="+mj-ea"/>
           <a:cs typeface="+mj-cs"/>
         </a:defRPr>
       </a:lvl1pPr>
+      <a:lvl2pPr eaLnBrk="1" hangingPunct="1">
+        <a:defRPr>
+          <a:solidFill>
+            <a:schemeClr val="tx2"/>
+          </a:solidFill>
+        </a:defRPr>
+      </a:lvl2pPr>
+      <a:lvl3pPr eaLnBrk="1" hangingPunct="1">
+        <a:defRPr>
+          <a:solidFill>
+            <a:schemeClr val="tx2"/>
+          </a:solidFill>
+        </a:defRPr>
+      </a:lvl3pPr>
+      <a:lvl4pPr eaLnBrk="1" hangingPunct="1">
+        <a:defRPr>
+          <a:solidFill>
+            <a:schemeClr val="tx2"/>
+          </a:solidFill>
+        </a:defRPr>
+      </a:lvl4pPr>
+      <a:lvl5pPr eaLnBrk="1" hangingPunct="1">
+        <a:defRPr>
+          <a:solidFill>
+            <a:schemeClr val="tx2"/>
+          </a:solidFill>
+        </a:defRPr>
+      </a:lvl5pPr>
+      <a:lvl6pPr eaLnBrk="1" hangingPunct="1">
+        <a:defRPr>
+          <a:solidFill>
+            <a:schemeClr val="tx2"/>
+          </a:solidFill>
+        </a:defRPr>
+      </a:lvl6pPr>
+      <a:lvl7pPr eaLnBrk="1" hangingPunct="1">
+        <a:defRPr>
+          <a:solidFill>
+            <a:schemeClr val="tx2"/>
+          </a:solidFill>
+        </a:defRPr>
+      </a:lvl7pPr>
+      <a:lvl8pPr eaLnBrk="1" hangingPunct="1">
+        <a:defRPr>
+          <a:solidFill>
+            <a:schemeClr val="tx2"/>
+          </a:solidFill>
+        </a:defRPr>
+      </a:lvl8pPr>
+      <a:lvl9pPr eaLnBrk="1" hangingPunct="1">
+        <a:defRPr>
+          <a:solidFill>
+            <a:schemeClr val="tx2"/>
+          </a:solidFill>
+        </a:defRPr>
+      </a:lvl9pPr>
     </p:titleStyle>
     <p:bodyStyle>
-      <a:lvl1pPr marL="228600" indent="-228600" algn="l" defTabSz="914400" rtl="0" eaLnBrk="1" latinLnBrk="0" hangingPunct="1">
-        <a:lnSpc>
-          <a:spcPct val="90000"/>
-        </a:lnSpc>
+      <a:lvl1pPr marL="342900" indent="-342900" algn="l" defTabSz="457200" rtl="0" eaLnBrk="1" latinLnBrk="0" hangingPunct="1">
         <a:spcBef>
           <a:spcPts val="1000"/>
         </a:spcBef>
-        <a:buFont typeface="Arial" panose="020B0604020202020204" pitchFamily="34" charset="0"/>
-        <a:buChar char="•"/>
-        <a:defRPr sz="2800" kern="1200">
+        <a:spcAft>
+          <a:spcPts val="0"/>
+        </a:spcAft>
+        <a:buClr>
+          <a:schemeClr val="accent1"/>
+        </a:buClr>
+        <a:buSzPct val="80000"/>
+        <a:buFont typeface="Wingdings 3" charset="2"/>
+        <a:buChar char=""/>
+        <a:defRPr sz="1800" kern="1200">
           <a:solidFill>
-            <a:schemeClr val="tx1"/>
+            <a:schemeClr val="tx1">
+              <a:lumMod val="75000"/>
+              <a:lumOff val="25000"/>
+            </a:schemeClr>
           </a:solidFill>
           <a:latin typeface="+mn-lt"/>
           <a:ea typeface="+mn-ea"/>
           <a:cs typeface="+mn-cs"/>
         </a:defRPr>
       </a:lvl1pPr>
-      <a:lvl2pPr marL="685800" indent="-228600" algn="l" defTabSz="914400" rtl="0" eaLnBrk="1" latinLnBrk="0" hangingPunct="1">
-        <a:lnSpc>
-          <a:spcPct val="90000"/>
-        </a:lnSpc>
+      <a:lvl2pPr marL="742950" indent="-285750" algn="l" defTabSz="457200" rtl="0" eaLnBrk="1" latinLnBrk="0" hangingPunct="1">
         <a:spcBef>
-          <a:spcPts val="500"/>
+          <a:spcPts val="1000"/>
         </a:spcBef>
-        <a:buFont typeface="Arial" panose="020B0604020202020204" pitchFamily="34" charset="0"/>
-        <a:buChar char="•"/>
-        <a:defRPr sz="2400" kern="1200">
+        <a:spcAft>
+          <a:spcPts val="0"/>
+        </a:spcAft>
+        <a:buClr>
+          <a:schemeClr val="accent1"/>
+        </a:buClr>
+        <a:buSzPct val="80000"/>
+        <a:buFont typeface="Wingdings 3" charset="2"/>
+        <a:buChar char=""/>
+        <a:defRPr sz="1600" kern="1200">
           <a:solidFill>
-            <a:schemeClr val="tx1"/>
+            <a:schemeClr val="tx1">
+              <a:lumMod val="75000"/>
+              <a:lumOff val="25000"/>
+            </a:schemeClr>
           </a:solidFill>
           <a:latin typeface="+mn-lt"/>
           <a:ea typeface="+mn-ea"/>
           <a:cs typeface="+mn-cs"/>
         </a:defRPr>
       </a:lvl2pPr>
-      <a:lvl3pPr marL="1143000" indent="-228600" algn="l" defTabSz="914400" rtl="0" eaLnBrk="1" latinLnBrk="0" hangingPunct="1">
-        <a:lnSpc>
-          <a:spcPct val="90000"/>
-        </a:lnSpc>
+      <a:lvl3pPr marL="1143000" indent="-228600" algn="l" defTabSz="457200" rtl="0" eaLnBrk="1" latinLnBrk="0" hangingPunct="1">
         <a:spcBef>
-          <a:spcPts val="500"/>
+          <a:spcPts val="1000"/>
         </a:spcBef>
-        <a:buFont typeface="Arial" panose="020B0604020202020204" pitchFamily="34" charset="0"/>
-        <a:buChar char="•"/>
-        <a:defRPr sz="2000" kern="1200">
+        <a:spcAft>
+          <a:spcPts val="0"/>
+        </a:spcAft>
+        <a:buClr>
+          <a:schemeClr val="accent1"/>
+        </a:buClr>
+        <a:buSzPct val="80000"/>
+        <a:buFont typeface="Wingdings 3" charset="2"/>
+        <a:buChar char=""/>
+        <a:defRPr sz="1400" kern="1200">
           <a:solidFill>
-            <a:schemeClr val="tx1"/>
+            <a:schemeClr val="tx1">
+              <a:lumMod val="75000"/>
+              <a:lumOff val="25000"/>
+            </a:schemeClr>
           </a:solidFill>
           <a:latin typeface="+mn-lt"/>
           <a:ea typeface="+mn-ea"/>
           <a:cs typeface="+mn-cs"/>
         </a:defRPr>
       </a:lvl3pPr>
-      <a:lvl4pPr marL="1600200" indent="-228600" algn="l" defTabSz="914400" rtl="0" eaLnBrk="1" latinLnBrk="0" hangingPunct="1">
-        <a:lnSpc>
-          <a:spcPct val="90000"/>
-        </a:lnSpc>
+      <a:lvl4pPr marL="1600200" indent="-228600" algn="l" defTabSz="457200" rtl="0" eaLnBrk="1" latinLnBrk="0" hangingPunct="1">
         <a:spcBef>
-          <a:spcPts val="500"/>
+          <a:spcPts val="1000"/>
         </a:spcBef>
-        <a:buFont typeface="Arial" panose="020B0604020202020204" pitchFamily="34" charset="0"/>
-        <a:buChar char="•"/>
-        <a:defRPr sz="1800" kern="1200">
+        <a:spcAft>
+          <a:spcPts val="0"/>
+        </a:spcAft>
+        <a:buClr>
+          <a:schemeClr val="accent1"/>
+        </a:buClr>
+        <a:buSzPct val="80000"/>
+        <a:buFont typeface="Wingdings 3" charset="2"/>
+        <a:buChar char=""/>
+        <a:defRPr sz="1200" kern="1200">
           <a:solidFill>
-            <a:schemeClr val="tx1"/>
+            <a:schemeClr val="tx1">
+              <a:lumMod val="75000"/>
+              <a:lumOff val="25000"/>
+            </a:schemeClr>
           </a:solidFill>
           <a:latin typeface="+mn-lt"/>
           <a:ea typeface="+mn-ea"/>
           <a:cs typeface="+mn-cs"/>
         </a:defRPr>
       </a:lvl4pPr>
-      <a:lvl5pPr marL="2057400" indent="-228600" algn="l" defTabSz="914400" rtl="0" eaLnBrk="1" latinLnBrk="0" hangingPunct="1">
-        <a:lnSpc>
-          <a:spcPct val="90000"/>
-        </a:lnSpc>
+      <a:lvl5pPr marL="2057400" indent="-228600" algn="l" defTabSz="457200" rtl="0" eaLnBrk="1" latinLnBrk="0" hangingPunct="1">
         <a:spcBef>
-          <a:spcPts val="500"/>
+          <a:spcPts val="1000"/>
         </a:spcBef>
-        <a:buFont typeface="Arial" panose="020B0604020202020204" pitchFamily="34" charset="0"/>
-        <a:buChar char="•"/>
-        <a:defRPr sz="1800" kern="1200">
+        <a:spcAft>
+          <a:spcPts val="0"/>
+        </a:spcAft>
+        <a:buClr>
+          <a:schemeClr val="accent1"/>
+        </a:buClr>
+        <a:buSzPct val="80000"/>
+        <a:buFont typeface="Wingdings 3" charset="2"/>
+        <a:buChar char=""/>
+        <a:defRPr sz="1200" kern="1200">
           <a:solidFill>
-            <a:schemeClr val="tx1"/>
+            <a:schemeClr val="tx1">
+              <a:lumMod val="75000"/>
+              <a:lumOff val="25000"/>
+            </a:schemeClr>
           </a:solidFill>
           <a:latin typeface="+mn-lt"/>
           <a:ea typeface="+mn-ea"/>
           <a:cs typeface="+mn-cs"/>
         </a:defRPr>
       </a:lvl5pPr>
-      <a:lvl6pPr marL="2514600" indent="-228600" algn="l" defTabSz="914400" rtl="0" eaLnBrk="1" latinLnBrk="0" hangingPunct="1">
-        <a:lnSpc>
-          <a:spcPct val="90000"/>
-        </a:lnSpc>
+      <a:lvl6pPr marL="2514600" indent="-228600" algn="l" defTabSz="457200" rtl="0" eaLnBrk="1" latinLnBrk="0" hangingPunct="1">
         <a:spcBef>
-          <a:spcPts val="500"/>
+          <a:spcPts val="1000"/>
         </a:spcBef>
-        <a:buFont typeface="Arial" panose="020B0604020202020204" pitchFamily="34" charset="0"/>
-        <a:buChar char="•"/>
-        <a:defRPr sz="1800" kern="1200">
+        <a:spcAft>
+          <a:spcPts val="0"/>
+        </a:spcAft>
+        <a:buClr>
+          <a:schemeClr val="accent1"/>
+        </a:buClr>
+        <a:buSzPct val="80000"/>
+        <a:buFont typeface="Wingdings 3" charset="2"/>
+        <a:buChar char=""/>
+        <a:defRPr sz="1200" kern="1200">
           <a:solidFill>
-            <a:schemeClr val="tx1"/>
+            <a:schemeClr val="tx1">
+              <a:lumMod val="75000"/>
+              <a:lumOff val="25000"/>
+            </a:schemeClr>
           </a:solidFill>
           <a:latin typeface="+mn-lt"/>
           <a:ea typeface="+mn-ea"/>
           <a:cs typeface="+mn-cs"/>
         </a:defRPr>
       </a:lvl6pPr>
-      <a:lvl7pPr marL="2971800" indent="-228600" algn="l" defTabSz="914400" rtl="0" eaLnBrk="1" latinLnBrk="0" hangingPunct="1">
-        <a:lnSpc>
-          <a:spcPct val="90000"/>
-        </a:lnSpc>
+      <a:lvl7pPr marL="2971800" indent="-228600" algn="l" defTabSz="457200" rtl="0" eaLnBrk="1" latinLnBrk="0" hangingPunct="1">
         <a:spcBef>
-          <a:spcPts val="500"/>
+          <a:spcPts val="1000"/>
         </a:spcBef>
-        <a:buFont typeface="Arial" panose="020B0604020202020204" pitchFamily="34" charset="0"/>
-        <a:buChar char="•"/>
-        <a:defRPr sz="1800" kern="1200">
+        <a:spcAft>
+          <a:spcPts val="0"/>
+        </a:spcAft>
+        <a:buClr>
+          <a:schemeClr val="accent1"/>
+        </a:buClr>
+        <a:buSzPct val="80000"/>
+        <a:buFont typeface="Wingdings 3" charset="2"/>
+        <a:buChar char=""/>
+        <a:defRPr sz="1200" kern="1200">
           <a:solidFill>
-            <a:schemeClr val="tx1"/>
+            <a:schemeClr val="tx1">
+              <a:lumMod val="75000"/>
+              <a:lumOff val="25000"/>
+            </a:schemeClr>
           </a:solidFill>
           <a:latin typeface="+mn-lt"/>
           <a:ea typeface="+mn-ea"/>
           <a:cs typeface="+mn-cs"/>
         </a:defRPr>
       </a:lvl7pPr>
-      <a:lvl8pPr marL="3429000" indent="-228600" algn="l" defTabSz="914400" rtl="0" eaLnBrk="1" latinLnBrk="0" hangingPunct="1">
-        <a:lnSpc>
-          <a:spcPct val="90000"/>
-        </a:lnSpc>
+      <a:lvl8pPr marL="3429000" indent="-228600" algn="l" defTabSz="457200" rtl="0" eaLnBrk="1" latinLnBrk="0" hangingPunct="1">
         <a:spcBef>
-          <a:spcPts val="500"/>
+          <a:spcPts val="1000"/>
         </a:spcBef>
-        <a:buFont typeface="Arial" panose="020B0604020202020204" pitchFamily="34" charset="0"/>
-        <a:buChar char="•"/>
-        <a:defRPr sz="1800" kern="1200">
+        <a:spcAft>
+          <a:spcPts val="0"/>
+        </a:spcAft>
+        <a:buClr>
+          <a:schemeClr val="accent1"/>
+        </a:buClr>
+        <a:buSzPct val="80000"/>
+        <a:buFont typeface="Wingdings 3" charset="2"/>
+        <a:buChar char=""/>
+        <a:defRPr sz="1200" kern="1200">
           <a:solidFill>
-            <a:schemeClr val="tx1"/>
+            <a:schemeClr val="tx1">
+              <a:lumMod val="75000"/>
+              <a:lumOff val="25000"/>
+            </a:schemeClr>
           </a:solidFill>
           <a:latin typeface="+mn-lt"/>
           <a:ea typeface="+mn-ea"/>
           <a:cs typeface="+mn-cs"/>
         </a:defRPr>
       </a:lvl8pPr>
-      <a:lvl9pPr marL="3886200" indent="-228600" algn="l" defTabSz="914400" rtl="0" eaLnBrk="1" latinLnBrk="0" hangingPunct="1">
-        <a:lnSpc>
-          <a:spcPct val="90000"/>
-        </a:lnSpc>
+      <a:lvl9pPr marL="3886200" indent="-228600" algn="l" defTabSz="457200" rtl="0" eaLnBrk="1" latinLnBrk="0" hangingPunct="1">
         <a:spcBef>
-          <a:spcPts val="500"/>
+          <a:spcPts val="1000"/>
         </a:spcBef>
-        <a:buFont typeface="Arial" panose="020B0604020202020204" pitchFamily="34" charset="0"/>
-        <a:buChar char="•"/>
-        <a:defRPr sz="1800" kern="1200">
+        <a:spcAft>
+          <a:spcPts val="0"/>
+        </a:spcAft>
+        <a:buClr>
+          <a:schemeClr val="accent1"/>
+        </a:buClr>
+        <a:buSzPct val="80000"/>
+        <a:buFont typeface="Wingdings 3" charset="2"/>
+        <a:buChar char=""/>
+        <a:defRPr sz="1200" kern="1200">
           <a:solidFill>
-            <a:schemeClr val="tx1"/>
+            <a:schemeClr val="tx1">
+              <a:lumMod val="75000"/>
+              <a:lumOff val="25000"/>
+            </a:schemeClr>
           </a:solidFill>
           <a:latin typeface="+mn-lt"/>
           <a:ea typeface="+mn-ea"/>
@@ -12615,7 +15118,7 @@
       <a:defPPr>
         <a:defRPr lang="en-US"/>
       </a:defPPr>
-      <a:lvl1pPr marL="0" algn="l" defTabSz="914400" rtl="0" eaLnBrk="1" latinLnBrk="0" hangingPunct="1">
+      <a:lvl1pPr marL="0" algn="l" defTabSz="457200" rtl="0" eaLnBrk="1" latinLnBrk="0" hangingPunct="1">
         <a:defRPr sz="1800" kern="1200">
           <a:solidFill>
             <a:schemeClr val="tx1"/>
@@ -12625,7 +15128,7 @@
           <a:cs typeface="+mn-cs"/>
         </a:defRPr>
       </a:lvl1pPr>
-      <a:lvl2pPr marL="457200" algn="l" defTabSz="914400" rtl="0" eaLnBrk="1" latinLnBrk="0" hangingPunct="1">
+      <a:lvl2pPr marL="457200" algn="l" defTabSz="457200" rtl="0" eaLnBrk="1" latinLnBrk="0" hangingPunct="1">
         <a:defRPr sz="1800" kern="1200">
           <a:solidFill>
             <a:schemeClr val="tx1"/>
@@ -12635,7 +15138,7 @@
           <a:cs typeface="+mn-cs"/>
         </a:defRPr>
       </a:lvl2pPr>
-      <a:lvl3pPr marL="914400" algn="l" defTabSz="914400" rtl="0" eaLnBrk="1" latinLnBrk="0" hangingPunct="1">
+      <a:lvl3pPr marL="914400" algn="l" defTabSz="457200" rtl="0" eaLnBrk="1" latinLnBrk="0" hangingPunct="1">
         <a:defRPr sz="1800" kern="1200">
           <a:solidFill>
             <a:schemeClr val="tx1"/>
@@ -12645,7 +15148,7 @@
           <a:cs typeface="+mn-cs"/>
         </a:defRPr>
       </a:lvl3pPr>
-      <a:lvl4pPr marL="1371600" algn="l" defTabSz="914400" rtl="0" eaLnBrk="1" latinLnBrk="0" hangingPunct="1">
+      <a:lvl4pPr marL="1371600" algn="l" defTabSz="457200" rtl="0" eaLnBrk="1" latinLnBrk="0" hangingPunct="1">
         <a:defRPr sz="1800" kern="1200">
           <a:solidFill>
             <a:schemeClr val="tx1"/>
@@ -12655,7 +15158,7 @@
           <a:cs typeface="+mn-cs"/>
         </a:defRPr>
       </a:lvl4pPr>
-      <a:lvl5pPr marL="1828800" algn="l" defTabSz="914400" rtl="0" eaLnBrk="1" latinLnBrk="0" hangingPunct="1">
+      <a:lvl5pPr marL="1828800" algn="l" defTabSz="457200" rtl="0" eaLnBrk="1" latinLnBrk="0" hangingPunct="1">
         <a:defRPr sz="1800" kern="1200">
           <a:solidFill>
             <a:schemeClr val="tx1"/>
@@ -12665,7 +15168,7 @@
           <a:cs typeface="+mn-cs"/>
         </a:defRPr>
       </a:lvl5pPr>
-      <a:lvl6pPr marL="2286000" algn="l" defTabSz="914400" rtl="0" eaLnBrk="1" latinLnBrk="0" hangingPunct="1">
+      <a:lvl6pPr marL="2286000" algn="l" defTabSz="457200" rtl="0" eaLnBrk="1" latinLnBrk="0" hangingPunct="1">
         <a:defRPr sz="1800" kern="1200">
           <a:solidFill>
             <a:schemeClr val="tx1"/>
@@ -12675,7 +15178,7 @@
           <a:cs typeface="+mn-cs"/>
         </a:defRPr>
       </a:lvl6pPr>
-      <a:lvl7pPr marL="2743200" algn="l" defTabSz="914400" rtl="0" eaLnBrk="1" latinLnBrk="0" hangingPunct="1">
+      <a:lvl7pPr marL="2743200" algn="l" defTabSz="457200" rtl="0" eaLnBrk="1" latinLnBrk="0" hangingPunct="1">
         <a:defRPr sz="1800" kern="1200">
           <a:solidFill>
             <a:schemeClr val="tx1"/>
@@ -12685,7 +15188,7 @@
           <a:cs typeface="+mn-cs"/>
         </a:defRPr>
       </a:lvl7pPr>
-      <a:lvl8pPr marL="3200400" algn="l" defTabSz="914400" rtl="0" eaLnBrk="1" latinLnBrk="0" hangingPunct="1">
+      <a:lvl8pPr marL="3200400" algn="l" defTabSz="457200" rtl="0" eaLnBrk="1" latinLnBrk="0" hangingPunct="1">
         <a:defRPr sz="1800" kern="1200">
           <a:solidFill>
             <a:schemeClr val="tx1"/>
@@ -12695,7 +15198,7 @@
           <a:cs typeface="+mn-cs"/>
         </a:defRPr>
       </a:lvl8pPr>
-      <a:lvl9pPr marL="3657600" algn="l" defTabSz="914400" rtl="0" eaLnBrk="1" latinLnBrk="0" hangingPunct="1">
+      <a:lvl9pPr marL="3657600" algn="l" defTabSz="457200" rtl="0" eaLnBrk="1" latinLnBrk="0" hangingPunct="1">
         <a:defRPr sz="1800" kern="1200">
           <a:solidFill>
             <a:schemeClr val="tx1"/>
@@ -16916,15 +19419,14 @@
               </a:ext>
             </a:extLst>
           </a:blip>
-          <a:srcRect/>
           <a:stretch>
             <a:fillRect/>
           </a:stretch>
         </p:blipFill>
         <p:spPr bwMode="auto">
           <a:xfrm>
-            <a:off x="3619809" y="1937802"/>
-            <a:ext cx="4952381" cy="4126984"/>
+            <a:off x="2647157" y="2160588"/>
+            <a:ext cx="4657724" cy="3881437"/>
           </a:xfrm>
           <a:prstGeom prst="rect">
             <a:avLst/>
@@ -17109,15 +19611,14 @@
               </a:ext>
             </a:extLst>
           </a:blip>
-          <a:srcRect/>
           <a:stretch>
             <a:fillRect/>
           </a:stretch>
         </p:blipFill>
         <p:spPr bwMode="auto">
           <a:xfrm>
-            <a:off x="3897994" y="1825625"/>
-            <a:ext cx="4396012" cy="4351338"/>
+            <a:off x="3015375" y="2160588"/>
+            <a:ext cx="3921287" cy="3881437"/>
           </a:xfrm>
           <a:prstGeom prst="rect">
             <a:avLst/>
@@ -17298,8 +19799,8 @@
         </p:blipFill>
         <p:spPr>
           <a:xfrm>
-            <a:off x="3191975" y="1825625"/>
-            <a:ext cx="5808049" cy="4351338"/>
+            <a:off x="2385600" y="2160588"/>
+            <a:ext cx="5180838" cy="3881437"/>
           </a:xfrm>
           <a:prstGeom prst="rect">
             <a:avLst/>
@@ -17856,15 +20357,14 @@
               </a:ext>
             </a:extLst>
           </a:blip>
-          <a:srcRect/>
           <a:stretch>
             <a:fillRect/>
           </a:stretch>
         </p:blipFill>
         <p:spPr bwMode="auto">
           <a:xfrm>
-            <a:off x="3642475" y="1825625"/>
-            <a:ext cx="4907050" cy="4351338"/>
+            <a:off x="2787450" y="2160588"/>
+            <a:ext cx="4377138" cy="3881437"/>
           </a:xfrm>
           <a:prstGeom prst="rect">
             <a:avLst/>
@@ -18278,8 +20778,8 @@
         </p:blipFill>
         <p:spPr>
           <a:xfrm>
-            <a:off x="2924175" y="2039144"/>
-            <a:ext cx="6343650" cy="3924300"/>
+            <a:off x="1838838" y="2160588"/>
+            <a:ext cx="6274361" cy="3881437"/>
           </a:xfrm>
           <a:prstGeom prst="rect">
             <a:avLst/>
@@ -18373,14 +20873,13 @@
               </a:ext>
             </a:extLst>
           </a:blip>
-          <a:srcRect/>
           <a:stretch>
             <a:fillRect/>
           </a:stretch>
         </p:blipFill>
         <p:spPr bwMode="auto">
           <a:xfrm>
-            <a:off x="2540444" y="2521929"/>
+            <a:off x="1420463" y="2621941"/>
             <a:ext cx="7111111" cy="2958730"/>
           </a:xfrm>
           <a:prstGeom prst="rect">
@@ -18554,8 +21053,8 @@
         </p:blipFill>
         <p:spPr>
           <a:xfrm>
-            <a:off x="3624262" y="1877219"/>
-            <a:ext cx="4943475" cy="4248150"/>
+            <a:off x="2717649" y="2160588"/>
+            <a:ext cx="4516739" cy="3881437"/>
           </a:xfrm>
           <a:prstGeom prst="rect">
             <a:avLst/>
@@ -18731,8 +21230,8 @@
         </p:blipFill>
         <p:spPr>
           <a:xfrm>
-            <a:off x="3116279" y="1825625"/>
-            <a:ext cx="5959441" cy="4351338"/>
+            <a:off x="2318079" y="2160588"/>
+            <a:ext cx="5315880" cy="3881437"/>
           </a:xfrm>
         </p:spPr>
       </p:pic>
@@ -18892,8 +21391,8 @@
         </p:blipFill>
         <p:spPr>
           <a:xfrm>
-            <a:off x="3000375" y="1991519"/>
-            <a:ext cx="6191250" cy="4019550"/>
+            <a:off x="1986761" y="2160588"/>
+            <a:ext cx="5978516" cy="3881437"/>
           </a:xfrm>
           <a:prstGeom prst="rect">
             <a:avLst/>
@@ -19791,8 +22290,8 @@
         </p:blipFill>
         <p:spPr>
           <a:xfrm>
-            <a:off x="2895600" y="1901031"/>
-            <a:ext cx="6400800" cy="4200525"/>
+            <a:off x="2018734" y="2160588"/>
+            <a:ext cx="5914570" cy="3881437"/>
           </a:xfrm>
           <a:prstGeom prst="rect">
             <a:avLst/>
@@ -19955,8 +22454,8 @@
         </p:blipFill>
         <p:spPr>
           <a:xfrm>
-            <a:off x="3320627" y="1825625"/>
-            <a:ext cx="5550745" cy="4351338"/>
+            <a:off x="2500359" y="2160588"/>
+            <a:ext cx="4951320" cy="3881437"/>
           </a:xfrm>
           <a:prstGeom prst="rect">
             <a:avLst/>
@@ -20119,8 +22618,8 @@
         </p:blipFill>
         <p:spPr>
           <a:xfrm>
-            <a:off x="3208966" y="1825625"/>
-            <a:ext cx="5774068" cy="4351338"/>
+            <a:off x="2400756" y="2160588"/>
+            <a:ext cx="5150526" cy="3881437"/>
           </a:xfrm>
           <a:prstGeom prst="rect">
             <a:avLst/>
@@ -20300,8 +22799,8 @@
         </p:blipFill>
         <p:spPr>
           <a:xfrm>
-            <a:off x="2789381" y="1600244"/>
-            <a:ext cx="6613238" cy="4802100"/>
+            <a:off x="2303348" y="2160588"/>
+            <a:ext cx="5345341" cy="3881437"/>
           </a:xfrm>
           <a:prstGeom prst="rect">
             <a:avLst/>
@@ -23199,8 +25698,8 @@
         </p:blipFill>
         <p:spPr>
           <a:xfrm>
-            <a:off x="1093264" y="1825625"/>
-            <a:ext cx="10005471" cy="4351338"/>
+            <a:off x="677863" y="2232056"/>
+            <a:ext cx="8596312" cy="3738500"/>
           </a:xfrm>
         </p:spPr>
       </p:pic>
@@ -23471,7 +25970,9 @@
         </p:nvSpPr>
         <p:spPr/>
         <p:txBody>
-          <a:bodyPr/>
+          <a:bodyPr>
+            <a:normAutofit fontScale="92500" lnSpcReduction="20000"/>
+          </a:bodyPr>
           <a:lstStyle/>
           <a:p>
             <a:pPr marL="0" indent="0">
@@ -36877,9 +39378,9 @@
 </file>
 
 <file path=ppt/theme/theme1.xml><?xml version="1.0" encoding="utf-8"?>
-<a:theme xmlns:a="http://schemas.openxmlformats.org/drawingml/2006/main" name="Office Theme">
+<a:theme xmlns:a="http://schemas.openxmlformats.org/drawingml/2006/main" name="Facet">
   <a:themeElements>
-    <a:clrScheme name="Office">
+    <a:clrScheme name="Blue">
       <a:dk1>
         <a:sysClr val="windowText" lastClr="000000"/>
       </a:dk1>
@@ -36887,52 +39388,52 @@
         <a:sysClr val="window" lastClr="FFFFFF"/>
       </a:lt1>
       <a:dk2>
-        <a:srgbClr val="0E2841"/>
+        <a:srgbClr val="17406D"/>
       </a:dk2>
       <a:lt2>
-        <a:srgbClr val="E8E8E8"/>
+        <a:srgbClr val="DBEFF9"/>
       </a:lt2>
       <a:accent1>
-        <a:srgbClr val="156082"/>
+        <a:srgbClr val="0F6FC6"/>
       </a:accent1>
       <a:accent2>
-        <a:srgbClr val="E97132"/>
+        <a:srgbClr val="009DD9"/>
       </a:accent2>
       <a:accent3>
-        <a:srgbClr val="196B24"/>
+        <a:srgbClr val="0BD0D9"/>
       </a:accent3>
       <a:accent4>
-        <a:srgbClr val="0F9ED5"/>
+        <a:srgbClr val="10CF9B"/>
       </a:accent4>
       <a:accent5>
-        <a:srgbClr val="A02B93"/>
+        <a:srgbClr val="7CCA62"/>
       </a:accent5>
       <a:accent6>
-        <a:srgbClr val="4EA72E"/>
+        <a:srgbClr val="A5C249"/>
       </a:accent6>
       <a:hlink>
-        <a:srgbClr val="467886"/>
+        <a:srgbClr val="F49100"/>
       </a:hlink>
       <a:folHlink>
-        <a:srgbClr val="96607D"/>
+        <a:srgbClr val="85DFD0"/>
       </a:folHlink>
     </a:clrScheme>
-    <a:fontScheme name="Office">
+    <a:fontScheme name="Facet">
       <a:majorFont>
-        <a:latin typeface="Aptos Display" panose="02110004020202020204"/>
+        <a:latin typeface="Trebuchet MS" panose="020B0603020202020204"/>
         <a:ea typeface=""/>
         <a:cs typeface=""/>
-        <a:font script="Jpan" typeface="游ゴシック Light"/>
+        <a:font script="Jpan" typeface="メイリオ"/>
         <a:font script="Hang" typeface="맑은 고딕"/>
-        <a:font script="Hans" typeface="等线 Light"/>
-        <a:font script="Hant" typeface="新細明體"/>
-        <a:font script="Arab" typeface="Times New Roman"/>
-        <a:font script="Hebr" typeface="Times New Roman"/>
-        <a:font script="Thai" typeface="Angsana New"/>
+        <a:font script="Hans" typeface="方正姚体"/>
+        <a:font script="Hant" typeface="微軟正黑體"/>
+        <a:font script="Arab" typeface="Tahoma"/>
+        <a:font script="Hebr" typeface="Arial"/>
+        <a:font script="Thai" typeface="Cordia New"/>
         <a:font script="Ethi" typeface="Nyala"/>
         <a:font script="Beng" typeface="Vrinda"/>
         <a:font script="Gujr" typeface="Shruti"/>
-        <a:font script="Khmr" typeface="MoolBoran"/>
+        <a:font script="Khmr" typeface="DaunPenh"/>
         <a:font script="Knda" typeface="Tunga"/>
         <a:font script="Guru" typeface="Raavi"/>
         <a:font script="Cans" typeface="Euphemia"/>
@@ -36949,38 +39450,21 @@
         <a:font script="Laoo" typeface="DokChampa"/>
         <a:font script="Sinh" typeface="Iskoola Pota"/>
         <a:font script="Mong" typeface="Mongolian Baiti"/>
-        <a:font script="Viet" typeface="Times New Roman"/>
+        <a:font script="Viet" typeface="Tahoma"/>
         <a:font script="Uigh" typeface="Microsoft Uighur"/>
         <a:font script="Geor" typeface="Sylfaen"/>
-        <a:font script="Armn" typeface="Arial"/>
-        <a:font script="Bugi" typeface="Leelawadee UI"/>
-        <a:font script="Bopo" typeface="Microsoft JhengHei"/>
-        <a:font script="Java" typeface="Javanese Text"/>
-        <a:font script="Lisu" typeface="Segoe UI"/>
-        <a:font script="Mymr" typeface="Myanmar Text"/>
-        <a:font script="Nkoo" typeface="Ebrima"/>
-        <a:font script="Olck" typeface="Nirmala UI"/>
-        <a:font script="Osma" typeface="Ebrima"/>
-        <a:font script="Phag" typeface="Phagspa"/>
-        <a:font script="Syrn" typeface="Estrangelo Edessa"/>
-        <a:font script="Syrj" typeface="Estrangelo Edessa"/>
-        <a:font script="Syre" typeface="Estrangelo Edessa"/>
-        <a:font script="Sora" typeface="Nirmala UI"/>
-        <a:font script="Tale" typeface="Microsoft Tai Le"/>
-        <a:font script="Talu" typeface="Microsoft New Tai Lue"/>
-        <a:font script="Tfng" typeface="Ebrima"/>
       </a:majorFont>
       <a:minorFont>
-        <a:latin typeface="Aptos" panose="02110004020202020204"/>
+        <a:latin typeface="Trebuchet MS" panose="020B0603020202020204"/>
         <a:ea typeface=""/>
         <a:cs typeface=""/>
-        <a:font script="Jpan" typeface="游ゴシック"/>
-        <a:font script="Hang" typeface="맑은 고딕"/>
-        <a:font script="Hans" typeface="等线"/>
-        <a:font script="Hant" typeface="新細明體"/>
-        <a:font script="Arab" typeface="Arial"/>
-        <a:font script="Hebr" typeface="Arial"/>
-        <a:font script="Thai" typeface="Cordia New"/>
+        <a:font script="Jpan" typeface="メイリオ"/>
+        <a:font script="Hang" typeface="HY그래픽M"/>
+        <a:font script="Hans" typeface="华文新魏"/>
+        <a:font script="Hant" typeface="微軟正黑體"/>
+        <a:font script="Arab" typeface="Tahoma"/>
+        <a:font script="Hebr" typeface="Gisha"/>
+        <a:font script="Thai" typeface="IrisUPC"/>
         <a:font script="Ethi" typeface="Nyala"/>
         <a:font script="Beng" typeface="Vrinda"/>
         <a:font script="Gujr" typeface="Shruti"/>
@@ -37004,26 +39488,9 @@
         <a:font script="Viet" typeface="Arial"/>
         <a:font script="Uigh" typeface="Microsoft Uighur"/>
         <a:font script="Geor" typeface="Sylfaen"/>
-        <a:font script="Armn" typeface="Arial"/>
-        <a:font script="Bugi" typeface="Leelawadee UI"/>
-        <a:font script="Bopo" typeface="Microsoft JhengHei"/>
-        <a:font script="Java" typeface="Javanese Text"/>
-        <a:font script="Lisu" typeface="Segoe UI"/>
-        <a:font script="Mymr" typeface="Myanmar Text"/>
-        <a:font script="Nkoo" typeface="Ebrima"/>
-        <a:font script="Olck" typeface="Nirmala UI"/>
-        <a:font script="Osma" typeface="Ebrima"/>
-        <a:font script="Phag" typeface="Phagspa"/>
-        <a:font script="Syrn" typeface="Estrangelo Edessa"/>
-        <a:font script="Syrj" typeface="Estrangelo Edessa"/>
-        <a:font script="Syre" typeface="Estrangelo Edessa"/>
-        <a:font script="Sora" typeface="Nirmala UI"/>
-        <a:font script="Tale" typeface="Microsoft Tai Le"/>
-        <a:font script="Talu" typeface="Microsoft New Tai Lue"/>
-        <a:font script="Tfng" typeface="Ebrima"/>
       </a:minorFont>
     </a:fontScheme>
-    <a:fmtScheme name="Office">
+    <a:fmtScheme name="Facet">
       <a:fillStyleLst>
         <a:solidFill>
           <a:schemeClr val="phClr"/>
@@ -37032,23 +39499,13 @@
           <a:gsLst>
             <a:gs pos="0">
               <a:schemeClr val="phClr">
+                <a:tint val="65000"/>
                 <a:lumMod val="110000"/>
-                <a:satMod val="105000"/>
-                <a:tint val="67000"/>
               </a:schemeClr>
             </a:gs>
-            <a:gs pos="50000">
+            <a:gs pos="88000">
               <a:schemeClr val="phClr">
-                <a:lumMod val="105000"/>
-                <a:satMod val="103000"/>
-                <a:tint val="73000"/>
-              </a:schemeClr>
-            </a:gs>
-            <a:gs pos="100000">
-              <a:schemeClr val="phClr">
-                <a:lumMod val="105000"/>
-                <a:satMod val="109000"/>
-                <a:tint val="81000"/>
+                <a:tint val="90000"/>
               </a:schemeClr>
             </a:gs>
           </a:gsLst>
@@ -37058,23 +39515,14 @@
           <a:gsLst>
             <a:gs pos="0">
               <a:schemeClr val="phClr">
-                <a:satMod val="103000"/>
-                <a:lumMod val="102000"/>
-                <a:tint val="94000"/>
+                <a:tint val="96000"/>
+                <a:lumMod val="100000"/>
               </a:schemeClr>
             </a:gs>
-            <a:gs pos="50000">
+            <a:gs pos="78000">
               <a:schemeClr val="phClr">
-                <a:satMod val="110000"/>
-                <a:lumMod val="100000"/>
-                <a:shade val="100000"/>
-              </a:schemeClr>
-            </a:gs>
-            <a:gs pos="100000">
-              <a:schemeClr val="phClr">
-                <a:lumMod val="99000"/>
-                <a:satMod val="120000"/>
-                <a:shade val="78000"/>
+                <a:shade val="94000"/>
+                <a:lumMod val="94000"/>
               </a:schemeClr>
             </a:gs>
           </a:gsLst>
@@ -37082,26 +39530,23 @@
         </a:gradFill>
       </a:fillStyleLst>
       <a:lnStyleLst>
-        <a:ln w="12700" cap="flat" cmpd="sng" algn="ctr">
+        <a:ln w="12700" cap="rnd" cmpd="sng" algn="ctr">
           <a:solidFill>
             <a:schemeClr val="phClr"/>
           </a:solidFill>
           <a:prstDash val="solid"/>
-          <a:miter lim="800000"/>
         </a:ln>
-        <a:ln w="19050" cap="flat" cmpd="sng" algn="ctr">
+        <a:ln w="19050" cap="rnd" cmpd="sng" algn="ctr">
           <a:solidFill>
             <a:schemeClr val="phClr"/>
           </a:solidFill>
           <a:prstDash val="solid"/>
-          <a:miter lim="800000"/>
         </a:ln>
-        <a:ln w="25400" cap="flat" cmpd="sng" algn="ctr">
+        <a:ln w="25400" cap="rnd" cmpd="sng" algn="ctr">
           <a:solidFill>
             <a:schemeClr val="phClr"/>
           </a:solidFill>
           <a:prstDash val="solid"/>
-          <a:miter lim="800000"/>
         </a:ln>
       </a:lnStyleLst>
       <a:effectStyleLst>
@@ -37109,83 +39554,81 @@
           <a:effectLst/>
         </a:effectStyle>
         <a:effectStyle>
-          <a:effectLst/>
+          <a:effectLst>
+            <a:outerShdw blurRad="38100" dist="25400" dir="5400000" rotWithShape="0">
+              <a:srgbClr val="000000">
+                <a:alpha val="35000"/>
+              </a:srgbClr>
+            </a:outerShdw>
+          </a:effectLst>
         </a:effectStyle>
         <a:effectStyle>
           <a:effectLst>
-            <a:outerShdw blurRad="57150" dist="19050" dir="5400000" algn="ctr" rotWithShape="0">
+            <a:outerShdw blurRad="50800" dist="38100" dir="5400000" rotWithShape="0">
               <a:srgbClr val="000000">
-                <a:alpha val="63000"/>
+                <a:alpha val="35000"/>
               </a:srgbClr>
             </a:outerShdw>
           </a:effectLst>
+          <a:scene3d>
+            <a:camera prst="orthographicFront">
+              <a:rot lat="0" lon="0" rev="0"/>
+            </a:camera>
+            <a:lightRig rig="threePt" dir="tl"/>
+          </a:scene3d>
+          <a:sp3d prstMaterial="plastic">
+            <a:bevelT w="0" h="0"/>
+          </a:sp3d>
         </a:effectStyle>
       </a:effectStyleLst>
       <a:bgFillStyleLst>
         <a:solidFill>
           <a:schemeClr val="phClr"/>
         </a:solidFill>
-        <a:solidFill>
-          <a:schemeClr val="phClr">
-            <a:tint val="95000"/>
-            <a:satMod val="170000"/>
-          </a:schemeClr>
-        </a:solidFill>
         <a:gradFill rotWithShape="1">
           <a:gsLst>
             <a:gs pos="0">
               <a:schemeClr val="phClr">
-                <a:tint val="93000"/>
-                <a:satMod val="150000"/>
-                <a:shade val="98000"/>
-                <a:lumMod val="102000"/>
+                <a:tint val="90000"/>
+                <a:lumMod val="104000"/>
               </a:schemeClr>
             </a:gs>
-            <a:gs pos="50000">
+            <a:gs pos="94000">
               <a:schemeClr val="phClr">
-                <a:tint val="98000"/>
-                <a:satMod val="130000"/>
-                <a:shade val="90000"/>
-                <a:lumMod val="103000"/>
-              </a:schemeClr>
-            </a:gs>
-            <a:gs pos="100000">
-              <a:schemeClr val="phClr">
-                <a:shade val="63000"/>
-                <a:satMod val="120000"/>
+                <a:shade val="96000"/>
+                <a:lumMod val="82000"/>
               </a:schemeClr>
             </a:gs>
           </a:gsLst>
           <a:lin ang="5400000" scaled="0"/>
         </a:gradFill>
+        <a:gradFill rotWithShape="1">
+          <a:gsLst>
+            <a:gs pos="0">
+              <a:schemeClr val="phClr">
+                <a:tint val="90000"/>
+                <a:lumMod val="110000"/>
+              </a:schemeClr>
+            </a:gs>
+            <a:gs pos="100000">
+              <a:schemeClr val="phClr">
+                <a:shade val="94000"/>
+                <a:lumMod val="96000"/>
+              </a:schemeClr>
+            </a:gs>
+          </a:gsLst>
+          <a:path path="circle">
+            <a:fillToRect l="50000" t="50000" r="100000" b="100000"/>
+          </a:path>
+        </a:gradFill>
       </a:bgFillStyleLst>
     </a:fmtScheme>
   </a:themeElements>
-  <a:objectDefaults>
-    <a:lnDef>
-      <a:spPr/>
-      <a:bodyPr/>
-      <a:lstStyle/>
-      <a:style>
-        <a:lnRef idx="2">
-          <a:schemeClr val="accent1"/>
-        </a:lnRef>
-        <a:fillRef idx="0">
-          <a:schemeClr val="accent1"/>
-        </a:fillRef>
-        <a:effectRef idx="1">
-          <a:schemeClr val="accent1"/>
-        </a:effectRef>
-        <a:fontRef idx="minor">
-          <a:schemeClr val="tx1"/>
-        </a:fontRef>
-      </a:style>
-    </a:lnDef>
-  </a:objectDefaults>
+  <a:objectDefaults/>
   <a:extraClrSchemeLst/>
   <a:extLst>
     <a:ext uri="{05A4C25C-085E-4340-85A3-A5531E510DB2}">
-      <thm15:themeFamily xmlns:thm15="http://schemas.microsoft.com/office/thememl/2012/main" name="Office Theme" id="{2E142A2C-CD16-42D6-873A-C26D2A0506FA}" vid="{1BDDFF52-6CD6-40A5-AB3C-68EB2F1E4D0A}"/>
+      <thm15:themeFamily xmlns:thm15="http://schemas.microsoft.com/office/thememl/2012/main" name="Facet" id="{C0C680CD-088A-49FC-A102-D699147F32B2}" vid="{CFBC31BA-B70F-4F30-BCAA-4F3011E16C4D}"/>
     </a:ext>
   </a:extLst>
 </a:theme>
